--- a/quizzes/quiz_3/quantum_challenge_quiz_3.pptx
+++ b/quizzes/quiz_3/quantum_challenge_quiz_3.pptx
@@ -5,7 +5,7 @@
     <p:sldMasterId id="2147483660" r:id="rId1"/>
   </p:sldMasterIdLst>
   <p:sldIdLst>
-    <p:sldId id="265" r:id="rId2"/>
+    <p:sldId id="271" r:id="rId2"/>
   </p:sldIdLst>
   <p:sldSz cx="9906000" cy="6858000" type="A4"/>
   <p:notesSz cx="6858000" cy="9144000"/>
@@ -243,7 +243,7 @@
           <a:p>
             <a:fld id="{F73B37C0-7A36-9F4A-B6CD-6D30F1BC3316}" type="datetimeFigureOut">
               <a:rPr kumimoji="1" lang="ja-JP" altLang="en-US" smtClean="0"/>
-              <a:t>2020/11/23</a:t>
+              <a:t>2020/11/25</a:t>
             </a:fld>
             <a:endParaRPr kumimoji="1" lang="ja-JP" altLang="en-US"/>
           </a:p>
@@ -445,7 +445,7 @@
           <a:p>
             <a:fld id="{F73B37C0-7A36-9F4A-B6CD-6D30F1BC3316}" type="datetimeFigureOut">
               <a:rPr kumimoji="1" lang="ja-JP" altLang="en-US" smtClean="0"/>
-              <a:t>2020/11/23</a:t>
+              <a:t>2020/11/25</a:t>
             </a:fld>
             <a:endParaRPr kumimoji="1" lang="ja-JP" altLang="en-US"/>
           </a:p>
@@ -657,7 +657,7 @@
           <a:p>
             <a:fld id="{F73B37C0-7A36-9F4A-B6CD-6D30F1BC3316}" type="datetimeFigureOut">
               <a:rPr kumimoji="1" lang="ja-JP" altLang="en-US" smtClean="0"/>
-              <a:t>2020/11/23</a:t>
+              <a:t>2020/11/25</a:t>
             </a:fld>
             <a:endParaRPr kumimoji="1" lang="ja-JP" altLang="en-US"/>
           </a:p>
@@ -859,7 +859,7 @@
           <a:p>
             <a:fld id="{F73B37C0-7A36-9F4A-B6CD-6D30F1BC3316}" type="datetimeFigureOut">
               <a:rPr kumimoji="1" lang="ja-JP" altLang="en-US" smtClean="0"/>
-              <a:t>2020/11/23</a:t>
+              <a:t>2020/11/25</a:t>
             </a:fld>
             <a:endParaRPr kumimoji="1" lang="ja-JP" altLang="en-US"/>
           </a:p>
@@ -1103,7 +1103,7 @@
           <a:p>
             <a:fld id="{F73B37C0-7A36-9F4A-B6CD-6D30F1BC3316}" type="datetimeFigureOut">
               <a:rPr kumimoji="1" lang="ja-JP" altLang="en-US" smtClean="0"/>
-              <a:t>2020/11/23</a:t>
+              <a:t>2020/11/25</a:t>
             </a:fld>
             <a:endParaRPr kumimoji="1" lang="ja-JP" altLang="en-US"/>
           </a:p>
@@ -1399,7 +1399,7 @@
           <a:p>
             <a:fld id="{F73B37C0-7A36-9F4A-B6CD-6D30F1BC3316}" type="datetimeFigureOut">
               <a:rPr kumimoji="1" lang="ja-JP" altLang="en-US" smtClean="0"/>
-              <a:t>2020/11/23</a:t>
+              <a:t>2020/11/25</a:t>
             </a:fld>
             <a:endParaRPr kumimoji="1" lang="ja-JP" altLang="en-US"/>
           </a:p>
@@ -1830,7 +1830,7 @@
           <a:p>
             <a:fld id="{F73B37C0-7A36-9F4A-B6CD-6D30F1BC3316}" type="datetimeFigureOut">
               <a:rPr kumimoji="1" lang="ja-JP" altLang="en-US" smtClean="0"/>
-              <a:t>2020/11/23</a:t>
+              <a:t>2020/11/25</a:t>
             </a:fld>
             <a:endParaRPr kumimoji="1" lang="ja-JP" altLang="en-US"/>
           </a:p>
@@ -1948,7 +1948,7 @@
           <a:p>
             <a:fld id="{F73B37C0-7A36-9F4A-B6CD-6D30F1BC3316}" type="datetimeFigureOut">
               <a:rPr kumimoji="1" lang="ja-JP" altLang="en-US" smtClean="0"/>
-              <a:t>2020/11/23</a:t>
+              <a:t>2020/11/25</a:t>
             </a:fld>
             <a:endParaRPr kumimoji="1" lang="ja-JP" altLang="en-US"/>
           </a:p>
@@ -7037,7 +7037,7 @@
           <a:p>
             <a:fld id="{F73B37C0-7A36-9F4A-B6CD-6D30F1BC3316}" type="datetimeFigureOut">
               <a:rPr kumimoji="1" lang="ja-JP" altLang="en-US" smtClean="0"/>
-              <a:t>2020/11/23</a:t>
+              <a:t>2020/11/25</a:t>
             </a:fld>
             <a:endParaRPr kumimoji="1" lang="ja-JP" altLang="en-US"/>
           </a:p>
@@ -7294,7 +7294,7 @@
           <a:p>
             <a:fld id="{F73B37C0-7A36-9F4A-B6CD-6D30F1BC3316}" type="datetimeFigureOut">
               <a:rPr kumimoji="1" lang="ja-JP" altLang="en-US" smtClean="0"/>
-              <a:t>2020/11/23</a:t>
+              <a:t>2020/11/25</a:t>
             </a:fld>
             <a:endParaRPr kumimoji="1" lang="ja-JP" altLang="en-US"/>
           </a:p>
@@ -7539,7 +7539,7 @@
           <a:p>
             <a:fld id="{F73B37C0-7A36-9F4A-B6CD-6D30F1BC3316}" type="datetimeFigureOut">
               <a:rPr kumimoji="1" lang="ja-JP" altLang="en-US" smtClean="0"/>
-              <a:t>2020/11/23</a:t>
+              <a:t>2020/11/25</a:t>
             </a:fld>
             <a:endParaRPr kumimoji="1" lang="ja-JP" altLang="en-US"/>
           </a:p>
@@ -8033,7 +8033,7 @@
               </a:rPr>
               <a:t>Quantum Challenge 2020</a:t>
             </a:r>
-            <a:endParaRPr kumimoji="1" lang="ja-JP" altLang="en-US" sz="1400" b="1">
+            <a:endParaRPr kumimoji="1" lang="ja-JP" altLang="en-US" sz="1400" b="1" dirty="0">
               <a:solidFill>
                 <a:srgbClr val="002060"/>
               </a:solidFill>
@@ -8336,7 +8336,7 @@
           <p:nvPr>
             <p:extLst>
               <p:ext uri="{D42A27DB-BD31-4B8C-83A1-F6EECF244321}">
-                <p14:modId xmlns:p14="http://schemas.microsoft.com/office/powerpoint/2010/main" val="3962186862"/>
+                <p14:modId xmlns:p14="http://schemas.microsoft.com/office/powerpoint/2010/main" val="2074885419"/>
               </p:ext>
             </p:extLst>
           </p:nvPr>
@@ -8385,14 +8385,14 @@
                     </a:ext>
                   </a:extLst>
                 </a:gridCol>
-                <a:gridCol w="491243">
+                <a:gridCol w="461983">
                   <a:extLst>
                     <a:ext uri="{9D8B030D-6E8A-4147-A177-3AD203B41FA5}">
                       <a16:colId xmlns:a16="http://schemas.microsoft.com/office/drawing/2014/main" val="265441142"/>
                     </a:ext>
                   </a:extLst>
                 </a:gridCol>
-                <a:gridCol w="491243">
+                <a:gridCol w="520503">
                   <a:extLst>
                     <a:ext uri="{9D8B030D-6E8A-4147-A177-3AD203B41FA5}">
                       <a16:colId xmlns:a16="http://schemas.microsoft.com/office/drawing/2014/main" val="3868418145"/>
@@ -8422,6 +8422,1045 @@
                     <a:p>
                       <a:pPr algn="ctr" fontAlgn="ctr"/>
                       <a:r>
+                        <a:rPr lang="en-GB" sz="2400" b="0" i="0" u="none" strike="noStrike" dirty="0">
+                          <a:solidFill>
+                            <a:schemeClr val="tx1"/>
+                          </a:solidFill>
+                          <a:effectLst/>
+                          <a:latin typeface="IBM Plex Sans" panose="020B0503050203000203" pitchFamily="34" charset="0"/>
+                        </a:rPr>
+                        <a:t>I</a:t>
+                      </a:r>
+                      <a:endParaRPr lang="en-JP" sz="2400" b="0" i="0" u="none" strike="noStrike" dirty="0">
+                        <a:solidFill>
+                          <a:schemeClr val="tx1"/>
+                        </a:solidFill>
+                        <a:effectLst/>
+                        <a:latin typeface="IBM Plex Sans" panose="020B0503050203000203" pitchFamily="34" charset="0"/>
+                      </a:endParaRPr>
+                    </a:p>
+                  </a:txBody>
+                  <a:tcPr marL="0" marR="0" marT="0" marB="0" anchor="ctr">
+                    <a:lnL w="12700" cap="flat" cmpd="sng" algn="ctr">
+                      <a:solidFill>
+                        <a:srgbClr val="000000"/>
+                      </a:solidFill>
+                      <a:prstDash val="solid"/>
+                      <a:round/>
+                      <a:headEnd type="none" w="med" len="med"/>
+                      <a:tailEnd type="none" w="med" len="med"/>
+                    </a:lnL>
+                    <a:lnR w="6350" cap="flat" cmpd="sng" algn="ctr">
+                      <a:solidFill>
+                        <a:srgbClr val="AEAAAA"/>
+                      </a:solidFill>
+                      <a:prstDash val="solid"/>
+                      <a:round/>
+                      <a:headEnd type="none" w="med" len="med"/>
+                      <a:tailEnd type="none" w="med" len="med"/>
+                    </a:lnR>
+                    <a:lnT w="12700" cap="flat" cmpd="sng" algn="ctr">
+                      <a:solidFill>
+                        <a:srgbClr val="000000"/>
+                      </a:solidFill>
+                      <a:prstDash val="solid"/>
+                      <a:round/>
+                      <a:headEnd type="none" w="med" len="med"/>
+                      <a:tailEnd type="none" w="med" len="med"/>
+                    </a:lnT>
+                    <a:lnB w="6350" cap="flat" cmpd="sng" algn="ctr">
+                      <a:solidFill>
+                        <a:srgbClr val="AEAAAA"/>
+                      </a:solidFill>
+                      <a:prstDash val="solid"/>
+                      <a:round/>
+                      <a:headEnd type="none" w="med" len="med"/>
+                      <a:tailEnd type="none" w="med" len="med"/>
+                    </a:lnB>
+                  </a:tcPr>
+                </a:tc>
+                <a:tc>
+                  <a:txBody>
+                    <a:bodyPr/>
+                    <a:lstStyle/>
+                    <a:p>
+                      <a:pPr algn="ctr" fontAlgn="ctr"/>
+                      <a:r>
+                        <a:rPr lang="en-GB" sz="2400" b="0" i="0" u="none" strike="noStrike" dirty="0">
+                          <a:solidFill>
+                            <a:schemeClr val="tx1">
+                              <a:lumMod val="75000"/>
+                              <a:lumOff val="25000"/>
+                            </a:schemeClr>
+                          </a:solidFill>
+                          <a:effectLst/>
+                          <a:latin typeface="IBM Plex Sans" panose="020B0503050203000203" pitchFamily="34" charset="0"/>
+                        </a:rPr>
+                        <a:t>H</a:t>
+                      </a:r>
+                      <a:endParaRPr lang="en-JP" sz="2400" b="0" i="0" u="none" strike="noStrike" dirty="0">
+                        <a:solidFill>
+                          <a:schemeClr val="tx1">
+                            <a:lumMod val="75000"/>
+                            <a:lumOff val="25000"/>
+                          </a:schemeClr>
+                        </a:solidFill>
+                        <a:effectLst/>
+                        <a:latin typeface="IBM Plex Sans" panose="020B0503050203000203" pitchFamily="34" charset="0"/>
+                      </a:endParaRPr>
+                    </a:p>
+                  </a:txBody>
+                  <a:tcPr marL="0" marR="0" marT="0" marB="0" anchor="ctr">
+                    <a:lnL w="6350" cap="flat" cmpd="sng" algn="ctr">
+                      <a:solidFill>
+                        <a:srgbClr val="AEAAAA"/>
+                      </a:solidFill>
+                      <a:prstDash val="solid"/>
+                      <a:round/>
+                      <a:headEnd type="none" w="med" len="med"/>
+                      <a:tailEnd type="none" w="med" len="med"/>
+                    </a:lnL>
+                    <a:lnR w="6350" cap="flat" cmpd="sng" algn="ctr">
+                      <a:solidFill>
+                        <a:srgbClr val="AEAAAA"/>
+                      </a:solidFill>
+                      <a:prstDash val="solid"/>
+                      <a:round/>
+                      <a:headEnd type="none" w="med" len="med"/>
+                      <a:tailEnd type="none" w="med" len="med"/>
+                    </a:lnR>
+                    <a:lnT w="12700" cap="flat" cmpd="sng" algn="ctr">
+                      <a:solidFill>
+                        <a:srgbClr val="000000"/>
+                      </a:solidFill>
+                      <a:prstDash val="solid"/>
+                      <a:round/>
+                      <a:headEnd type="none" w="med" len="med"/>
+                      <a:tailEnd type="none" w="med" len="med"/>
+                    </a:lnT>
+                    <a:lnB w="6350" cap="flat" cmpd="sng" algn="ctr">
+                      <a:solidFill>
+                        <a:srgbClr val="AEAAAA"/>
+                      </a:solidFill>
+                      <a:prstDash val="solid"/>
+                      <a:round/>
+                      <a:headEnd type="none" w="med" len="med"/>
+                      <a:tailEnd type="none" w="med" len="med"/>
+                    </a:lnB>
+                  </a:tcPr>
+                </a:tc>
+                <a:tc>
+                  <a:txBody>
+                    <a:bodyPr/>
+                    <a:lstStyle/>
+                    <a:p>
+                      <a:pPr algn="ctr" fontAlgn="ctr"/>
+                      <a:r>
+                        <a:rPr lang="en-GB" sz="2400" b="0" i="0" u="none" strike="noStrike" dirty="0">
+                          <a:solidFill>
+                            <a:schemeClr val="tx1">
+                              <a:lumMod val="75000"/>
+                              <a:lumOff val="25000"/>
+                            </a:schemeClr>
+                          </a:solidFill>
+                          <a:effectLst/>
+                          <a:latin typeface="IBM Plex Sans" panose="020B0503050203000203" pitchFamily="34" charset="0"/>
+                        </a:rPr>
+                        <a:t>Z</a:t>
+                      </a:r>
+                      <a:endParaRPr lang="en-JP" sz="2400" b="0" i="0" u="none" strike="noStrike" dirty="0">
+                        <a:solidFill>
+                          <a:schemeClr val="tx1">
+                            <a:lumMod val="75000"/>
+                            <a:lumOff val="25000"/>
+                          </a:schemeClr>
+                        </a:solidFill>
+                        <a:effectLst/>
+                        <a:latin typeface="IBM Plex Sans" panose="020B0503050203000203" pitchFamily="34" charset="0"/>
+                      </a:endParaRPr>
+                    </a:p>
+                  </a:txBody>
+                  <a:tcPr marL="0" marR="0" marT="0" marB="0" anchor="ctr">
+                    <a:lnL w="6350" cap="flat" cmpd="sng" algn="ctr">
+                      <a:solidFill>
+                        <a:srgbClr val="AEAAAA"/>
+                      </a:solidFill>
+                      <a:prstDash val="solid"/>
+                      <a:round/>
+                      <a:headEnd type="none" w="med" len="med"/>
+                      <a:tailEnd type="none" w="med" len="med"/>
+                    </a:lnL>
+                    <a:lnR w="12700" cap="flat" cmpd="sng" algn="ctr">
+                      <a:solidFill>
+                        <a:srgbClr val="000000"/>
+                      </a:solidFill>
+                      <a:prstDash val="solid"/>
+                      <a:round/>
+                      <a:headEnd type="none" w="med" len="med"/>
+                      <a:tailEnd type="none" w="med" len="med"/>
+                    </a:lnR>
+                    <a:lnT w="12700" cap="flat" cmpd="sng" algn="ctr">
+                      <a:solidFill>
+                        <a:srgbClr val="000000"/>
+                      </a:solidFill>
+                      <a:prstDash val="solid"/>
+                      <a:round/>
+                      <a:headEnd type="none" w="med" len="med"/>
+                      <a:tailEnd type="none" w="med" len="med"/>
+                    </a:lnT>
+                    <a:lnB w="6350" cap="flat" cmpd="sng" algn="ctr">
+                      <a:solidFill>
+                        <a:srgbClr val="AEAAAA"/>
+                      </a:solidFill>
+                      <a:prstDash val="solid"/>
+                      <a:round/>
+                      <a:headEnd type="none" w="med" len="med"/>
+                      <a:tailEnd type="none" w="med" len="med"/>
+                    </a:lnB>
+                  </a:tcPr>
+                </a:tc>
+                <a:tc>
+                  <a:txBody>
+                    <a:bodyPr/>
+                    <a:lstStyle/>
+                    <a:p>
+                      <a:pPr algn="ctr" fontAlgn="ctr"/>
+                      <a:r>
+                        <a:rPr lang="en-GB" sz="2400" b="0" i="0" u="none" strike="noStrike" dirty="0">
+                          <a:solidFill>
+                            <a:schemeClr val="tx1">
+                              <a:lumMod val="75000"/>
+                              <a:lumOff val="25000"/>
+                            </a:schemeClr>
+                          </a:solidFill>
+                          <a:effectLst/>
+                          <a:latin typeface="IBM Plex Sans" panose="020B0503050203000203" pitchFamily="34" charset="0"/>
+                        </a:rPr>
+                        <a:t>X</a:t>
+                      </a:r>
+                      <a:endParaRPr lang="en-JP" sz="2400" b="0" i="0" u="none" strike="noStrike" dirty="0">
+                        <a:solidFill>
+                          <a:schemeClr val="tx1">
+                            <a:lumMod val="75000"/>
+                            <a:lumOff val="25000"/>
+                          </a:schemeClr>
+                        </a:solidFill>
+                        <a:effectLst/>
+                        <a:latin typeface="IBM Plex Sans" panose="020B0503050203000203" pitchFamily="34" charset="0"/>
+                      </a:endParaRPr>
+                    </a:p>
+                  </a:txBody>
+                  <a:tcPr marL="0" marR="0" marT="0" marB="0" anchor="ctr">
+                    <a:lnL w="12700" cap="flat" cmpd="sng" algn="ctr">
+                      <a:solidFill>
+                        <a:srgbClr val="000000"/>
+                      </a:solidFill>
+                      <a:prstDash val="solid"/>
+                      <a:round/>
+                      <a:headEnd type="none" w="med" len="med"/>
+                      <a:tailEnd type="none" w="med" len="med"/>
+                    </a:lnL>
+                    <a:lnR w="6350" cap="flat" cmpd="sng" algn="ctr">
+                      <a:solidFill>
+                        <a:srgbClr val="AEAAAA"/>
+                      </a:solidFill>
+                      <a:prstDash val="solid"/>
+                      <a:round/>
+                      <a:headEnd type="none" w="med" len="med"/>
+                      <a:tailEnd type="none" w="med" len="med"/>
+                    </a:lnR>
+                    <a:lnT w="12700" cap="flat" cmpd="sng" algn="ctr">
+                      <a:solidFill>
+                        <a:srgbClr val="000000"/>
+                      </a:solidFill>
+                      <a:prstDash val="solid"/>
+                      <a:round/>
+                      <a:headEnd type="none" w="med" len="med"/>
+                      <a:tailEnd type="none" w="med" len="med"/>
+                    </a:lnT>
+                    <a:lnB w="6350" cap="flat" cmpd="sng" algn="ctr">
+                      <a:solidFill>
+                        <a:srgbClr val="AEAAAA"/>
+                      </a:solidFill>
+                      <a:prstDash val="solid"/>
+                      <a:round/>
+                      <a:headEnd type="none" w="med" len="med"/>
+                      <a:tailEnd type="none" w="med" len="med"/>
+                    </a:lnB>
+                  </a:tcPr>
+                </a:tc>
+                <a:tc>
+                  <a:txBody>
+                    <a:bodyPr/>
+                    <a:lstStyle/>
+                    <a:p>
+                      <a:pPr algn="ctr" fontAlgn="ctr"/>
+                      <a:r>
+                        <a:rPr lang="en-JP" sz="2400" b="0" i="0" u="none" strike="noStrike" dirty="0">
+                          <a:solidFill>
+                            <a:schemeClr val="tx1">
+                              <a:lumMod val="75000"/>
+                              <a:lumOff val="25000"/>
+                            </a:schemeClr>
+                          </a:solidFill>
+                          <a:effectLst/>
+                          <a:latin typeface="IBM Plex Sans" panose="020B0503050203000203" pitchFamily="34" charset="0"/>
+                        </a:rPr>
+                        <a:t> </a:t>
+                      </a:r>
+                    </a:p>
+                  </a:txBody>
+                  <a:tcPr marL="0" marR="0" marT="0" marB="0" anchor="ctr">
+                    <a:lnL w="6350" cap="flat" cmpd="sng" algn="ctr">
+                      <a:solidFill>
+                        <a:srgbClr val="AEAAAA"/>
+                      </a:solidFill>
+                      <a:prstDash val="solid"/>
+                      <a:round/>
+                      <a:headEnd type="none" w="med" len="med"/>
+                      <a:tailEnd type="none" w="med" len="med"/>
+                    </a:lnL>
+                    <a:lnR w="6350" cap="flat" cmpd="sng" algn="ctr">
+                      <a:solidFill>
+                        <a:srgbClr val="AEAAAA"/>
+                      </a:solidFill>
+                      <a:prstDash val="solid"/>
+                      <a:round/>
+                      <a:headEnd type="none" w="med" len="med"/>
+                      <a:tailEnd type="none" w="med" len="med"/>
+                    </a:lnR>
+                    <a:lnT w="12700" cap="flat" cmpd="sng" algn="ctr">
+                      <a:solidFill>
+                        <a:srgbClr val="000000"/>
+                      </a:solidFill>
+                      <a:prstDash val="solid"/>
+                      <a:round/>
+                      <a:headEnd type="none" w="med" len="med"/>
+                      <a:tailEnd type="none" w="med" len="med"/>
+                    </a:lnT>
+                    <a:lnB w="6350" cap="flat" cmpd="sng" algn="ctr">
+                      <a:solidFill>
+                        <a:srgbClr val="AEAAAA"/>
+                      </a:solidFill>
+                      <a:prstDash val="solid"/>
+                      <a:round/>
+                      <a:headEnd type="none" w="med" len="med"/>
+                      <a:tailEnd type="none" w="med" len="med"/>
+                    </a:lnB>
+                  </a:tcPr>
+                </a:tc>
+                <a:tc>
+                  <a:txBody>
+                    <a:bodyPr/>
+                    <a:lstStyle/>
+                    <a:p>
+                      <a:pPr algn="ctr" fontAlgn="ctr"/>
+                      <a:r>
+                        <a:rPr lang="en-GB" sz="2400" b="0" i="0" u="none" strike="noStrike" dirty="0">
+                          <a:solidFill>
+                            <a:schemeClr val="tx1">
+                              <a:lumMod val="75000"/>
+                              <a:lumOff val="25000"/>
+                            </a:schemeClr>
+                          </a:solidFill>
+                          <a:effectLst/>
+                          <a:latin typeface="IBM Plex Sans" panose="020B0503050203000203" pitchFamily="34" charset="0"/>
+                        </a:rPr>
+                        <a:t>S</a:t>
+                      </a:r>
+                      <a:endParaRPr lang="en-JP" sz="2400" b="0" i="0" u="none" strike="noStrike" dirty="0">
+                        <a:solidFill>
+                          <a:schemeClr val="tx1">
+                            <a:lumMod val="75000"/>
+                            <a:lumOff val="25000"/>
+                          </a:schemeClr>
+                        </a:solidFill>
+                        <a:effectLst/>
+                        <a:latin typeface="IBM Plex Sans" panose="020B0503050203000203" pitchFamily="34" charset="0"/>
+                      </a:endParaRPr>
+                    </a:p>
+                  </a:txBody>
+                  <a:tcPr marL="0" marR="0" marT="0" marB="0" anchor="ctr">
+                    <a:lnL w="6350" cap="flat" cmpd="sng" algn="ctr">
+                      <a:solidFill>
+                        <a:srgbClr val="AEAAAA"/>
+                      </a:solidFill>
+                      <a:prstDash val="solid"/>
+                      <a:round/>
+                      <a:headEnd type="none" w="med" len="med"/>
+                      <a:tailEnd type="none" w="med" len="med"/>
+                    </a:lnL>
+                    <a:lnR w="12700" cap="flat" cmpd="sng" algn="ctr">
+                      <a:solidFill>
+                        <a:srgbClr val="000000"/>
+                      </a:solidFill>
+                      <a:prstDash val="solid"/>
+                      <a:round/>
+                      <a:headEnd type="none" w="med" len="med"/>
+                      <a:tailEnd type="none" w="med" len="med"/>
+                    </a:lnR>
+                    <a:lnT w="12700" cap="flat" cmpd="sng" algn="ctr">
+                      <a:solidFill>
+                        <a:srgbClr val="000000"/>
+                      </a:solidFill>
+                      <a:prstDash val="solid"/>
+                      <a:round/>
+                      <a:headEnd type="none" w="med" len="med"/>
+                      <a:tailEnd type="none" w="med" len="med"/>
+                    </a:lnT>
+                    <a:lnB w="6350" cap="flat" cmpd="sng" algn="ctr">
+                      <a:solidFill>
+                        <a:srgbClr val="AEAAAA"/>
+                      </a:solidFill>
+                      <a:prstDash val="solid"/>
+                      <a:round/>
+                      <a:headEnd type="none" w="med" len="med"/>
+                      <a:tailEnd type="none" w="med" len="med"/>
+                    </a:lnB>
+                  </a:tcPr>
+                </a:tc>
+                <a:tc>
+                  <a:txBody>
+                    <a:bodyPr/>
+                    <a:lstStyle/>
+                    <a:p>
+                      <a:pPr algn="ctr" fontAlgn="ctr"/>
+                      <a:r>
+                        <a:rPr lang="en-JP" sz="2400" b="0" i="0" u="none" strike="noStrike">
+                          <a:solidFill>
+                            <a:schemeClr val="tx1">
+                              <a:lumMod val="75000"/>
+                              <a:lumOff val="25000"/>
+                            </a:schemeClr>
+                          </a:solidFill>
+                          <a:effectLst/>
+                          <a:latin typeface="IBM Plex Sans" panose="020B0503050203000203" pitchFamily="34" charset="0"/>
+                        </a:rPr>
+                        <a:t> </a:t>
+                      </a:r>
+                    </a:p>
+                  </a:txBody>
+                  <a:tcPr marL="0" marR="0" marT="0" marB="0" anchor="ctr">
+                    <a:lnL w="12700" cap="flat" cmpd="sng" algn="ctr">
+                      <a:solidFill>
+                        <a:srgbClr val="000000"/>
+                      </a:solidFill>
+                      <a:prstDash val="solid"/>
+                      <a:round/>
+                      <a:headEnd type="none" w="med" len="med"/>
+                      <a:tailEnd type="none" w="med" len="med"/>
+                    </a:lnL>
+                    <a:lnR w="6350" cap="flat" cmpd="sng" algn="ctr">
+                      <a:solidFill>
+                        <a:srgbClr val="AEAAAA"/>
+                      </a:solidFill>
+                      <a:prstDash val="solid"/>
+                      <a:round/>
+                      <a:headEnd type="none" w="med" len="med"/>
+                      <a:tailEnd type="none" w="med" len="med"/>
+                    </a:lnR>
+                    <a:lnT w="12700" cap="flat" cmpd="sng" algn="ctr">
+                      <a:solidFill>
+                        <a:srgbClr val="000000"/>
+                      </a:solidFill>
+                      <a:prstDash val="solid"/>
+                      <a:round/>
+                      <a:headEnd type="none" w="med" len="med"/>
+                      <a:tailEnd type="none" w="med" len="med"/>
+                    </a:lnT>
+                    <a:lnB w="6350" cap="flat" cmpd="sng" algn="ctr">
+                      <a:solidFill>
+                        <a:srgbClr val="AEAAAA"/>
+                      </a:solidFill>
+                      <a:prstDash val="solid"/>
+                      <a:round/>
+                      <a:headEnd type="none" w="med" len="med"/>
+                      <a:tailEnd type="none" w="med" len="med"/>
+                    </a:lnB>
+                  </a:tcPr>
+                </a:tc>
+                <a:tc>
+                  <a:txBody>
+                    <a:bodyPr/>
+                    <a:lstStyle/>
+                    <a:p>
+                      <a:pPr algn="ctr" fontAlgn="b"/>
+                      <a:r>
+                        <a:rPr lang="en-US" sz="2400" b="0" i="0" u="none" strike="noStrike" dirty="0">
+                          <a:solidFill>
+                            <a:schemeClr val="tx1">
+                              <a:lumMod val="75000"/>
+                              <a:lumOff val="25000"/>
+                            </a:schemeClr>
+                          </a:solidFill>
+                          <a:effectLst/>
+                          <a:latin typeface="IBM Plex Sans" panose="020B0503050203000203" pitchFamily="34" charset="0"/>
+                        </a:rPr>
+                        <a:t>T</a:t>
+                      </a:r>
+                      <a:r>
+                        <a:rPr lang="en-US" sz="900" b="0" i="0" u="none" strike="noStrike" dirty="0">
+                          <a:solidFill>
+                            <a:schemeClr val="tx1">
+                              <a:lumMod val="75000"/>
+                              <a:lumOff val="25000"/>
+                            </a:schemeClr>
+                          </a:solidFill>
+                          <a:effectLst/>
+                          <a:latin typeface="IBM Plex Sans" panose="020B0503050203000203" pitchFamily="34" charset="0"/>
+                        </a:rPr>
+                        <a:t>1</a:t>
+                      </a:r>
+                      <a:endParaRPr lang="en-JP" sz="900" b="0" i="0" u="none" strike="noStrike" dirty="0">
+                        <a:solidFill>
+                          <a:schemeClr val="tx1">
+                            <a:lumMod val="75000"/>
+                            <a:lumOff val="25000"/>
+                          </a:schemeClr>
+                        </a:solidFill>
+                        <a:effectLst/>
+                        <a:latin typeface="IBM Plex Sans" panose="020B0503050203000203" pitchFamily="34" charset="0"/>
+                      </a:endParaRPr>
+                    </a:p>
+                  </a:txBody>
+                  <a:tcPr marL="0" marR="0" marT="0" marB="0" anchor="ctr">
+                    <a:lnL w="6350" cap="flat" cmpd="sng" algn="ctr">
+                      <a:solidFill>
+                        <a:srgbClr val="AEAAAA"/>
+                      </a:solidFill>
+                      <a:prstDash val="solid"/>
+                      <a:round/>
+                      <a:headEnd type="none" w="med" len="med"/>
+                      <a:tailEnd type="none" w="med" len="med"/>
+                    </a:lnL>
+                    <a:lnR w="6350" cap="flat" cmpd="sng" algn="ctr">
+                      <a:solidFill>
+                        <a:srgbClr val="AEAAAA"/>
+                      </a:solidFill>
+                      <a:prstDash val="solid"/>
+                      <a:round/>
+                      <a:headEnd type="none" w="med" len="med"/>
+                      <a:tailEnd type="none" w="med" len="med"/>
+                    </a:lnR>
+                    <a:lnT w="12700" cap="flat" cmpd="sng" algn="ctr">
+                      <a:solidFill>
+                        <a:srgbClr val="000000"/>
+                      </a:solidFill>
+                      <a:prstDash val="solid"/>
+                      <a:round/>
+                      <a:headEnd type="none" w="med" len="med"/>
+                      <a:tailEnd type="none" w="med" len="med"/>
+                    </a:lnT>
+                    <a:lnB w="6350" cap="flat" cmpd="sng" algn="ctr">
+                      <a:solidFill>
+                        <a:srgbClr val="AEAAAA"/>
+                      </a:solidFill>
+                      <a:prstDash val="solid"/>
+                      <a:round/>
+                      <a:headEnd type="none" w="med" len="med"/>
+                      <a:tailEnd type="none" w="med" len="med"/>
+                    </a:lnB>
+                    <a:solidFill>
+                      <a:srgbClr val="FFFF00"/>
+                    </a:solidFill>
+                  </a:tcPr>
+                </a:tc>
+                <a:tc>
+                  <a:txBody>
+                    <a:bodyPr/>
+                    <a:lstStyle/>
+                    <a:p>
+                      <a:pPr algn="ctr" fontAlgn="ctr"/>
+                      <a:r>
+                        <a:rPr lang="en-US" sz="2400" b="0" i="0" u="none" strike="noStrike" dirty="0">
+                          <a:solidFill>
+                            <a:schemeClr val="tx1">
+                              <a:lumMod val="75000"/>
+                              <a:lumOff val="25000"/>
+                            </a:schemeClr>
+                          </a:solidFill>
+                          <a:effectLst/>
+                          <a:latin typeface="IBM Plex Sans" panose="020B0503050203000203" pitchFamily="34" charset="0"/>
+                        </a:rPr>
+                        <a:t>Y</a:t>
+                      </a:r>
+                    </a:p>
+                  </a:txBody>
+                  <a:tcPr marL="0" marR="0" marT="0" marB="0" anchor="ctr">
+                    <a:lnL w="6350" cap="flat" cmpd="sng" algn="ctr">
+                      <a:solidFill>
+                        <a:srgbClr val="AEAAAA"/>
+                      </a:solidFill>
+                      <a:prstDash val="solid"/>
+                      <a:round/>
+                      <a:headEnd type="none" w="med" len="med"/>
+                      <a:tailEnd type="none" w="med" len="med"/>
+                    </a:lnL>
+                    <a:lnR w="12700" cap="flat" cmpd="sng" algn="ctr">
+                      <a:solidFill>
+                        <a:srgbClr val="000000"/>
+                      </a:solidFill>
+                      <a:prstDash val="solid"/>
+                      <a:round/>
+                      <a:headEnd type="none" w="med" len="med"/>
+                      <a:tailEnd type="none" w="med" len="med"/>
+                    </a:lnR>
+                    <a:lnT w="12700" cap="flat" cmpd="sng" algn="ctr">
+                      <a:solidFill>
+                        <a:srgbClr val="000000"/>
+                      </a:solidFill>
+                      <a:prstDash val="solid"/>
+                      <a:round/>
+                      <a:headEnd type="none" w="med" len="med"/>
+                      <a:tailEnd type="none" w="med" len="med"/>
+                    </a:lnT>
+                    <a:lnB w="6350" cap="flat" cmpd="sng" algn="ctr">
+                      <a:solidFill>
+                        <a:srgbClr val="AEAAAA"/>
+                      </a:solidFill>
+                      <a:prstDash val="solid"/>
+                      <a:round/>
+                      <a:headEnd type="none" w="med" len="med"/>
+                      <a:tailEnd type="none" w="med" len="med"/>
+                    </a:lnB>
+                    <a:solidFill>
+                      <a:schemeClr val="bg1">
+                        <a:lumMod val="85000"/>
+                      </a:schemeClr>
+                    </a:solidFill>
+                  </a:tcPr>
+                </a:tc>
+                <a:extLst>
+                  <a:ext uri="{0D108BD9-81ED-4DB2-BD59-A6C34878D82A}">
+                    <a16:rowId xmlns:a16="http://schemas.microsoft.com/office/drawing/2014/main" val="2707174887"/>
+                  </a:ext>
+                </a:extLst>
+              </a:tr>
+              <a:tr h="483482">
+                <a:tc>
+                  <a:txBody>
+                    <a:bodyPr/>
+                    <a:lstStyle/>
+                    <a:p>
+                      <a:pPr algn="ctr" fontAlgn="b"/>
+                      <a:r>
+                        <a:rPr lang="en-US" sz="2400" b="0" i="0" u="none" strike="noStrike" dirty="0">
+                          <a:solidFill>
+                            <a:schemeClr val="tx1"/>
+                          </a:solidFill>
+                          <a:effectLst/>
+                          <a:latin typeface="IBM Plex Sans" panose="020B0503050203000203" pitchFamily="34" charset="0"/>
+                        </a:rPr>
+                        <a:t>S</a:t>
+                      </a:r>
+                      <a:r>
+                        <a:rPr lang="en-US" sz="900" b="0" i="0" u="none" strike="noStrike" dirty="0">
+                          <a:solidFill>
+                            <a:schemeClr val="tx1"/>
+                          </a:solidFill>
+                          <a:effectLst/>
+                          <a:latin typeface="IBM Plex Sans" panose="020B0503050203000203" pitchFamily="34" charset="0"/>
+                        </a:rPr>
+                        <a:t>4</a:t>
+                      </a:r>
+                      <a:endParaRPr lang="en-JP" sz="900" b="0" i="0" u="none" strike="noStrike" dirty="0">
+                        <a:solidFill>
+                          <a:schemeClr val="tx1"/>
+                        </a:solidFill>
+                        <a:effectLst/>
+                        <a:latin typeface="IBM Plex Sans" panose="020B0503050203000203" pitchFamily="34" charset="0"/>
+                      </a:endParaRPr>
+                    </a:p>
+                  </a:txBody>
+                  <a:tcPr marL="0" marR="0" marT="0" marB="0" anchor="ctr">
+                    <a:lnL w="12700" cap="flat" cmpd="sng" algn="ctr">
+                      <a:solidFill>
+                        <a:srgbClr val="000000"/>
+                      </a:solidFill>
+                      <a:prstDash val="solid"/>
+                      <a:round/>
+                      <a:headEnd type="none" w="med" len="med"/>
+                      <a:tailEnd type="none" w="med" len="med"/>
+                    </a:lnL>
+                    <a:lnR w="6350" cap="flat" cmpd="sng" algn="ctr">
+                      <a:solidFill>
+                        <a:srgbClr val="AEAAAA"/>
+                      </a:solidFill>
+                      <a:prstDash val="solid"/>
+                      <a:round/>
+                      <a:headEnd type="none" w="med" len="med"/>
+                      <a:tailEnd type="none" w="med" len="med"/>
+                    </a:lnR>
+                    <a:lnT w="6350" cap="flat" cmpd="sng" algn="ctr">
+                      <a:solidFill>
+                        <a:srgbClr val="AEAAAA"/>
+                      </a:solidFill>
+                      <a:prstDash val="solid"/>
+                      <a:round/>
+                      <a:headEnd type="none" w="med" len="med"/>
+                      <a:tailEnd type="none" w="med" len="med"/>
+                    </a:lnT>
+                    <a:lnB w="6350" cap="flat" cmpd="sng" algn="ctr">
+                      <a:solidFill>
+                        <a:srgbClr val="AEAAAA"/>
+                      </a:solidFill>
+                      <a:prstDash val="solid"/>
+                      <a:round/>
+                      <a:headEnd type="none" w="med" len="med"/>
+                      <a:tailEnd type="none" w="med" len="med"/>
+                    </a:lnB>
+                    <a:solidFill>
+                      <a:srgbClr val="FFFF00"/>
+                    </a:solidFill>
+                  </a:tcPr>
+                </a:tc>
+                <a:tc>
+                  <a:txBody>
+                    <a:bodyPr/>
+                    <a:lstStyle/>
+                    <a:p>
+                      <a:pPr algn="ctr" fontAlgn="ctr"/>
+                      <a:r>
+                        <a:rPr lang="en-GB" sz="2400" b="0" i="0" u="none" strike="noStrike" dirty="0">
+                          <a:solidFill>
+                            <a:schemeClr val="tx1">
+                              <a:lumMod val="75000"/>
+                              <a:lumOff val="25000"/>
+                            </a:schemeClr>
+                          </a:solidFill>
+                          <a:effectLst/>
+                          <a:latin typeface="IBM Plex Sans" panose="020B0503050203000203" pitchFamily="34" charset="0"/>
+                        </a:rPr>
+                        <a:t>Y</a:t>
+                      </a:r>
+                      <a:endParaRPr lang="en-JP" sz="2400" b="0" i="0" u="none" strike="noStrike" dirty="0">
+                        <a:solidFill>
+                          <a:schemeClr val="tx1">
+                            <a:lumMod val="75000"/>
+                            <a:lumOff val="25000"/>
+                          </a:schemeClr>
+                        </a:solidFill>
+                        <a:effectLst/>
+                        <a:latin typeface="IBM Plex Sans" panose="020B0503050203000203" pitchFamily="34" charset="0"/>
+                      </a:endParaRPr>
+                    </a:p>
+                  </a:txBody>
+                  <a:tcPr marL="0" marR="0" marT="0" marB="0" anchor="ctr">
+                    <a:lnL w="6350" cap="flat" cmpd="sng" algn="ctr">
+                      <a:solidFill>
+                        <a:srgbClr val="AEAAAA"/>
+                      </a:solidFill>
+                      <a:prstDash val="solid"/>
+                      <a:round/>
+                      <a:headEnd type="none" w="med" len="med"/>
+                      <a:tailEnd type="none" w="med" len="med"/>
+                    </a:lnL>
+                    <a:lnR w="6350" cap="flat" cmpd="sng" algn="ctr">
+                      <a:solidFill>
+                        <a:srgbClr val="AEAAAA"/>
+                      </a:solidFill>
+                      <a:prstDash val="solid"/>
+                      <a:round/>
+                      <a:headEnd type="none" w="med" len="med"/>
+                      <a:tailEnd type="none" w="med" len="med"/>
+                    </a:lnR>
+                    <a:lnT w="6350" cap="flat" cmpd="sng" algn="ctr">
+                      <a:solidFill>
+                        <a:srgbClr val="AEAAAA"/>
+                      </a:solidFill>
+                      <a:prstDash val="solid"/>
+                      <a:round/>
+                      <a:headEnd type="none" w="med" len="med"/>
+                      <a:tailEnd type="none" w="med" len="med"/>
+                    </a:lnT>
+                    <a:lnB w="6350" cap="flat" cmpd="sng" algn="ctr">
+                      <a:solidFill>
+                        <a:srgbClr val="AEAAAA"/>
+                      </a:solidFill>
+                      <a:prstDash val="solid"/>
+                      <a:round/>
+                      <a:headEnd type="none" w="med" len="med"/>
+                      <a:tailEnd type="none" w="med" len="med"/>
+                    </a:lnB>
+                  </a:tcPr>
+                </a:tc>
+                <a:tc>
+                  <a:txBody>
+                    <a:bodyPr/>
+                    <a:lstStyle/>
+                    <a:p>
+                      <a:pPr algn="ctr" fontAlgn="ctr"/>
+                      <a:r>
+                        <a:rPr lang="en-US" sz="2400" b="0" i="0" u="none" strike="noStrike" dirty="0">
+                          <a:solidFill>
+                            <a:schemeClr val="tx1">
+                              <a:lumMod val="75000"/>
+                              <a:lumOff val="25000"/>
+                            </a:schemeClr>
+                          </a:solidFill>
+                          <a:effectLst/>
+                          <a:latin typeface="IBM Plex Sans" panose="020B0503050203000203" pitchFamily="34" charset="0"/>
+                        </a:rPr>
+                        <a:t>X</a:t>
+                      </a:r>
+                    </a:p>
+                  </a:txBody>
+                  <a:tcPr marL="0" marR="0" marT="0" marB="0" anchor="ctr">
+                    <a:lnL w="6350" cap="flat" cmpd="sng" algn="ctr">
+                      <a:solidFill>
+                        <a:srgbClr val="AEAAAA"/>
+                      </a:solidFill>
+                      <a:prstDash val="solid"/>
+                      <a:round/>
+                      <a:headEnd type="none" w="med" len="med"/>
+                      <a:tailEnd type="none" w="med" len="med"/>
+                    </a:lnL>
+                    <a:lnR w="12700" cap="flat" cmpd="sng" algn="ctr">
+                      <a:solidFill>
+                        <a:srgbClr val="000000"/>
+                      </a:solidFill>
+                      <a:prstDash val="solid"/>
+                      <a:round/>
+                      <a:headEnd type="none" w="med" len="med"/>
+                      <a:tailEnd type="none" w="med" len="med"/>
+                    </a:lnR>
+                    <a:lnT w="6350" cap="flat" cmpd="sng" algn="ctr">
+                      <a:solidFill>
+                        <a:srgbClr val="AEAAAA"/>
+                      </a:solidFill>
+                      <a:prstDash val="solid"/>
+                      <a:round/>
+                      <a:headEnd type="none" w="med" len="med"/>
+                      <a:tailEnd type="none" w="med" len="med"/>
+                    </a:lnT>
+                    <a:lnB w="6350" cap="flat" cmpd="sng" algn="ctr">
+                      <a:solidFill>
+                        <a:srgbClr val="AEAAAA"/>
+                      </a:solidFill>
+                      <a:prstDash val="solid"/>
+                      <a:round/>
+                      <a:headEnd type="none" w="med" len="med"/>
+                      <a:tailEnd type="none" w="med" len="med"/>
+                    </a:lnB>
+                    <a:solidFill>
+                      <a:schemeClr val="bg1">
+                        <a:lumMod val="85000"/>
+                      </a:schemeClr>
+                    </a:solidFill>
+                  </a:tcPr>
+                </a:tc>
+                <a:tc>
+                  <a:txBody>
+                    <a:bodyPr/>
+                    <a:lstStyle/>
+                    <a:p>
+                      <a:pPr algn="ctr" fontAlgn="ctr"/>
+                      <a:r>
+                        <a:rPr lang="en-GB" sz="2400" b="0" i="0" u="none" strike="noStrike" dirty="0">
+                          <a:solidFill>
+                            <a:schemeClr val="tx1">
+                              <a:lumMod val="75000"/>
+                              <a:lumOff val="25000"/>
+                            </a:schemeClr>
+                          </a:solidFill>
+                          <a:effectLst/>
+                          <a:latin typeface="IBM Plex Sans" panose="020B0503050203000203" pitchFamily="34" charset="0"/>
+                        </a:rPr>
+                        <a:t>Z</a:t>
+                      </a:r>
+                      <a:endParaRPr lang="en-JP" sz="2400" b="0" i="0" u="none" strike="noStrike" dirty="0">
+                        <a:solidFill>
+                          <a:schemeClr val="tx1">
+                            <a:lumMod val="75000"/>
+                            <a:lumOff val="25000"/>
+                          </a:schemeClr>
+                        </a:solidFill>
+                        <a:effectLst/>
+                        <a:latin typeface="IBM Plex Sans" panose="020B0503050203000203" pitchFamily="34" charset="0"/>
+                      </a:endParaRPr>
+                    </a:p>
+                  </a:txBody>
+                  <a:tcPr marL="0" marR="0" marT="0" marB="0" anchor="ctr">
+                    <a:lnL w="12700" cap="flat" cmpd="sng" algn="ctr">
+                      <a:solidFill>
+                        <a:srgbClr val="000000"/>
+                      </a:solidFill>
+                      <a:prstDash val="solid"/>
+                      <a:round/>
+                      <a:headEnd type="none" w="med" len="med"/>
+                      <a:tailEnd type="none" w="med" len="med"/>
+                    </a:lnL>
+                    <a:lnR w="6350" cap="flat" cmpd="sng" algn="ctr">
+                      <a:solidFill>
+                        <a:srgbClr val="AEAAAA"/>
+                      </a:solidFill>
+                      <a:prstDash val="solid"/>
+                      <a:round/>
+                      <a:headEnd type="none" w="med" len="med"/>
+                      <a:tailEnd type="none" w="med" len="med"/>
+                    </a:lnR>
+                    <a:lnT w="6350" cap="flat" cmpd="sng" algn="ctr">
+                      <a:solidFill>
+                        <a:srgbClr val="AEAAAA"/>
+                      </a:solidFill>
+                      <a:prstDash val="solid"/>
+                      <a:round/>
+                      <a:headEnd type="none" w="med" len="med"/>
+                      <a:tailEnd type="none" w="med" len="med"/>
+                    </a:lnT>
+                    <a:lnB w="6350" cap="flat" cmpd="sng" algn="ctr">
+                      <a:solidFill>
+                        <a:srgbClr val="AEAAAA"/>
+                      </a:solidFill>
+                      <a:prstDash val="solid"/>
+                      <a:round/>
+                      <a:headEnd type="none" w="med" len="med"/>
+                      <a:tailEnd type="none" w="med" len="med"/>
+                    </a:lnB>
+                  </a:tcPr>
+                </a:tc>
+                <a:tc>
+                  <a:txBody>
+                    <a:bodyPr/>
+                    <a:lstStyle/>
+                    <a:p>
+                      <a:pPr algn="ctr" fontAlgn="ctr"/>
+                      <a:r>
+                        <a:rPr lang="en-JP" sz="2400" b="0" i="0" u="none" strike="noStrike" dirty="0">
+                          <a:solidFill>
+                            <a:schemeClr val="tx1">
+                              <a:lumMod val="75000"/>
+                              <a:lumOff val="25000"/>
+                            </a:schemeClr>
+                          </a:solidFill>
+                          <a:effectLst/>
+                          <a:latin typeface="IBM Plex Sans" panose="020B0503050203000203" pitchFamily="34" charset="0"/>
+                        </a:rPr>
+                        <a:t> </a:t>
+                      </a:r>
+                    </a:p>
+                  </a:txBody>
+                  <a:tcPr marL="0" marR="0" marT="0" marB="0" anchor="ctr">
+                    <a:lnL w="6350" cap="flat" cmpd="sng" algn="ctr">
+                      <a:solidFill>
+                        <a:srgbClr val="AEAAAA"/>
+                      </a:solidFill>
+                      <a:prstDash val="solid"/>
+                      <a:round/>
+                      <a:headEnd type="none" w="med" len="med"/>
+                      <a:tailEnd type="none" w="med" len="med"/>
+                    </a:lnL>
+                    <a:lnR w="6350" cap="flat" cmpd="sng" algn="ctr">
+                      <a:solidFill>
+                        <a:srgbClr val="AEAAAA"/>
+                      </a:solidFill>
+                      <a:prstDash val="solid"/>
+                      <a:round/>
+                      <a:headEnd type="none" w="med" len="med"/>
+                      <a:tailEnd type="none" w="med" len="med"/>
+                    </a:lnR>
+                    <a:lnT w="6350" cap="flat" cmpd="sng" algn="ctr">
+                      <a:solidFill>
+                        <a:srgbClr val="AEAAAA"/>
+                      </a:solidFill>
+                      <a:prstDash val="solid"/>
+                      <a:round/>
+                      <a:headEnd type="none" w="med" len="med"/>
+                      <a:tailEnd type="none" w="med" len="med"/>
+                    </a:lnT>
+                    <a:lnB w="6350" cap="flat" cmpd="sng" algn="ctr">
+                      <a:solidFill>
+                        <a:srgbClr val="AEAAAA"/>
+                      </a:solidFill>
+                      <a:prstDash val="solid"/>
+                      <a:round/>
+                      <a:headEnd type="none" w="med" len="med"/>
+                      <a:tailEnd type="none" w="med" len="med"/>
+                    </a:lnB>
+                    <a:solidFill>
+                      <a:schemeClr val="bg1">
+                        <a:lumMod val="85000"/>
+                      </a:schemeClr>
+                    </a:solidFill>
+                  </a:tcPr>
+                </a:tc>
+                <a:tc>
+                  <a:txBody>
+                    <a:bodyPr/>
+                    <a:lstStyle/>
+                    <a:p>
+                      <a:pPr algn="ctr" fontAlgn="b"/>
+                      <a:r>
+                        <a:rPr lang="en-GB" sz="2400" b="0" i="0" u="none" strike="noStrike" dirty="0">
+                          <a:solidFill>
+                            <a:schemeClr val="tx1">
+                              <a:lumMod val="75000"/>
+                              <a:lumOff val="25000"/>
+                            </a:schemeClr>
+                          </a:solidFill>
+                          <a:effectLst/>
+                          <a:latin typeface="IBM Plex Sans" panose="020B0503050203000203" pitchFamily="34" charset="0"/>
+                        </a:rPr>
+                        <a:t>T</a:t>
+                      </a:r>
+                      <a:endParaRPr lang="en-JP" sz="2400" b="0" i="0" u="none" strike="noStrike" dirty="0">
+                        <a:solidFill>
+                          <a:schemeClr val="tx1">
+                            <a:lumMod val="75000"/>
+                            <a:lumOff val="25000"/>
+                          </a:schemeClr>
+                        </a:solidFill>
+                        <a:effectLst/>
+                        <a:latin typeface="IBM Plex Sans" panose="020B0503050203000203" pitchFamily="34" charset="0"/>
+                      </a:endParaRPr>
+                    </a:p>
+                  </a:txBody>
+                  <a:tcPr marL="0" marR="0" marT="0" marB="0" anchor="ctr">
+                    <a:lnL w="6350" cap="flat" cmpd="sng" algn="ctr">
+                      <a:solidFill>
+                        <a:srgbClr val="AEAAAA"/>
+                      </a:solidFill>
+                      <a:prstDash val="solid"/>
+                      <a:round/>
+                      <a:headEnd type="none" w="med" len="med"/>
+                      <a:tailEnd type="none" w="med" len="med"/>
+                    </a:lnL>
+                    <a:lnR w="12700" cap="flat" cmpd="sng" algn="ctr">
+                      <a:solidFill>
+                        <a:srgbClr val="000000"/>
+                      </a:solidFill>
+                      <a:prstDash val="solid"/>
+                      <a:round/>
+                      <a:headEnd type="none" w="med" len="med"/>
+                      <a:tailEnd type="none" w="med" len="med"/>
+                    </a:lnR>
+                    <a:lnT w="6350" cap="flat" cmpd="sng" algn="ctr">
+                      <a:solidFill>
+                        <a:srgbClr val="AEAAAA"/>
+                      </a:solidFill>
+                      <a:prstDash val="solid"/>
+                      <a:round/>
+                      <a:headEnd type="none" w="med" len="med"/>
+                      <a:tailEnd type="none" w="med" len="med"/>
+                    </a:lnT>
+                    <a:lnB w="6350" cap="flat" cmpd="sng" algn="ctr">
+                      <a:solidFill>
+                        <a:srgbClr val="AEAAAA"/>
+                      </a:solidFill>
+                      <a:prstDash val="solid"/>
+                      <a:round/>
+                      <a:headEnd type="none" w="med" len="med"/>
+                      <a:tailEnd type="none" w="med" len="med"/>
+                    </a:lnB>
+                  </a:tcPr>
+                </a:tc>
+                <a:tc>
+                  <a:txBody>
+                    <a:bodyPr/>
+                    <a:lstStyle/>
+                    <a:p>
+                      <a:pPr algn="ctr" fontAlgn="ctr"/>
+                      <a:r>
                         <a:rPr lang="en-JP" sz="2400" b="0" i="0" u="none" strike="noStrike" dirty="0">
                           <a:solidFill>
                             <a:schemeClr val="tx1">
@@ -8440,6 +9479,3130 @@
                     <a:lnL w="12700" cap="flat" cmpd="sng" algn="ctr">
                       <a:solidFill>
                         <a:srgbClr val="000000"/>
+                      </a:solidFill>
+                      <a:prstDash val="solid"/>
+                      <a:round/>
+                      <a:headEnd type="none" w="med" len="med"/>
+                      <a:tailEnd type="none" w="med" len="med"/>
+                    </a:lnL>
+                    <a:lnR w="6350" cap="flat" cmpd="sng" algn="ctr">
+                      <a:solidFill>
+                        <a:srgbClr val="AEAAAA"/>
+                      </a:solidFill>
+                      <a:prstDash val="solid"/>
+                      <a:round/>
+                      <a:headEnd type="none" w="med" len="med"/>
+                      <a:tailEnd type="none" w="med" len="med"/>
+                    </a:lnR>
+                    <a:lnT w="6350" cap="flat" cmpd="sng" algn="ctr">
+                      <a:solidFill>
+                        <a:srgbClr val="AEAAAA"/>
+                      </a:solidFill>
+                      <a:prstDash val="solid"/>
+                      <a:round/>
+                      <a:headEnd type="none" w="med" len="med"/>
+                      <a:tailEnd type="none" w="med" len="med"/>
+                    </a:lnT>
+                    <a:lnB w="6350" cap="flat" cmpd="sng" algn="ctr">
+                      <a:solidFill>
+                        <a:srgbClr val="AEAAAA"/>
+                      </a:solidFill>
+                      <a:prstDash val="solid"/>
+                      <a:round/>
+                      <a:headEnd type="none" w="med" len="med"/>
+                      <a:tailEnd type="none" w="med" len="med"/>
+                    </a:lnB>
+                  </a:tcPr>
+                </a:tc>
+                <a:tc>
+                  <a:txBody>
+                    <a:bodyPr/>
+                    <a:lstStyle/>
+                    <a:p>
+                      <a:pPr algn="ctr" fontAlgn="ctr"/>
+                      <a:r>
+                        <a:rPr lang="en-GB" sz="2400" b="0" i="0" u="none" strike="noStrike" dirty="0">
+                          <a:solidFill>
+                            <a:schemeClr val="tx1">
+                              <a:lumMod val="75000"/>
+                              <a:lumOff val="25000"/>
+                            </a:schemeClr>
+                          </a:solidFill>
+                          <a:effectLst/>
+                          <a:latin typeface="IBM Plex Sans" panose="020B0503050203000203" pitchFamily="34" charset="0"/>
+                        </a:rPr>
+                        <a:t>H</a:t>
+                      </a:r>
+                      <a:endParaRPr lang="en-JP" sz="2400" b="0" i="0" u="none" strike="noStrike" dirty="0">
+                        <a:solidFill>
+                          <a:schemeClr val="tx1">
+                            <a:lumMod val="75000"/>
+                            <a:lumOff val="25000"/>
+                          </a:schemeClr>
+                        </a:solidFill>
+                        <a:effectLst/>
+                        <a:latin typeface="IBM Plex Sans" panose="020B0503050203000203" pitchFamily="34" charset="0"/>
+                      </a:endParaRPr>
+                    </a:p>
+                  </a:txBody>
+                  <a:tcPr marL="0" marR="0" marT="0" marB="0" anchor="ctr">
+                    <a:lnL w="6350" cap="flat" cmpd="sng" algn="ctr">
+                      <a:solidFill>
+                        <a:srgbClr val="AEAAAA"/>
+                      </a:solidFill>
+                      <a:prstDash val="solid"/>
+                      <a:round/>
+                      <a:headEnd type="none" w="med" len="med"/>
+                      <a:tailEnd type="none" w="med" len="med"/>
+                    </a:lnL>
+                    <a:lnR w="6350" cap="flat" cmpd="sng" algn="ctr">
+                      <a:solidFill>
+                        <a:srgbClr val="AEAAAA"/>
+                      </a:solidFill>
+                      <a:prstDash val="solid"/>
+                      <a:round/>
+                      <a:headEnd type="none" w="med" len="med"/>
+                      <a:tailEnd type="none" w="med" len="med"/>
+                    </a:lnR>
+                    <a:lnT w="6350" cap="flat" cmpd="sng" algn="ctr">
+                      <a:solidFill>
+                        <a:srgbClr val="AEAAAA"/>
+                      </a:solidFill>
+                      <a:prstDash val="solid"/>
+                      <a:round/>
+                      <a:headEnd type="none" w="med" len="med"/>
+                      <a:tailEnd type="none" w="med" len="med"/>
+                    </a:lnT>
+                    <a:lnB w="6350" cap="flat" cmpd="sng" algn="ctr">
+                      <a:solidFill>
+                        <a:srgbClr val="AEAAAA"/>
+                      </a:solidFill>
+                      <a:prstDash val="solid"/>
+                      <a:round/>
+                      <a:headEnd type="none" w="med" len="med"/>
+                      <a:tailEnd type="none" w="med" len="med"/>
+                    </a:lnB>
+                  </a:tcPr>
+                </a:tc>
+                <a:tc>
+                  <a:txBody>
+                    <a:bodyPr/>
+                    <a:lstStyle/>
+                    <a:p>
+                      <a:pPr algn="ctr" fontAlgn="ctr"/>
+                      <a:r>
+                        <a:rPr lang="en-GB" sz="2400" b="0" i="0" u="none" strike="noStrike" dirty="0">
+                          <a:solidFill>
+                            <a:schemeClr val="tx1">
+                              <a:lumMod val="75000"/>
+                              <a:lumOff val="25000"/>
+                            </a:schemeClr>
+                          </a:solidFill>
+                          <a:effectLst/>
+                          <a:latin typeface="IBM Plex Sans" panose="020B0503050203000203" pitchFamily="34" charset="0"/>
+                        </a:rPr>
+                        <a:t>I</a:t>
+                      </a:r>
+                      <a:endParaRPr lang="en-JP" sz="2400" b="0" i="0" u="none" strike="noStrike" dirty="0">
+                        <a:solidFill>
+                          <a:schemeClr val="tx1">
+                            <a:lumMod val="75000"/>
+                            <a:lumOff val="25000"/>
+                          </a:schemeClr>
+                        </a:solidFill>
+                        <a:effectLst/>
+                        <a:latin typeface="IBM Plex Sans" panose="020B0503050203000203" pitchFamily="34" charset="0"/>
+                      </a:endParaRPr>
+                    </a:p>
+                  </a:txBody>
+                  <a:tcPr marL="0" marR="0" marT="0" marB="0" anchor="ctr">
+                    <a:lnL w="6350" cap="flat" cmpd="sng" algn="ctr">
+                      <a:solidFill>
+                        <a:srgbClr val="AEAAAA"/>
+                      </a:solidFill>
+                      <a:prstDash val="solid"/>
+                      <a:round/>
+                      <a:headEnd type="none" w="med" len="med"/>
+                      <a:tailEnd type="none" w="med" len="med"/>
+                    </a:lnL>
+                    <a:lnR w="12700" cap="flat" cmpd="sng" algn="ctr">
+                      <a:solidFill>
+                        <a:srgbClr val="000000"/>
+                      </a:solidFill>
+                      <a:prstDash val="solid"/>
+                      <a:round/>
+                      <a:headEnd type="none" w="med" len="med"/>
+                      <a:tailEnd type="none" w="med" len="med"/>
+                    </a:lnR>
+                    <a:lnT w="6350" cap="flat" cmpd="sng" algn="ctr">
+                      <a:solidFill>
+                        <a:srgbClr val="AEAAAA"/>
+                      </a:solidFill>
+                      <a:prstDash val="solid"/>
+                      <a:round/>
+                      <a:headEnd type="none" w="med" len="med"/>
+                      <a:tailEnd type="none" w="med" len="med"/>
+                    </a:lnT>
+                    <a:lnB w="6350" cap="flat" cmpd="sng" algn="ctr">
+                      <a:solidFill>
+                        <a:srgbClr val="AEAAAA"/>
+                      </a:solidFill>
+                      <a:prstDash val="solid"/>
+                      <a:round/>
+                      <a:headEnd type="none" w="med" len="med"/>
+                      <a:tailEnd type="none" w="med" len="med"/>
+                    </a:lnB>
+                  </a:tcPr>
+                </a:tc>
+                <a:extLst>
+                  <a:ext uri="{0D108BD9-81ED-4DB2-BD59-A6C34878D82A}">
+                    <a16:rowId xmlns:a16="http://schemas.microsoft.com/office/drawing/2014/main" val="213169342"/>
+                  </a:ext>
+                </a:extLst>
+              </a:tr>
+              <a:tr h="483482">
+                <a:tc>
+                  <a:txBody>
+                    <a:bodyPr/>
+                    <a:lstStyle/>
+                    <a:p>
+                      <a:pPr algn="ctr" fontAlgn="ctr"/>
+                      <a:r>
+                        <a:rPr lang="en-JP" sz="2400" b="0" i="0" u="none" strike="noStrike" dirty="0">
+                          <a:solidFill>
+                            <a:schemeClr val="tx1">
+                              <a:lumMod val="75000"/>
+                              <a:lumOff val="25000"/>
+                            </a:schemeClr>
+                          </a:solidFill>
+                          <a:effectLst/>
+                          <a:latin typeface="IBM Plex Sans" panose="020B0503050203000203" pitchFamily="34" charset="0"/>
+                        </a:rPr>
+                        <a:t> </a:t>
+                      </a:r>
+                    </a:p>
+                  </a:txBody>
+                  <a:tcPr marL="0" marR="0" marT="0" marB="0" anchor="ctr">
+                    <a:lnL w="12700" cap="flat" cmpd="sng" algn="ctr">
+                      <a:solidFill>
+                        <a:srgbClr val="000000"/>
+                      </a:solidFill>
+                      <a:prstDash val="solid"/>
+                      <a:round/>
+                      <a:headEnd type="none" w="med" len="med"/>
+                      <a:tailEnd type="none" w="med" len="med"/>
+                    </a:lnL>
+                    <a:lnR w="6350" cap="flat" cmpd="sng" algn="ctr">
+                      <a:solidFill>
+                        <a:srgbClr val="AEAAAA"/>
+                      </a:solidFill>
+                      <a:prstDash val="solid"/>
+                      <a:round/>
+                      <a:headEnd type="none" w="med" len="med"/>
+                      <a:tailEnd type="none" w="med" len="med"/>
+                    </a:lnR>
+                    <a:lnT w="6350" cap="flat" cmpd="sng" algn="ctr">
+                      <a:solidFill>
+                        <a:srgbClr val="AEAAAA"/>
+                      </a:solidFill>
+                      <a:prstDash val="solid"/>
+                      <a:round/>
+                      <a:headEnd type="none" w="med" len="med"/>
+                      <a:tailEnd type="none" w="med" len="med"/>
+                    </a:lnT>
+                    <a:lnB w="12700" cap="flat" cmpd="sng" algn="ctr">
+                      <a:solidFill>
+                        <a:srgbClr val="000000"/>
+                      </a:solidFill>
+                      <a:prstDash val="solid"/>
+                      <a:round/>
+                      <a:headEnd type="none" w="med" len="med"/>
+                      <a:tailEnd type="none" w="med" len="med"/>
+                    </a:lnB>
+                  </a:tcPr>
+                </a:tc>
+                <a:tc>
+                  <a:txBody>
+                    <a:bodyPr/>
+                    <a:lstStyle/>
+                    <a:p>
+                      <a:pPr algn="ctr" fontAlgn="ctr"/>
+                      <a:r>
+                        <a:rPr lang="en-JP" sz="2400" b="0" i="0" u="none" strike="noStrike" dirty="0">
+                          <a:solidFill>
+                            <a:schemeClr val="tx1">
+                              <a:lumMod val="75000"/>
+                              <a:lumOff val="25000"/>
+                            </a:schemeClr>
+                          </a:solidFill>
+                          <a:effectLst/>
+                          <a:latin typeface="IBM Plex Sans" panose="020B0503050203000203" pitchFamily="34" charset="0"/>
+                        </a:rPr>
+                        <a:t> </a:t>
+                      </a:r>
+                    </a:p>
+                  </a:txBody>
+                  <a:tcPr marL="0" marR="0" marT="0" marB="0" anchor="ctr">
+                    <a:lnL w="6350" cap="flat" cmpd="sng" algn="ctr">
+                      <a:solidFill>
+                        <a:srgbClr val="AEAAAA"/>
+                      </a:solidFill>
+                      <a:prstDash val="solid"/>
+                      <a:round/>
+                      <a:headEnd type="none" w="med" len="med"/>
+                      <a:tailEnd type="none" w="med" len="med"/>
+                    </a:lnL>
+                    <a:lnR w="6350" cap="flat" cmpd="sng" algn="ctr">
+                      <a:solidFill>
+                        <a:srgbClr val="AEAAAA"/>
+                      </a:solidFill>
+                      <a:prstDash val="solid"/>
+                      <a:round/>
+                      <a:headEnd type="none" w="med" len="med"/>
+                      <a:tailEnd type="none" w="med" len="med"/>
+                    </a:lnR>
+                    <a:lnT w="6350" cap="flat" cmpd="sng" algn="ctr">
+                      <a:solidFill>
+                        <a:srgbClr val="AEAAAA"/>
+                      </a:solidFill>
+                      <a:prstDash val="solid"/>
+                      <a:round/>
+                      <a:headEnd type="none" w="med" len="med"/>
+                      <a:tailEnd type="none" w="med" len="med"/>
+                    </a:lnT>
+                    <a:lnB w="12700" cap="flat" cmpd="sng" algn="ctr">
+                      <a:solidFill>
+                        <a:srgbClr val="000000"/>
+                      </a:solidFill>
+                      <a:prstDash val="solid"/>
+                      <a:round/>
+                      <a:headEnd type="none" w="med" len="med"/>
+                      <a:tailEnd type="none" w="med" len="med"/>
+                    </a:lnB>
+                  </a:tcPr>
+                </a:tc>
+                <a:tc>
+                  <a:txBody>
+                    <a:bodyPr/>
+                    <a:lstStyle/>
+                    <a:p>
+                      <a:pPr algn="ctr" fontAlgn="ctr"/>
+                      <a:r>
+                        <a:rPr lang="en-US" sz="2400" b="0" i="0" u="none" strike="noStrike" dirty="0">
+                          <a:solidFill>
+                            <a:schemeClr val="tx1">
+                              <a:lumMod val="75000"/>
+                              <a:lumOff val="25000"/>
+                            </a:schemeClr>
+                          </a:solidFill>
+                          <a:effectLst/>
+                          <a:latin typeface="IBM Plex Sans" panose="020B0503050203000203" pitchFamily="34" charset="0"/>
+                        </a:rPr>
+                        <a:t>T</a:t>
+                      </a:r>
+                    </a:p>
+                  </a:txBody>
+                  <a:tcPr marL="0" marR="0" marT="0" marB="0" anchor="ctr">
+                    <a:lnL w="6350" cap="flat" cmpd="sng" algn="ctr">
+                      <a:solidFill>
+                        <a:srgbClr val="AEAAAA"/>
+                      </a:solidFill>
+                      <a:prstDash val="solid"/>
+                      <a:round/>
+                      <a:headEnd type="none" w="med" len="med"/>
+                      <a:tailEnd type="none" w="med" len="med"/>
+                    </a:lnL>
+                    <a:lnR w="12700" cap="flat" cmpd="sng" algn="ctr">
+                      <a:solidFill>
+                        <a:srgbClr val="000000"/>
+                      </a:solidFill>
+                      <a:prstDash val="solid"/>
+                      <a:round/>
+                      <a:headEnd type="none" w="med" len="med"/>
+                      <a:tailEnd type="none" w="med" len="med"/>
+                    </a:lnR>
+                    <a:lnT w="6350" cap="flat" cmpd="sng" algn="ctr">
+                      <a:solidFill>
+                        <a:srgbClr val="AEAAAA"/>
+                      </a:solidFill>
+                      <a:prstDash val="solid"/>
+                      <a:round/>
+                      <a:headEnd type="none" w="med" len="med"/>
+                      <a:tailEnd type="none" w="med" len="med"/>
+                    </a:lnT>
+                    <a:lnB w="12700" cap="flat" cmpd="sng" algn="ctr">
+                      <a:solidFill>
+                        <a:srgbClr val="000000"/>
+                      </a:solidFill>
+                      <a:prstDash val="solid"/>
+                      <a:round/>
+                      <a:headEnd type="none" w="med" len="med"/>
+                      <a:tailEnd type="none" w="med" len="med"/>
+                    </a:lnB>
+                    <a:solidFill>
+                      <a:schemeClr val="bg1">
+                        <a:lumMod val="85000"/>
+                      </a:schemeClr>
+                    </a:solidFill>
+                  </a:tcPr>
+                </a:tc>
+                <a:tc>
+                  <a:txBody>
+                    <a:bodyPr/>
+                    <a:lstStyle/>
+                    <a:p>
+                      <a:pPr algn="ctr" fontAlgn="ctr"/>
+                      <a:r>
+                        <a:rPr lang="en-US" sz="2400" b="0" i="0" u="none" strike="noStrike" dirty="0">
+                          <a:solidFill>
+                            <a:schemeClr val="tx1">
+                              <a:lumMod val="75000"/>
+                              <a:lumOff val="25000"/>
+                            </a:schemeClr>
+                          </a:solidFill>
+                          <a:effectLst/>
+                          <a:latin typeface="IBM Plex Sans" panose="020B0503050203000203" pitchFamily="34" charset="0"/>
+                        </a:rPr>
+                        <a:t>H</a:t>
+                      </a:r>
+                    </a:p>
+                  </a:txBody>
+                  <a:tcPr marL="0" marR="0" marT="0" marB="0" anchor="ctr">
+                    <a:lnL w="12700" cap="flat" cmpd="sng" algn="ctr">
+                      <a:solidFill>
+                        <a:srgbClr val="000000"/>
+                      </a:solidFill>
+                      <a:prstDash val="solid"/>
+                      <a:round/>
+                      <a:headEnd type="none" w="med" len="med"/>
+                      <a:tailEnd type="none" w="med" len="med"/>
+                    </a:lnL>
+                    <a:lnR w="6350" cap="flat" cmpd="sng" algn="ctr">
+                      <a:solidFill>
+                        <a:srgbClr val="AEAAAA"/>
+                      </a:solidFill>
+                      <a:prstDash val="solid"/>
+                      <a:round/>
+                      <a:headEnd type="none" w="med" len="med"/>
+                      <a:tailEnd type="none" w="med" len="med"/>
+                    </a:lnR>
+                    <a:lnT w="6350" cap="flat" cmpd="sng" algn="ctr">
+                      <a:solidFill>
+                        <a:srgbClr val="AEAAAA"/>
+                      </a:solidFill>
+                      <a:prstDash val="solid"/>
+                      <a:round/>
+                      <a:headEnd type="none" w="med" len="med"/>
+                      <a:tailEnd type="none" w="med" len="med"/>
+                    </a:lnT>
+                    <a:lnB w="12700" cap="flat" cmpd="sng" algn="ctr">
+                      <a:solidFill>
+                        <a:srgbClr val="000000"/>
+                      </a:solidFill>
+                      <a:prstDash val="solid"/>
+                      <a:round/>
+                      <a:headEnd type="none" w="med" len="med"/>
+                      <a:tailEnd type="none" w="med" len="med"/>
+                    </a:lnB>
+                    <a:solidFill>
+                      <a:schemeClr val="bg1">
+                        <a:lumMod val="85000"/>
+                      </a:schemeClr>
+                    </a:solidFill>
+                  </a:tcPr>
+                </a:tc>
+                <a:tc>
+                  <a:txBody>
+                    <a:bodyPr/>
+                    <a:lstStyle/>
+                    <a:p>
+                      <a:pPr algn="ctr" fontAlgn="ctr"/>
+                      <a:r>
+                        <a:rPr lang="en-GB" sz="2400" b="0" i="0" u="none" strike="noStrike" dirty="0">
+                          <a:solidFill>
+                            <a:schemeClr val="tx1">
+                              <a:lumMod val="75000"/>
+                              <a:lumOff val="25000"/>
+                            </a:schemeClr>
+                          </a:solidFill>
+                          <a:effectLst/>
+                          <a:latin typeface="IBM Plex Sans" panose="020B0503050203000203" pitchFamily="34" charset="0"/>
+                        </a:rPr>
+                        <a:t>Y</a:t>
+                      </a:r>
+                      <a:endParaRPr lang="en-JP" sz="2400" b="0" i="0" u="none" strike="noStrike" dirty="0">
+                        <a:solidFill>
+                          <a:schemeClr val="tx1">
+                            <a:lumMod val="75000"/>
+                            <a:lumOff val="25000"/>
+                          </a:schemeClr>
+                        </a:solidFill>
+                        <a:effectLst/>
+                        <a:latin typeface="IBM Plex Sans" panose="020B0503050203000203" pitchFamily="34" charset="0"/>
+                      </a:endParaRPr>
+                    </a:p>
+                  </a:txBody>
+                  <a:tcPr marL="0" marR="0" marT="0" marB="0" anchor="ctr">
+                    <a:lnL w="6350" cap="flat" cmpd="sng" algn="ctr">
+                      <a:solidFill>
+                        <a:srgbClr val="AEAAAA"/>
+                      </a:solidFill>
+                      <a:prstDash val="solid"/>
+                      <a:round/>
+                      <a:headEnd type="none" w="med" len="med"/>
+                      <a:tailEnd type="none" w="med" len="med"/>
+                    </a:lnL>
+                    <a:lnR w="6350" cap="flat" cmpd="sng" algn="ctr">
+                      <a:solidFill>
+                        <a:srgbClr val="AEAAAA"/>
+                      </a:solidFill>
+                      <a:prstDash val="solid"/>
+                      <a:round/>
+                      <a:headEnd type="none" w="med" len="med"/>
+                      <a:tailEnd type="none" w="med" len="med"/>
+                    </a:lnR>
+                    <a:lnT w="6350" cap="flat" cmpd="sng" algn="ctr">
+                      <a:solidFill>
+                        <a:srgbClr val="AEAAAA"/>
+                      </a:solidFill>
+                      <a:prstDash val="solid"/>
+                      <a:round/>
+                      <a:headEnd type="none" w="med" len="med"/>
+                      <a:tailEnd type="none" w="med" len="med"/>
+                    </a:lnT>
+                    <a:lnB w="12700" cap="flat" cmpd="sng" algn="ctr">
+                      <a:solidFill>
+                        <a:srgbClr val="000000"/>
+                      </a:solidFill>
+                      <a:prstDash val="solid"/>
+                      <a:round/>
+                      <a:headEnd type="none" w="med" len="med"/>
+                      <a:tailEnd type="none" w="med" len="med"/>
+                    </a:lnB>
+                  </a:tcPr>
+                </a:tc>
+                <a:tc>
+                  <a:txBody>
+                    <a:bodyPr/>
+                    <a:lstStyle/>
+                    <a:p>
+                      <a:pPr algn="ctr" fontAlgn="ctr"/>
+                      <a:r>
+                        <a:rPr lang="en-GB" sz="2400" b="0" i="0" u="none" strike="noStrike" dirty="0">
+                          <a:solidFill>
+                            <a:schemeClr val="tx1">
+                              <a:lumMod val="75000"/>
+                              <a:lumOff val="25000"/>
+                            </a:schemeClr>
+                          </a:solidFill>
+                          <a:effectLst/>
+                          <a:latin typeface="IBM Plex Sans" panose="020B0503050203000203" pitchFamily="34" charset="0"/>
+                        </a:rPr>
+                        <a:t>I</a:t>
+                      </a:r>
+                      <a:endParaRPr lang="en-JP" sz="2400" b="0" i="0" u="none" strike="noStrike" dirty="0">
+                        <a:solidFill>
+                          <a:schemeClr val="tx1">
+                            <a:lumMod val="75000"/>
+                            <a:lumOff val="25000"/>
+                          </a:schemeClr>
+                        </a:solidFill>
+                        <a:effectLst/>
+                        <a:latin typeface="IBM Plex Sans" panose="020B0503050203000203" pitchFamily="34" charset="0"/>
+                      </a:endParaRPr>
+                    </a:p>
+                  </a:txBody>
+                  <a:tcPr marL="0" marR="0" marT="0" marB="0" anchor="ctr">
+                    <a:lnL w="6350" cap="flat" cmpd="sng" algn="ctr">
+                      <a:solidFill>
+                        <a:srgbClr val="AEAAAA"/>
+                      </a:solidFill>
+                      <a:prstDash val="solid"/>
+                      <a:round/>
+                      <a:headEnd type="none" w="med" len="med"/>
+                      <a:tailEnd type="none" w="med" len="med"/>
+                    </a:lnL>
+                    <a:lnR w="12700" cap="flat" cmpd="sng" algn="ctr">
+                      <a:solidFill>
+                        <a:srgbClr val="000000"/>
+                      </a:solidFill>
+                      <a:prstDash val="solid"/>
+                      <a:round/>
+                      <a:headEnd type="none" w="med" len="med"/>
+                      <a:tailEnd type="none" w="med" len="med"/>
+                    </a:lnR>
+                    <a:lnT w="6350" cap="flat" cmpd="sng" algn="ctr">
+                      <a:solidFill>
+                        <a:srgbClr val="AEAAAA"/>
+                      </a:solidFill>
+                      <a:prstDash val="solid"/>
+                      <a:round/>
+                      <a:headEnd type="none" w="med" len="med"/>
+                      <a:tailEnd type="none" w="med" len="med"/>
+                    </a:lnT>
+                    <a:lnB w="12700" cap="flat" cmpd="sng" algn="ctr">
+                      <a:solidFill>
+                        <a:srgbClr val="000000"/>
+                      </a:solidFill>
+                      <a:prstDash val="solid"/>
+                      <a:round/>
+                      <a:headEnd type="none" w="med" len="med"/>
+                      <a:tailEnd type="none" w="med" len="med"/>
+                    </a:lnB>
+                  </a:tcPr>
+                </a:tc>
+                <a:tc>
+                  <a:txBody>
+                    <a:bodyPr/>
+                    <a:lstStyle/>
+                    <a:p>
+                      <a:pPr algn="ctr" fontAlgn="ctr"/>
+                      <a:r>
+                        <a:rPr lang="en-GB" sz="2400" b="0" i="0" u="none" strike="noStrike" dirty="0">
+                          <a:solidFill>
+                            <a:schemeClr val="tx1">
+                              <a:lumMod val="75000"/>
+                              <a:lumOff val="25000"/>
+                            </a:schemeClr>
+                          </a:solidFill>
+                          <a:effectLst/>
+                          <a:latin typeface="IBM Plex Sans" panose="020B0503050203000203" pitchFamily="34" charset="0"/>
+                        </a:rPr>
+                        <a:t>Z</a:t>
+                      </a:r>
+                      <a:endParaRPr lang="en-JP" sz="2400" b="0" i="0" u="none" strike="noStrike" dirty="0">
+                        <a:solidFill>
+                          <a:schemeClr val="tx1">
+                            <a:lumMod val="75000"/>
+                            <a:lumOff val="25000"/>
+                          </a:schemeClr>
+                        </a:solidFill>
+                        <a:effectLst/>
+                        <a:latin typeface="IBM Plex Sans" panose="020B0503050203000203" pitchFamily="34" charset="0"/>
+                      </a:endParaRPr>
+                    </a:p>
+                  </a:txBody>
+                  <a:tcPr marL="0" marR="0" marT="0" marB="0" anchor="ctr">
+                    <a:lnL w="12700" cap="flat" cmpd="sng" algn="ctr">
+                      <a:solidFill>
+                        <a:srgbClr val="000000"/>
+                      </a:solidFill>
+                      <a:prstDash val="solid"/>
+                      <a:round/>
+                      <a:headEnd type="none" w="med" len="med"/>
+                      <a:tailEnd type="none" w="med" len="med"/>
+                    </a:lnL>
+                    <a:lnR w="6350" cap="flat" cmpd="sng" algn="ctr">
+                      <a:solidFill>
+                        <a:srgbClr val="AEAAAA"/>
+                      </a:solidFill>
+                      <a:prstDash val="solid"/>
+                      <a:round/>
+                      <a:headEnd type="none" w="med" len="med"/>
+                      <a:tailEnd type="none" w="med" len="med"/>
+                    </a:lnR>
+                    <a:lnT w="6350" cap="flat" cmpd="sng" algn="ctr">
+                      <a:solidFill>
+                        <a:srgbClr val="AEAAAA"/>
+                      </a:solidFill>
+                      <a:prstDash val="solid"/>
+                      <a:round/>
+                      <a:headEnd type="none" w="med" len="med"/>
+                      <a:tailEnd type="none" w="med" len="med"/>
+                    </a:lnT>
+                    <a:lnB w="12700" cap="flat" cmpd="sng" algn="ctr">
+                      <a:solidFill>
+                        <a:srgbClr val="000000"/>
+                      </a:solidFill>
+                      <a:prstDash val="solid"/>
+                      <a:round/>
+                      <a:headEnd type="none" w="med" len="med"/>
+                      <a:tailEnd type="none" w="med" len="med"/>
+                    </a:lnB>
+                  </a:tcPr>
+                </a:tc>
+                <a:tc>
+                  <a:txBody>
+                    <a:bodyPr/>
+                    <a:lstStyle/>
+                    <a:p>
+                      <a:pPr algn="ctr" fontAlgn="ctr"/>
+                      <a:r>
+                        <a:rPr lang="en-US" sz="2400" b="0" i="0" u="none" strike="noStrike" dirty="0">
+                          <a:solidFill>
+                            <a:schemeClr val="tx1">
+                              <a:lumMod val="75000"/>
+                              <a:lumOff val="25000"/>
+                            </a:schemeClr>
+                          </a:solidFill>
+                          <a:effectLst/>
+                          <a:latin typeface="IBM Plex Sans" panose="020B0503050203000203" pitchFamily="34" charset="0"/>
+                        </a:rPr>
+                        <a:t>S</a:t>
+                      </a:r>
+                    </a:p>
+                  </a:txBody>
+                  <a:tcPr marL="0" marR="0" marT="0" marB="0" anchor="ctr">
+                    <a:lnL w="6350" cap="flat" cmpd="sng" algn="ctr">
+                      <a:solidFill>
+                        <a:srgbClr val="AEAAAA"/>
+                      </a:solidFill>
+                      <a:prstDash val="solid"/>
+                      <a:round/>
+                      <a:headEnd type="none" w="med" len="med"/>
+                      <a:tailEnd type="none" w="med" len="med"/>
+                    </a:lnL>
+                    <a:lnR w="6350" cap="flat" cmpd="sng" algn="ctr">
+                      <a:solidFill>
+                        <a:srgbClr val="AEAAAA"/>
+                      </a:solidFill>
+                      <a:prstDash val="solid"/>
+                      <a:round/>
+                      <a:headEnd type="none" w="med" len="med"/>
+                      <a:tailEnd type="none" w="med" len="med"/>
+                    </a:lnR>
+                    <a:lnT w="6350" cap="flat" cmpd="sng" algn="ctr">
+                      <a:solidFill>
+                        <a:srgbClr val="AEAAAA"/>
+                      </a:solidFill>
+                      <a:prstDash val="solid"/>
+                      <a:round/>
+                      <a:headEnd type="none" w="med" len="med"/>
+                      <a:tailEnd type="none" w="med" len="med"/>
+                    </a:lnT>
+                    <a:lnB w="12700" cap="flat" cmpd="sng" algn="ctr">
+                      <a:solidFill>
+                        <a:srgbClr val="000000"/>
+                      </a:solidFill>
+                      <a:prstDash val="solid"/>
+                      <a:round/>
+                      <a:headEnd type="none" w="med" len="med"/>
+                      <a:tailEnd type="none" w="med" len="med"/>
+                    </a:lnB>
+                    <a:solidFill>
+                      <a:schemeClr val="bg1">
+                        <a:lumMod val="85000"/>
+                      </a:schemeClr>
+                    </a:solidFill>
+                  </a:tcPr>
+                </a:tc>
+                <a:tc>
+                  <a:txBody>
+                    <a:bodyPr/>
+                    <a:lstStyle/>
+                    <a:p>
+                      <a:pPr algn="ctr" fontAlgn="ctr"/>
+                      <a:r>
+                        <a:rPr lang="en-GB" sz="2400" b="0" i="0" u="none" strike="noStrike" dirty="0">
+                          <a:solidFill>
+                            <a:schemeClr val="tx1">
+                              <a:lumMod val="75000"/>
+                              <a:lumOff val="25000"/>
+                            </a:schemeClr>
+                          </a:solidFill>
+                          <a:effectLst/>
+                          <a:latin typeface="IBM Plex Sans" panose="020B0503050203000203" pitchFamily="34" charset="0"/>
+                        </a:rPr>
+                        <a:t>X</a:t>
+                      </a:r>
+                      <a:endParaRPr lang="en-JP" sz="2400" b="0" i="0" u="none" strike="noStrike" dirty="0">
+                        <a:solidFill>
+                          <a:schemeClr val="tx1">
+                            <a:lumMod val="75000"/>
+                            <a:lumOff val="25000"/>
+                          </a:schemeClr>
+                        </a:solidFill>
+                        <a:effectLst/>
+                        <a:latin typeface="IBM Plex Sans" panose="020B0503050203000203" pitchFamily="34" charset="0"/>
+                      </a:endParaRPr>
+                    </a:p>
+                  </a:txBody>
+                  <a:tcPr marL="0" marR="0" marT="0" marB="0" anchor="ctr">
+                    <a:lnL w="6350" cap="flat" cmpd="sng" algn="ctr">
+                      <a:solidFill>
+                        <a:srgbClr val="AEAAAA"/>
+                      </a:solidFill>
+                      <a:prstDash val="solid"/>
+                      <a:round/>
+                      <a:headEnd type="none" w="med" len="med"/>
+                      <a:tailEnd type="none" w="med" len="med"/>
+                    </a:lnL>
+                    <a:lnR w="12700" cap="flat" cmpd="sng" algn="ctr">
+                      <a:solidFill>
+                        <a:srgbClr val="000000"/>
+                      </a:solidFill>
+                      <a:prstDash val="solid"/>
+                      <a:round/>
+                      <a:headEnd type="none" w="med" len="med"/>
+                      <a:tailEnd type="none" w="med" len="med"/>
+                    </a:lnR>
+                    <a:lnT w="6350" cap="flat" cmpd="sng" algn="ctr">
+                      <a:solidFill>
+                        <a:srgbClr val="AEAAAA"/>
+                      </a:solidFill>
+                      <a:prstDash val="solid"/>
+                      <a:round/>
+                      <a:headEnd type="none" w="med" len="med"/>
+                      <a:tailEnd type="none" w="med" len="med"/>
+                    </a:lnT>
+                    <a:lnB w="12700" cap="flat" cmpd="sng" algn="ctr">
+                      <a:solidFill>
+                        <a:srgbClr val="000000"/>
+                      </a:solidFill>
+                      <a:prstDash val="solid"/>
+                      <a:round/>
+                      <a:headEnd type="none" w="med" len="med"/>
+                      <a:tailEnd type="none" w="med" len="med"/>
+                    </a:lnB>
+                  </a:tcPr>
+                </a:tc>
+                <a:extLst>
+                  <a:ext uri="{0D108BD9-81ED-4DB2-BD59-A6C34878D82A}">
+                    <a16:rowId xmlns:a16="http://schemas.microsoft.com/office/drawing/2014/main" val="2694707024"/>
+                  </a:ext>
+                </a:extLst>
+              </a:tr>
+              <a:tr h="483482">
+                <a:tc>
+                  <a:txBody>
+                    <a:bodyPr/>
+                    <a:lstStyle/>
+                    <a:p>
+                      <a:pPr algn="ctr" fontAlgn="ctr"/>
+                      <a:r>
+                        <a:rPr lang="en-GB" sz="2400" b="0" i="0" u="none" strike="noStrike" dirty="0">
+                          <a:solidFill>
+                            <a:schemeClr val="tx1">
+                              <a:lumMod val="75000"/>
+                              <a:lumOff val="25000"/>
+                            </a:schemeClr>
+                          </a:solidFill>
+                          <a:effectLst/>
+                          <a:latin typeface="IBM Plex Sans" panose="020B0503050203000203" pitchFamily="34" charset="0"/>
+                        </a:rPr>
+                        <a:t>T</a:t>
+                      </a:r>
+                      <a:endParaRPr lang="en-JP" sz="2400" b="0" i="0" u="none" strike="noStrike" dirty="0">
+                        <a:solidFill>
+                          <a:schemeClr val="tx1">
+                            <a:lumMod val="75000"/>
+                            <a:lumOff val="25000"/>
+                          </a:schemeClr>
+                        </a:solidFill>
+                        <a:effectLst/>
+                        <a:latin typeface="IBM Plex Sans" panose="020B0503050203000203" pitchFamily="34" charset="0"/>
+                      </a:endParaRPr>
+                    </a:p>
+                  </a:txBody>
+                  <a:tcPr marL="0" marR="0" marT="0" marB="0" anchor="ctr">
+                    <a:lnL w="12700" cap="flat" cmpd="sng" algn="ctr">
+                      <a:solidFill>
+                        <a:srgbClr val="000000"/>
+                      </a:solidFill>
+                      <a:prstDash val="solid"/>
+                      <a:round/>
+                      <a:headEnd type="none" w="med" len="med"/>
+                      <a:tailEnd type="none" w="med" len="med"/>
+                    </a:lnL>
+                    <a:lnR w="6350" cap="flat" cmpd="sng" algn="ctr">
+                      <a:solidFill>
+                        <a:srgbClr val="AEAAAA"/>
+                      </a:solidFill>
+                      <a:prstDash val="solid"/>
+                      <a:round/>
+                      <a:headEnd type="none" w="med" len="med"/>
+                      <a:tailEnd type="none" w="med" len="med"/>
+                    </a:lnR>
+                    <a:lnT w="12700" cap="flat" cmpd="sng" algn="ctr">
+                      <a:solidFill>
+                        <a:srgbClr val="000000"/>
+                      </a:solidFill>
+                      <a:prstDash val="solid"/>
+                      <a:round/>
+                      <a:headEnd type="none" w="med" len="med"/>
+                      <a:tailEnd type="none" w="med" len="med"/>
+                    </a:lnT>
+                    <a:lnB w="6350" cap="flat" cmpd="sng" algn="ctr">
+                      <a:solidFill>
+                        <a:srgbClr val="AEAAAA"/>
+                      </a:solidFill>
+                      <a:prstDash val="solid"/>
+                      <a:round/>
+                      <a:headEnd type="none" w="med" len="med"/>
+                      <a:tailEnd type="none" w="med" len="med"/>
+                    </a:lnB>
+                  </a:tcPr>
+                </a:tc>
+                <a:tc>
+                  <a:txBody>
+                    <a:bodyPr/>
+                    <a:lstStyle/>
+                    <a:p>
+                      <a:pPr algn="ctr" fontAlgn="ctr"/>
+                      <a:r>
+                        <a:rPr lang="en-GB" sz="2400" b="0" i="0" u="none" strike="noStrike" dirty="0">
+                          <a:solidFill>
+                            <a:schemeClr val="tx1">
+                              <a:lumMod val="75000"/>
+                              <a:lumOff val="25000"/>
+                            </a:schemeClr>
+                          </a:solidFill>
+                          <a:effectLst/>
+                          <a:latin typeface="IBM Plex Sans" panose="020B0503050203000203" pitchFamily="34" charset="0"/>
+                        </a:rPr>
+                        <a:t>S</a:t>
+                      </a:r>
+                      <a:endParaRPr lang="en-JP" sz="2400" b="0" i="0" u="none" strike="noStrike" dirty="0">
+                        <a:solidFill>
+                          <a:schemeClr val="tx1">
+                            <a:lumMod val="75000"/>
+                            <a:lumOff val="25000"/>
+                          </a:schemeClr>
+                        </a:solidFill>
+                        <a:effectLst/>
+                        <a:latin typeface="IBM Plex Sans" panose="020B0503050203000203" pitchFamily="34" charset="0"/>
+                      </a:endParaRPr>
+                    </a:p>
+                  </a:txBody>
+                  <a:tcPr marL="0" marR="0" marT="0" marB="0" anchor="ctr">
+                    <a:lnL w="6350" cap="flat" cmpd="sng" algn="ctr">
+                      <a:solidFill>
+                        <a:srgbClr val="AEAAAA"/>
+                      </a:solidFill>
+                      <a:prstDash val="solid"/>
+                      <a:round/>
+                      <a:headEnd type="none" w="med" len="med"/>
+                      <a:tailEnd type="none" w="med" len="med"/>
+                    </a:lnL>
+                    <a:lnR w="6350" cap="flat" cmpd="sng" algn="ctr">
+                      <a:solidFill>
+                        <a:srgbClr val="AEAAAA"/>
+                      </a:solidFill>
+                      <a:prstDash val="solid"/>
+                      <a:round/>
+                      <a:headEnd type="none" w="med" len="med"/>
+                      <a:tailEnd type="none" w="med" len="med"/>
+                    </a:lnR>
+                    <a:lnT w="12700" cap="flat" cmpd="sng" algn="ctr">
+                      <a:solidFill>
+                        <a:srgbClr val="000000"/>
+                      </a:solidFill>
+                      <a:prstDash val="solid"/>
+                      <a:round/>
+                      <a:headEnd type="none" w="med" len="med"/>
+                      <a:tailEnd type="none" w="med" len="med"/>
+                    </a:lnT>
+                    <a:lnB w="6350" cap="flat" cmpd="sng" algn="ctr">
+                      <a:solidFill>
+                        <a:srgbClr val="AEAAAA"/>
+                      </a:solidFill>
+                      <a:prstDash val="solid"/>
+                      <a:round/>
+                      <a:headEnd type="none" w="med" len="med"/>
+                      <a:tailEnd type="none" w="med" len="med"/>
+                    </a:lnB>
+                  </a:tcPr>
+                </a:tc>
+                <a:tc>
+                  <a:txBody>
+                    <a:bodyPr/>
+                    <a:lstStyle/>
+                    <a:p>
+                      <a:pPr algn="ctr" fontAlgn="ctr"/>
+                      <a:r>
+                        <a:rPr lang="en-JP" sz="2400" b="0" i="0" u="none" strike="noStrike" dirty="0">
+                          <a:solidFill>
+                            <a:schemeClr val="tx1">
+                              <a:lumMod val="75000"/>
+                              <a:lumOff val="25000"/>
+                            </a:schemeClr>
+                          </a:solidFill>
+                          <a:effectLst/>
+                          <a:latin typeface="IBM Plex Sans" panose="020B0503050203000203" pitchFamily="34" charset="0"/>
+                        </a:rPr>
+                        <a:t> </a:t>
+                      </a:r>
+                    </a:p>
+                  </a:txBody>
+                  <a:tcPr marL="0" marR="0" marT="0" marB="0" anchor="ctr">
+                    <a:lnL w="6350" cap="flat" cmpd="sng" algn="ctr">
+                      <a:solidFill>
+                        <a:srgbClr val="AEAAAA"/>
+                      </a:solidFill>
+                      <a:prstDash val="solid"/>
+                      <a:round/>
+                      <a:headEnd type="none" w="med" len="med"/>
+                      <a:tailEnd type="none" w="med" len="med"/>
+                    </a:lnL>
+                    <a:lnR w="12700" cap="flat" cmpd="sng" algn="ctr">
+                      <a:solidFill>
+                        <a:srgbClr val="000000"/>
+                      </a:solidFill>
+                      <a:prstDash val="solid"/>
+                      <a:round/>
+                      <a:headEnd type="none" w="med" len="med"/>
+                      <a:tailEnd type="none" w="med" len="med"/>
+                    </a:lnR>
+                    <a:lnT w="12700" cap="flat" cmpd="sng" algn="ctr">
+                      <a:solidFill>
+                        <a:srgbClr val="000000"/>
+                      </a:solidFill>
+                      <a:prstDash val="solid"/>
+                      <a:round/>
+                      <a:headEnd type="none" w="med" len="med"/>
+                      <a:tailEnd type="none" w="med" len="med"/>
+                    </a:lnT>
+                    <a:lnB w="6350" cap="flat" cmpd="sng" algn="ctr">
+                      <a:solidFill>
+                        <a:srgbClr val="AEAAAA"/>
+                      </a:solidFill>
+                      <a:prstDash val="solid"/>
+                      <a:round/>
+                      <a:headEnd type="none" w="med" len="med"/>
+                      <a:tailEnd type="none" w="med" len="med"/>
+                    </a:lnB>
+                  </a:tcPr>
+                </a:tc>
+                <a:tc>
+                  <a:txBody>
+                    <a:bodyPr/>
+                    <a:lstStyle/>
+                    <a:p>
+                      <a:pPr algn="ctr" fontAlgn="ctr"/>
+                      <a:r>
+                        <a:rPr lang="en-GB" sz="2400" b="0" i="0" u="none" strike="noStrike" dirty="0">
+                          <a:solidFill>
+                            <a:schemeClr val="tx1">
+                              <a:lumMod val="75000"/>
+                              <a:lumOff val="25000"/>
+                            </a:schemeClr>
+                          </a:solidFill>
+                          <a:effectLst/>
+                          <a:latin typeface="IBM Plex Sans" panose="020B0503050203000203" pitchFamily="34" charset="0"/>
+                        </a:rPr>
+                        <a:t>I</a:t>
+                      </a:r>
+                      <a:endParaRPr lang="en-JP" sz="2400" b="0" i="0" u="none" strike="noStrike" dirty="0">
+                        <a:solidFill>
+                          <a:schemeClr val="tx1">
+                            <a:lumMod val="75000"/>
+                            <a:lumOff val="25000"/>
+                          </a:schemeClr>
+                        </a:solidFill>
+                        <a:effectLst/>
+                        <a:latin typeface="IBM Plex Sans" panose="020B0503050203000203" pitchFamily="34" charset="0"/>
+                      </a:endParaRPr>
+                    </a:p>
+                  </a:txBody>
+                  <a:tcPr marL="0" marR="0" marT="0" marB="0" anchor="ctr">
+                    <a:lnL w="12700" cap="flat" cmpd="sng" algn="ctr">
+                      <a:solidFill>
+                        <a:srgbClr val="000000"/>
+                      </a:solidFill>
+                      <a:prstDash val="solid"/>
+                      <a:round/>
+                      <a:headEnd type="none" w="med" len="med"/>
+                      <a:tailEnd type="none" w="med" len="med"/>
+                    </a:lnL>
+                    <a:lnR w="6350" cap="flat" cmpd="sng" algn="ctr">
+                      <a:solidFill>
+                        <a:srgbClr val="AEAAAA"/>
+                      </a:solidFill>
+                      <a:prstDash val="solid"/>
+                      <a:round/>
+                      <a:headEnd type="none" w="med" len="med"/>
+                      <a:tailEnd type="none" w="med" len="med"/>
+                    </a:lnR>
+                    <a:lnT w="12700" cap="flat" cmpd="sng" algn="ctr">
+                      <a:solidFill>
+                        <a:srgbClr val="000000"/>
+                      </a:solidFill>
+                      <a:prstDash val="solid"/>
+                      <a:round/>
+                      <a:headEnd type="none" w="med" len="med"/>
+                      <a:tailEnd type="none" w="med" len="med"/>
+                    </a:lnT>
+                    <a:lnB w="6350" cap="flat" cmpd="sng" algn="ctr">
+                      <a:solidFill>
+                        <a:srgbClr val="AEAAAA"/>
+                      </a:solidFill>
+                      <a:prstDash val="solid"/>
+                      <a:round/>
+                      <a:headEnd type="none" w="med" len="med"/>
+                      <a:tailEnd type="none" w="med" len="med"/>
+                    </a:lnB>
+                  </a:tcPr>
+                </a:tc>
+                <a:tc>
+                  <a:txBody>
+                    <a:bodyPr/>
+                    <a:lstStyle/>
+                    <a:p>
+                      <a:pPr algn="ctr" fontAlgn="ctr"/>
+                      <a:r>
+                        <a:rPr lang="en-US" sz="2400" b="0" i="0" u="none" strike="noStrike" dirty="0">
+                          <a:solidFill>
+                            <a:schemeClr val="tx1">
+                              <a:lumMod val="75000"/>
+                              <a:lumOff val="25000"/>
+                            </a:schemeClr>
+                          </a:solidFill>
+                          <a:effectLst/>
+                          <a:latin typeface="IBM Plex Sans" panose="020B0503050203000203" pitchFamily="34" charset="0"/>
+                        </a:rPr>
+                        <a:t>X</a:t>
+                      </a:r>
+                    </a:p>
+                  </a:txBody>
+                  <a:tcPr marL="0" marR="0" marT="0" marB="0" anchor="ctr">
+                    <a:lnL w="6350" cap="flat" cmpd="sng" algn="ctr">
+                      <a:solidFill>
+                        <a:srgbClr val="AEAAAA"/>
+                      </a:solidFill>
+                      <a:prstDash val="solid"/>
+                      <a:round/>
+                      <a:headEnd type="none" w="med" len="med"/>
+                      <a:tailEnd type="none" w="med" len="med"/>
+                    </a:lnL>
+                    <a:lnR w="6350" cap="flat" cmpd="sng" algn="ctr">
+                      <a:solidFill>
+                        <a:srgbClr val="AEAAAA"/>
+                      </a:solidFill>
+                      <a:prstDash val="solid"/>
+                      <a:round/>
+                      <a:headEnd type="none" w="med" len="med"/>
+                      <a:tailEnd type="none" w="med" len="med"/>
+                    </a:lnR>
+                    <a:lnT w="12700" cap="flat" cmpd="sng" algn="ctr">
+                      <a:solidFill>
+                        <a:srgbClr val="000000"/>
+                      </a:solidFill>
+                      <a:prstDash val="solid"/>
+                      <a:round/>
+                      <a:headEnd type="none" w="med" len="med"/>
+                      <a:tailEnd type="none" w="med" len="med"/>
+                    </a:lnT>
+                    <a:lnB w="6350" cap="flat" cmpd="sng" algn="ctr">
+                      <a:solidFill>
+                        <a:srgbClr val="AEAAAA"/>
+                      </a:solidFill>
+                      <a:prstDash val="solid"/>
+                      <a:round/>
+                      <a:headEnd type="none" w="med" len="med"/>
+                      <a:tailEnd type="none" w="med" len="med"/>
+                    </a:lnB>
+                    <a:solidFill>
+                      <a:schemeClr val="bg1">
+                        <a:lumMod val="85000"/>
+                      </a:schemeClr>
+                    </a:solidFill>
+                  </a:tcPr>
+                </a:tc>
+                <a:tc>
+                  <a:txBody>
+                    <a:bodyPr/>
+                    <a:lstStyle/>
+                    <a:p>
+                      <a:pPr algn="ctr" fontAlgn="ctr"/>
+                      <a:r>
+                        <a:rPr lang="en-GB" sz="2400" b="0" i="0" u="none" strike="noStrike" dirty="0">
+                          <a:solidFill>
+                            <a:schemeClr val="tx1">
+                              <a:lumMod val="75000"/>
+                              <a:lumOff val="25000"/>
+                            </a:schemeClr>
+                          </a:solidFill>
+                          <a:effectLst/>
+                          <a:latin typeface="IBM Plex Sans" panose="020B0503050203000203" pitchFamily="34" charset="0"/>
+                        </a:rPr>
+                        <a:t>Y</a:t>
+                      </a:r>
+                      <a:endParaRPr lang="en-JP" sz="2400" b="0" i="0" u="none" strike="noStrike" dirty="0">
+                        <a:solidFill>
+                          <a:schemeClr val="tx1">
+                            <a:lumMod val="75000"/>
+                            <a:lumOff val="25000"/>
+                          </a:schemeClr>
+                        </a:solidFill>
+                        <a:effectLst/>
+                        <a:latin typeface="IBM Plex Sans" panose="020B0503050203000203" pitchFamily="34" charset="0"/>
+                      </a:endParaRPr>
+                    </a:p>
+                  </a:txBody>
+                  <a:tcPr marL="0" marR="0" marT="0" marB="0" anchor="ctr">
+                    <a:lnL w="6350" cap="flat" cmpd="sng" algn="ctr">
+                      <a:solidFill>
+                        <a:srgbClr val="AEAAAA"/>
+                      </a:solidFill>
+                      <a:prstDash val="solid"/>
+                      <a:round/>
+                      <a:headEnd type="none" w="med" len="med"/>
+                      <a:tailEnd type="none" w="med" len="med"/>
+                    </a:lnL>
+                    <a:lnR w="12700" cap="flat" cmpd="sng" algn="ctr">
+                      <a:solidFill>
+                        <a:srgbClr val="000000"/>
+                      </a:solidFill>
+                      <a:prstDash val="solid"/>
+                      <a:round/>
+                      <a:headEnd type="none" w="med" len="med"/>
+                      <a:tailEnd type="none" w="med" len="med"/>
+                    </a:lnR>
+                    <a:lnT w="12700" cap="flat" cmpd="sng" algn="ctr">
+                      <a:solidFill>
+                        <a:srgbClr val="000000"/>
+                      </a:solidFill>
+                      <a:prstDash val="solid"/>
+                      <a:round/>
+                      <a:headEnd type="none" w="med" len="med"/>
+                      <a:tailEnd type="none" w="med" len="med"/>
+                    </a:lnT>
+                    <a:lnB w="6350" cap="flat" cmpd="sng" algn="ctr">
+                      <a:solidFill>
+                        <a:srgbClr val="AEAAAA"/>
+                      </a:solidFill>
+                      <a:prstDash val="solid"/>
+                      <a:round/>
+                      <a:headEnd type="none" w="med" len="med"/>
+                      <a:tailEnd type="none" w="med" len="med"/>
+                    </a:lnB>
+                  </a:tcPr>
+                </a:tc>
+                <a:tc>
+                  <a:txBody>
+                    <a:bodyPr/>
+                    <a:lstStyle/>
+                    <a:p>
+                      <a:pPr algn="ctr" fontAlgn="ctr"/>
+                      <a:r>
+                        <a:rPr lang="en-GB" sz="2400" b="0" i="0" u="none" strike="noStrike" dirty="0">
+                          <a:solidFill>
+                            <a:schemeClr val="tx1">
+                              <a:lumMod val="75000"/>
+                              <a:lumOff val="25000"/>
+                            </a:schemeClr>
+                          </a:solidFill>
+                          <a:effectLst/>
+                          <a:latin typeface="IBM Plex Sans" panose="020B0503050203000203" pitchFamily="34" charset="0"/>
+                        </a:rPr>
+                        <a:t>H</a:t>
+                      </a:r>
+                      <a:endParaRPr lang="en-JP" sz="2400" b="0" i="0" u="none" strike="noStrike" dirty="0">
+                        <a:solidFill>
+                          <a:schemeClr val="tx1">
+                            <a:lumMod val="75000"/>
+                            <a:lumOff val="25000"/>
+                          </a:schemeClr>
+                        </a:solidFill>
+                        <a:effectLst/>
+                        <a:latin typeface="IBM Plex Sans" panose="020B0503050203000203" pitchFamily="34" charset="0"/>
+                      </a:endParaRPr>
+                    </a:p>
+                  </a:txBody>
+                  <a:tcPr marL="0" marR="0" marT="0" marB="0" anchor="ctr">
+                    <a:lnL w="12700" cap="flat" cmpd="sng" algn="ctr">
+                      <a:solidFill>
+                        <a:srgbClr val="000000"/>
+                      </a:solidFill>
+                      <a:prstDash val="solid"/>
+                      <a:round/>
+                      <a:headEnd type="none" w="med" len="med"/>
+                      <a:tailEnd type="none" w="med" len="med"/>
+                    </a:lnL>
+                    <a:lnR w="6350" cap="flat" cmpd="sng" algn="ctr">
+                      <a:solidFill>
+                        <a:srgbClr val="AEAAAA"/>
+                      </a:solidFill>
+                      <a:prstDash val="solid"/>
+                      <a:round/>
+                      <a:headEnd type="none" w="med" len="med"/>
+                      <a:tailEnd type="none" w="med" len="med"/>
+                    </a:lnR>
+                    <a:lnT w="12700" cap="flat" cmpd="sng" algn="ctr">
+                      <a:solidFill>
+                        <a:srgbClr val="000000"/>
+                      </a:solidFill>
+                      <a:prstDash val="solid"/>
+                      <a:round/>
+                      <a:headEnd type="none" w="med" len="med"/>
+                      <a:tailEnd type="none" w="med" len="med"/>
+                    </a:lnT>
+                    <a:lnB w="6350" cap="flat" cmpd="sng" algn="ctr">
+                      <a:solidFill>
+                        <a:srgbClr val="AEAAAA"/>
+                      </a:solidFill>
+                      <a:prstDash val="solid"/>
+                      <a:round/>
+                      <a:headEnd type="none" w="med" len="med"/>
+                      <a:tailEnd type="none" w="med" len="med"/>
+                    </a:lnB>
+                  </a:tcPr>
+                </a:tc>
+                <a:tc>
+                  <a:txBody>
+                    <a:bodyPr/>
+                    <a:lstStyle/>
+                    <a:p>
+                      <a:pPr algn="ctr" fontAlgn="ctr"/>
+                      <a:endParaRPr lang="en-JP" sz="2400" b="0" i="0" u="none" strike="noStrike" dirty="0">
+                        <a:solidFill>
+                          <a:schemeClr val="tx1">
+                            <a:lumMod val="75000"/>
+                            <a:lumOff val="25000"/>
+                          </a:schemeClr>
+                        </a:solidFill>
+                        <a:effectLst/>
+                        <a:latin typeface="IBM Plex Sans" panose="020B0503050203000203" pitchFamily="34" charset="0"/>
+                      </a:endParaRPr>
+                    </a:p>
+                  </a:txBody>
+                  <a:tcPr marL="0" marR="0" marT="0" marB="0" anchor="ctr">
+                    <a:lnL w="6350" cap="flat" cmpd="sng" algn="ctr">
+                      <a:solidFill>
+                        <a:srgbClr val="AEAAAA"/>
+                      </a:solidFill>
+                      <a:prstDash val="solid"/>
+                      <a:round/>
+                      <a:headEnd type="none" w="med" len="med"/>
+                      <a:tailEnd type="none" w="med" len="med"/>
+                    </a:lnL>
+                    <a:lnR w="6350" cap="flat" cmpd="sng" algn="ctr">
+                      <a:solidFill>
+                        <a:srgbClr val="AEAAAA"/>
+                      </a:solidFill>
+                      <a:prstDash val="solid"/>
+                      <a:round/>
+                      <a:headEnd type="none" w="med" len="med"/>
+                      <a:tailEnd type="none" w="med" len="med"/>
+                    </a:lnR>
+                    <a:lnT w="12700" cap="flat" cmpd="sng" algn="ctr">
+                      <a:solidFill>
+                        <a:srgbClr val="000000"/>
+                      </a:solidFill>
+                      <a:prstDash val="solid"/>
+                      <a:round/>
+                      <a:headEnd type="none" w="med" len="med"/>
+                      <a:tailEnd type="none" w="med" len="med"/>
+                    </a:lnT>
+                    <a:lnB w="6350" cap="flat" cmpd="sng" algn="ctr">
+                      <a:solidFill>
+                        <a:srgbClr val="AEAAAA"/>
+                      </a:solidFill>
+                      <a:prstDash val="solid"/>
+                      <a:round/>
+                      <a:headEnd type="none" w="med" len="med"/>
+                      <a:tailEnd type="none" w="med" len="med"/>
+                    </a:lnB>
+                    <a:solidFill>
+                      <a:schemeClr val="bg1">
+                        <a:lumMod val="85000"/>
+                      </a:schemeClr>
+                    </a:solidFill>
+                  </a:tcPr>
+                </a:tc>
+                <a:tc>
+                  <a:txBody>
+                    <a:bodyPr/>
+                    <a:lstStyle/>
+                    <a:p>
+                      <a:pPr algn="ctr" fontAlgn="ctr"/>
+                      <a:r>
+                        <a:rPr lang="en-GB" sz="2400" b="0" i="0" u="none" strike="noStrike" dirty="0">
+                          <a:solidFill>
+                            <a:schemeClr val="tx1">
+                              <a:lumMod val="75000"/>
+                              <a:lumOff val="25000"/>
+                            </a:schemeClr>
+                          </a:solidFill>
+                          <a:effectLst/>
+                          <a:latin typeface="IBM Plex Sans" panose="020B0503050203000203" pitchFamily="34" charset="0"/>
+                        </a:rPr>
+                        <a:t>Z</a:t>
+                      </a:r>
+                      <a:endParaRPr lang="en-JP" sz="2400" b="0" i="0" u="none" strike="noStrike" dirty="0">
+                        <a:solidFill>
+                          <a:schemeClr val="tx1">
+                            <a:lumMod val="75000"/>
+                            <a:lumOff val="25000"/>
+                          </a:schemeClr>
+                        </a:solidFill>
+                        <a:effectLst/>
+                        <a:latin typeface="IBM Plex Sans" panose="020B0503050203000203" pitchFamily="34" charset="0"/>
+                      </a:endParaRPr>
+                    </a:p>
+                  </a:txBody>
+                  <a:tcPr marL="0" marR="0" marT="0" marB="0" anchor="ctr">
+                    <a:lnL w="6350" cap="flat" cmpd="sng" algn="ctr">
+                      <a:solidFill>
+                        <a:srgbClr val="AEAAAA"/>
+                      </a:solidFill>
+                      <a:prstDash val="solid"/>
+                      <a:round/>
+                      <a:headEnd type="none" w="med" len="med"/>
+                      <a:tailEnd type="none" w="med" len="med"/>
+                    </a:lnL>
+                    <a:lnR w="12700" cap="flat" cmpd="sng" algn="ctr">
+                      <a:solidFill>
+                        <a:srgbClr val="000000"/>
+                      </a:solidFill>
+                      <a:prstDash val="solid"/>
+                      <a:round/>
+                      <a:headEnd type="none" w="med" len="med"/>
+                      <a:tailEnd type="none" w="med" len="med"/>
+                    </a:lnR>
+                    <a:lnT w="12700" cap="flat" cmpd="sng" algn="ctr">
+                      <a:solidFill>
+                        <a:srgbClr val="000000"/>
+                      </a:solidFill>
+                      <a:prstDash val="solid"/>
+                      <a:round/>
+                      <a:headEnd type="none" w="med" len="med"/>
+                      <a:tailEnd type="none" w="med" len="med"/>
+                    </a:lnT>
+                    <a:lnB w="6350" cap="flat" cmpd="sng" algn="ctr">
+                      <a:solidFill>
+                        <a:srgbClr val="AEAAAA"/>
+                      </a:solidFill>
+                      <a:prstDash val="solid"/>
+                      <a:round/>
+                      <a:headEnd type="none" w="med" len="med"/>
+                      <a:tailEnd type="none" w="med" len="med"/>
+                    </a:lnB>
+                  </a:tcPr>
+                </a:tc>
+                <a:extLst>
+                  <a:ext uri="{0D108BD9-81ED-4DB2-BD59-A6C34878D82A}">
+                    <a16:rowId xmlns:a16="http://schemas.microsoft.com/office/drawing/2014/main" val="776927206"/>
+                  </a:ext>
+                </a:extLst>
+              </a:tr>
+              <a:tr h="483482">
+                <a:tc>
+                  <a:txBody>
+                    <a:bodyPr/>
+                    <a:lstStyle/>
+                    <a:p>
+                      <a:pPr algn="ctr" fontAlgn="ctr"/>
+                      <a:r>
+                        <a:rPr lang="en-GB" sz="2400" b="0" i="0" u="none" strike="noStrike" dirty="0">
+                          <a:solidFill>
+                            <a:schemeClr val="tx1">
+                              <a:lumMod val="75000"/>
+                              <a:lumOff val="25000"/>
+                            </a:schemeClr>
+                          </a:solidFill>
+                          <a:effectLst/>
+                          <a:latin typeface="IBM Plex Sans" panose="020B0503050203000203" pitchFamily="34" charset="0"/>
+                        </a:rPr>
+                        <a:t>X</a:t>
+                      </a:r>
+                      <a:endParaRPr lang="en-JP" sz="2400" b="0" i="0" u="none" strike="noStrike" dirty="0">
+                        <a:solidFill>
+                          <a:schemeClr val="tx1">
+                            <a:lumMod val="75000"/>
+                            <a:lumOff val="25000"/>
+                          </a:schemeClr>
+                        </a:solidFill>
+                        <a:effectLst/>
+                        <a:latin typeface="IBM Plex Sans" panose="020B0503050203000203" pitchFamily="34" charset="0"/>
+                      </a:endParaRPr>
+                    </a:p>
+                  </a:txBody>
+                  <a:tcPr marL="0" marR="0" marT="0" marB="0" anchor="ctr">
+                    <a:lnL w="12700" cap="flat" cmpd="sng" algn="ctr">
+                      <a:solidFill>
+                        <a:srgbClr val="000000"/>
+                      </a:solidFill>
+                      <a:prstDash val="solid"/>
+                      <a:round/>
+                      <a:headEnd type="none" w="med" len="med"/>
+                      <a:tailEnd type="none" w="med" len="med"/>
+                    </a:lnL>
+                    <a:lnR w="6350" cap="flat" cmpd="sng" algn="ctr">
+                      <a:solidFill>
+                        <a:srgbClr val="AEAAAA"/>
+                      </a:solidFill>
+                      <a:prstDash val="solid"/>
+                      <a:round/>
+                      <a:headEnd type="none" w="med" len="med"/>
+                      <a:tailEnd type="none" w="med" len="med"/>
+                    </a:lnR>
+                    <a:lnT w="6350" cap="flat" cmpd="sng" algn="ctr">
+                      <a:solidFill>
+                        <a:srgbClr val="AEAAAA"/>
+                      </a:solidFill>
+                      <a:prstDash val="solid"/>
+                      <a:round/>
+                      <a:headEnd type="none" w="med" len="med"/>
+                      <a:tailEnd type="none" w="med" len="med"/>
+                    </a:lnT>
+                    <a:lnB w="6350" cap="flat" cmpd="sng" algn="ctr">
+                      <a:solidFill>
+                        <a:srgbClr val="AEAAAA"/>
+                      </a:solidFill>
+                      <a:prstDash val="solid"/>
+                      <a:round/>
+                      <a:headEnd type="none" w="med" len="med"/>
+                      <a:tailEnd type="none" w="med" len="med"/>
+                    </a:lnB>
+                  </a:tcPr>
+                </a:tc>
+                <a:tc>
+                  <a:txBody>
+                    <a:bodyPr/>
+                    <a:lstStyle/>
+                    <a:p>
+                      <a:pPr algn="ctr" fontAlgn="ctr"/>
+                      <a:r>
+                        <a:rPr lang="en-GB" sz="2400" b="0" i="0" u="none" strike="noStrike" dirty="0">
+                          <a:solidFill>
+                            <a:schemeClr val="tx1">
+                              <a:lumMod val="75000"/>
+                              <a:lumOff val="25000"/>
+                            </a:schemeClr>
+                          </a:solidFill>
+                          <a:effectLst/>
+                          <a:latin typeface="IBM Plex Sans" panose="020B0503050203000203" pitchFamily="34" charset="0"/>
+                        </a:rPr>
+                        <a:t>I</a:t>
+                      </a:r>
+                      <a:endParaRPr lang="en-JP" sz="2400" b="0" i="0" u="none" strike="noStrike" dirty="0">
+                        <a:solidFill>
+                          <a:schemeClr val="tx1">
+                            <a:lumMod val="75000"/>
+                            <a:lumOff val="25000"/>
+                          </a:schemeClr>
+                        </a:solidFill>
+                        <a:effectLst/>
+                        <a:latin typeface="IBM Plex Sans" panose="020B0503050203000203" pitchFamily="34" charset="0"/>
+                      </a:endParaRPr>
+                    </a:p>
+                  </a:txBody>
+                  <a:tcPr marL="0" marR="0" marT="0" marB="0" anchor="ctr">
+                    <a:lnL w="6350" cap="flat" cmpd="sng" algn="ctr">
+                      <a:solidFill>
+                        <a:srgbClr val="AEAAAA"/>
+                      </a:solidFill>
+                      <a:prstDash val="solid"/>
+                      <a:round/>
+                      <a:headEnd type="none" w="med" len="med"/>
+                      <a:tailEnd type="none" w="med" len="med"/>
+                    </a:lnL>
+                    <a:lnR w="6350" cap="flat" cmpd="sng" algn="ctr">
+                      <a:solidFill>
+                        <a:srgbClr val="AEAAAA"/>
+                      </a:solidFill>
+                      <a:prstDash val="solid"/>
+                      <a:round/>
+                      <a:headEnd type="none" w="med" len="med"/>
+                      <a:tailEnd type="none" w="med" len="med"/>
+                    </a:lnR>
+                    <a:lnT w="6350" cap="flat" cmpd="sng" algn="ctr">
+                      <a:solidFill>
+                        <a:srgbClr val="AEAAAA"/>
+                      </a:solidFill>
+                      <a:prstDash val="solid"/>
+                      <a:round/>
+                      <a:headEnd type="none" w="med" len="med"/>
+                      <a:tailEnd type="none" w="med" len="med"/>
+                    </a:lnT>
+                    <a:lnB w="6350" cap="flat" cmpd="sng" algn="ctr">
+                      <a:solidFill>
+                        <a:srgbClr val="AEAAAA"/>
+                      </a:solidFill>
+                      <a:prstDash val="solid"/>
+                      <a:round/>
+                      <a:headEnd type="none" w="med" len="med"/>
+                      <a:tailEnd type="none" w="med" len="med"/>
+                    </a:lnB>
+                  </a:tcPr>
+                </a:tc>
+                <a:tc>
+                  <a:txBody>
+                    <a:bodyPr/>
+                    <a:lstStyle/>
+                    <a:p>
+                      <a:pPr algn="ctr" fontAlgn="ctr"/>
+                      <a:r>
+                        <a:rPr lang="en-GB" sz="2400" b="0" i="0" u="none" strike="noStrike" dirty="0">
+                          <a:solidFill>
+                            <a:schemeClr val="tx1">
+                              <a:lumMod val="75000"/>
+                              <a:lumOff val="25000"/>
+                            </a:schemeClr>
+                          </a:solidFill>
+                          <a:effectLst/>
+                          <a:latin typeface="IBM Plex Sans" panose="020B0503050203000203" pitchFamily="34" charset="0"/>
+                        </a:rPr>
+                        <a:t>H</a:t>
+                      </a:r>
+                      <a:endParaRPr lang="en-JP" sz="2400" b="0" i="0" u="none" strike="noStrike" dirty="0">
+                        <a:solidFill>
+                          <a:schemeClr val="tx1">
+                            <a:lumMod val="75000"/>
+                            <a:lumOff val="25000"/>
+                          </a:schemeClr>
+                        </a:solidFill>
+                        <a:effectLst/>
+                        <a:latin typeface="IBM Plex Sans" panose="020B0503050203000203" pitchFamily="34" charset="0"/>
+                      </a:endParaRPr>
+                    </a:p>
+                  </a:txBody>
+                  <a:tcPr marL="0" marR="0" marT="0" marB="0" anchor="ctr">
+                    <a:lnL w="6350" cap="flat" cmpd="sng" algn="ctr">
+                      <a:solidFill>
+                        <a:srgbClr val="AEAAAA"/>
+                      </a:solidFill>
+                      <a:prstDash val="solid"/>
+                      <a:round/>
+                      <a:headEnd type="none" w="med" len="med"/>
+                      <a:tailEnd type="none" w="med" len="med"/>
+                    </a:lnL>
+                    <a:lnR w="12700" cap="flat" cmpd="sng" algn="ctr">
+                      <a:solidFill>
+                        <a:srgbClr val="000000"/>
+                      </a:solidFill>
+                      <a:prstDash val="solid"/>
+                      <a:round/>
+                      <a:headEnd type="none" w="med" len="med"/>
+                      <a:tailEnd type="none" w="med" len="med"/>
+                    </a:lnR>
+                    <a:lnT w="6350" cap="flat" cmpd="sng" algn="ctr">
+                      <a:solidFill>
+                        <a:srgbClr val="AEAAAA"/>
+                      </a:solidFill>
+                      <a:prstDash val="solid"/>
+                      <a:round/>
+                      <a:headEnd type="none" w="med" len="med"/>
+                      <a:tailEnd type="none" w="med" len="med"/>
+                    </a:lnT>
+                    <a:lnB w="6350" cap="flat" cmpd="sng" algn="ctr">
+                      <a:solidFill>
+                        <a:srgbClr val="AEAAAA"/>
+                      </a:solidFill>
+                      <a:prstDash val="solid"/>
+                      <a:round/>
+                      <a:headEnd type="none" w="med" len="med"/>
+                      <a:tailEnd type="none" w="med" len="med"/>
+                    </a:lnB>
+                  </a:tcPr>
+                </a:tc>
+                <a:tc>
+                  <a:txBody>
+                    <a:bodyPr/>
+                    <a:lstStyle/>
+                    <a:p>
+                      <a:pPr algn="ctr" fontAlgn="ctr"/>
+                      <a:r>
+                        <a:rPr lang="en-JP" sz="2400" b="0" i="0" u="none" strike="noStrike" dirty="0">
+                          <a:solidFill>
+                            <a:schemeClr val="tx1">
+                              <a:lumMod val="75000"/>
+                              <a:lumOff val="25000"/>
+                            </a:schemeClr>
+                          </a:solidFill>
+                          <a:effectLst/>
+                          <a:latin typeface="IBM Plex Sans" panose="020B0503050203000203" pitchFamily="34" charset="0"/>
+                        </a:rPr>
+                        <a:t> </a:t>
+                      </a:r>
+                    </a:p>
+                  </a:txBody>
+                  <a:tcPr marL="0" marR="0" marT="0" marB="0" anchor="ctr">
+                    <a:lnL w="12700" cap="flat" cmpd="sng" algn="ctr">
+                      <a:solidFill>
+                        <a:srgbClr val="000000"/>
+                      </a:solidFill>
+                      <a:prstDash val="solid"/>
+                      <a:round/>
+                      <a:headEnd type="none" w="med" len="med"/>
+                      <a:tailEnd type="none" w="med" len="med"/>
+                    </a:lnL>
+                    <a:lnR w="6350" cap="flat" cmpd="sng" algn="ctr">
+                      <a:solidFill>
+                        <a:srgbClr val="AEAAAA"/>
+                      </a:solidFill>
+                      <a:prstDash val="solid"/>
+                      <a:round/>
+                      <a:headEnd type="none" w="med" len="med"/>
+                      <a:tailEnd type="none" w="med" len="med"/>
+                    </a:lnR>
+                    <a:lnT w="6350" cap="flat" cmpd="sng" algn="ctr">
+                      <a:solidFill>
+                        <a:srgbClr val="AEAAAA"/>
+                      </a:solidFill>
+                      <a:prstDash val="solid"/>
+                      <a:round/>
+                      <a:headEnd type="none" w="med" len="med"/>
+                      <a:tailEnd type="none" w="med" len="med"/>
+                    </a:lnT>
+                    <a:lnB w="6350" cap="flat" cmpd="sng" algn="ctr">
+                      <a:solidFill>
+                        <a:srgbClr val="AEAAAA"/>
+                      </a:solidFill>
+                      <a:prstDash val="solid"/>
+                      <a:round/>
+                      <a:headEnd type="none" w="med" len="med"/>
+                      <a:tailEnd type="none" w="med" len="med"/>
+                    </a:lnB>
+                  </a:tcPr>
+                </a:tc>
+                <a:tc>
+                  <a:txBody>
+                    <a:bodyPr/>
+                    <a:lstStyle/>
+                    <a:p>
+                      <a:pPr algn="ctr" fontAlgn="ctr"/>
+                      <a:r>
+                        <a:rPr lang="en-GB" sz="2400" b="0" i="0" u="none" strike="noStrike" dirty="0">
+                          <a:solidFill>
+                            <a:schemeClr val="tx1">
+                              <a:lumMod val="75000"/>
+                              <a:lumOff val="25000"/>
+                            </a:schemeClr>
+                          </a:solidFill>
+                          <a:effectLst/>
+                          <a:latin typeface="IBM Plex Sans" panose="020B0503050203000203" pitchFamily="34" charset="0"/>
+                        </a:rPr>
+                        <a:t>Z</a:t>
+                      </a:r>
+                      <a:endParaRPr lang="en-JP" sz="2400" b="0" i="0" u="none" strike="noStrike" dirty="0">
+                        <a:solidFill>
+                          <a:schemeClr val="tx1">
+                            <a:lumMod val="75000"/>
+                            <a:lumOff val="25000"/>
+                          </a:schemeClr>
+                        </a:solidFill>
+                        <a:effectLst/>
+                        <a:latin typeface="IBM Plex Sans" panose="020B0503050203000203" pitchFamily="34" charset="0"/>
+                      </a:endParaRPr>
+                    </a:p>
+                  </a:txBody>
+                  <a:tcPr marL="0" marR="0" marT="0" marB="0" anchor="ctr">
+                    <a:lnL w="6350" cap="flat" cmpd="sng" algn="ctr">
+                      <a:solidFill>
+                        <a:srgbClr val="AEAAAA"/>
+                      </a:solidFill>
+                      <a:prstDash val="solid"/>
+                      <a:round/>
+                      <a:headEnd type="none" w="med" len="med"/>
+                      <a:tailEnd type="none" w="med" len="med"/>
+                    </a:lnL>
+                    <a:lnR w="6350" cap="flat" cmpd="sng" algn="ctr">
+                      <a:solidFill>
+                        <a:srgbClr val="AEAAAA"/>
+                      </a:solidFill>
+                      <a:prstDash val="solid"/>
+                      <a:round/>
+                      <a:headEnd type="none" w="med" len="med"/>
+                      <a:tailEnd type="none" w="med" len="med"/>
+                    </a:lnR>
+                    <a:lnT w="6350" cap="flat" cmpd="sng" algn="ctr">
+                      <a:solidFill>
+                        <a:srgbClr val="AEAAAA"/>
+                      </a:solidFill>
+                      <a:prstDash val="solid"/>
+                      <a:round/>
+                      <a:headEnd type="none" w="med" len="med"/>
+                      <a:tailEnd type="none" w="med" len="med"/>
+                    </a:lnT>
+                    <a:lnB w="6350" cap="flat" cmpd="sng" algn="ctr">
+                      <a:solidFill>
+                        <a:srgbClr val="AEAAAA"/>
+                      </a:solidFill>
+                      <a:prstDash val="solid"/>
+                      <a:round/>
+                      <a:headEnd type="none" w="med" len="med"/>
+                      <a:tailEnd type="none" w="med" len="med"/>
+                    </a:lnB>
+                  </a:tcPr>
+                </a:tc>
+                <a:tc>
+                  <a:txBody>
+                    <a:bodyPr/>
+                    <a:lstStyle/>
+                    <a:p>
+                      <a:pPr algn="ctr" fontAlgn="ctr"/>
+                      <a:r>
+                        <a:rPr lang="en-JP" sz="2400" b="0" i="0" u="none" strike="noStrike" dirty="0">
+                          <a:solidFill>
+                            <a:schemeClr val="tx1">
+                              <a:lumMod val="75000"/>
+                              <a:lumOff val="25000"/>
+                            </a:schemeClr>
+                          </a:solidFill>
+                          <a:effectLst/>
+                          <a:latin typeface="IBM Plex Sans" panose="020B0503050203000203" pitchFamily="34" charset="0"/>
+                        </a:rPr>
+                        <a:t> </a:t>
+                      </a:r>
+                    </a:p>
+                  </a:txBody>
+                  <a:tcPr marL="0" marR="0" marT="0" marB="0" anchor="ctr">
+                    <a:lnL w="6350" cap="flat" cmpd="sng" algn="ctr">
+                      <a:solidFill>
+                        <a:srgbClr val="AEAAAA"/>
+                      </a:solidFill>
+                      <a:prstDash val="solid"/>
+                      <a:round/>
+                      <a:headEnd type="none" w="med" len="med"/>
+                      <a:tailEnd type="none" w="med" len="med"/>
+                    </a:lnL>
+                    <a:lnR w="12700" cap="flat" cmpd="sng" algn="ctr">
+                      <a:solidFill>
+                        <a:srgbClr val="000000"/>
+                      </a:solidFill>
+                      <a:prstDash val="solid"/>
+                      <a:round/>
+                      <a:headEnd type="none" w="med" len="med"/>
+                      <a:tailEnd type="none" w="med" len="med"/>
+                    </a:lnR>
+                    <a:lnT w="6350" cap="flat" cmpd="sng" algn="ctr">
+                      <a:solidFill>
+                        <a:srgbClr val="AEAAAA"/>
+                      </a:solidFill>
+                      <a:prstDash val="solid"/>
+                      <a:round/>
+                      <a:headEnd type="none" w="med" len="med"/>
+                      <a:tailEnd type="none" w="med" len="med"/>
+                    </a:lnT>
+                    <a:lnB w="6350" cap="flat" cmpd="sng" algn="ctr">
+                      <a:solidFill>
+                        <a:srgbClr val="AEAAAA"/>
+                      </a:solidFill>
+                      <a:prstDash val="solid"/>
+                      <a:round/>
+                      <a:headEnd type="none" w="med" len="med"/>
+                      <a:tailEnd type="none" w="med" len="med"/>
+                    </a:lnB>
+                  </a:tcPr>
+                </a:tc>
+                <a:tc>
+                  <a:txBody>
+                    <a:bodyPr/>
+                    <a:lstStyle/>
+                    <a:p>
+                      <a:pPr algn="ctr" fontAlgn="b"/>
+                      <a:r>
+                        <a:rPr lang="en-GB" sz="2400" b="0" i="0" u="none" strike="noStrike" dirty="0">
+                          <a:solidFill>
+                            <a:schemeClr val="tx1">
+                              <a:lumMod val="75000"/>
+                              <a:lumOff val="25000"/>
+                            </a:schemeClr>
+                          </a:solidFill>
+                          <a:effectLst/>
+                          <a:latin typeface="IBM Plex Sans" panose="020B0503050203000203" pitchFamily="34" charset="0"/>
+                        </a:rPr>
+                        <a:t>S</a:t>
+                      </a:r>
+                      <a:endParaRPr lang="en-JP" sz="2400" b="0" i="0" u="none" strike="noStrike" dirty="0">
+                        <a:solidFill>
+                          <a:schemeClr val="tx1">
+                            <a:lumMod val="75000"/>
+                            <a:lumOff val="25000"/>
+                          </a:schemeClr>
+                        </a:solidFill>
+                        <a:effectLst/>
+                        <a:latin typeface="IBM Plex Sans" panose="020B0503050203000203" pitchFamily="34" charset="0"/>
+                      </a:endParaRPr>
+                    </a:p>
+                  </a:txBody>
+                  <a:tcPr marL="0" marR="0" marT="0" marB="0" anchor="ctr">
+                    <a:lnL w="12700" cap="flat" cmpd="sng" algn="ctr">
+                      <a:solidFill>
+                        <a:srgbClr val="000000"/>
+                      </a:solidFill>
+                      <a:prstDash val="solid"/>
+                      <a:round/>
+                      <a:headEnd type="none" w="med" len="med"/>
+                      <a:tailEnd type="none" w="med" len="med"/>
+                    </a:lnL>
+                    <a:lnR w="6350" cap="flat" cmpd="sng" algn="ctr">
+                      <a:solidFill>
+                        <a:srgbClr val="AEAAAA"/>
+                      </a:solidFill>
+                      <a:prstDash val="solid"/>
+                      <a:round/>
+                      <a:headEnd type="none" w="med" len="med"/>
+                      <a:tailEnd type="none" w="med" len="med"/>
+                    </a:lnR>
+                    <a:lnT w="6350" cap="flat" cmpd="sng" algn="ctr">
+                      <a:solidFill>
+                        <a:srgbClr val="AEAAAA"/>
+                      </a:solidFill>
+                      <a:prstDash val="solid"/>
+                      <a:round/>
+                      <a:headEnd type="none" w="med" len="med"/>
+                      <a:tailEnd type="none" w="med" len="med"/>
+                    </a:lnT>
+                    <a:lnB w="6350" cap="flat" cmpd="sng" algn="ctr">
+                      <a:solidFill>
+                        <a:srgbClr val="AEAAAA"/>
+                      </a:solidFill>
+                      <a:prstDash val="solid"/>
+                      <a:round/>
+                      <a:headEnd type="none" w="med" len="med"/>
+                      <a:tailEnd type="none" w="med" len="med"/>
+                    </a:lnB>
+                  </a:tcPr>
+                </a:tc>
+                <a:tc>
+                  <a:txBody>
+                    <a:bodyPr/>
+                    <a:lstStyle/>
+                    <a:p>
+                      <a:pPr algn="ctr" fontAlgn="ctr"/>
+                      <a:r>
+                        <a:rPr lang="en-GB" sz="2400" b="0" i="0" u="none" strike="noStrike" dirty="0">
+                          <a:solidFill>
+                            <a:schemeClr val="tx1">
+                              <a:lumMod val="75000"/>
+                              <a:lumOff val="25000"/>
+                            </a:schemeClr>
+                          </a:solidFill>
+                          <a:effectLst/>
+                          <a:latin typeface="IBM Plex Sans" panose="020B0503050203000203" pitchFamily="34" charset="0"/>
+                        </a:rPr>
+                        <a:t>Y</a:t>
+                      </a:r>
+                      <a:endParaRPr lang="en-JP" sz="2400" b="0" i="0" u="none" strike="noStrike" dirty="0">
+                        <a:solidFill>
+                          <a:schemeClr val="tx1">
+                            <a:lumMod val="75000"/>
+                            <a:lumOff val="25000"/>
+                          </a:schemeClr>
+                        </a:solidFill>
+                        <a:effectLst/>
+                        <a:latin typeface="IBM Plex Sans" panose="020B0503050203000203" pitchFamily="34" charset="0"/>
+                      </a:endParaRPr>
+                    </a:p>
+                  </a:txBody>
+                  <a:tcPr marL="0" marR="0" marT="0" marB="0" anchor="ctr">
+                    <a:lnL w="6350" cap="flat" cmpd="sng" algn="ctr">
+                      <a:solidFill>
+                        <a:srgbClr val="AEAAAA"/>
+                      </a:solidFill>
+                      <a:prstDash val="solid"/>
+                      <a:round/>
+                      <a:headEnd type="none" w="med" len="med"/>
+                      <a:tailEnd type="none" w="med" len="med"/>
+                    </a:lnL>
+                    <a:lnR w="6350" cap="flat" cmpd="sng" algn="ctr">
+                      <a:solidFill>
+                        <a:srgbClr val="AEAAAA"/>
+                      </a:solidFill>
+                      <a:prstDash val="solid"/>
+                      <a:round/>
+                      <a:headEnd type="none" w="med" len="med"/>
+                      <a:tailEnd type="none" w="med" len="med"/>
+                    </a:lnR>
+                    <a:lnT w="6350" cap="flat" cmpd="sng" algn="ctr">
+                      <a:solidFill>
+                        <a:srgbClr val="AEAAAA"/>
+                      </a:solidFill>
+                      <a:prstDash val="solid"/>
+                      <a:round/>
+                      <a:headEnd type="none" w="med" len="med"/>
+                      <a:tailEnd type="none" w="med" len="med"/>
+                    </a:lnT>
+                    <a:lnB w="6350" cap="flat" cmpd="sng" algn="ctr">
+                      <a:solidFill>
+                        <a:srgbClr val="AEAAAA"/>
+                      </a:solidFill>
+                      <a:prstDash val="solid"/>
+                      <a:round/>
+                      <a:headEnd type="none" w="med" len="med"/>
+                      <a:tailEnd type="none" w="med" len="med"/>
+                    </a:lnB>
+                  </a:tcPr>
+                </a:tc>
+                <a:tc>
+                  <a:txBody>
+                    <a:bodyPr/>
+                    <a:lstStyle/>
+                    <a:p>
+                      <a:pPr algn="ctr" fontAlgn="b"/>
+                      <a:r>
+                        <a:rPr lang="en-GB" sz="2400" b="0" i="0" u="none" strike="noStrike" dirty="0">
+                          <a:solidFill>
+                            <a:schemeClr val="tx1">
+                              <a:lumMod val="75000"/>
+                              <a:lumOff val="25000"/>
+                            </a:schemeClr>
+                          </a:solidFill>
+                          <a:effectLst/>
+                          <a:latin typeface="IBM Plex Sans" panose="020B0503050203000203" pitchFamily="34" charset="0"/>
+                        </a:rPr>
+                        <a:t>T</a:t>
+                      </a:r>
+                      <a:endParaRPr lang="en-JP" sz="2400" b="0" i="0" u="none" strike="noStrike" dirty="0">
+                        <a:solidFill>
+                          <a:schemeClr val="tx1">
+                            <a:lumMod val="75000"/>
+                            <a:lumOff val="25000"/>
+                          </a:schemeClr>
+                        </a:solidFill>
+                        <a:effectLst/>
+                        <a:latin typeface="IBM Plex Sans" panose="020B0503050203000203" pitchFamily="34" charset="0"/>
+                      </a:endParaRPr>
+                    </a:p>
+                  </a:txBody>
+                  <a:tcPr marL="0" marR="0" marT="0" marB="0" anchor="ctr">
+                    <a:lnL w="6350" cap="flat" cmpd="sng" algn="ctr">
+                      <a:solidFill>
+                        <a:srgbClr val="AEAAAA"/>
+                      </a:solidFill>
+                      <a:prstDash val="solid"/>
+                      <a:round/>
+                      <a:headEnd type="none" w="med" len="med"/>
+                      <a:tailEnd type="none" w="med" len="med"/>
+                    </a:lnL>
+                    <a:lnR w="12700" cap="flat" cmpd="sng" algn="ctr">
+                      <a:solidFill>
+                        <a:srgbClr val="000000"/>
+                      </a:solidFill>
+                      <a:prstDash val="solid"/>
+                      <a:round/>
+                      <a:headEnd type="none" w="med" len="med"/>
+                      <a:tailEnd type="none" w="med" len="med"/>
+                    </a:lnR>
+                    <a:lnT w="6350" cap="flat" cmpd="sng" algn="ctr">
+                      <a:solidFill>
+                        <a:srgbClr val="AEAAAA"/>
+                      </a:solidFill>
+                      <a:prstDash val="solid"/>
+                      <a:round/>
+                      <a:headEnd type="none" w="med" len="med"/>
+                      <a:tailEnd type="none" w="med" len="med"/>
+                    </a:lnT>
+                    <a:lnB w="6350" cap="flat" cmpd="sng" algn="ctr">
+                      <a:solidFill>
+                        <a:srgbClr val="AEAAAA"/>
+                      </a:solidFill>
+                      <a:prstDash val="solid"/>
+                      <a:round/>
+                      <a:headEnd type="none" w="med" len="med"/>
+                      <a:tailEnd type="none" w="med" len="med"/>
+                    </a:lnB>
+                  </a:tcPr>
+                </a:tc>
+                <a:extLst>
+                  <a:ext uri="{0D108BD9-81ED-4DB2-BD59-A6C34878D82A}">
+                    <a16:rowId xmlns:a16="http://schemas.microsoft.com/office/drawing/2014/main" val="1675790054"/>
+                  </a:ext>
+                </a:extLst>
+              </a:tr>
+              <a:tr h="483482">
+                <a:tc>
+                  <a:txBody>
+                    <a:bodyPr/>
+                    <a:lstStyle/>
+                    <a:p>
+                      <a:pPr algn="ctr" fontAlgn="ctr"/>
+                      <a:r>
+                        <a:rPr lang="en-US" sz="2400" b="0" i="0" u="none" strike="noStrike" dirty="0">
+                          <a:solidFill>
+                            <a:schemeClr val="tx1">
+                              <a:lumMod val="75000"/>
+                              <a:lumOff val="25000"/>
+                            </a:schemeClr>
+                          </a:solidFill>
+                          <a:effectLst/>
+                          <a:latin typeface="IBM Plex Sans" panose="020B0503050203000203" pitchFamily="34" charset="0"/>
+                        </a:rPr>
+                        <a:t>Y</a:t>
+                      </a:r>
+                    </a:p>
+                  </a:txBody>
+                  <a:tcPr marL="0" marR="0" marT="0" marB="0" anchor="ctr">
+                    <a:lnL w="12700" cap="flat" cmpd="sng" algn="ctr">
+                      <a:solidFill>
+                        <a:srgbClr val="000000"/>
+                      </a:solidFill>
+                      <a:prstDash val="solid"/>
+                      <a:round/>
+                      <a:headEnd type="none" w="med" len="med"/>
+                      <a:tailEnd type="none" w="med" len="med"/>
+                    </a:lnL>
+                    <a:lnR w="6350" cap="flat" cmpd="sng" algn="ctr">
+                      <a:solidFill>
+                        <a:srgbClr val="AEAAAA"/>
+                      </a:solidFill>
+                      <a:prstDash val="solid"/>
+                      <a:round/>
+                      <a:headEnd type="none" w="med" len="med"/>
+                      <a:tailEnd type="none" w="med" len="med"/>
+                    </a:lnR>
+                    <a:lnT w="6350" cap="flat" cmpd="sng" algn="ctr">
+                      <a:solidFill>
+                        <a:srgbClr val="AEAAAA"/>
+                      </a:solidFill>
+                      <a:prstDash val="solid"/>
+                      <a:round/>
+                      <a:headEnd type="none" w="med" len="med"/>
+                      <a:tailEnd type="none" w="med" len="med"/>
+                    </a:lnT>
+                    <a:lnB w="12700" cap="flat" cmpd="sng" algn="ctr">
+                      <a:solidFill>
+                        <a:srgbClr val="000000"/>
+                      </a:solidFill>
+                      <a:prstDash val="solid"/>
+                      <a:round/>
+                      <a:headEnd type="none" w="med" len="med"/>
+                      <a:tailEnd type="none" w="med" len="med"/>
+                    </a:lnB>
+                    <a:solidFill>
+                      <a:schemeClr val="bg1">
+                        <a:lumMod val="85000"/>
+                      </a:schemeClr>
+                    </a:solidFill>
+                  </a:tcPr>
+                </a:tc>
+                <a:tc>
+                  <a:txBody>
+                    <a:bodyPr/>
+                    <a:lstStyle/>
+                    <a:p>
+                      <a:pPr algn="ctr" fontAlgn="ctr"/>
+                      <a:r>
+                        <a:rPr lang="en-US" sz="2400" b="0" i="0" u="none" strike="noStrike" dirty="0">
+                          <a:solidFill>
+                            <a:schemeClr val="tx1">
+                              <a:lumMod val="75000"/>
+                              <a:lumOff val="25000"/>
+                            </a:schemeClr>
+                          </a:solidFill>
+                          <a:effectLst/>
+                          <a:latin typeface="IBM Plex Sans" panose="020B0503050203000203" pitchFamily="34" charset="0"/>
+                        </a:rPr>
+                        <a:t>Z</a:t>
+                      </a:r>
+                    </a:p>
+                  </a:txBody>
+                  <a:tcPr marL="0" marR="0" marT="0" marB="0" anchor="ctr">
+                    <a:lnL w="6350" cap="flat" cmpd="sng" algn="ctr">
+                      <a:solidFill>
+                        <a:srgbClr val="AEAAAA"/>
+                      </a:solidFill>
+                      <a:prstDash val="solid"/>
+                      <a:round/>
+                      <a:headEnd type="none" w="med" len="med"/>
+                      <a:tailEnd type="none" w="med" len="med"/>
+                    </a:lnL>
+                    <a:lnR w="6350" cap="flat" cmpd="sng" algn="ctr">
+                      <a:solidFill>
+                        <a:srgbClr val="AEAAAA"/>
+                      </a:solidFill>
+                      <a:prstDash val="solid"/>
+                      <a:round/>
+                      <a:headEnd type="none" w="med" len="med"/>
+                      <a:tailEnd type="none" w="med" len="med"/>
+                    </a:lnR>
+                    <a:lnT w="6350" cap="flat" cmpd="sng" algn="ctr">
+                      <a:solidFill>
+                        <a:srgbClr val="AEAAAA"/>
+                      </a:solidFill>
+                      <a:prstDash val="solid"/>
+                      <a:round/>
+                      <a:headEnd type="none" w="med" len="med"/>
+                      <a:tailEnd type="none" w="med" len="med"/>
+                    </a:lnT>
+                    <a:lnB w="12700" cap="flat" cmpd="sng" algn="ctr">
+                      <a:solidFill>
+                        <a:srgbClr val="000000"/>
+                      </a:solidFill>
+                      <a:prstDash val="solid"/>
+                      <a:round/>
+                      <a:headEnd type="none" w="med" len="med"/>
+                      <a:tailEnd type="none" w="med" len="med"/>
+                    </a:lnB>
+                    <a:solidFill>
+                      <a:schemeClr val="bg1">
+                        <a:lumMod val="85000"/>
+                      </a:schemeClr>
+                    </a:solidFill>
+                  </a:tcPr>
+                </a:tc>
+                <a:tc>
+                  <a:txBody>
+                    <a:bodyPr/>
+                    <a:lstStyle/>
+                    <a:p>
+                      <a:pPr algn="ctr" fontAlgn="ctr"/>
+                      <a:r>
+                        <a:rPr lang="en-JP" sz="2400" b="0" i="0" u="none" strike="noStrike" dirty="0">
+                          <a:solidFill>
+                            <a:schemeClr val="tx1">
+                              <a:lumMod val="75000"/>
+                              <a:lumOff val="25000"/>
+                            </a:schemeClr>
+                          </a:solidFill>
+                          <a:effectLst/>
+                          <a:latin typeface="IBM Plex Sans" panose="020B0503050203000203" pitchFamily="34" charset="0"/>
+                        </a:rPr>
+                        <a:t> </a:t>
+                      </a:r>
+                    </a:p>
+                  </a:txBody>
+                  <a:tcPr marL="0" marR="0" marT="0" marB="0" anchor="ctr">
+                    <a:lnL w="6350" cap="flat" cmpd="sng" algn="ctr">
+                      <a:solidFill>
+                        <a:srgbClr val="AEAAAA"/>
+                      </a:solidFill>
+                      <a:prstDash val="solid"/>
+                      <a:round/>
+                      <a:headEnd type="none" w="med" len="med"/>
+                      <a:tailEnd type="none" w="med" len="med"/>
+                    </a:lnL>
+                    <a:lnR w="12700" cap="flat" cmpd="sng" algn="ctr">
+                      <a:solidFill>
+                        <a:srgbClr val="000000"/>
+                      </a:solidFill>
+                      <a:prstDash val="solid"/>
+                      <a:round/>
+                      <a:headEnd type="none" w="med" len="med"/>
+                      <a:tailEnd type="none" w="med" len="med"/>
+                    </a:lnR>
+                    <a:lnT w="6350" cap="flat" cmpd="sng" algn="ctr">
+                      <a:solidFill>
+                        <a:srgbClr val="AEAAAA"/>
+                      </a:solidFill>
+                      <a:prstDash val="solid"/>
+                      <a:round/>
+                      <a:headEnd type="none" w="med" len="med"/>
+                      <a:tailEnd type="none" w="med" len="med"/>
+                    </a:lnT>
+                    <a:lnB w="12700" cap="flat" cmpd="sng" algn="ctr">
+                      <a:solidFill>
+                        <a:srgbClr val="000000"/>
+                      </a:solidFill>
+                      <a:prstDash val="solid"/>
+                      <a:round/>
+                      <a:headEnd type="none" w="med" len="med"/>
+                      <a:tailEnd type="none" w="med" len="med"/>
+                    </a:lnB>
+                  </a:tcPr>
+                </a:tc>
+                <a:tc>
+                  <a:txBody>
+                    <a:bodyPr/>
+                    <a:lstStyle/>
+                    <a:p>
+                      <a:pPr algn="ctr" fontAlgn="ctr"/>
+                      <a:r>
+                        <a:rPr lang="en-GB" sz="2400" b="0" i="0" u="none" strike="noStrike" dirty="0">
+                          <a:solidFill>
+                            <a:schemeClr val="tx1">
+                              <a:lumMod val="75000"/>
+                              <a:lumOff val="25000"/>
+                            </a:schemeClr>
+                          </a:solidFill>
+                          <a:effectLst/>
+                          <a:latin typeface="IBM Plex Sans" panose="020B0503050203000203" pitchFamily="34" charset="0"/>
+                        </a:rPr>
+                        <a:t>S</a:t>
+                      </a:r>
+                      <a:endParaRPr lang="en-JP" sz="2400" b="0" i="0" u="none" strike="noStrike" dirty="0">
+                        <a:solidFill>
+                          <a:schemeClr val="tx1">
+                            <a:lumMod val="75000"/>
+                            <a:lumOff val="25000"/>
+                          </a:schemeClr>
+                        </a:solidFill>
+                        <a:effectLst/>
+                        <a:latin typeface="IBM Plex Sans" panose="020B0503050203000203" pitchFamily="34" charset="0"/>
+                      </a:endParaRPr>
+                    </a:p>
+                  </a:txBody>
+                  <a:tcPr marL="0" marR="0" marT="0" marB="0" anchor="ctr">
+                    <a:lnL w="12700" cap="flat" cmpd="sng" algn="ctr">
+                      <a:solidFill>
+                        <a:srgbClr val="000000"/>
+                      </a:solidFill>
+                      <a:prstDash val="solid"/>
+                      <a:round/>
+                      <a:headEnd type="none" w="med" len="med"/>
+                      <a:tailEnd type="none" w="med" len="med"/>
+                    </a:lnL>
+                    <a:lnR w="6350" cap="flat" cmpd="sng" algn="ctr">
+                      <a:solidFill>
+                        <a:srgbClr val="AEAAAA"/>
+                      </a:solidFill>
+                      <a:prstDash val="solid"/>
+                      <a:round/>
+                      <a:headEnd type="none" w="med" len="med"/>
+                      <a:tailEnd type="none" w="med" len="med"/>
+                    </a:lnR>
+                    <a:lnT w="6350" cap="flat" cmpd="sng" algn="ctr">
+                      <a:solidFill>
+                        <a:srgbClr val="AEAAAA"/>
+                      </a:solidFill>
+                      <a:prstDash val="solid"/>
+                      <a:round/>
+                      <a:headEnd type="none" w="med" len="med"/>
+                      <a:tailEnd type="none" w="med" len="med"/>
+                    </a:lnT>
+                    <a:lnB w="12700" cap="flat" cmpd="sng" algn="ctr">
+                      <a:solidFill>
+                        <a:srgbClr val="000000"/>
+                      </a:solidFill>
+                      <a:prstDash val="solid"/>
+                      <a:round/>
+                      <a:headEnd type="none" w="med" len="med"/>
+                      <a:tailEnd type="none" w="med" len="med"/>
+                    </a:lnB>
+                  </a:tcPr>
+                </a:tc>
+                <a:tc>
+                  <a:txBody>
+                    <a:bodyPr/>
+                    <a:lstStyle/>
+                    <a:p>
+                      <a:pPr algn="ctr" fontAlgn="ctr"/>
+                      <a:r>
+                        <a:rPr lang="en-GB" sz="2400" b="0" i="0" u="none" strike="noStrike" dirty="0">
+                          <a:solidFill>
+                            <a:schemeClr val="tx1">
+                              <a:lumMod val="75000"/>
+                              <a:lumOff val="25000"/>
+                            </a:schemeClr>
+                          </a:solidFill>
+                          <a:effectLst/>
+                          <a:latin typeface="IBM Plex Sans" panose="020B0503050203000203" pitchFamily="34" charset="0"/>
+                        </a:rPr>
+                        <a:t>T</a:t>
+                      </a:r>
+                      <a:endParaRPr lang="en-JP" sz="2400" b="0" i="0" u="none" strike="noStrike" dirty="0">
+                        <a:solidFill>
+                          <a:schemeClr val="tx1">
+                            <a:lumMod val="75000"/>
+                            <a:lumOff val="25000"/>
+                          </a:schemeClr>
+                        </a:solidFill>
+                        <a:effectLst/>
+                        <a:latin typeface="IBM Plex Sans" panose="020B0503050203000203" pitchFamily="34" charset="0"/>
+                      </a:endParaRPr>
+                    </a:p>
+                  </a:txBody>
+                  <a:tcPr marL="0" marR="0" marT="0" marB="0" anchor="ctr">
+                    <a:lnL w="6350" cap="flat" cmpd="sng" algn="ctr">
+                      <a:solidFill>
+                        <a:srgbClr val="AEAAAA"/>
+                      </a:solidFill>
+                      <a:prstDash val="solid"/>
+                      <a:round/>
+                      <a:headEnd type="none" w="med" len="med"/>
+                      <a:tailEnd type="none" w="med" len="med"/>
+                    </a:lnL>
+                    <a:lnR w="6350" cap="flat" cmpd="sng" algn="ctr">
+                      <a:solidFill>
+                        <a:srgbClr val="AEAAAA"/>
+                      </a:solidFill>
+                      <a:prstDash val="solid"/>
+                      <a:round/>
+                      <a:headEnd type="none" w="med" len="med"/>
+                      <a:tailEnd type="none" w="med" len="med"/>
+                    </a:lnR>
+                    <a:lnT w="6350" cap="flat" cmpd="sng" algn="ctr">
+                      <a:solidFill>
+                        <a:srgbClr val="AEAAAA"/>
+                      </a:solidFill>
+                      <a:prstDash val="solid"/>
+                      <a:round/>
+                      <a:headEnd type="none" w="med" len="med"/>
+                      <a:tailEnd type="none" w="med" len="med"/>
+                    </a:lnT>
+                    <a:lnB w="12700" cap="flat" cmpd="sng" algn="ctr">
+                      <a:solidFill>
+                        <a:srgbClr val="000000"/>
+                      </a:solidFill>
+                      <a:prstDash val="solid"/>
+                      <a:round/>
+                      <a:headEnd type="none" w="med" len="med"/>
+                      <a:tailEnd type="none" w="med" len="med"/>
+                    </a:lnB>
+                  </a:tcPr>
+                </a:tc>
+                <a:tc>
+                  <a:txBody>
+                    <a:bodyPr/>
+                    <a:lstStyle/>
+                    <a:p>
+                      <a:pPr algn="ctr" fontAlgn="ctr"/>
+                      <a:r>
+                        <a:rPr lang="en-GB" sz="2400" b="0" i="0" u="none" strike="noStrike" dirty="0">
+                          <a:solidFill>
+                            <a:schemeClr val="tx1">
+                              <a:lumMod val="75000"/>
+                              <a:lumOff val="25000"/>
+                            </a:schemeClr>
+                          </a:solidFill>
+                          <a:effectLst/>
+                          <a:latin typeface="IBM Plex Sans" panose="020B0503050203000203" pitchFamily="34" charset="0"/>
+                        </a:rPr>
+                        <a:t>H</a:t>
+                      </a:r>
+                      <a:endParaRPr lang="en-JP" sz="2400" b="0" i="0" u="none" strike="noStrike" dirty="0">
+                        <a:solidFill>
+                          <a:schemeClr val="tx1">
+                            <a:lumMod val="75000"/>
+                            <a:lumOff val="25000"/>
+                          </a:schemeClr>
+                        </a:solidFill>
+                        <a:effectLst/>
+                        <a:latin typeface="IBM Plex Sans" panose="020B0503050203000203" pitchFamily="34" charset="0"/>
+                      </a:endParaRPr>
+                    </a:p>
+                  </a:txBody>
+                  <a:tcPr marL="0" marR="0" marT="0" marB="0" anchor="ctr">
+                    <a:lnL w="6350" cap="flat" cmpd="sng" algn="ctr">
+                      <a:solidFill>
+                        <a:srgbClr val="AEAAAA"/>
+                      </a:solidFill>
+                      <a:prstDash val="solid"/>
+                      <a:round/>
+                      <a:headEnd type="none" w="med" len="med"/>
+                      <a:tailEnd type="none" w="med" len="med"/>
+                    </a:lnL>
+                    <a:lnR w="12700" cap="flat" cmpd="sng" algn="ctr">
+                      <a:solidFill>
+                        <a:srgbClr val="000000"/>
+                      </a:solidFill>
+                      <a:prstDash val="solid"/>
+                      <a:round/>
+                      <a:headEnd type="none" w="med" len="med"/>
+                      <a:tailEnd type="none" w="med" len="med"/>
+                    </a:lnR>
+                    <a:lnT w="6350" cap="flat" cmpd="sng" algn="ctr">
+                      <a:solidFill>
+                        <a:srgbClr val="AEAAAA"/>
+                      </a:solidFill>
+                      <a:prstDash val="solid"/>
+                      <a:round/>
+                      <a:headEnd type="none" w="med" len="med"/>
+                      <a:tailEnd type="none" w="med" len="med"/>
+                    </a:lnT>
+                    <a:lnB w="12700" cap="flat" cmpd="sng" algn="ctr">
+                      <a:solidFill>
+                        <a:srgbClr val="000000"/>
+                      </a:solidFill>
+                      <a:prstDash val="solid"/>
+                      <a:round/>
+                      <a:headEnd type="none" w="med" len="med"/>
+                      <a:tailEnd type="none" w="med" len="med"/>
+                    </a:lnB>
+                  </a:tcPr>
+                </a:tc>
+                <a:tc>
+                  <a:txBody>
+                    <a:bodyPr/>
+                    <a:lstStyle/>
+                    <a:p>
+                      <a:pPr algn="ctr" fontAlgn="ctr"/>
+                      <a:r>
+                        <a:rPr lang="en-GB" sz="2400" b="0" i="0" u="none" strike="noStrike" dirty="0">
+                          <a:solidFill>
+                            <a:schemeClr val="tx1">
+                              <a:lumMod val="75000"/>
+                              <a:lumOff val="25000"/>
+                            </a:schemeClr>
+                          </a:solidFill>
+                          <a:effectLst/>
+                          <a:latin typeface="IBM Plex Sans" panose="020B0503050203000203" pitchFamily="34" charset="0"/>
+                        </a:rPr>
+                        <a:t>X</a:t>
+                      </a:r>
+                      <a:endParaRPr lang="en-JP" sz="2400" b="0" i="0" u="none" strike="noStrike" dirty="0">
+                        <a:solidFill>
+                          <a:schemeClr val="tx1">
+                            <a:lumMod val="75000"/>
+                            <a:lumOff val="25000"/>
+                          </a:schemeClr>
+                        </a:solidFill>
+                        <a:effectLst/>
+                        <a:latin typeface="IBM Plex Sans" panose="020B0503050203000203" pitchFamily="34" charset="0"/>
+                      </a:endParaRPr>
+                    </a:p>
+                  </a:txBody>
+                  <a:tcPr marL="0" marR="0" marT="0" marB="0" anchor="ctr">
+                    <a:lnL w="12700" cap="flat" cmpd="sng" algn="ctr">
+                      <a:solidFill>
+                        <a:srgbClr val="000000"/>
+                      </a:solidFill>
+                      <a:prstDash val="solid"/>
+                      <a:round/>
+                      <a:headEnd type="none" w="med" len="med"/>
+                      <a:tailEnd type="none" w="med" len="med"/>
+                    </a:lnL>
+                    <a:lnR w="6350" cap="flat" cmpd="sng" algn="ctr">
+                      <a:solidFill>
+                        <a:srgbClr val="AEAAAA"/>
+                      </a:solidFill>
+                      <a:prstDash val="solid"/>
+                      <a:round/>
+                      <a:headEnd type="none" w="med" len="med"/>
+                      <a:tailEnd type="none" w="med" len="med"/>
+                    </a:lnR>
+                    <a:lnT w="6350" cap="flat" cmpd="sng" algn="ctr">
+                      <a:solidFill>
+                        <a:srgbClr val="AEAAAA"/>
+                      </a:solidFill>
+                      <a:prstDash val="solid"/>
+                      <a:round/>
+                      <a:headEnd type="none" w="med" len="med"/>
+                      <a:tailEnd type="none" w="med" len="med"/>
+                    </a:lnT>
+                    <a:lnB w="12700" cap="flat" cmpd="sng" algn="ctr">
+                      <a:solidFill>
+                        <a:srgbClr val="000000"/>
+                      </a:solidFill>
+                      <a:prstDash val="solid"/>
+                      <a:round/>
+                      <a:headEnd type="none" w="med" len="med"/>
+                      <a:tailEnd type="none" w="med" len="med"/>
+                    </a:lnB>
+                  </a:tcPr>
+                </a:tc>
+                <a:tc>
+                  <a:txBody>
+                    <a:bodyPr/>
+                    <a:lstStyle/>
+                    <a:p>
+                      <a:pPr algn="ctr" fontAlgn="ctr"/>
+                      <a:r>
+                        <a:rPr lang="en-GB" sz="2400" b="0" i="0" u="none" strike="noStrike" dirty="0">
+                          <a:solidFill>
+                            <a:schemeClr val="tx1">
+                              <a:lumMod val="75000"/>
+                              <a:lumOff val="25000"/>
+                            </a:schemeClr>
+                          </a:solidFill>
+                          <a:effectLst/>
+                          <a:latin typeface="IBM Plex Sans" panose="020B0503050203000203" pitchFamily="34" charset="0"/>
+                        </a:rPr>
+                        <a:t>I</a:t>
+                      </a:r>
+                      <a:endParaRPr lang="en-JP" sz="2400" b="0" i="0" u="none" strike="noStrike" dirty="0">
+                        <a:solidFill>
+                          <a:schemeClr val="tx1">
+                            <a:lumMod val="75000"/>
+                            <a:lumOff val="25000"/>
+                          </a:schemeClr>
+                        </a:solidFill>
+                        <a:effectLst/>
+                        <a:latin typeface="IBM Plex Sans" panose="020B0503050203000203" pitchFamily="34" charset="0"/>
+                      </a:endParaRPr>
+                    </a:p>
+                  </a:txBody>
+                  <a:tcPr marL="0" marR="0" marT="0" marB="0" anchor="ctr">
+                    <a:lnL w="6350" cap="flat" cmpd="sng" algn="ctr">
+                      <a:solidFill>
+                        <a:srgbClr val="AEAAAA"/>
+                      </a:solidFill>
+                      <a:prstDash val="solid"/>
+                      <a:round/>
+                      <a:headEnd type="none" w="med" len="med"/>
+                      <a:tailEnd type="none" w="med" len="med"/>
+                    </a:lnL>
+                    <a:lnR w="6350" cap="flat" cmpd="sng" algn="ctr">
+                      <a:solidFill>
+                        <a:srgbClr val="AEAAAA"/>
+                      </a:solidFill>
+                      <a:prstDash val="solid"/>
+                      <a:round/>
+                      <a:headEnd type="none" w="med" len="med"/>
+                      <a:tailEnd type="none" w="med" len="med"/>
+                    </a:lnR>
+                    <a:lnT w="6350" cap="flat" cmpd="sng" algn="ctr">
+                      <a:solidFill>
+                        <a:srgbClr val="AEAAAA"/>
+                      </a:solidFill>
+                      <a:prstDash val="solid"/>
+                      <a:round/>
+                      <a:headEnd type="none" w="med" len="med"/>
+                      <a:tailEnd type="none" w="med" len="med"/>
+                    </a:lnT>
+                    <a:lnB w="12700" cap="flat" cmpd="sng" algn="ctr">
+                      <a:solidFill>
+                        <a:srgbClr val="000000"/>
+                      </a:solidFill>
+                      <a:prstDash val="solid"/>
+                      <a:round/>
+                      <a:headEnd type="none" w="med" len="med"/>
+                      <a:tailEnd type="none" w="med" len="med"/>
+                    </a:lnB>
+                  </a:tcPr>
+                </a:tc>
+                <a:tc>
+                  <a:txBody>
+                    <a:bodyPr/>
+                    <a:lstStyle/>
+                    <a:p>
+                      <a:pPr algn="ctr" fontAlgn="ctr"/>
+                      <a:endParaRPr lang="en-JP" sz="2400" b="0" i="0" u="none" strike="noStrike" dirty="0">
+                        <a:solidFill>
+                          <a:schemeClr val="tx1">
+                            <a:lumMod val="75000"/>
+                            <a:lumOff val="25000"/>
+                          </a:schemeClr>
+                        </a:solidFill>
+                        <a:effectLst/>
+                        <a:latin typeface="IBM Plex Sans" panose="020B0503050203000203" pitchFamily="34" charset="0"/>
+                      </a:endParaRPr>
+                    </a:p>
+                  </a:txBody>
+                  <a:tcPr marL="0" marR="0" marT="0" marB="0" anchor="ctr">
+                    <a:lnL w="6350" cap="flat" cmpd="sng" algn="ctr">
+                      <a:solidFill>
+                        <a:srgbClr val="AEAAAA"/>
+                      </a:solidFill>
+                      <a:prstDash val="solid"/>
+                      <a:round/>
+                      <a:headEnd type="none" w="med" len="med"/>
+                      <a:tailEnd type="none" w="med" len="med"/>
+                    </a:lnL>
+                    <a:lnR w="12700" cap="flat" cmpd="sng" algn="ctr">
+                      <a:solidFill>
+                        <a:srgbClr val="000000"/>
+                      </a:solidFill>
+                      <a:prstDash val="solid"/>
+                      <a:round/>
+                      <a:headEnd type="none" w="med" len="med"/>
+                      <a:tailEnd type="none" w="med" len="med"/>
+                    </a:lnR>
+                    <a:lnT w="6350" cap="flat" cmpd="sng" algn="ctr">
+                      <a:solidFill>
+                        <a:srgbClr val="AEAAAA"/>
+                      </a:solidFill>
+                      <a:prstDash val="solid"/>
+                      <a:round/>
+                      <a:headEnd type="none" w="med" len="med"/>
+                      <a:tailEnd type="none" w="med" len="med"/>
+                    </a:lnT>
+                    <a:lnB w="12700" cap="flat" cmpd="sng" algn="ctr">
+                      <a:solidFill>
+                        <a:srgbClr val="000000"/>
+                      </a:solidFill>
+                      <a:prstDash val="solid"/>
+                      <a:round/>
+                      <a:headEnd type="none" w="med" len="med"/>
+                      <a:tailEnd type="none" w="med" len="med"/>
+                    </a:lnB>
+                    <a:solidFill>
+                      <a:schemeClr val="bg1">
+                        <a:lumMod val="85000"/>
+                      </a:schemeClr>
+                    </a:solidFill>
+                  </a:tcPr>
+                </a:tc>
+                <a:extLst>
+                  <a:ext uri="{0D108BD9-81ED-4DB2-BD59-A6C34878D82A}">
+                    <a16:rowId xmlns:a16="http://schemas.microsoft.com/office/drawing/2014/main" val="1724367388"/>
+                  </a:ext>
+                </a:extLst>
+              </a:tr>
+              <a:tr h="483482">
+                <a:tc>
+                  <a:txBody>
+                    <a:bodyPr/>
+                    <a:lstStyle/>
+                    <a:p>
+                      <a:pPr algn="ctr" fontAlgn="ctr"/>
+                      <a:r>
+                        <a:rPr lang="en-US" sz="2400" b="0" i="0" u="none" strike="noStrike" dirty="0">
+                          <a:solidFill>
+                            <a:schemeClr val="tx1">
+                              <a:lumMod val="75000"/>
+                              <a:lumOff val="25000"/>
+                            </a:schemeClr>
+                          </a:solidFill>
+                          <a:effectLst/>
+                          <a:latin typeface="IBM Plex Sans" panose="020B0503050203000203" pitchFamily="34" charset="0"/>
+                        </a:rPr>
+                        <a:t>H</a:t>
+                      </a:r>
+                    </a:p>
+                  </a:txBody>
+                  <a:tcPr marL="0" marR="0" marT="0" marB="0" anchor="ctr">
+                    <a:lnL w="12700" cap="flat" cmpd="sng" algn="ctr">
+                      <a:solidFill>
+                        <a:srgbClr val="000000"/>
+                      </a:solidFill>
+                      <a:prstDash val="solid"/>
+                      <a:round/>
+                      <a:headEnd type="none" w="med" len="med"/>
+                      <a:tailEnd type="none" w="med" len="med"/>
+                    </a:lnL>
+                    <a:lnR w="6350" cap="flat" cmpd="sng" algn="ctr">
+                      <a:solidFill>
+                        <a:srgbClr val="AEAAAA"/>
+                      </a:solidFill>
+                      <a:prstDash val="solid"/>
+                      <a:round/>
+                      <a:headEnd type="none" w="med" len="med"/>
+                      <a:tailEnd type="none" w="med" len="med"/>
+                    </a:lnR>
+                    <a:lnT w="12700" cap="flat" cmpd="sng" algn="ctr">
+                      <a:solidFill>
+                        <a:srgbClr val="000000"/>
+                      </a:solidFill>
+                      <a:prstDash val="solid"/>
+                      <a:round/>
+                      <a:headEnd type="none" w="med" len="med"/>
+                      <a:tailEnd type="none" w="med" len="med"/>
+                    </a:lnT>
+                    <a:lnB w="6350" cap="flat" cmpd="sng" algn="ctr">
+                      <a:solidFill>
+                        <a:srgbClr val="AEAAAA"/>
+                      </a:solidFill>
+                      <a:prstDash val="solid"/>
+                      <a:round/>
+                      <a:headEnd type="none" w="med" len="med"/>
+                      <a:tailEnd type="none" w="med" len="med"/>
+                    </a:lnB>
+                    <a:solidFill>
+                      <a:schemeClr val="bg1">
+                        <a:lumMod val="85000"/>
+                      </a:schemeClr>
+                    </a:solidFill>
+                  </a:tcPr>
+                </a:tc>
+                <a:tc>
+                  <a:txBody>
+                    <a:bodyPr/>
+                    <a:lstStyle/>
+                    <a:p>
+                      <a:pPr algn="ctr" fontAlgn="ctr"/>
+                      <a:r>
+                        <a:rPr lang="en-GB" sz="2400" b="0" i="0" u="none" strike="noStrike" dirty="0">
+                          <a:solidFill>
+                            <a:schemeClr val="tx1">
+                              <a:lumMod val="75000"/>
+                              <a:lumOff val="25000"/>
+                            </a:schemeClr>
+                          </a:solidFill>
+                          <a:effectLst/>
+                          <a:latin typeface="IBM Plex Sans" panose="020B0503050203000203" pitchFamily="34" charset="0"/>
+                        </a:rPr>
+                        <a:t>X</a:t>
+                      </a:r>
+                      <a:endParaRPr lang="en-JP" sz="2400" b="0" i="0" u="none" strike="noStrike" dirty="0">
+                        <a:solidFill>
+                          <a:schemeClr val="tx1">
+                            <a:lumMod val="75000"/>
+                            <a:lumOff val="25000"/>
+                          </a:schemeClr>
+                        </a:solidFill>
+                        <a:effectLst/>
+                        <a:latin typeface="IBM Plex Sans" panose="020B0503050203000203" pitchFamily="34" charset="0"/>
+                      </a:endParaRPr>
+                    </a:p>
+                  </a:txBody>
+                  <a:tcPr marL="0" marR="0" marT="0" marB="0" anchor="ctr">
+                    <a:lnL w="6350" cap="flat" cmpd="sng" algn="ctr">
+                      <a:solidFill>
+                        <a:srgbClr val="AEAAAA"/>
+                      </a:solidFill>
+                      <a:prstDash val="solid"/>
+                      <a:round/>
+                      <a:headEnd type="none" w="med" len="med"/>
+                      <a:tailEnd type="none" w="med" len="med"/>
+                    </a:lnL>
+                    <a:lnR w="6350" cap="flat" cmpd="sng" algn="ctr">
+                      <a:solidFill>
+                        <a:srgbClr val="AEAAAA"/>
+                      </a:solidFill>
+                      <a:prstDash val="solid"/>
+                      <a:round/>
+                      <a:headEnd type="none" w="med" len="med"/>
+                      <a:tailEnd type="none" w="med" len="med"/>
+                    </a:lnR>
+                    <a:lnT w="12700" cap="flat" cmpd="sng" algn="ctr">
+                      <a:solidFill>
+                        <a:srgbClr val="000000"/>
+                      </a:solidFill>
+                      <a:prstDash val="solid"/>
+                      <a:round/>
+                      <a:headEnd type="none" w="med" len="med"/>
+                      <a:tailEnd type="none" w="med" len="med"/>
+                    </a:lnT>
+                    <a:lnB w="6350" cap="flat" cmpd="sng" algn="ctr">
+                      <a:solidFill>
+                        <a:srgbClr val="AEAAAA"/>
+                      </a:solidFill>
+                      <a:prstDash val="solid"/>
+                      <a:round/>
+                      <a:headEnd type="none" w="med" len="med"/>
+                      <a:tailEnd type="none" w="med" len="med"/>
+                    </a:lnB>
+                  </a:tcPr>
+                </a:tc>
+                <a:tc>
+                  <a:txBody>
+                    <a:bodyPr/>
+                    <a:lstStyle/>
+                    <a:p>
+                      <a:pPr algn="ctr" fontAlgn="ctr"/>
+                      <a:r>
+                        <a:rPr lang="en-GB" sz="2400" b="0" i="0" u="none" strike="noStrike" dirty="0">
+                          <a:solidFill>
+                            <a:schemeClr val="tx1">
+                              <a:lumMod val="75000"/>
+                              <a:lumOff val="25000"/>
+                            </a:schemeClr>
+                          </a:solidFill>
+                          <a:effectLst/>
+                          <a:latin typeface="IBM Plex Sans" panose="020B0503050203000203" pitchFamily="34" charset="0"/>
+                        </a:rPr>
+                        <a:t>I</a:t>
+                      </a:r>
+                      <a:endParaRPr lang="en-JP" sz="2400" b="0" i="0" u="none" strike="noStrike" dirty="0">
+                        <a:solidFill>
+                          <a:schemeClr val="tx1">
+                            <a:lumMod val="75000"/>
+                            <a:lumOff val="25000"/>
+                          </a:schemeClr>
+                        </a:solidFill>
+                        <a:effectLst/>
+                        <a:latin typeface="IBM Plex Sans" panose="020B0503050203000203" pitchFamily="34" charset="0"/>
+                      </a:endParaRPr>
+                    </a:p>
+                  </a:txBody>
+                  <a:tcPr marL="0" marR="0" marT="0" marB="0" anchor="ctr">
+                    <a:lnL w="6350" cap="flat" cmpd="sng" algn="ctr">
+                      <a:solidFill>
+                        <a:srgbClr val="AEAAAA"/>
+                      </a:solidFill>
+                      <a:prstDash val="solid"/>
+                      <a:round/>
+                      <a:headEnd type="none" w="med" len="med"/>
+                      <a:tailEnd type="none" w="med" len="med"/>
+                    </a:lnL>
+                    <a:lnR w="12700" cap="flat" cmpd="sng" algn="ctr">
+                      <a:solidFill>
+                        <a:srgbClr val="000000"/>
+                      </a:solidFill>
+                      <a:prstDash val="solid"/>
+                      <a:round/>
+                      <a:headEnd type="none" w="med" len="med"/>
+                      <a:tailEnd type="none" w="med" len="med"/>
+                    </a:lnR>
+                    <a:lnT w="12700" cap="flat" cmpd="sng" algn="ctr">
+                      <a:solidFill>
+                        <a:srgbClr val="000000"/>
+                      </a:solidFill>
+                      <a:prstDash val="solid"/>
+                      <a:round/>
+                      <a:headEnd type="none" w="med" len="med"/>
+                      <a:tailEnd type="none" w="med" len="med"/>
+                    </a:lnT>
+                    <a:lnB w="6350" cap="flat" cmpd="sng" algn="ctr">
+                      <a:solidFill>
+                        <a:srgbClr val="AEAAAA"/>
+                      </a:solidFill>
+                      <a:prstDash val="solid"/>
+                      <a:round/>
+                      <a:headEnd type="none" w="med" len="med"/>
+                      <a:tailEnd type="none" w="med" len="med"/>
+                    </a:lnB>
+                  </a:tcPr>
+                </a:tc>
+                <a:tc>
+                  <a:txBody>
+                    <a:bodyPr/>
+                    <a:lstStyle/>
+                    <a:p>
+                      <a:pPr algn="ctr" fontAlgn="ctr"/>
+                      <a:r>
+                        <a:rPr lang="en-US" sz="2400" b="0" i="0" u="none" strike="noStrike" dirty="0">
+                          <a:solidFill>
+                            <a:schemeClr val="tx1">
+                              <a:lumMod val="75000"/>
+                              <a:lumOff val="25000"/>
+                            </a:schemeClr>
+                          </a:solidFill>
+                          <a:effectLst/>
+                          <a:latin typeface="IBM Plex Sans" panose="020B0503050203000203" pitchFamily="34" charset="0"/>
+                        </a:rPr>
+                        <a:t>Y</a:t>
+                      </a:r>
+                    </a:p>
+                  </a:txBody>
+                  <a:tcPr marL="0" marR="0" marT="0" marB="0" anchor="ctr">
+                    <a:lnL w="12700" cap="flat" cmpd="sng" algn="ctr">
+                      <a:solidFill>
+                        <a:srgbClr val="000000"/>
+                      </a:solidFill>
+                      <a:prstDash val="solid"/>
+                      <a:round/>
+                      <a:headEnd type="none" w="med" len="med"/>
+                      <a:tailEnd type="none" w="med" len="med"/>
+                    </a:lnL>
+                    <a:lnR w="6350" cap="flat" cmpd="sng" algn="ctr">
+                      <a:solidFill>
+                        <a:srgbClr val="AEAAAA"/>
+                      </a:solidFill>
+                      <a:prstDash val="solid"/>
+                      <a:round/>
+                      <a:headEnd type="none" w="med" len="med"/>
+                      <a:tailEnd type="none" w="med" len="med"/>
+                    </a:lnR>
+                    <a:lnT w="12700" cap="flat" cmpd="sng" algn="ctr">
+                      <a:solidFill>
+                        <a:srgbClr val="000000"/>
+                      </a:solidFill>
+                      <a:prstDash val="solid"/>
+                      <a:round/>
+                      <a:headEnd type="none" w="med" len="med"/>
+                      <a:tailEnd type="none" w="med" len="med"/>
+                    </a:lnT>
+                    <a:lnB w="6350" cap="flat" cmpd="sng" algn="ctr">
+                      <a:solidFill>
+                        <a:srgbClr val="AEAAAA"/>
+                      </a:solidFill>
+                      <a:prstDash val="solid"/>
+                      <a:round/>
+                      <a:headEnd type="none" w="med" len="med"/>
+                      <a:tailEnd type="none" w="med" len="med"/>
+                    </a:lnB>
+                    <a:solidFill>
+                      <a:schemeClr val="bg1">
+                        <a:lumMod val="85000"/>
+                      </a:schemeClr>
+                    </a:solidFill>
+                  </a:tcPr>
+                </a:tc>
+                <a:tc>
+                  <a:txBody>
+                    <a:bodyPr/>
+                    <a:lstStyle/>
+                    <a:p>
+                      <a:pPr algn="ctr" fontAlgn="ctr"/>
+                      <a:r>
+                        <a:rPr lang="en-GB" sz="2400" b="0" i="0" u="none" strike="noStrike" dirty="0">
+                          <a:solidFill>
+                            <a:schemeClr val="tx1">
+                              <a:lumMod val="75000"/>
+                              <a:lumOff val="25000"/>
+                            </a:schemeClr>
+                          </a:solidFill>
+                          <a:effectLst/>
+                          <a:latin typeface="IBM Plex Sans" panose="020B0503050203000203" pitchFamily="34" charset="0"/>
+                        </a:rPr>
+                        <a:t>S</a:t>
+                      </a:r>
+                      <a:endParaRPr lang="en-JP" sz="2400" b="0" i="0" u="none" strike="noStrike" dirty="0">
+                        <a:solidFill>
+                          <a:schemeClr val="tx1">
+                            <a:lumMod val="75000"/>
+                            <a:lumOff val="25000"/>
+                          </a:schemeClr>
+                        </a:solidFill>
+                        <a:effectLst/>
+                        <a:latin typeface="IBM Plex Sans" panose="020B0503050203000203" pitchFamily="34" charset="0"/>
+                      </a:endParaRPr>
+                    </a:p>
+                  </a:txBody>
+                  <a:tcPr marL="0" marR="0" marT="0" marB="0" anchor="ctr">
+                    <a:lnL w="6350" cap="flat" cmpd="sng" algn="ctr">
+                      <a:solidFill>
+                        <a:srgbClr val="AEAAAA"/>
+                      </a:solidFill>
+                      <a:prstDash val="solid"/>
+                      <a:round/>
+                      <a:headEnd type="none" w="med" len="med"/>
+                      <a:tailEnd type="none" w="med" len="med"/>
+                    </a:lnL>
+                    <a:lnR w="6350" cap="flat" cmpd="sng" algn="ctr">
+                      <a:solidFill>
+                        <a:srgbClr val="AEAAAA"/>
+                      </a:solidFill>
+                      <a:prstDash val="solid"/>
+                      <a:round/>
+                      <a:headEnd type="none" w="med" len="med"/>
+                      <a:tailEnd type="none" w="med" len="med"/>
+                    </a:lnR>
+                    <a:lnT w="12700" cap="flat" cmpd="sng" algn="ctr">
+                      <a:solidFill>
+                        <a:srgbClr val="000000"/>
+                      </a:solidFill>
+                      <a:prstDash val="solid"/>
+                      <a:round/>
+                      <a:headEnd type="none" w="med" len="med"/>
+                      <a:tailEnd type="none" w="med" len="med"/>
+                    </a:lnT>
+                    <a:lnB w="6350" cap="flat" cmpd="sng" algn="ctr">
+                      <a:solidFill>
+                        <a:srgbClr val="AEAAAA"/>
+                      </a:solidFill>
+                      <a:prstDash val="solid"/>
+                      <a:round/>
+                      <a:headEnd type="none" w="med" len="med"/>
+                      <a:tailEnd type="none" w="med" len="med"/>
+                    </a:lnB>
+                  </a:tcPr>
+                </a:tc>
+                <a:tc>
+                  <a:txBody>
+                    <a:bodyPr/>
+                    <a:lstStyle/>
+                    <a:p>
+                      <a:pPr algn="ctr" fontAlgn="ctr"/>
+                      <a:r>
+                        <a:rPr lang="en-US" sz="2400" b="0" i="0" u="none" strike="noStrike" dirty="0">
+                          <a:solidFill>
+                            <a:schemeClr val="tx1">
+                              <a:lumMod val="75000"/>
+                              <a:lumOff val="25000"/>
+                            </a:schemeClr>
+                          </a:solidFill>
+                          <a:effectLst/>
+                          <a:latin typeface="IBM Plex Sans" panose="020B0503050203000203" pitchFamily="34" charset="0"/>
+                        </a:rPr>
+                        <a:t>Z</a:t>
+                      </a:r>
+                    </a:p>
+                  </a:txBody>
+                  <a:tcPr marL="0" marR="0" marT="0" marB="0" anchor="ctr">
+                    <a:lnL w="6350" cap="flat" cmpd="sng" algn="ctr">
+                      <a:solidFill>
+                        <a:srgbClr val="AEAAAA"/>
+                      </a:solidFill>
+                      <a:prstDash val="solid"/>
+                      <a:round/>
+                      <a:headEnd type="none" w="med" len="med"/>
+                      <a:tailEnd type="none" w="med" len="med"/>
+                    </a:lnL>
+                    <a:lnR w="12700" cap="flat" cmpd="sng" algn="ctr">
+                      <a:solidFill>
+                        <a:srgbClr val="000000"/>
+                      </a:solidFill>
+                      <a:prstDash val="solid"/>
+                      <a:round/>
+                      <a:headEnd type="none" w="med" len="med"/>
+                      <a:tailEnd type="none" w="med" len="med"/>
+                    </a:lnR>
+                    <a:lnT w="12700" cap="flat" cmpd="sng" algn="ctr">
+                      <a:solidFill>
+                        <a:srgbClr val="000000"/>
+                      </a:solidFill>
+                      <a:prstDash val="solid"/>
+                      <a:round/>
+                      <a:headEnd type="none" w="med" len="med"/>
+                      <a:tailEnd type="none" w="med" len="med"/>
+                    </a:lnT>
+                    <a:lnB w="6350" cap="flat" cmpd="sng" algn="ctr">
+                      <a:solidFill>
+                        <a:srgbClr val="AEAAAA"/>
+                      </a:solidFill>
+                      <a:prstDash val="solid"/>
+                      <a:round/>
+                      <a:headEnd type="none" w="med" len="med"/>
+                      <a:tailEnd type="none" w="med" len="med"/>
+                    </a:lnB>
+                    <a:solidFill>
+                      <a:schemeClr val="bg1">
+                        <a:lumMod val="85000"/>
+                      </a:schemeClr>
+                    </a:solidFill>
+                  </a:tcPr>
+                </a:tc>
+                <a:tc>
+                  <a:txBody>
+                    <a:bodyPr/>
+                    <a:lstStyle/>
+                    <a:p>
+                      <a:pPr algn="ctr" fontAlgn="ctr"/>
+                      <a:r>
+                        <a:rPr lang="en-GB" sz="2400" b="0" i="0" u="none" strike="noStrike" dirty="0">
+                          <a:solidFill>
+                            <a:schemeClr val="tx1">
+                              <a:lumMod val="75000"/>
+                              <a:lumOff val="25000"/>
+                            </a:schemeClr>
+                          </a:solidFill>
+                          <a:effectLst/>
+                          <a:latin typeface="IBM Plex Sans" panose="020B0503050203000203" pitchFamily="34" charset="0"/>
+                        </a:rPr>
+                        <a:t>T</a:t>
+                      </a:r>
+                      <a:endParaRPr lang="en-JP" sz="2400" b="0" i="0" u="none" strike="noStrike" dirty="0">
+                        <a:solidFill>
+                          <a:schemeClr val="tx1">
+                            <a:lumMod val="75000"/>
+                            <a:lumOff val="25000"/>
+                          </a:schemeClr>
+                        </a:solidFill>
+                        <a:effectLst/>
+                        <a:latin typeface="IBM Plex Sans" panose="020B0503050203000203" pitchFamily="34" charset="0"/>
+                      </a:endParaRPr>
+                    </a:p>
+                  </a:txBody>
+                  <a:tcPr marL="0" marR="0" marT="0" marB="0" anchor="ctr">
+                    <a:lnL w="12700" cap="flat" cmpd="sng" algn="ctr">
+                      <a:solidFill>
+                        <a:srgbClr val="000000"/>
+                      </a:solidFill>
+                      <a:prstDash val="solid"/>
+                      <a:round/>
+                      <a:headEnd type="none" w="med" len="med"/>
+                      <a:tailEnd type="none" w="med" len="med"/>
+                    </a:lnL>
+                    <a:lnR w="6350" cap="flat" cmpd="sng" algn="ctr">
+                      <a:solidFill>
+                        <a:srgbClr val="AEAAAA"/>
+                      </a:solidFill>
+                      <a:prstDash val="solid"/>
+                      <a:round/>
+                      <a:headEnd type="none" w="med" len="med"/>
+                      <a:tailEnd type="none" w="med" len="med"/>
+                    </a:lnR>
+                    <a:lnT w="12700" cap="flat" cmpd="sng" algn="ctr">
+                      <a:solidFill>
+                        <a:srgbClr val="000000"/>
+                      </a:solidFill>
+                      <a:prstDash val="solid"/>
+                      <a:round/>
+                      <a:headEnd type="none" w="med" len="med"/>
+                      <a:tailEnd type="none" w="med" len="med"/>
+                    </a:lnT>
+                    <a:lnB w="6350" cap="flat" cmpd="sng" algn="ctr">
+                      <a:solidFill>
+                        <a:srgbClr val="AEAAAA"/>
+                      </a:solidFill>
+                      <a:prstDash val="solid"/>
+                      <a:round/>
+                      <a:headEnd type="none" w="med" len="med"/>
+                      <a:tailEnd type="none" w="med" len="med"/>
+                    </a:lnB>
+                  </a:tcPr>
+                </a:tc>
+                <a:tc>
+                  <a:txBody>
+                    <a:bodyPr/>
+                    <a:lstStyle/>
+                    <a:p>
+                      <a:pPr algn="ctr" fontAlgn="b"/>
+                      <a:r>
+                        <a:rPr lang="en-JP" sz="2400" b="0" i="0" u="none" strike="noStrike" dirty="0">
+                          <a:solidFill>
+                            <a:schemeClr val="tx1">
+                              <a:lumMod val="75000"/>
+                              <a:lumOff val="25000"/>
+                            </a:schemeClr>
+                          </a:solidFill>
+                          <a:effectLst/>
+                          <a:latin typeface="IBM Plex Sans" panose="020B0503050203000203" pitchFamily="34" charset="0"/>
+                        </a:rPr>
+                        <a:t> </a:t>
+                      </a:r>
+                    </a:p>
+                  </a:txBody>
+                  <a:tcPr marL="0" marR="0" marT="0" marB="0" anchor="ctr">
+                    <a:lnL w="6350" cap="flat" cmpd="sng" algn="ctr">
+                      <a:solidFill>
+                        <a:srgbClr val="AEAAAA"/>
                       </a:solidFill>
                       <a:prstDash val="solid"/>
                       <a:round/>
@@ -8506,9 +12669,9 @@
                       <a:headEnd type="none" w="med" len="med"/>
                       <a:tailEnd type="none" w="med" len="med"/>
                     </a:lnL>
-                    <a:lnR w="6350" cap="flat" cmpd="sng" algn="ctr">
-                      <a:solidFill>
-                        <a:srgbClr val="AEAAAA"/>
+                    <a:lnR w="12700" cap="flat" cmpd="sng" algn="ctr">
+                      <a:solidFill>
+                        <a:srgbClr val="000000"/>
                       </a:solidFill>
                       <a:prstDash val="solid"/>
                       <a:round/>
@@ -8535,6 +12698,13 @@
                     </a:lnB>
                   </a:tcPr>
                 </a:tc>
+                <a:extLst>
+                  <a:ext uri="{0D108BD9-81ED-4DB2-BD59-A6C34878D82A}">
+                    <a16:rowId xmlns:a16="http://schemas.microsoft.com/office/drawing/2014/main" val="3534017523"/>
+                  </a:ext>
+                </a:extLst>
+              </a:tr>
+              <a:tr h="483482">
                 <a:tc>
                   <a:txBody>
                     <a:bodyPr/>
@@ -8542,7 +12712,7 @@
                     <a:p>
                       <a:pPr algn="ctr" fontAlgn="ctr"/>
                       <a:r>
-                        <a:rPr lang="en-JP" sz="2400" b="0" i="0" u="none" strike="noStrike">
+                        <a:rPr lang="en-GB" sz="2400" b="0" i="0" u="none" strike="noStrike" dirty="0">
                           <a:solidFill>
                             <a:schemeClr val="tx1">
                               <a:lumMod val="75000"/>
@@ -8552,309 +12722,9 @@
                           <a:effectLst/>
                           <a:latin typeface="IBM Plex Sans" panose="020B0503050203000203" pitchFamily="34" charset="0"/>
                         </a:rPr>
-                        <a:t> </a:t>
+                        <a:t>Z</a:t>
                       </a:r>
-                    </a:p>
-                  </a:txBody>
-                  <a:tcPr marL="0" marR="0" marT="0" marB="0" anchor="ctr">
-                    <a:lnL w="6350" cap="flat" cmpd="sng" algn="ctr">
-                      <a:solidFill>
-                        <a:srgbClr val="AEAAAA"/>
-                      </a:solidFill>
-                      <a:prstDash val="solid"/>
-                      <a:round/>
-                      <a:headEnd type="none" w="med" len="med"/>
-                      <a:tailEnd type="none" w="med" len="med"/>
-                    </a:lnL>
-                    <a:lnR w="12700" cap="flat" cmpd="sng" algn="ctr">
-                      <a:solidFill>
-                        <a:srgbClr val="000000"/>
-                      </a:solidFill>
-                      <a:prstDash val="solid"/>
-                      <a:round/>
-                      <a:headEnd type="none" w="med" len="med"/>
-                      <a:tailEnd type="none" w="med" len="med"/>
-                    </a:lnR>
-                    <a:lnT w="12700" cap="flat" cmpd="sng" algn="ctr">
-                      <a:solidFill>
-                        <a:srgbClr val="000000"/>
-                      </a:solidFill>
-                      <a:prstDash val="solid"/>
-                      <a:round/>
-                      <a:headEnd type="none" w="med" len="med"/>
-                      <a:tailEnd type="none" w="med" len="med"/>
-                    </a:lnT>
-                    <a:lnB w="6350" cap="flat" cmpd="sng" algn="ctr">
-                      <a:solidFill>
-                        <a:srgbClr val="AEAAAA"/>
-                      </a:solidFill>
-                      <a:prstDash val="solid"/>
-                      <a:round/>
-                      <a:headEnd type="none" w="med" len="med"/>
-                      <a:tailEnd type="none" w="med" len="med"/>
-                    </a:lnB>
-                  </a:tcPr>
-                </a:tc>
-                <a:tc>
-                  <a:txBody>
-                    <a:bodyPr/>
-                    <a:lstStyle/>
-                    <a:p>
-                      <a:pPr algn="ctr" fontAlgn="ctr"/>
-                      <a:r>
-                        <a:rPr lang="en-JP" sz="2400" b="0" i="0" u="none" strike="noStrike">
-                          <a:solidFill>
-                            <a:schemeClr val="tx1">
-                              <a:lumMod val="75000"/>
-                              <a:lumOff val="25000"/>
-                            </a:schemeClr>
-                          </a:solidFill>
-                          <a:effectLst/>
-                          <a:latin typeface="IBM Plex Sans" panose="020B0503050203000203" pitchFamily="34" charset="0"/>
-                        </a:rPr>
-                        <a:t> </a:t>
-                      </a:r>
-                    </a:p>
-                  </a:txBody>
-                  <a:tcPr marL="0" marR="0" marT="0" marB="0" anchor="ctr">
-                    <a:lnL w="12700" cap="flat" cmpd="sng" algn="ctr">
-                      <a:solidFill>
-                        <a:srgbClr val="000000"/>
-                      </a:solidFill>
-                      <a:prstDash val="solid"/>
-                      <a:round/>
-                      <a:headEnd type="none" w="med" len="med"/>
-                      <a:tailEnd type="none" w="med" len="med"/>
-                    </a:lnL>
-                    <a:lnR w="6350" cap="flat" cmpd="sng" algn="ctr">
-                      <a:solidFill>
-                        <a:srgbClr val="AEAAAA"/>
-                      </a:solidFill>
-                      <a:prstDash val="solid"/>
-                      <a:round/>
-                      <a:headEnd type="none" w="med" len="med"/>
-                      <a:tailEnd type="none" w="med" len="med"/>
-                    </a:lnR>
-                    <a:lnT w="12700" cap="flat" cmpd="sng" algn="ctr">
-                      <a:solidFill>
-                        <a:srgbClr val="000000"/>
-                      </a:solidFill>
-                      <a:prstDash val="solid"/>
-                      <a:round/>
-                      <a:headEnd type="none" w="med" len="med"/>
-                      <a:tailEnd type="none" w="med" len="med"/>
-                    </a:lnT>
-                    <a:lnB w="6350" cap="flat" cmpd="sng" algn="ctr">
-                      <a:solidFill>
-                        <a:srgbClr val="AEAAAA"/>
-                      </a:solidFill>
-                      <a:prstDash val="solid"/>
-                      <a:round/>
-                      <a:headEnd type="none" w="med" len="med"/>
-                      <a:tailEnd type="none" w="med" len="med"/>
-                    </a:lnB>
-                  </a:tcPr>
-                </a:tc>
-                <a:tc>
-                  <a:txBody>
-                    <a:bodyPr/>
-                    <a:lstStyle/>
-                    <a:p>
-                      <a:pPr algn="ctr" fontAlgn="ctr"/>
-                      <a:r>
-                        <a:rPr lang="en-JP" sz="2400" b="0" i="0" u="none" strike="noStrike">
-                          <a:solidFill>
-                            <a:schemeClr val="tx1">
-                              <a:lumMod val="75000"/>
-                              <a:lumOff val="25000"/>
-                            </a:schemeClr>
-                          </a:solidFill>
-                          <a:effectLst/>
-                          <a:latin typeface="IBM Plex Sans" panose="020B0503050203000203" pitchFamily="34" charset="0"/>
-                        </a:rPr>
-                        <a:t> </a:t>
-                      </a:r>
-                    </a:p>
-                  </a:txBody>
-                  <a:tcPr marL="0" marR="0" marT="0" marB="0" anchor="ctr">
-                    <a:lnL w="6350" cap="flat" cmpd="sng" algn="ctr">
-                      <a:solidFill>
-                        <a:srgbClr val="AEAAAA"/>
-                      </a:solidFill>
-                      <a:prstDash val="solid"/>
-                      <a:round/>
-                      <a:headEnd type="none" w="med" len="med"/>
-                      <a:tailEnd type="none" w="med" len="med"/>
-                    </a:lnL>
-                    <a:lnR w="6350" cap="flat" cmpd="sng" algn="ctr">
-                      <a:solidFill>
-                        <a:srgbClr val="AEAAAA"/>
-                      </a:solidFill>
-                      <a:prstDash val="solid"/>
-                      <a:round/>
-                      <a:headEnd type="none" w="med" len="med"/>
-                      <a:tailEnd type="none" w="med" len="med"/>
-                    </a:lnR>
-                    <a:lnT w="12700" cap="flat" cmpd="sng" algn="ctr">
-                      <a:solidFill>
-                        <a:srgbClr val="000000"/>
-                      </a:solidFill>
-                      <a:prstDash val="solid"/>
-                      <a:round/>
-                      <a:headEnd type="none" w="med" len="med"/>
-                      <a:tailEnd type="none" w="med" len="med"/>
-                    </a:lnT>
-                    <a:lnB w="6350" cap="flat" cmpd="sng" algn="ctr">
-                      <a:solidFill>
-                        <a:srgbClr val="AEAAAA"/>
-                      </a:solidFill>
-                      <a:prstDash val="solid"/>
-                      <a:round/>
-                      <a:headEnd type="none" w="med" len="med"/>
-                      <a:tailEnd type="none" w="med" len="med"/>
-                    </a:lnB>
-                  </a:tcPr>
-                </a:tc>
-                <a:tc>
-                  <a:txBody>
-                    <a:bodyPr/>
-                    <a:lstStyle/>
-                    <a:p>
-                      <a:pPr algn="ctr" fontAlgn="ctr"/>
-                      <a:r>
-                        <a:rPr lang="en-JP" sz="2400" b="0" i="0" u="none" strike="noStrike">
-                          <a:solidFill>
-                            <a:schemeClr val="tx1">
-                              <a:lumMod val="75000"/>
-                              <a:lumOff val="25000"/>
-                            </a:schemeClr>
-                          </a:solidFill>
-                          <a:effectLst/>
-                          <a:latin typeface="IBM Plex Sans" panose="020B0503050203000203" pitchFamily="34" charset="0"/>
-                        </a:rPr>
-                        <a:t> </a:t>
-                      </a:r>
-                    </a:p>
-                  </a:txBody>
-                  <a:tcPr marL="0" marR="0" marT="0" marB="0" anchor="ctr">
-                    <a:lnL w="6350" cap="flat" cmpd="sng" algn="ctr">
-                      <a:solidFill>
-                        <a:srgbClr val="AEAAAA"/>
-                      </a:solidFill>
-                      <a:prstDash val="solid"/>
-                      <a:round/>
-                      <a:headEnd type="none" w="med" len="med"/>
-                      <a:tailEnd type="none" w="med" len="med"/>
-                    </a:lnL>
-                    <a:lnR w="12700" cap="flat" cmpd="sng" algn="ctr">
-                      <a:solidFill>
-                        <a:srgbClr val="000000"/>
-                      </a:solidFill>
-                      <a:prstDash val="solid"/>
-                      <a:round/>
-                      <a:headEnd type="none" w="med" len="med"/>
-                      <a:tailEnd type="none" w="med" len="med"/>
-                    </a:lnR>
-                    <a:lnT w="12700" cap="flat" cmpd="sng" algn="ctr">
-                      <a:solidFill>
-                        <a:srgbClr val="000000"/>
-                      </a:solidFill>
-                      <a:prstDash val="solid"/>
-                      <a:round/>
-                      <a:headEnd type="none" w="med" len="med"/>
-                      <a:tailEnd type="none" w="med" len="med"/>
-                    </a:lnT>
-                    <a:lnB w="6350" cap="flat" cmpd="sng" algn="ctr">
-                      <a:solidFill>
-                        <a:srgbClr val="AEAAAA"/>
-                      </a:solidFill>
-                      <a:prstDash val="solid"/>
-                      <a:round/>
-                      <a:headEnd type="none" w="med" len="med"/>
-                      <a:tailEnd type="none" w="med" len="med"/>
-                    </a:lnB>
-                  </a:tcPr>
-                </a:tc>
-                <a:tc>
-                  <a:txBody>
-                    <a:bodyPr/>
-                    <a:lstStyle/>
-                    <a:p>
-                      <a:pPr algn="ctr" fontAlgn="ctr"/>
-                      <a:r>
-                        <a:rPr lang="en-JP" sz="2400" b="0" i="0" u="none" strike="noStrike">
-                          <a:solidFill>
-                            <a:schemeClr val="tx1">
-                              <a:lumMod val="75000"/>
-                              <a:lumOff val="25000"/>
-                            </a:schemeClr>
-                          </a:solidFill>
-                          <a:effectLst/>
-                          <a:latin typeface="IBM Plex Sans" panose="020B0503050203000203" pitchFamily="34" charset="0"/>
-                        </a:rPr>
-                        <a:t> </a:t>
-                      </a:r>
-                    </a:p>
-                  </a:txBody>
-                  <a:tcPr marL="0" marR="0" marT="0" marB="0" anchor="ctr">
-                    <a:lnL w="12700" cap="flat" cmpd="sng" algn="ctr">
-                      <a:solidFill>
-                        <a:srgbClr val="000000"/>
-                      </a:solidFill>
-                      <a:prstDash val="solid"/>
-                      <a:round/>
-                      <a:headEnd type="none" w="med" len="med"/>
-                      <a:tailEnd type="none" w="med" len="med"/>
-                    </a:lnL>
-                    <a:lnR w="6350" cap="flat" cmpd="sng" algn="ctr">
-                      <a:solidFill>
-                        <a:srgbClr val="AEAAAA"/>
-                      </a:solidFill>
-                      <a:prstDash val="solid"/>
-                      <a:round/>
-                      <a:headEnd type="none" w="med" len="med"/>
-                      <a:tailEnd type="none" w="med" len="med"/>
-                    </a:lnR>
-                    <a:lnT w="12700" cap="flat" cmpd="sng" algn="ctr">
-                      <a:solidFill>
-                        <a:srgbClr val="000000"/>
-                      </a:solidFill>
-                      <a:prstDash val="solid"/>
-                      <a:round/>
-                      <a:headEnd type="none" w="med" len="med"/>
-                      <a:tailEnd type="none" w="med" len="med"/>
-                    </a:lnT>
-                    <a:lnB w="6350" cap="flat" cmpd="sng" algn="ctr">
-                      <a:solidFill>
-                        <a:srgbClr val="AEAAAA"/>
-                      </a:solidFill>
-                      <a:prstDash val="solid"/>
-                      <a:round/>
-                      <a:headEnd type="none" w="med" len="med"/>
-                      <a:tailEnd type="none" w="med" len="med"/>
-                    </a:lnB>
-                  </a:tcPr>
-                </a:tc>
-                <a:tc>
-                  <a:txBody>
-                    <a:bodyPr/>
-                    <a:lstStyle/>
-                    <a:p>
-                      <a:pPr algn="r" fontAlgn="b"/>
-                      <a:r>
-                        <a:rPr lang="en-US" sz="900" b="0" i="0" u="none" strike="noStrike" dirty="0">
-                          <a:solidFill>
-                            <a:schemeClr val="tx1">
-                              <a:lumMod val="75000"/>
-                              <a:lumOff val="25000"/>
-                            </a:schemeClr>
-                          </a:solidFill>
-                          <a:effectLst/>
-                          <a:latin typeface="IBM Plex Sans" panose="020B0503050203000203" pitchFamily="34" charset="0"/>
-                        </a:rPr>
-                        <a:t>1</a:t>
-                      </a:r>
-                      <a:endParaRPr lang="en-JP" sz="900" b="0" i="0" u="none" strike="noStrike">
+                      <a:endParaRPr lang="en-JP" sz="2400" b="0" i="0" u="none" strike="noStrike" dirty="0">
                         <a:solidFill>
                           <a:schemeClr val="tx1">
                             <a:lumMod val="75000"/>
@@ -8866,144 +12736,7 @@
                       </a:endParaRPr>
                     </a:p>
                   </a:txBody>
-                  <a:tcPr marL="0" marR="0" marT="0" marB="0" anchor="b">
-                    <a:lnL w="6350" cap="flat" cmpd="sng" algn="ctr">
-                      <a:solidFill>
-                        <a:srgbClr val="AEAAAA"/>
-                      </a:solidFill>
-                      <a:prstDash val="solid"/>
-                      <a:round/>
-                      <a:headEnd type="none" w="med" len="med"/>
-                      <a:tailEnd type="none" w="med" len="med"/>
-                    </a:lnL>
-                    <a:lnR w="6350" cap="flat" cmpd="sng" algn="ctr">
-                      <a:solidFill>
-                        <a:srgbClr val="AEAAAA"/>
-                      </a:solidFill>
-                      <a:prstDash val="solid"/>
-                      <a:round/>
-                      <a:headEnd type="none" w="med" len="med"/>
-                      <a:tailEnd type="none" w="med" len="med"/>
-                    </a:lnR>
-                    <a:lnT w="12700" cap="flat" cmpd="sng" algn="ctr">
-                      <a:solidFill>
-                        <a:srgbClr val="000000"/>
-                      </a:solidFill>
-                      <a:prstDash val="solid"/>
-                      <a:round/>
-                      <a:headEnd type="none" w="med" len="med"/>
-                      <a:tailEnd type="none" w="med" len="med"/>
-                    </a:lnT>
-                    <a:lnB w="6350" cap="flat" cmpd="sng" algn="ctr">
-                      <a:solidFill>
-                        <a:srgbClr val="AEAAAA"/>
-                      </a:solidFill>
-                      <a:prstDash val="solid"/>
-                      <a:round/>
-                      <a:headEnd type="none" w="med" len="med"/>
-                      <a:tailEnd type="none" w="med" len="med"/>
-                    </a:lnB>
-                  </a:tcPr>
-                </a:tc>
-                <a:tc>
-                  <a:txBody>
-                    <a:bodyPr/>
-                    <a:lstStyle/>
-                    <a:p>
-                      <a:pPr algn="ctr" fontAlgn="ctr"/>
-                      <a:r>
-                        <a:rPr lang="en-US" sz="2400" b="0" i="0" u="none" strike="noStrike">
-                          <a:solidFill>
-                            <a:schemeClr val="tx1">
-                              <a:lumMod val="75000"/>
-                              <a:lumOff val="25000"/>
-                            </a:schemeClr>
-                          </a:solidFill>
-                          <a:effectLst/>
-                          <a:latin typeface="IBM Plex Sans" panose="020B0503050203000203" pitchFamily="34" charset="0"/>
-                        </a:rPr>
-                        <a:t>Y</a:t>
-                      </a:r>
-                    </a:p>
-                  </a:txBody>
                   <a:tcPr marL="0" marR="0" marT="0" marB="0" anchor="ctr">
-                    <a:lnL w="6350" cap="flat" cmpd="sng" algn="ctr">
-                      <a:solidFill>
-                        <a:srgbClr val="AEAAAA"/>
-                      </a:solidFill>
-                      <a:prstDash val="solid"/>
-                      <a:round/>
-                      <a:headEnd type="none" w="med" len="med"/>
-                      <a:tailEnd type="none" w="med" len="med"/>
-                    </a:lnL>
-                    <a:lnR w="12700" cap="flat" cmpd="sng" algn="ctr">
-                      <a:solidFill>
-                        <a:srgbClr val="000000"/>
-                      </a:solidFill>
-                      <a:prstDash val="solid"/>
-                      <a:round/>
-                      <a:headEnd type="none" w="med" len="med"/>
-                      <a:tailEnd type="none" w="med" len="med"/>
-                    </a:lnR>
-                    <a:lnT w="12700" cap="flat" cmpd="sng" algn="ctr">
-                      <a:solidFill>
-                        <a:srgbClr val="000000"/>
-                      </a:solidFill>
-                      <a:prstDash val="solid"/>
-                      <a:round/>
-                      <a:headEnd type="none" w="med" len="med"/>
-                      <a:tailEnd type="none" w="med" len="med"/>
-                    </a:lnT>
-                    <a:lnB w="6350" cap="flat" cmpd="sng" algn="ctr">
-                      <a:solidFill>
-                        <a:srgbClr val="AEAAAA"/>
-                      </a:solidFill>
-                      <a:prstDash val="solid"/>
-                      <a:round/>
-                      <a:headEnd type="none" w="med" len="med"/>
-                      <a:tailEnd type="none" w="med" len="med"/>
-                    </a:lnB>
-                  </a:tcPr>
-                </a:tc>
-                <a:extLst>
-                  <a:ext uri="{0D108BD9-81ED-4DB2-BD59-A6C34878D82A}">
-                    <a16:rowId xmlns:a16="http://schemas.microsoft.com/office/drawing/2014/main" val="2707174887"/>
-                  </a:ext>
-                </a:extLst>
-              </a:tr>
-              <a:tr h="483482">
-                <a:tc>
-                  <a:txBody>
-                    <a:bodyPr/>
-                    <a:lstStyle/>
-                    <a:p>
-                      <a:pPr algn="r" fontAlgn="b"/>
-                      <a:r>
-                        <a:rPr lang="en-US" sz="900" b="0" i="0" u="none" strike="noStrike" dirty="0">
-                          <a:solidFill>
-                            <a:schemeClr val="tx1">
-                              <a:lumMod val="75000"/>
-                              <a:lumOff val="25000"/>
-                            </a:schemeClr>
-                          </a:solidFill>
-                          <a:effectLst/>
-                          <a:latin typeface="IBM Plex Sans" panose="020B0503050203000203" pitchFamily="34" charset="0"/>
-                        </a:rPr>
-                        <a:t>4</a:t>
-                      </a:r>
-                      <a:endParaRPr lang="en-JP" sz="900" b="0" i="0" u="none" strike="noStrike">
-                        <a:solidFill>
-                          <a:schemeClr val="tx1">
-                            <a:lumMod val="75000"/>
-                            <a:lumOff val="25000"/>
-                          </a:schemeClr>
-                        </a:solidFill>
-                        <a:effectLst/>
-                        <a:latin typeface="IBM Plex Sans" panose="020B0503050203000203" pitchFamily="34" charset="0"/>
-                      </a:endParaRPr>
-                    </a:p>
-                  </a:txBody>
-                  <a:tcPr marL="0" marR="0" marT="0" marB="0" anchor="b">
                     <a:lnL w="12700" cap="flat" cmpd="sng" algn="ctr">
                       <a:solidFill>
                         <a:srgbClr val="000000"/>
@@ -9109,864 +12842,7 @@
                     <a:p>
                       <a:pPr algn="ctr" fontAlgn="ctr"/>
                       <a:r>
-                        <a:rPr lang="en-US" sz="2400" b="0" i="0" u="none" strike="noStrike">
-                          <a:solidFill>
-                            <a:schemeClr val="tx1">
-                              <a:lumMod val="75000"/>
-                              <a:lumOff val="25000"/>
-                            </a:schemeClr>
-                          </a:solidFill>
-                          <a:effectLst/>
-                          <a:latin typeface="IBM Plex Sans" panose="020B0503050203000203" pitchFamily="34" charset="0"/>
-                        </a:rPr>
-                        <a:t>X</a:t>
-                      </a:r>
-                    </a:p>
-                  </a:txBody>
-                  <a:tcPr marL="0" marR="0" marT="0" marB="0" anchor="ctr">
-                    <a:lnL w="6350" cap="flat" cmpd="sng" algn="ctr">
-                      <a:solidFill>
-                        <a:srgbClr val="AEAAAA"/>
-                      </a:solidFill>
-                      <a:prstDash val="solid"/>
-                      <a:round/>
-                      <a:headEnd type="none" w="med" len="med"/>
-                      <a:tailEnd type="none" w="med" len="med"/>
-                    </a:lnL>
-                    <a:lnR w="12700" cap="flat" cmpd="sng" algn="ctr">
-                      <a:solidFill>
-                        <a:srgbClr val="000000"/>
-                      </a:solidFill>
-                      <a:prstDash val="solid"/>
-                      <a:round/>
-                      <a:headEnd type="none" w="med" len="med"/>
-                      <a:tailEnd type="none" w="med" len="med"/>
-                    </a:lnR>
-                    <a:lnT w="6350" cap="flat" cmpd="sng" algn="ctr">
-                      <a:solidFill>
-                        <a:srgbClr val="AEAAAA"/>
-                      </a:solidFill>
-                      <a:prstDash val="solid"/>
-                      <a:round/>
-                      <a:headEnd type="none" w="med" len="med"/>
-                      <a:tailEnd type="none" w="med" len="med"/>
-                    </a:lnT>
-                    <a:lnB w="6350" cap="flat" cmpd="sng" algn="ctr">
-                      <a:solidFill>
-                        <a:srgbClr val="AEAAAA"/>
-                      </a:solidFill>
-                      <a:prstDash val="solid"/>
-                      <a:round/>
-                      <a:headEnd type="none" w="med" len="med"/>
-                      <a:tailEnd type="none" w="med" len="med"/>
-                    </a:lnB>
-                  </a:tcPr>
-                </a:tc>
-                <a:tc>
-                  <a:txBody>
-                    <a:bodyPr/>
-                    <a:lstStyle/>
-                    <a:p>
-                      <a:pPr algn="ctr" fontAlgn="ctr"/>
-                      <a:r>
-                        <a:rPr lang="en-JP" sz="2400" b="0" i="0" u="none" strike="noStrike">
-                          <a:solidFill>
-                            <a:schemeClr val="tx1">
-                              <a:lumMod val="75000"/>
-                              <a:lumOff val="25000"/>
-                            </a:schemeClr>
-                          </a:solidFill>
-                          <a:effectLst/>
-                          <a:latin typeface="IBM Plex Sans" panose="020B0503050203000203" pitchFamily="34" charset="0"/>
-                        </a:rPr>
-                        <a:t> </a:t>
-                      </a:r>
-                    </a:p>
-                  </a:txBody>
-                  <a:tcPr marL="0" marR="0" marT="0" marB="0" anchor="ctr">
-                    <a:lnL w="12700" cap="flat" cmpd="sng" algn="ctr">
-                      <a:solidFill>
-                        <a:srgbClr val="000000"/>
-                      </a:solidFill>
-                      <a:prstDash val="solid"/>
-                      <a:round/>
-                      <a:headEnd type="none" w="med" len="med"/>
-                      <a:tailEnd type="none" w="med" len="med"/>
-                    </a:lnL>
-                    <a:lnR w="6350" cap="flat" cmpd="sng" algn="ctr">
-                      <a:solidFill>
-                        <a:srgbClr val="AEAAAA"/>
-                      </a:solidFill>
-                      <a:prstDash val="solid"/>
-                      <a:round/>
-                      <a:headEnd type="none" w="med" len="med"/>
-                      <a:tailEnd type="none" w="med" len="med"/>
-                    </a:lnR>
-                    <a:lnT w="6350" cap="flat" cmpd="sng" algn="ctr">
-                      <a:solidFill>
-                        <a:srgbClr val="AEAAAA"/>
-                      </a:solidFill>
-                      <a:prstDash val="solid"/>
-                      <a:round/>
-                      <a:headEnd type="none" w="med" len="med"/>
-                      <a:tailEnd type="none" w="med" len="med"/>
-                    </a:lnT>
-                    <a:lnB w="6350" cap="flat" cmpd="sng" algn="ctr">
-                      <a:solidFill>
-                        <a:srgbClr val="AEAAAA"/>
-                      </a:solidFill>
-                      <a:prstDash val="solid"/>
-                      <a:round/>
-                      <a:headEnd type="none" w="med" len="med"/>
-                      <a:tailEnd type="none" w="med" len="med"/>
-                    </a:lnB>
-                  </a:tcPr>
-                </a:tc>
-                <a:tc>
-                  <a:txBody>
-                    <a:bodyPr/>
-                    <a:lstStyle/>
-                    <a:p>
-                      <a:pPr algn="l" fontAlgn="ctr"/>
-                      <a:r>
-                        <a:rPr lang="en-JP" sz="2400" b="0" i="0" u="none" strike="noStrike">
-                          <a:solidFill>
-                            <a:schemeClr val="tx1">
-                              <a:lumMod val="75000"/>
-                              <a:lumOff val="25000"/>
-                            </a:schemeClr>
-                          </a:solidFill>
-                          <a:effectLst/>
-                          <a:latin typeface="IBM Plex Sans" panose="020B0503050203000203" pitchFamily="34" charset="0"/>
-                        </a:rPr>
-                        <a:t> </a:t>
-                      </a:r>
-                      <a:endParaRPr lang="en-JP" sz="800" b="0" i="0" u="none" strike="noStrike">
-                        <a:solidFill>
-                          <a:schemeClr val="tx1">
-                            <a:lumMod val="75000"/>
-                            <a:lumOff val="25000"/>
-                          </a:schemeClr>
-                        </a:solidFill>
-                        <a:effectLst/>
-                        <a:latin typeface="IBM Plex Sans" panose="020B0503050203000203" pitchFamily="34" charset="0"/>
-                      </a:endParaRPr>
-                    </a:p>
-                  </a:txBody>
-                  <a:tcPr marL="0" marR="0" marT="0" marB="0">
-                    <a:lnL w="6350" cap="flat" cmpd="sng" algn="ctr">
-                      <a:solidFill>
-                        <a:srgbClr val="AEAAAA"/>
-                      </a:solidFill>
-                      <a:prstDash val="solid"/>
-                      <a:round/>
-                      <a:headEnd type="none" w="med" len="med"/>
-                      <a:tailEnd type="none" w="med" len="med"/>
-                    </a:lnL>
-                    <a:lnR w="6350" cap="flat" cmpd="sng" algn="ctr">
-                      <a:solidFill>
-                        <a:srgbClr val="AEAAAA"/>
-                      </a:solidFill>
-                      <a:prstDash val="solid"/>
-                      <a:round/>
-                      <a:headEnd type="none" w="med" len="med"/>
-                      <a:tailEnd type="none" w="med" len="med"/>
-                    </a:lnR>
-                    <a:lnT w="6350" cap="flat" cmpd="sng" algn="ctr">
-                      <a:solidFill>
-                        <a:srgbClr val="AEAAAA"/>
-                      </a:solidFill>
-                      <a:prstDash val="solid"/>
-                      <a:round/>
-                      <a:headEnd type="none" w="med" len="med"/>
-                      <a:tailEnd type="none" w="med" len="med"/>
-                    </a:lnT>
-                    <a:lnB w="6350" cap="flat" cmpd="sng" algn="ctr">
-                      <a:solidFill>
-                        <a:srgbClr val="AEAAAA"/>
-                      </a:solidFill>
-                      <a:prstDash val="solid"/>
-                      <a:round/>
-                      <a:headEnd type="none" w="med" len="med"/>
-                      <a:tailEnd type="none" w="med" len="med"/>
-                    </a:lnB>
-                  </a:tcPr>
-                </a:tc>
-                <a:tc>
-                  <a:txBody>
-                    <a:bodyPr/>
-                    <a:lstStyle/>
-                    <a:p>
-                      <a:pPr algn="r" fontAlgn="b"/>
-                      <a:r>
-                        <a:rPr lang="en-JP" sz="900" b="0" i="0" u="none" strike="noStrike">
-                          <a:solidFill>
-                            <a:schemeClr val="tx1">
-                              <a:lumMod val="75000"/>
-                              <a:lumOff val="25000"/>
-                            </a:schemeClr>
-                          </a:solidFill>
-                          <a:effectLst/>
-                          <a:latin typeface="IBM Plex Sans" panose="020B0503050203000203" pitchFamily="34" charset="0"/>
-                        </a:rPr>
-                        <a:t> </a:t>
-                      </a:r>
-                    </a:p>
-                  </a:txBody>
-                  <a:tcPr marL="0" marR="0" marT="0" marB="0" anchor="b">
-                    <a:lnL w="6350" cap="flat" cmpd="sng" algn="ctr">
-                      <a:solidFill>
-                        <a:srgbClr val="AEAAAA"/>
-                      </a:solidFill>
-                      <a:prstDash val="solid"/>
-                      <a:round/>
-                      <a:headEnd type="none" w="med" len="med"/>
-                      <a:tailEnd type="none" w="med" len="med"/>
-                    </a:lnL>
-                    <a:lnR w="12700" cap="flat" cmpd="sng" algn="ctr">
-                      <a:solidFill>
-                        <a:srgbClr val="000000"/>
-                      </a:solidFill>
-                      <a:prstDash val="solid"/>
-                      <a:round/>
-                      <a:headEnd type="none" w="med" len="med"/>
-                      <a:tailEnd type="none" w="med" len="med"/>
-                    </a:lnR>
-                    <a:lnT w="6350" cap="flat" cmpd="sng" algn="ctr">
-                      <a:solidFill>
-                        <a:srgbClr val="AEAAAA"/>
-                      </a:solidFill>
-                      <a:prstDash val="solid"/>
-                      <a:round/>
-                      <a:headEnd type="none" w="med" len="med"/>
-                      <a:tailEnd type="none" w="med" len="med"/>
-                    </a:lnT>
-                    <a:lnB w="6350" cap="flat" cmpd="sng" algn="ctr">
-                      <a:solidFill>
-                        <a:srgbClr val="AEAAAA"/>
-                      </a:solidFill>
-                      <a:prstDash val="solid"/>
-                      <a:round/>
-                      <a:headEnd type="none" w="med" len="med"/>
-                      <a:tailEnd type="none" w="med" len="med"/>
-                    </a:lnB>
-                  </a:tcPr>
-                </a:tc>
-                <a:tc>
-                  <a:txBody>
-                    <a:bodyPr/>
-                    <a:lstStyle/>
-                    <a:p>
-                      <a:pPr algn="ctr" fontAlgn="ctr"/>
-                      <a:r>
-                        <a:rPr lang="en-JP" sz="2400" b="0" i="0" u="none" strike="noStrike">
-                          <a:solidFill>
-                            <a:schemeClr val="tx1">
-                              <a:lumMod val="75000"/>
-                              <a:lumOff val="25000"/>
-                            </a:schemeClr>
-                          </a:solidFill>
-                          <a:effectLst/>
-                          <a:latin typeface="IBM Plex Sans" panose="020B0503050203000203" pitchFamily="34" charset="0"/>
-                        </a:rPr>
-                        <a:t> </a:t>
-                      </a:r>
-                    </a:p>
-                  </a:txBody>
-                  <a:tcPr marL="0" marR="0" marT="0" marB="0" anchor="ctr">
-                    <a:lnL w="12700" cap="flat" cmpd="sng" algn="ctr">
-                      <a:solidFill>
-                        <a:srgbClr val="000000"/>
-                      </a:solidFill>
-                      <a:prstDash val="solid"/>
-                      <a:round/>
-                      <a:headEnd type="none" w="med" len="med"/>
-                      <a:tailEnd type="none" w="med" len="med"/>
-                    </a:lnL>
-                    <a:lnR w="6350" cap="flat" cmpd="sng" algn="ctr">
-                      <a:solidFill>
-                        <a:srgbClr val="AEAAAA"/>
-                      </a:solidFill>
-                      <a:prstDash val="solid"/>
-                      <a:round/>
-                      <a:headEnd type="none" w="med" len="med"/>
-                      <a:tailEnd type="none" w="med" len="med"/>
-                    </a:lnR>
-                    <a:lnT w="6350" cap="flat" cmpd="sng" algn="ctr">
-                      <a:solidFill>
-                        <a:srgbClr val="AEAAAA"/>
-                      </a:solidFill>
-                      <a:prstDash val="solid"/>
-                      <a:round/>
-                      <a:headEnd type="none" w="med" len="med"/>
-                      <a:tailEnd type="none" w="med" len="med"/>
-                    </a:lnT>
-                    <a:lnB w="6350" cap="flat" cmpd="sng" algn="ctr">
-                      <a:solidFill>
-                        <a:srgbClr val="AEAAAA"/>
-                      </a:solidFill>
-                      <a:prstDash val="solid"/>
-                      <a:round/>
-                      <a:headEnd type="none" w="med" len="med"/>
-                      <a:tailEnd type="none" w="med" len="med"/>
-                    </a:lnB>
-                  </a:tcPr>
-                </a:tc>
-                <a:tc>
-                  <a:txBody>
-                    <a:bodyPr/>
-                    <a:lstStyle/>
-                    <a:p>
-                      <a:pPr algn="ctr" fontAlgn="ctr"/>
-                      <a:r>
-                        <a:rPr lang="en-JP" sz="2400" b="0" i="0" u="none" strike="noStrike">
-                          <a:solidFill>
-                            <a:schemeClr val="tx1">
-                              <a:lumMod val="75000"/>
-                              <a:lumOff val="25000"/>
-                            </a:schemeClr>
-                          </a:solidFill>
-                          <a:effectLst/>
-                          <a:latin typeface="IBM Plex Sans" panose="020B0503050203000203" pitchFamily="34" charset="0"/>
-                        </a:rPr>
-                        <a:t> </a:t>
-                      </a:r>
-                    </a:p>
-                  </a:txBody>
-                  <a:tcPr marL="0" marR="0" marT="0" marB="0" anchor="ctr">
-                    <a:lnL w="6350" cap="flat" cmpd="sng" algn="ctr">
-                      <a:solidFill>
-                        <a:srgbClr val="AEAAAA"/>
-                      </a:solidFill>
-                      <a:prstDash val="solid"/>
-                      <a:round/>
-                      <a:headEnd type="none" w="med" len="med"/>
-                      <a:tailEnd type="none" w="med" len="med"/>
-                    </a:lnL>
-                    <a:lnR w="6350" cap="flat" cmpd="sng" algn="ctr">
-                      <a:solidFill>
-                        <a:srgbClr val="AEAAAA"/>
-                      </a:solidFill>
-                      <a:prstDash val="solid"/>
-                      <a:round/>
-                      <a:headEnd type="none" w="med" len="med"/>
-                      <a:tailEnd type="none" w="med" len="med"/>
-                    </a:lnR>
-                    <a:lnT w="6350" cap="flat" cmpd="sng" algn="ctr">
-                      <a:solidFill>
-                        <a:srgbClr val="AEAAAA"/>
-                      </a:solidFill>
-                      <a:prstDash val="solid"/>
-                      <a:round/>
-                      <a:headEnd type="none" w="med" len="med"/>
-                      <a:tailEnd type="none" w="med" len="med"/>
-                    </a:lnT>
-                    <a:lnB w="6350" cap="flat" cmpd="sng" algn="ctr">
-                      <a:solidFill>
-                        <a:srgbClr val="AEAAAA"/>
-                      </a:solidFill>
-                      <a:prstDash val="solid"/>
-                      <a:round/>
-                      <a:headEnd type="none" w="med" len="med"/>
-                      <a:tailEnd type="none" w="med" len="med"/>
-                    </a:lnB>
-                  </a:tcPr>
-                </a:tc>
-                <a:tc>
-                  <a:txBody>
-                    <a:bodyPr/>
-                    <a:lstStyle/>
-                    <a:p>
-                      <a:pPr algn="ctr" fontAlgn="ctr"/>
-                      <a:r>
-                        <a:rPr lang="en-JP" sz="2400" b="0" i="0" u="none" strike="noStrike">
-                          <a:solidFill>
-                            <a:schemeClr val="tx1">
-                              <a:lumMod val="75000"/>
-                              <a:lumOff val="25000"/>
-                            </a:schemeClr>
-                          </a:solidFill>
-                          <a:effectLst/>
-                          <a:latin typeface="IBM Plex Sans" panose="020B0503050203000203" pitchFamily="34" charset="0"/>
-                        </a:rPr>
-                        <a:t> </a:t>
-                      </a:r>
-                    </a:p>
-                  </a:txBody>
-                  <a:tcPr marL="0" marR="0" marT="0" marB="0" anchor="ctr">
-                    <a:lnL w="6350" cap="flat" cmpd="sng" algn="ctr">
-                      <a:solidFill>
-                        <a:srgbClr val="AEAAAA"/>
-                      </a:solidFill>
-                      <a:prstDash val="solid"/>
-                      <a:round/>
-                      <a:headEnd type="none" w="med" len="med"/>
-                      <a:tailEnd type="none" w="med" len="med"/>
-                    </a:lnL>
-                    <a:lnR w="12700" cap="flat" cmpd="sng" algn="ctr">
-                      <a:solidFill>
-                        <a:srgbClr val="000000"/>
-                      </a:solidFill>
-                      <a:prstDash val="solid"/>
-                      <a:round/>
-                      <a:headEnd type="none" w="med" len="med"/>
-                      <a:tailEnd type="none" w="med" len="med"/>
-                    </a:lnR>
-                    <a:lnT w="6350" cap="flat" cmpd="sng" algn="ctr">
-                      <a:solidFill>
-                        <a:srgbClr val="AEAAAA"/>
-                      </a:solidFill>
-                      <a:prstDash val="solid"/>
-                      <a:round/>
-                      <a:headEnd type="none" w="med" len="med"/>
-                      <a:tailEnd type="none" w="med" len="med"/>
-                    </a:lnT>
-                    <a:lnB w="6350" cap="flat" cmpd="sng" algn="ctr">
-                      <a:solidFill>
-                        <a:srgbClr val="AEAAAA"/>
-                      </a:solidFill>
-                      <a:prstDash val="solid"/>
-                      <a:round/>
-                      <a:headEnd type="none" w="med" len="med"/>
-                      <a:tailEnd type="none" w="med" len="med"/>
-                    </a:lnB>
-                  </a:tcPr>
-                </a:tc>
-                <a:extLst>
-                  <a:ext uri="{0D108BD9-81ED-4DB2-BD59-A6C34878D82A}">
-                    <a16:rowId xmlns:a16="http://schemas.microsoft.com/office/drawing/2014/main" val="213169342"/>
-                  </a:ext>
-                </a:extLst>
-              </a:tr>
-              <a:tr h="483482">
-                <a:tc>
-                  <a:txBody>
-                    <a:bodyPr/>
-                    <a:lstStyle/>
-                    <a:p>
-                      <a:pPr algn="ctr" fontAlgn="ctr"/>
-                      <a:r>
-                        <a:rPr lang="en-JP" sz="2400" b="0" i="0" u="none" strike="noStrike">
-                          <a:solidFill>
-                            <a:schemeClr val="tx1">
-                              <a:lumMod val="75000"/>
-                              <a:lumOff val="25000"/>
-                            </a:schemeClr>
-                          </a:solidFill>
-                          <a:effectLst/>
-                          <a:latin typeface="IBM Plex Sans" panose="020B0503050203000203" pitchFamily="34" charset="0"/>
-                        </a:rPr>
-                        <a:t> </a:t>
-                      </a:r>
-                    </a:p>
-                  </a:txBody>
-                  <a:tcPr marL="0" marR="0" marT="0" marB="0" anchor="ctr">
-                    <a:lnL w="12700" cap="flat" cmpd="sng" algn="ctr">
-                      <a:solidFill>
-                        <a:srgbClr val="000000"/>
-                      </a:solidFill>
-                      <a:prstDash val="solid"/>
-                      <a:round/>
-                      <a:headEnd type="none" w="med" len="med"/>
-                      <a:tailEnd type="none" w="med" len="med"/>
-                    </a:lnL>
-                    <a:lnR w="6350" cap="flat" cmpd="sng" algn="ctr">
-                      <a:solidFill>
-                        <a:srgbClr val="AEAAAA"/>
-                      </a:solidFill>
-                      <a:prstDash val="solid"/>
-                      <a:round/>
-                      <a:headEnd type="none" w="med" len="med"/>
-                      <a:tailEnd type="none" w="med" len="med"/>
-                    </a:lnR>
-                    <a:lnT w="6350" cap="flat" cmpd="sng" algn="ctr">
-                      <a:solidFill>
-                        <a:srgbClr val="AEAAAA"/>
-                      </a:solidFill>
-                      <a:prstDash val="solid"/>
-                      <a:round/>
-                      <a:headEnd type="none" w="med" len="med"/>
-                      <a:tailEnd type="none" w="med" len="med"/>
-                    </a:lnT>
-                    <a:lnB w="12700" cap="flat" cmpd="sng" algn="ctr">
-                      <a:solidFill>
-                        <a:srgbClr val="000000"/>
-                      </a:solidFill>
-                      <a:prstDash val="solid"/>
-                      <a:round/>
-                      <a:headEnd type="none" w="med" len="med"/>
-                      <a:tailEnd type="none" w="med" len="med"/>
-                    </a:lnB>
-                  </a:tcPr>
-                </a:tc>
-                <a:tc>
-                  <a:txBody>
-                    <a:bodyPr/>
-                    <a:lstStyle/>
-                    <a:p>
-                      <a:pPr algn="ctr" fontAlgn="ctr"/>
-                      <a:r>
-                        <a:rPr lang="en-JP" sz="2400" b="0" i="0" u="none" strike="noStrike">
-                          <a:solidFill>
-                            <a:schemeClr val="tx1">
-                              <a:lumMod val="75000"/>
-                              <a:lumOff val="25000"/>
-                            </a:schemeClr>
-                          </a:solidFill>
-                          <a:effectLst/>
-                          <a:latin typeface="IBM Plex Sans" panose="020B0503050203000203" pitchFamily="34" charset="0"/>
-                        </a:rPr>
-                        <a:t> </a:t>
-                      </a:r>
-                    </a:p>
-                  </a:txBody>
-                  <a:tcPr marL="0" marR="0" marT="0" marB="0" anchor="ctr">
-                    <a:lnL w="6350" cap="flat" cmpd="sng" algn="ctr">
-                      <a:solidFill>
-                        <a:srgbClr val="AEAAAA"/>
-                      </a:solidFill>
-                      <a:prstDash val="solid"/>
-                      <a:round/>
-                      <a:headEnd type="none" w="med" len="med"/>
-                      <a:tailEnd type="none" w="med" len="med"/>
-                    </a:lnL>
-                    <a:lnR w="6350" cap="flat" cmpd="sng" algn="ctr">
-                      <a:solidFill>
-                        <a:srgbClr val="AEAAAA"/>
-                      </a:solidFill>
-                      <a:prstDash val="solid"/>
-                      <a:round/>
-                      <a:headEnd type="none" w="med" len="med"/>
-                      <a:tailEnd type="none" w="med" len="med"/>
-                    </a:lnR>
-                    <a:lnT w="6350" cap="flat" cmpd="sng" algn="ctr">
-                      <a:solidFill>
-                        <a:srgbClr val="AEAAAA"/>
-                      </a:solidFill>
-                      <a:prstDash val="solid"/>
-                      <a:round/>
-                      <a:headEnd type="none" w="med" len="med"/>
-                      <a:tailEnd type="none" w="med" len="med"/>
-                    </a:lnT>
-                    <a:lnB w="12700" cap="flat" cmpd="sng" algn="ctr">
-                      <a:solidFill>
-                        <a:srgbClr val="000000"/>
-                      </a:solidFill>
-                      <a:prstDash val="solid"/>
-                      <a:round/>
-                      <a:headEnd type="none" w="med" len="med"/>
-                      <a:tailEnd type="none" w="med" len="med"/>
-                    </a:lnB>
-                  </a:tcPr>
-                </a:tc>
-                <a:tc>
-                  <a:txBody>
-                    <a:bodyPr/>
-                    <a:lstStyle/>
-                    <a:p>
-                      <a:pPr algn="ctr" fontAlgn="ctr"/>
-                      <a:r>
                         <a:rPr lang="en-US" sz="2400" b="0" i="0" u="none" strike="noStrike" dirty="0">
-                          <a:solidFill>
-                            <a:schemeClr val="tx1">
-                              <a:lumMod val="75000"/>
-                              <a:lumOff val="25000"/>
-                            </a:schemeClr>
-                          </a:solidFill>
-                          <a:effectLst/>
-                          <a:latin typeface="IBM Plex Sans" panose="020B0503050203000203" pitchFamily="34" charset="0"/>
-                        </a:rPr>
-                        <a:t>T</a:t>
-                      </a:r>
-                    </a:p>
-                  </a:txBody>
-                  <a:tcPr marL="0" marR="0" marT="0" marB="0" anchor="ctr">
-                    <a:lnL w="6350" cap="flat" cmpd="sng" algn="ctr">
-                      <a:solidFill>
-                        <a:srgbClr val="AEAAAA"/>
-                      </a:solidFill>
-                      <a:prstDash val="solid"/>
-                      <a:round/>
-                      <a:headEnd type="none" w="med" len="med"/>
-                      <a:tailEnd type="none" w="med" len="med"/>
-                    </a:lnL>
-                    <a:lnR w="12700" cap="flat" cmpd="sng" algn="ctr">
-                      <a:solidFill>
-                        <a:srgbClr val="000000"/>
-                      </a:solidFill>
-                      <a:prstDash val="solid"/>
-                      <a:round/>
-                      <a:headEnd type="none" w="med" len="med"/>
-                      <a:tailEnd type="none" w="med" len="med"/>
-                    </a:lnR>
-                    <a:lnT w="6350" cap="flat" cmpd="sng" algn="ctr">
-                      <a:solidFill>
-                        <a:srgbClr val="AEAAAA"/>
-                      </a:solidFill>
-                      <a:prstDash val="solid"/>
-                      <a:round/>
-                      <a:headEnd type="none" w="med" len="med"/>
-                      <a:tailEnd type="none" w="med" len="med"/>
-                    </a:lnT>
-                    <a:lnB w="12700" cap="flat" cmpd="sng" algn="ctr">
-                      <a:solidFill>
-                        <a:srgbClr val="000000"/>
-                      </a:solidFill>
-                      <a:prstDash val="solid"/>
-                      <a:round/>
-                      <a:headEnd type="none" w="med" len="med"/>
-                      <a:tailEnd type="none" w="med" len="med"/>
-                    </a:lnB>
-                  </a:tcPr>
-                </a:tc>
-                <a:tc>
-                  <a:txBody>
-                    <a:bodyPr/>
-                    <a:lstStyle/>
-                    <a:p>
-                      <a:pPr algn="ctr" fontAlgn="ctr"/>
-                      <a:r>
-                        <a:rPr lang="en-US" sz="2400" b="0" i="0" u="none" strike="noStrike" dirty="0">
-                          <a:solidFill>
-                            <a:schemeClr val="tx1">
-                              <a:lumMod val="75000"/>
-                              <a:lumOff val="25000"/>
-                            </a:schemeClr>
-                          </a:solidFill>
-                          <a:effectLst/>
-                          <a:latin typeface="IBM Plex Sans" panose="020B0503050203000203" pitchFamily="34" charset="0"/>
-                        </a:rPr>
-                        <a:t>H</a:t>
-                      </a:r>
-                    </a:p>
-                  </a:txBody>
-                  <a:tcPr marL="0" marR="0" marT="0" marB="0" anchor="ctr">
-                    <a:lnL w="12700" cap="flat" cmpd="sng" algn="ctr">
-                      <a:solidFill>
-                        <a:srgbClr val="000000"/>
-                      </a:solidFill>
-                      <a:prstDash val="solid"/>
-                      <a:round/>
-                      <a:headEnd type="none" w="med" len="med"/>
-                      <a:tailEnd type="none" w="med" len="med"/>
-                    </a:lnL>
-                    <a:lnR w="6350" cap="flat" cmpd="sng" algn="ctr">
-                      <a:solidFill>
-                        <a:srgbClr val="AEAAAA"/>
-                      </a:solidFill>
-                      <a:prstDash val="solid"/>
-                      <a:round/>
-                      <a:headEnd type="none" w="med" len="med"/>
-                      <a:tailEnd type="none" w="med" len="med"/>
-                    </a:lnR>
-                    <a:lnT w="6350" cap="flat" cmpd="sng" algn="ctr">
-                      <a:solidFill>
-                        <a:srgbClr val="AEAAAA"/>
-                      </a:solidFill>
-                      <a:prstDash val="solid"/>
-                      <a:round/>
-                      <a:headEnd type="none" w="med" len="med"/>
-                      <a:tailEnd type="none" w="med" len="med"/>
-                    </a:lnT>
-                    <a:lnB w="12700" cap="flat" cmpd="sng" algn="ctr">
-                      <a:solidFill>
-                        <a:srgbClr val="000000"/>
-                      </a:solidFill>
-                      <a:prstDash val="solid"/>
-                      <a:round/>
-                      <a:headEnd type="none" w="med" len="med"/>
-                      <a:tailEnd type="none" w="med" len="med"/>
-                    </a:lnB>
-                  </a:tcPr>
-                </a:tc>
-                <a:tc>
-                  <a:txBody>
-                    <a:bodyPr/>
-                    <a:lstStyle/>
-                    <a:p>
-                      <a:pPr algn="ctr" fontAlgn="ctr"/>
-                      <a:r>
-                        <a:rPr lang="en-JP" sz="2400" b="0" i="0" u="none" strike="noStrike">
-                          <a:solidFill>
-                            <a:schemeClr val="tx1">
-                              <a:lumMod val="75000"/>
-                              <a:lumOff val="25000"/>
-                            </a:schemeClr>
-                          </a:solidFill>
-                          <a:effectLst/>
-                          <a:latin typeface="IBM Plex Sans" panose="020B0503050203000203" pitchFamily="34" charset="0"/>
-                        </a:rPr>
-                        <a:t> </a:t>
-                      </a:r>
-                    </a:p>
-                  </a:txBody>
-                  <a:tcPr marL="0" marR="0" marT="0" marB="0" anchor="ctr">
-                    <a:lnL w="6350" cap="flat" cmpd="sng" algn="ctr">
-                      <a:solidFill>
-                        <a:srgbClr val="AEAAAA"/>
-                      </a:solidFill>
-                      <a:prstDash val="solid"/>
-                      <a:round/>
-                      <a:headEnd type="none" w="med" len="med"/>
-                      <a:tailEnd type="none" w="med" len="med"/>
-                    </a:lnL>
-                    <a:lnR w="6350" cap="flat" cmpd="sng" algn="ctr">
-                      <a:solidFill>
-                        <a:srgbClr val="AEAAAA"/>
-                      </a:solidFill>
-                      <a:prstDash val="solid"/>
-                      <a:round/>
-                      <a:headEnd type="none" w="med" len="med"/>
-                      <a:tailEnd type="none" w="med" len="med"/>
-                    </a:lnR>
-                    <a:lnT w="6350" cap="flat" cmpd="sng" algn="ctr">
-                      <a:solidFill>
-                        <a:srgbClr val="AEAAAA"/>
-                      </a:solidFill>
-                      <a:prstDash val="solid"/>
-                      <a:round/>
-                      <a:headEnd type="none" w="med" len="med"/>
-                      <a:tailEnd type="none" w="med" len="med"/>
-                    </a:lnT>
-                    <a:lnB w="12700" cap="flat" cmpd="sng" algn="ctr">
-                      <a:solidFill>
-                        <a:srgbClr val="000000"/>
-                      </a:solidFill>
-                      <a:prstDash val="solid"/>
-                      <a:round/>
-                      <a:headEnd type="none" w="med" len="med"/>
-                      <a:tailEnd type="none" w="med" len="med"/>
-                    </a:lnB>
-                  </a:tcPr>
-                </a:tc>
-                <a:tc>
-                  <a:txBody>
-                    <a:bodyPr/>
-                    <a:lstStyle/>
-                    <a:p>
-                      <a:pPr algn="ctr" fontAlgn="ctr"/>
-                      <a:r>
-                        <a:rPr lang="en-JP" sz="2400" b="0" i="0" u="none" strike="noStrike">
-                          <a:solidFill>
-                            <a:schemeClr val="tx1">
-                              <a:lumMod val="75000"/>
-                              <a:lumOff val="25000"/>
-                            </a:schemeClr>
-                          </a:solidFill>
-                          <a:effectLst/>
-                          <a:latin typeface="IBM Plex Sans" panose="020B0503050203000203" pitchFamily="34" charset="0"/>
-                        </a:rPr>
-                        <a:t> </a:t>
-                      </a:r>
-                    </a:p>
-                  </a:txBody>
-                  <a:tcPr marL="0" marR="0" marT="0" marB="0" anchor="ctr">
-                    <a:lnL w="6350" cap="flat" cmpd="sng" algn="ctr">
-                      <a:solidFill>
-                        <a:srgbClr val="AEAAAA"/>
-                      </a:solidFill>
-                      <a:prstDash val="solid"/>
-                      <a:round/>
-                      <a:headEnd type="none" w="med" len="med"/>
-                      <a:tailEnd type="none" w="med" len="med"/>
-                    </a:lnL>
-                    <a:lnR w="12700" cap="flat" cmpd="sng" algn="ctr">
-                      <a:solidFill>
-                        <a:srgbClr val="000000"/>
-                      </a:solidFill>
-                      <a:prstDash val="solid"/>
-                      <a:round/>
-                      <a:headEnd type="none" w="med" len="med"/>
-                      <a:tailEnd type="none" w="med" len="med"/>
-                    </a:lnR>
-                    <a:lnT w="6350" cap="flat" cmpd="sng" algn="ctr">
-                      <a:solidFill>
-                        <a:srgbClr val="AEAAAA"/>
-                      </a:solidFill>
-                      <a:prstDash val="solid"/>
-                      <a:round/>
-                      <a:headEnd type="none" w="med" len="med"/>
-                      <a:tailEnd type="none" w="med" len="med"/>
-                    </a:lnT>
-                    <a:lnB w="12700" cap="flat" cmpd="sng" algn="ctr">
-                      <a:solidFill>
-                        <a:srgbClr val="000000"/>
-                      </a:solidFill>
-                      <a:prstDash val="solid"/>
-                      <a:round/>
-                      <a:headEnd type="none" w="med" len="med"/>
-                      <a:tailEnd type="none" w="med" len="med"/>
-                    </a:lnB>
-                  </a:tcPr>
-                </a:tc>
-                <a:tc>
-                  <a:txBody>
-                    <a:bodyPr/>
-                    <a:lstStyle/>
-                    <a:p>
-                      <a:pPr algn="ctr" fontAlgn="ctr"/>
-                      <a:r>
-                        <a:rPr lang="en-JP" sz="2400" b="0" i="0" u="none" strike="noStrike">
-                          <a:solidFill>
-                            <a:schemeClr val="tx1">
-                              <a:lumMod val="75000"/>
-                              <a:lumOff val="25000"/>
-                            </a:schemeClr>
-                          </a:solidFill>
-                          <a:effectLst/>
-                          <a:latin typeface="IBM Plex Sans" panose="020B0503050203000203" pitchFamily="34" charset="0"/>
-                        </a:rPr>
-                        <a:t> </a:t>
-                      </a:r>
-                    </a:p>
-                  </a:txBody>
-                  <a:tcPr marL="0" marR="0" marT="0" marB="0" anchor="ctr">
-                    <a:lnL w="12700" cap="flat" cmpd="sng" algn="ctr">
-                      <a:solidFill>
-                        <a:srgbClr val="000000"/>
-                      </a:solidFill>
-                      <a:prstDash val="solid"/>
-                      <a:round/>
-                      <a:headEnd type="none" w="med" len="med"/>
-                      <a:tailEnd type="none" w="med" len="med"/>
-                    </a:lnL>
-                    <a:lnR w="6350" cap="flat" cmpd="sng" algn="ctr">
-                      <a:solidFill>
-                        <a:srgbClr val="AEAAAA"/>
-                      </a:solidFill>
-                      <a:prstDash val="solid"/>
-                      <a:round/>
-                      <a:headEnd type="none" w="med" len="med"/>
-                      <a:tailEnd type="none" w="med" len="med"/>
-                    </a:lnR>
-                    <a:lnT w="6350" cap="flat" cmpd="sng" algn="ctr">
-                      <a:solidFill>
-                        <a:srgbClr val="AEAAAA"/>
-                      </a:solidFill>
-                      <a:prstDash val="solid"/>
-                      <a:round/>
-                      <a:headEnd type="none" w="med" len="med"/>
-                      <a:tailEnd type="none" w="med" len="med"/>
-                    </a:lnT>
-                    <a:lnB w="12700" cap="flat" cmpd="sng" algn="ctr">
-                      <a:solidFill>
-                        <a:srgbClr val="000000"/>
-                      </a:solidFill>
-                      <a:prstDash val="solid"/>
-                      <a:round/>
-                      <a:headEnd type="none" w="med" len="med"/>
-                      <a:tailEnd type="none" w="med" len="med"/>
-                    </a:lnB>
-                  </a:tcPr>
-                </a:tc>
-                <a:tc>
-                  <a:txBody>
-                    <a:bodyPr/>
-                    <a:lstStyle/>
-                    <a:p>
-                      <a:pPr algn="ctr" fontAlgn="ctr"/>
-                      <a:r>
-                        <a:rPr lang="en-US" sz="2400" b="0" i="0" u="none" strike="noStrike">
                           <a:solidFill>
                             <a:schemeClr val="tx1">
                               <a:lumMod val="75000"/>
@@ -9990,9 +12866,9 @@
                       <a:headEnd type="none" w="med" len="med"/>
                       <a:tailEnd type="none" w="med" len="med"/>
                     </a:lnL>
-                    <a:lnR w="6350" cap="flat" cmpd="sng" algn="ctr">
-                      <a:solidFill>
-                        <a:srgbClr val="AEAAAA"/>
+                    <a:lnR w="12700" cap="flat" cmpd="sng" algn="ctr">
+                      <a:solidFill>
+                        <a:srgbClr val="000000"/>
                       </a:solidFill>
                       <a:prstDash val="solid"/>
                       <a:round/>
@@ -10008,15 +12884,20 @@
                       <a:headEnd type="none" w="med" len="med"/>
                       <a:tailEnd type="none" w="med" len="med"/>
                     </a:lnT>
-                    <a:lnB w="12700" cap="flat" cmpd="sng" algn="ctr">
-                      <a:solidFill>
-                        <a:srgbClr val="000000"/>
+                    <a:lnB w="6350" cap="flat" cmpd="sng" algn="ctr">
+                      <a:solidFill>
+                        <a:srgbClr val="AEAAAA"/>
                       </a:solidFill>
                       <a:prstDash val="solid"/>
                       <a:round/>
                       <a:headEnd type="none" w="med" len="med"/>
                       <a:tailEnd type="none" w="med" len="med"/>
                     </a:lnB>
+                    <a:solidFill>
+                      <a:schemeClr val="bg1">
+                        <a:lumMod val="85000"/>
+                      </a:schemeClr>
+                    </a:solidFill>
                   </a:tcPr>
                 </a:tc>
                 <a:tc>
@@ -10026,7 +12907,7 @@
                     <a:p>
                       <a:pPr algn="ctr" fontAlgn="ctr"/>
                       <a:r>
-                        <a:rPr lang="en-JP" sz="2400" b="0" i="0" u="none" strike="noStrike">
+                        <a:rPr lang="en-GB" sz="2400" b="0" i="0" u="none" strike="noStrike" dirty="0">
                           <a:solidFill>
                             <a:schemeClr val="tx1">
                               <a:lumMod val="75000"/>
@@ -10036,23 +12917,33 @@
                           <a:effectLst/>
                           <a:latin typeface="IBM Plex Sans" panose="020B0503050203000203" pitchFamily="34" charset="0"/>
                         </a:rPr>
-                        <a:t> </a:t>
+                        <a:t>T</a:t>
                       </a:r>
+                      <a:endParaRPr lang="en-JP" sz="2400" b="0" i="0" u="none" strike="noStrike" dirty="0">
+                        <a:solidFill>
+                          <a:schemeClr val="tx1">
+                            <a:lumMod val="75000"/>
+                            <a:lumOff val="25000"/>
+                          </a:schemeClr>
+                        </a:solidFill>
+                        <a:effectLst/>
+                        <a:latin typeface="IBM Plex Sans" panose="020B0503050203000203" pitchFamily="34" charset="0"/>
+                      </a:endParaRPr>
                     </a:p>
                   </a:txBody>
                   <a:tcPr marL="0" marR="0" marT="0" marB="0" anchor="ctr">
-                    <a:lnL w="6350" cap="flat" cmpd="sng" algn="ctr">
-                      <a:solidFill>
-                        <a:srgbClr val="AEAAAA"/>
+                    <a:lnL w="12700" cap="flat" cmpd="sng" algn="ctr">
+                      <a:solidFill>
+                        <a:srgbClr val="000000"/>
                       </a:solidFill>
                       <a:prstDash val="solid"/>
                       <a:round/>
                       <a:headEnd type="none" w="med" len="med"/>
                       <a:tailEnd type="none" w="med" len="med"/>
                     </a:lnL>
-                    <a:lnR w="12700" cap="flat" cmpd="sng" algn="ctr">
-                      <a:solidFill>
-                        <a:srgbClr val="000000"/>
+                    <a:lnR w="6350" cap="flat" cmpd="sng" algn="ctr">
+                      <a:solidFill>
+                        <a:srgbClr val="AEAAAA"/>
                       </a:solidFill>
                       <a:prstDash val="solid"/>
                       <a:round/>
@@ -10068,9 +12959,9 @@
                       <a:headEnd type="none" w="med" len="med"/>
                       <a:tailEnd type="none" w="med" len="med"/>
                     </a:lnT>
-                    <a:lnB w="12700" cap="flat" cmpd="sng" algn="ctr">
-                      <a:solidFill>
-                        <a:srgbClr val="000000"/>
+                    <a:lnB w="6350" cap="flat" cmpd="sng" algn="ctr">
+                      <a:solidFill>
+                        <a:srgbClr val="AEAAAA"/>
                       </a:solidFill>
                       <a:prstDash val="solid"/>
                       <a:round/>
@@ -10079,21 +12970,14 @@
                     </a:lnB>
                   </a:tcPr>
                 </a:tc>
-                <a:extLst>
-                  <a:ext uri="{0D108BD9-81ED-4DB2-BD59-A6C34878D82A}">
-                    <a16:rowId xmlns:a16="http://schemas.microsoft.com/office/drawing/2014/main" val="2694707024"/>
-                  </a:ext>
-                </a:extLst>
-              </a:tr>
-              <a:tr h="483482">
                 <a:tc>
                   <a:txBody>
                     <a:bodyPr/>
                     <a:lstStyle/>
                     <a:p>
-                      <a:pPr algn="ctr" fontAlgn="ctr"/>
+                      <a:pPr algn="ctr" fontAlgn="b"/>
                       <a:r>
-                        <a:rPr lang="en-JP" sz="2400" b="0" i="0" u="none" strike="noStrike">
+                        <a:rPr lang="en-US" sz="2400" b="0" i="0" u="none" strike="noStrike" dirty="0">
                           <a:solidFill>
                             <a:schemeClr val="tx1">
                               <a:lumMod val="75000"/>
@@ -10103,57 +12987,10 @@
                           <a:effectLst/>
                           <a:latin typeface="IBM Plex Sans" panose="020B0503050203000203" pitchFamily="34" charset="0"/>
                         </a:rPr>
-                        <a:t> </a:t>
+                        <a:t>I</a:t>
                       </a:r>
-                    </a:p>
-                  </a:txBody>
-                  <a:tcPr marL="0" marR="0" marT="0" marB="0" anchor="ctr">
-                    <a:lnL w="12700" cap="flat" cmpd="sng" algn="ctr">
-                      <a:solidFill>
-                        <a:srgbClr val="000000"/>
-                      </a:solidFill>
-                      <a:prstDash val="solid"/>
-                      <a:round/>
-                      <a:headEnd type="none" w="med" len="med"/>
-                      <a:tailEnd type="none" w="med" len="med"/>
-                    </a:lnL>
-                    <a:lnR w="6350" cap="flat" cmpd="sng" algn="ctr">
-                      <a:solidFill>
-                        <a:srgbClr val="AEAAAA"/>
-                      </a:solidFill>
-                      <a:prstDash val="solid"/>
-                      <a:round/>
-                      <a:headEnd type="none" w="med" len="med"/>
-                      <a:tailEnd type="none" w="med" len="med"/>
-                    </a:lnR>
-                    <a:lnT w="12700" cap="flat" cmpd="sng" algn="ctr">
-                      <a:solidFill>
-                        <a:srgbClr val="000000"/>
-                      </a:solidFill>
-                      <a:prstDash val="solid"/>
-                      <a:round/>
-                      <a:headEnd type="none" w="med" len="med"/>
-                      <a:tailEnd type="none" w="med" len="med"/>
-                    </a:lnT>
-                    <a:lnB w="6350" cap="flat" cmpd="sng" algn="ctr">
-                      <a:solidFill>
-                        <a:srgbClr val="AEAAAA"/>
-                      </a:solidFill>
-                      <a:prstDash val="solid"/>
-                      <a:round/>
-                      <a:headEnd type="none" w="med" len="med"/>
-                      <a:tailEnd type="none" w="med" len="med"/>
-                    </a:lnB>
-                  </a:tcPr>
-                </a:tc>
-                <a:tc>
-                  <a:txBody>
-                    <a:bodyPr/>
-                    <a:lstStyle/>
-                    <a:p>
-                      <a:pPr algn="ctr" fontAlgn="ctr"/>
                       <a:r>
-                        <a:rPr lang="en-JP" sz="2400" b="0" i="0" u="none" strike="noStrike">
+                        <a:rPr lang="en-US" sz="900" b="0" i="0" u="none" strike="noStrike" dirty="0">
                           <a:solidFill>
                             <a:schemeClr val="tx1">
                               <a:lumMod val="75000"/>
@@ -10163,8 +13000,18 @@
                           <a:effectLst/>
                           <a:latin typeface="IBM Plex Sans" panose="020B0503050203000203" pitchFamily="34" charset="0"/>
                         </a:rPr>
-                        <a:t> </a:t>
+                        <a:t>3</a:t>
                       </a:r>
+                      <a:endParaRPr lang="en-JP" sz="900" b="0" i="0" u="none" strike="noStrike" dirty="0">
+                        <a:solidFill>
+                          <a:schemeClr val="tx1">
+                            <a:lumMod val="75000"/>
+                            <a:lumOff val="25000"/>
+                          </a:schemeClr>
+                        </a:solidFill>
+                        <a:effectLst/>
+                        <a:latin typeface="IBM Plex Sans" panose="020B0503050203000203" pitchFamily="34" charset="0"/>
+                      </a:endParaRPr>
                     </a:p>
                   </a:txBody>
                   <a:tcPr marL="0" marR="0" marT="0" marB="0" anchor="ctr">
@@ -10186,9 +13033,9 @@
                       <a:headEnd type="none" w="med" len="med"/>
                       <a:tailEnd type="none" w="med" len="med"/>
                     </a:lnR>
-                    <a:lnT w="12700" cap="flat" cmpd="sng" algn="ctr">
-                      <a:solidFill>
-                        <a:srgbClr val="000000"/>
+                    <a:lnT w="6350" cap="flat" cmpd="sng" algn="ctr">
+                      <a:solidFill>
+                        <a:srgbClr val="AEAAAA"/>
                       </a:solidFill>
                       <a:prstDash val="solid"/>
                       <a:round/>
@@ -10204,6 +13051,9 @@
                       <a:headEnd type="none" w="med" len="med"/>
                       <a:tailEnd type="none" w="med" len="med"/>
                     </a:lnB>
+                    <a:solidFill>
+                      <a:srgbClr val="FFFF00"/>
+                    </a:solidFill>
                   </a:tcPr>
                 </a:tc>
                 <a:tc>
@@ -10246,9 +13096,9 @@
                       <a:headEnd type="none" w="med" len="med"/>
                       <a:tailEnd type="none" w="med" len="med"/>
                     </a:lnR>
-                    <a:lnT w="12700" cap="flat" cmpd="sng" algn="ctr">
-                      <a:solidFill>
-                        <a:srgbClr val="000000"/>
+                    <a:lnT w="6350" cap="flat" cmpd="sng" algn="ctr">
+                      <a:solidFill>
+                        <a:srgbClr val="AEAAAA"/>
                       </a:solidFill>
                       <a:prstDash val="solid"/>
                       <a:round/>
@@ -10273,7 +13123,7 @@
                     <a:p>
                       <a:pPr algn="ctr" fontAlgn="ctr"/>
                       <a:r>
-                        <a:rPr lang="en-JP" sz="2400" b="0" i="0" u="none" strike="noStrike" dirty="0">
+                        <a:rPr lang="en-GB" sz="2400" b="0" i="0" u="none" strike="noStrike" dirty="0">
                           <a:solidFill>
                             <a:schemeClr val="tx1">
                               <a:lumMod val="75000"/>
@@ -10283,8 +13133,18 @@
                           <a:effectLst/>
                           <a:latin typeface="IBM Plex Sans" panose="020B0503050203000203" pitchFamily="34" charset="0"/>
                         </a:rPr>
-                        <a:t> </a:t>
+                        <a:t>Y</a:t>
                       </a:r>
+                      <a:endParaRPr lang="en-JP" sz="2400" b="0" i="0" u="none" strike="noStrike" dirty="0">
+                        <a:solidFill>
+                          <a:schemeClr val="tx1">
+                            <a:lumMod val="75000"/>
+                            <a:lumOff val="25000"/>
+                          </a:schemeClr>
+                        </a:solidFill>
+                        <a:effectLst/>
+                        <a:latin typeface="IBM Plex Sans" panose="020B0503050203000203" pitchFamily="34" charset="0"/>
+                      </a:endParaRPr>
                     </a:p>
                   </a:txBody>
                   <a:tcPr marL="0" marR="0" marT="0" marB="0" anchor="ctr">
@@ -10306,9 +13166,9 @@
                       <a:headEnd type="none" w="med" len="med"/>
                       <a:tailEnd type="none" w="med" len="med"/>
                     </a:lnR>
-                    <a:lnT w="12700" cap="flat" cmpd="sng" algn="ctr">
-                      <a:solidFill>
-                        <a:srgbClr val="000000"/>
+                    <a:lnT w="6350" cap="flat" cmpd="sng" algn="ctr">
+                      <a:solidFill>
+                        <a:srgbClr val="AEAAAA"/>
                       </a:solidFill>
                       <a:prstDash val="solid"/>
                       <a:round/>
@@ -10366,9 +13226,9 @@
                       <a:headEnd type="none" w="med" len="med"/>
                       <a:tailEnd type="none" w="med" len="med"/>
                     </a:lnR>
-                    <a:lnT w="12700" cap="flat" cmpd="sng" algn="ctr">
-                      <a:solidFill>
-                        <a:srgbClr val="000000"/>
+                    <a:lnT w="6350" cap="flat" cmpd="sng" algn="ctr">
+                      <a:solidFill>
+                        <a:srgbClr val="AEAAAA"/>
                       </a:solidFill>
                       <a:prstDash val="solid"/>
                       <a:round/>
@@ -10384,6 +13244,11 @@
                       <a:headEnd type="none" w="med" len="med"/>
                       <a:tailEnd type="none" w="med" len="med"/>
                     </a:lnB>
+                    <a:solidFill>
+                      <a:schemeClr val="bg1">
+                        <a:lumMod val="85000"/>
+                      </a:schemeClr>
+                    </a:solidFill>
                   </a:tcPr>
                 </a:tc>
                 <a:tc>
@@ -10391,9 +13256,9 @@
                     <a:bodyPr/>
                     <a:lstStyle/>
                     <a:p>
-                      <a:pPr algn="ctr" fontAlgn="ctr"/>
+                      <a:pPr algn="ctr" fontAlgn="b"/>
                       <a:r>
-                        <a:rPr lang="en-JP" sz="2400" b="0" i="0" u="none" strike="noStrike">
+                        <a:rPr lang="en-US" sz="2400" b="0" i="0" u="none" strike="noStrike" dirty="0">
                           <a:solidFill>
                             <a:schemeClr val="tx1">
                               <a:lumMod val="75000"/>
@@ -10403,57 +13268,10 @@
                           <a:effectLst/>
                           <a:latin typeface="IBM Plex Sans" panose="020B0503050203000203" pitchFamily="34" charset="0"/>
                         </a:rPr>
-                        <a:t> </a:t>
+                        <a:t>H</a:t>
                       </a:r>
-                    </a:p>
-                  </a:txBody>
-                  <a:tcPr marL="0" marR="0" marT="0" marB="0" anchor="ctr">
-                    <a:lnL w="6350" cap="flat" cmpd="sng" algn="ctr">
-                      <a:solidFill>
-                        <a:srgbClr val="AEAAAA"/>
-                      </a:solidFill>
-                      <a:prstDash val="solid"/>
-                      <a:round/>
-                      <a:headEnd type="none" w="med" len="med"/>
-                      <a:tailEnd type="none" w="med" len="med"/>
-                    </a:lnL>
-                    <a:lnR w="12700" cap="flat" cmpd="sng" algn="ctr">
-                      <a:solidFill>
-                        <a:srgbClr val="000000"/>
-                      </a:solidFill>
-                      <a:prstDash val="solid"/>
-                      <a:round/>
-                      <a:headEnd type="none" w="med" len="med"/>
-                      <a:tailEnd type="none" w="med" len="med"/>
-                    </a:lnR>
-                    <a:lnT w="12700" cap="flat" cmpd="sng" algn="ctr">
-                      <a:solidFill>
-                        <a:srgbClr val="000000"/>
-                      </a:solidFill>
-                      <a:prstDash val="solid"/>
-                      <a:round/>
-                      <a:headEnd type="none" w="med" len="med"/>
-                      <a:tailEnd type="none" w="med" len="med"/>
-                    </a:lnT>
-                    <a:lnB w="6350" cap="flat" cmpd="sng" algn="ctr">
-                      <a:solidFill>
-                        <a:srgbClr val="AEAAAA"/>
-                      </a:solidFill>
-                      <a:prstDash val="solid"/>
-                      <a:round/>
-                      <a:headEnd type="none" w="med" len="med"/>
-                      <a:tailEnd type="none" w="med" len="med"/>
-                    </a:lnB>
-                  </a:tcPr>
-                </a:tc>
-                <a:tc>
-                  <a:txBody>
-                    <a:bodyPr/>
-                    <a:lstStyle/>
-                    <a:p>
-                      <a:pPr algn="ctr" fontAlgn="ctr"/>
                       <a:r>
-                        <a:rPr lang="en-JP" sz="2400" b="0" i="0" u="none" strike="noStrike">
+                        <a:rPr lang="en-US" sz="900" b="0" i="0" u="none" strike="noStrike" dirty="0">
                           <a:solidFill>
                             <a:schemeClr val="tx1">
                               <a:lumMod val="75000"/>
@@ -10463,56 +13281,9 @@
                           <a:effectLst/>
                           <a:latin typeface="IBM Plex Sans" panose="020B0503050203000203" pitchFamily="34" charset="0"/>
                         </a:rPr>
-                        <a:t> </a:t>
+                        <a:t>2</a:t>
                       </a:r>
-                    </a:p>
-                  </a:txBody>
-                  <a:tcPr marL="0" marR="0" marT="0" marB="0" anchor="ctr">
-                    <a:lnL w="12700" cap="flat" cmpd="sng" algn="ctr">
-                      <a:solidFill>
-                        <a:srgbClr val="000000"/>
-                      </a:solidFill>
-                      <a:prstDash val="solid"/>
-                      <a:round/>
-                      <a:headEnd type="none" w="med" len="med"/>
-                      <a:tailEnd type="none" w="med" len="med"/>
-                    </a:lnL>
-                    <a:lnR w="6350" cap="flat" cmpd="sng" algn="ctr">
-                      <a:solidFill>
-                        <a:srgbClr val="AEAAAA"/>
-                      </a:solidFill>
-                      <a:prstDash val="solid"/>
-                      <a:round/>
-                      <a:headEnd type="none" w="med" len="med"/>
-                      <a:tailEnd type="none" w="med" len="med"/>
-                    </a:lnR>
-                    <a:lnT w="12700" cap="flat" cmpd="sng" algn="ctr">
-                      <a:solidFill>
-                        <a:srgbClr val="000000"/>
-                      </a:solidFill>
-                      <a:prstDash val="solid"/>
-                      <a:round/>
-                      <a:headEnd type="none" w="med" len="med"/>
-                      <a:tailEnd type="none" w="med" len="med"/>
-                    </a:lnT>
-                    <a:lnB w="6350" cap="flat" cmpd="sng" algn="ctr">
-                      <a:solidFill>
-                        <a:srgbClr val="AEAAAA"/>
-                      </a:solidFill>
-                      <a:prstDash val="solid"/>
-                      <a:round/>
-                      <a:headEnd type="none" w="med" len="med"/>
-                      <a:tailEnd type="none" w="med" len="med"/>
-                    </a:lnB>
-                  </a:tcPr>
-                </a:tc>
-                <a:tc>
-                  <a:txBody>
-                    <a:bodyPr/>
-                    <a:lstStyle/>
-                    <a:p>
-                      <a:pPr algn="ctr" fontAlgn="ctr"/>
-                      <a:endParaRPr lang="en-JP" sz="2400" b="0" i="0" u="none" strike="noStrike">
+                      <a:endParaRPr lang="en-JP" sz="900" b="0" i="0" u="none" strike="noStrike" dirty="0">
                         <a:solidFill>
                           <a:schemeClr val="tx1">
                             <a:lumMod val="75000"/>
@@ -10534,18 +13305,18 @@
                       <a:headEnd type="none" w="med" len="med"/>
                       <a:tailEnd type="none" w="med" len="med"/>
                     </a:lnL>
-                    <a:lnR w="6350" cap="flat" cmpd="sng" algn="ctr">
-                      <a:solidFill>
-                        <a:srgbClr val="AEAAAA"/>
+                    <a:lnR w="12700" cap="flat" cmpd="sng" algn="ctr">
+                      <a:solidFill>
+                        <a:srgbClr val="000000"/>
                       </a:solidFill>
                       <a:prstDash val="solid"/>
                       <a:round/>
                       <a:headEnd type="none" w="med" len="med"/>
                       <a:tailEnd type="none" w="med" len="med"/>
                     </a:lnR>
-                    <a:lnT w="12700" cap="flat" cmpd="sng" algn="ctr">
-                      <a:solidFill>
-                        <a:srgbClr val="000000"/>
+                    <a:lnT w="6350" cap="flat" cmpd="sng" algn="ctr">
+                      <a:solidFill>
+                        <a:srgbClr val="AEAAAA"/>
                       </a:solidFill>
                       <a:prstDash val="solid"/>
                       <a:round/>
@@ -10561,255 +13332,18 @@
                       <a:headEnd type="none" w="med" len="med"/>
                       <a:tailEnd type="none" w="med" len="med"/>
                     </a:lnB>
-                  </a:tcPr>
-                </a:tc>
-                <a:tc>
-                  <a:txBody>
-                    <a:bodyPr/>
-                    <a:lstStyle/>
-                    <a:p>
-                      <a:pPr algn="ctr" fontAlgn="ctr"/>
-                      <a:r>
-                        <a:rPr lang="en-JP" sz="2400" b="0" i="0" u="none" strike="noStrike">
-                          <a:solidFill>
-                            <a:schemeClr val="tx1">
-                              <a:lumMod val="75000"/>
-                              <a:lumOff val="25000"/>
-                            </a:schemeClr>
-                          </a:solidFill>
-                          <a:effectLst/>
-                          <a:latin typeface="IBM Plex Sans" panose="020B0503050203000203" pitchFamily="34" charset="0"/>
-                        </a:rPr>
-                        <a:t> </a:t>
-                      </a:r>
-                    </a:p>
-                  </a:txBody>
-                  <a:tcPr marL="0" marR="0" marT="0" marB="0" anchor="ctr">
-                    <a:lnL w="6350" cap="flat" cmpd="sng" algn="ctr">
-                      <a:solidFill>
-                        <a:srgbClr val="AEAAAA"/>
-                      </a:solidFill>
-                      <a:prstDash val="solid"/>
-                      <a:round/>
-                      <a:headEnd type="none" w="med" len="med"/>
-                      <a:tailEnd type="none" w="med" len="med"/>
-                    </a:lnL>
-                    <a:lnR w="12700" cap="flat" cmpd="sng" algn="ctr">
-                      <a:solidFill>
-                        <a:srgbClr val="000000"/>
-                      </a:solidFill>
-                      <a:prstDash val="solid"/>
-                      <a:round/>
-                      <a:headEnd type="none" w="med" len="med"/>
-                      <a:tailEnd type="none" w="med" len="med"/>
-                    </a:lnR>
-                    <a:lnT w="12700" cap="flat" cmpd="sng" algn="ctr">
-                      <a:solidFill>
-                        <a:srgbClr val="000000"/>
-                      </a:solidFill>
-                      <a:prstDash val="solid"/>
-                      <a:round/>
-                      <a:headEnd type="none" w="med" len="med"/>
-                      <a:tailEnd type="none" w="med" len="med"/>
-                    </a:lnT>
-                    <a:lnB w="6350" cap="flat" cmpd="sng" algn="ctr">
-                      <a:solidFill>
-                        <a:srgbClr val="AEAAAA"/>
-                      </a:solidFill>
-                      <a:prstDash val="solid"/>
-                      <a:round/>
-                      <a:headEnd type="none" w="med" len="med"/>
-                      <a:tailEnd type="none" w="med" len="med"/>
-                    </a:lnB>
+                    <a:solidFill>
+                      <a:srgbClr val="FFFF00"/>
+                    </a:solidFill>
                   </a:tcPr>
                 </a:tc>
                 <a:extLst>
                   <a:ext uri="{0D108BD9-81ED-4DB2-BD59-A6C34878D82A}">
-                    <a16:rowId xmlns:a16="http://schemas.microsoft.com/office/drawing/2014/main" val="776927206"/>
+                    <a16:rowId xmlns:a16="http://schemas.microsoft.com/office/drawing/2014/main" val="1609837328"/>
                   </a:ext>
                 </a:extLst>
               </a:tr>
               <a:tr h="483482">
-                <a:tc>
-                  <a:txBody>
-                    <a:bodyPr/>
-                    <a:lstStyle/>
-                    <a:p>
-                      <a:pPr algn="ctr" fontAlgn="ctr"/>
-                      <a:r>
-                        <a:rPr lang="en-JP" sz="2400" b="0" i="0" u="none" strike="noStrike">
-                          <a:solidFill>
-                            <a:schemeClr val="tx1">
-                              <a:lumMod val="75000"/>
-                              <a:lumOff val="25000"/>
-                            </a:schemeClr>
-                          </a:solidFill>
-                          <a:effectLst/>
-                          <a:latin typeface="IBM Plex Sans" panose="020B0503050203000203" pitchFamily="34" charset="0"/>
-                        </a:rPr>
-                        <a:t> </a:t>
-                      </a:r>
-                    </a:p>
-                  </a:txBody>
-                  <a:tcPr marL="0" marR="0" marT="0" marB="0" anchor="ctr">
-                    <a:lnL w="12700" cap="flat" cmpd="sng" algn="ctr">
-                      <a:solidFill>
-                        <a:srgbClr val="000000"/>
-                      </a:solidFill>
-                      <a:prstDash val="solid"/>
-                      <a:round/>
-                      <a:headEnd type="none" w="med" len="med"/>
-                      <a:tailEnd type="none" w="med" len="med"/>
-                    </a:lnL>
-                    <a:lnR w="6350" cap="flat" cmpd="sng" algn="ctr">
-                      <a:solidFill>
-                        <a:srgbClr val="AEAAAA"/>
-                      </a:solidFill>
-                      <a:prstDash val="solid"/>
-                      <a:round/>
-                      <a:headEnd type="none" w="med" len="med"/>
-                      <a:tailEnd type="none" w="med" len="med"/>
-                    </a:lnR>
-                    <a:lnT w="6350" cap="flat" cmpd="sng" algn="ctr">
-                      <a:solidFill>
-                        <a:srgbClr val="AEAAAA"/>
-                      </a:solidFill>
-                      <a:prstDash val="solid"/>
-                      <a:round/>
-                      <a:headEnd type="none" w="med" len="med"/>
-                      <a:tailEnd type="none" w="med" len="med"/>
-                    </a:lnT>
-                    <a:lnB w="6350" cap="flat" cmpd="sng" algn="ctr">
-                      <a:solidFill>
-                        <a:srgbClr val="AEAAAA"/>
-                      </a:solidFill>
-                      <a:prstDash val="solid"/>
-                      <a:round/>
-                      <a:headEnd type="none" w="med" len="med"/>
-                      <a:tailEnd type="none" w="med" len="med"/>
-                    </a:lnB>
-                  </a:tcPr>
-                </a:tc>
-                <a:tc>
-                  <a:txBody>
-                    <a:bodyPr/>
-                    <a:lstStyle/>
-                    <a:p>
-                      <a:pPr algn="ctr" fontAlgn="ctr"/>
-                      <a:r>
-                        <a:rPr lang="en-JP" sz="2400" b="0" i="0" u="none" strike="noStrike">
-                          <a:solidFill>
-                            <a:schemeClr val="tx1">
-                              <a:lumMod val="75000"/>
-                              <a:lumOff val="25000"/>
-                            </a:schemeClr>
-                          </a:solidFill>
-                          <a:effectLst/>
-                          <a:latin typeface="IBM Plex Sans" panose="020B0503050203000203" pitchFamily="34" charset="0"/>
-                        </a:rPr>
-                        <a:t> </a:t>
-                      </a:r>
-                    </a:p>
-                  </a:txBody>
-                  <a:tcPr marL="0" marR="0" marT="0" marB="0" anchor="ctr">
-                    <a:lnL w="6350" cap="flat" cmpd="sng" algn="ctr">
-                      <a:solidFill>
-                        <a:srgbClr val="AEAAAA"/>
-                      </a:solidFill>
-                      <a:prstDash val="solid"/>
-                      <a:round/>
-                      <a:headEnd type="none" w="med" len="med"/>
-                      <a:tailEnd type="none" w="med" len="med"/>
-                    </a:lnL>
-                    <a:lnR w="6350" cap="flat" cmpd="sng" algn="ctr">
-                      <a:solidFill>
-                        <a:srgbClr val="AEAAAA"/>
-                      </a:solidFill>
-                      <a:prstDash val="solid"/>
-                      <a:round/>
-                      <a:headEnd type="none" w="med" len="med"/>
-                      <a:tailEnd type="none" w="med" len="med"/>
-                    </a:lnR>
-                    <a:lnT w="6350" cap="flat" cmpd="sng" algn="ctr">
-                      <a:solidFill>
-                        <a:srgbClr val="AEAAAA"/>
-                      </a:solidFill>
-                      <a:prstDash val="solid"/>
-                      <a:round/>
-                      <a:headEnd type="none" w="med" len="med"/>
-                      <a:tailEnd type="none" w="med" len="med"/>
-                    </a:lnT>
-                    <a:lnB w="6350" cap="flat" cmpd="sng" algn="ctr">
-                      <a:solidFill>
-                        <a:srgbClr val="AEAAAA"/>
-                      </a:solidFill>
-                      <a:prstDash val="solid"/>
-                      <a:round/>
-                      <a:headEnd type="none" w="med" len="med"/>
-                      <a:tailEnd type="none" w="med" len="med"/>
-                    </a:lnB>
-                  </a:tcPr>
-                </a:tc>
-                <a:tc>
-                  <a:txBody>
-                    <a:bodyPr/>
-                    <a:lstStyle/>
-                    <a:p>
-                      <a:pPr algn="ctr" fontAlgn="ctr"/>
-                      <a:r>
-                        <a:rPr lang="en-JP" sz="2400" b="0" i="0" u="none" strike="noStrike">
-                          <a:solidFill>
-                            <a:schemeClr val="tx1">
-                              <a:lumMod val="75000"/>
-                              <a:lumOff val="25000"/>
-                            </a:schemeClr>
-                          </a:solidFill>
-                          <a:effectLst/>
-                          <a:latin typeface="IBM Plex Sans" panose="020B0503050203000203" pitchFamily="34" charset="0"/>
-                        </a:rPr>
-                        <a:t> </a:t>
-                      </a:r>
-                    </a:p>
-                  </a:txBody>
-                  <a:tcPr marL="0" marR="0" marT="0" marB="0" anchor="ctr">
-                    <a:lnL w="6350" cap="flat" cmpd="sng" algn="ctr">
-                      <a:solidFill>
-                        <a:srgbClr val="AEAAAA"/>
-                      </a:solidFill>
-                      <a:prstDash val="solid"/>
-                      <a:round/>
-                      <a:headEnd type="none" w="med" len="med"/>
-                      <a:tailEnd type="none" w="med" len="med"/>
-                    </a:lnL>
-                    <a:lnR w="12700" cap="flat" cmpd="sng" algn="ctr">
-                      <a:solidFill>
-                        <a:srgbClr val="000000"/>
-                      </a:solidFill>
-                      <a:prstDash val="solid"/>
-                      <a:round/>
-                      <a:headEnd type="none" w="med" len="med"/>
-                      <a:tailEnd type="none" w="med" len="med"/>
-                    </a:lnR>
-                    <a:lnT w="6350" cap="flat" cmpd="sng" algn="ctr">
-                      <a:solidFill>
-                        <a:srgbClr val="AEAAAA"/>
-                      </a:solidFill>
-                      <a:prstDash val="solid"/>
-                      <a:round/>
-                      <a:headEnd type="none" w="med" len="med"/>
-                      <a:tailEnd type="none" w="med" len="med"/>
-                    </a:lnT>
-                    <a:lnB w="6350" cap="flat" cmpd="sng" algn="ctr">
-                      <a:solidFill>
-                        <a:srgbClr val="AEAAAA"/>
-                      </a:solidFill>
-                      <a:prstDash val="solid"/>
-                      <a:round/>
-                      <a:headEnd type="none" w="med" len="med"/>
-                      <a:tailEnd type="none" w="med" len="med"/>
-                    </a:lnB>
-                  </a:tcPr>
-                </a:tc>
                 <a:tc>
                   <a:txBody>
                     <a:bodyPr/>
@@ -10859,9 +13393,9 @@
                       <a:headEnd type="none" w="med" len="med"/>
                       <a:tailEnd type="none" w="med" len="med"/>
                     </a:lnT>
-                    <a:lnB w="6350" cap="flat" cmpd="sng" algn="ctr">
-                      <a:solidFill>
-                        <a:srgbClr val="AEAAAA"/>
+                    <a:lnB w="12700" cap="flat" cmpd="sng" algn="ctr">
+                      <a:solidFill>
+                        <a:srgbClr val="000000"/>
                       </a:solidFill>
                       <a:prstDash val="solid"/>
                       <a:round/>
@@ -10877,7 +13411,7 @@
                     <a:p>
                       <a:pPr algn="ctr" fontAlgn="ctr"/>
                       <a:r>
-                        <a:rPr lang="en-JP" sz="2400" b="0" i="0" u="none" strike="noStrike" dirty="0">
+                        <a:rPr lang="en-GB" sz="2400" b="0" i="0" u="none" strike="noStrike" dirty="0">
                           <a:solidFill>
                             <a:schemeClr val="tx1">
                               <a:lumMod val="75000"/>
@@ -10887,780 +13421,9 @@
                           <a:effectLst/>
                           <a:latin typeface="IBM Plex Sans" panose="020B0503050203000203" pitchFamily="34" charset="0"/>
                         </a:rPr>
-                        <a:t> </a:t>
+                        <a:t>T</a:t>
                       </a:r>
-                    </a:p>
-                  </a:txBody>
-                  <a:tcPr marL="0" marR="0" marT="0" marB="0" anchor="ctr">
-                    <a:lnL w="6350" cap="flat" cmpd="sng" algn="ctr">
-                      <a:solidFill>
-                        <a:srgbClr val="AEAAAA"/>
-                      </a:solidFill>
-                      <a:prstDash val="solid"/>
-                      <a:round/>
-                      <a:headEnd type="none" w="med" len="med"/>
-                      <a:tailEnd type="none" w="med" len="med"/>
-                    </a:lnL>
-                    <a:lnR w="6350" cap="flat" cmpd="sng" algn="ctr">
-                      <a:solidFill>
-                        <a:srgbClr val="AEAAAA"/>
-                      </a:solidFill>
-                      <a:prstDash val="solid"/>
-                      <a:round/>
-                      <a:headEnd type="none" w="med" len="med"/>
-                      <a:tailEnd type="none" w="med" len="med"/>
-                    </a:lnR>
-                    <a:lnT w="6350" cap="flat" cmpd="sng" algn="ctr">
-                      <a:solidFill>
-                        <a:srgbClr val="AEAAAA"/>
-                      </a:solidFill>
-                      <a:prstDash val="solid"/>
-                      <a:round/>
-                      <a:headEnd type="none" w="med" len="med"/>
-                      <a:tailEnd type="none" w="med" len="med"/>
-                    </a:lnT>
-                    <a:lnB w="6350" cap="flat" cmpd="sng" algn="ctr">
-                      <a:solidFill>
-                        <a:srgbClr val="AEAAAA"/>
-                      </a:solidFill>
-                      <a:prstDash val="solid"/>
-                      <a:round/>
-                      <a:headEnd type="none" w="med" len="med"/>
-                      <a:tailEnd type="none" w="med" len="med"/>
-                    </a:lnB>
-                  </a:tcPr>
-                </a:tc>
-                <a:tc>
-                  <a:txBody>
-                    <a:bodyPr/>
-                    <a:lstStyle/>
-                    <a:p>
-                      <a:pPr algn="ctr" fontAlgn="ctr"/>
-                      <a:r>
-                        <a:rPr lang="en-JP" sz="2400" b="0" i="0" u="none" strike="noStrike" dirty="0">
-                          <a:solidFill>
-                            <a:schemeClr val="tx1">
-                              <a:lumMod val="75000"/>
-                              <a:lumOff val="25000"/>
-                            </a:schemeClr>
-                          </a:solidFill>
-                          <a:effectLst/>
-                          <a:latin typeface="IBM Plex Sans" panose="020B0503050203000203" pitchFamily="34" charset="0"/>
-                        </a:rPr>
-                        <a:t> </a:t>
-                      </a:r>
-                    </a:p>
-                  </a:txBody>
-                  <a:tcPr marL="0" marR="0" marT="0" marB="0" anchor="ctr">
-                    <a:lnL w="6350" cap="flat" cmpd="sng" algn="ctr">
-                      <a:solidFill>
-                        <a:srgbClr val="AEAAAA"/>
-                      </a:solidFill>
-                      <a:prstDash val="solid"/>
-                      <a:round/>
-                      <a:headEnd type="none" w="med" len="med"/>
-                      <a:tailEnd type="none" w="med" len="med"/>
-                    </a:lnL>
-                    <a:lnR w="12700" cap="flat" cmpd="sng" algn="ctr">
-                      <a:solidFill>
-                        <a:srgbClr val="000000"/>
-                      </a:solidFill>
-                      <a:prstDash val="solid"/>
-                      <a:round/>
-                      <a:headEnd type="none" w="med" len="med"/>
-                      <a:tailEnd type="none" w="med" len="med"/>
-                    </a:lnR>
-                    <a:lnT w="6350" cap="flat" cmpd="sng" algn="ctr">
-                      <a:solidFill>
-                        <a:srgbClr val="AEAAAA"/>
-                      </a:solidFill>
-                      <a:prstDash val="solid"/>
-                      <a:round/>
-                      <a:headEnd type="none" w="med" len="med"/>
-                      <a:tailEnd type="none" w="med" len="med"/>
-                    </a:lnT>
-                    <a:lnB w="6350" cap="flat" cmpd="sng" algn="ctr">
-                      <a:solidFill>
-                        <a:srgbClr val="AEAAAA"/>
-                      </a:solidFill>
-                      <a:prstDash val="solid"/>
-                      <a:round/>
-                      <a:headEnd type="none" w="med" len="med"/>
-                      <a:tailEnd type="none" w="med" len="med"/>
-                    </a:lnB>
-                  </a:tcPr>
-                </a:tc>
-                <a:tc>
-                  <a:txBody>
-                    <a:bodyPr/>
-                    <a:lstStyle/>
-                    <a:p>
-                      <a:pPr algn="r" fontAlgn="b"/>
-                      <a:endParaRPr lang="en-JP" sz="900" b="0" i="0" u="none" strike="noStrike">
-                        <a:solidFill>
-                          <a:schemeClr val="tx1">
-                            <a:lumMod val="75000"/>
-                            <a:lumOff val="25000"/>
-                          </a:schemeClr>
-                        </a:solidFill>
-                        <a:effectLst/>
-                        <a:latin typeface="IBM Plex Sans" panose="020B0503050203000203" pitchFamily="34" charset="0"/>
-                      </a:endParaRPr>
-                    </a:p>
-                  </a:txBody>
-                  <a:tcPr marL="0" marR="0" marT="0" marB="0" anchor="b">
-                    <a:lnL w="12700" cap="flat" cmpd="sng" algn="ctr">
-                      <a:solidFill>
-                        <a:srgbClr val="000000"/>
-                      </a:solidFill>
-                      <a:prstDash val="solid"/>
-                      <a:round/>
-                      <a:headEnd type="none" w="med" len="med"/>
-                      <a:tailEnd type="none" w="med" len="med"/>
-                    </a:lnL>
-                    <a:lnR w="6350" cap="flat" cmpd="sng" algn="ctr">
-                      <a:solidFill>
-                        <a:srgbClr val="AEAAAA"/>
-                      </a:solidFill>
-                      <a:prstDash val="solid"/>
-                      <a:round/>
-                      <a:headEnd type="none" w="med" len="med"/>
-                      <a:tailEnd type="none" w="med" len="med"/>
-                    </a:lnR>
-                    <a:lnT w="6350" cap="flat" cmpd="sng" algn="ctr">
-                      <a:solidFill>
-                        <a:srgbClr val="AEAAAA"/>
-                      </a:solidFill>
-                      <a:prstDash val="solid"/>
-                      <a:round/>
-                      <a:headEnd type="none" w="med" len="med"/>
-                      <a:tailEnd type="none" w="med" len="med"/>
-                    </a:lnT>
-                    <a:lnB w="6350" cap="flat" cmpd="sng" algn="ctr">
-                      <a:solidFill>
-                        <a:srgbClr val="AEAAAA"/>
-                      </a:solidFill>
-                      <a:prstDash val="solid"/>
-                      <a:round/>
-                      <a:headEnd type="none" w="med" len="med"/>
-                      <a:tailEnd type="none" w="med" len="med"/>
-                    </a:lnB>
-                  </a:tcPr>
-                </a:tc>
-                <a:tc>
-                  <a:txBody>
-                    <a:bodyPr/>
-                    <a:lstStyle/>
-                    <a:p>
-                      <a:pPr algn="ctr" fontAlgn="ctr"/>
-                      <a:r>
-                        <a:rPr lang="en-JP" sz="2400" b="0" i="0" u="none" strike="noStrike">
-                          <a:solidFill>
-                            <a:schemeClr val="tx1">
-                              <a:lumMod val="75000"/>
-                              <a:lumOff val="25000"/>
-                            </a:schemeClr>
-                          </a:solidFill>
-                          <a:effectLst/>
-                          <a:latin typeface="IBM Plex Sans" panose="020B0503050203000203" pitchFamily="34" charset="0"/>
-                        </a:rPr>
-                        <a:t> </a:t>
-                      </a:r>
-                    </a:p>
-                  </a:txBody>
-                  <a:tcPr marL="0" marR="0" marT="0" marB="0" anchor="ctr">
-                    <a:lnL w="6350" cap="flat" cmpd="sng" algn="ctr">
-                      <a:solidFill>
-                        <a:srgbClr val="AEAAAA"/>
-                      </a:solidFill>
-                      <a:prstDash val="solid"/>
-                      <a:round/>
-                      <a:headEnd type="none" w="med" len="med"/>
-                      <a:tailEnd type="none" w="med" len="med"/>
-                    </a:lnL>
-                    <a:lnR w="6350" cap="flat" cmpd="sng" algn="ctr">
-                      <a:solidFill>
-                        <a:srgbClr val="AEAAAA"/>
-                      </a:solidFill>
-                      <a:prstDash val="solid"/>
-                      <a:round/>
-                      <a:headEnd type="none" w="med" len="med"/>
-                      <a:tailEnd type="none" w="med" len="med"/>
-                    </a:lnR>
-                    <a:lnT w="6350" cap="flat" cmpd="sng" algn="ctr">
-                      <a:solidFill>
-                        <a:srgbClr val="AEAAAA"/>
-                      </a:solidFill>
-                      <a:prstDash val="solid"/>
-                      <a:round/>
-                      <a:headEnd type="none" w="med" len="med"/>
-                      <a:tailEnd type="none" w="med" len="med"/>
-                    </a:lnT>
-                    <a:lnB w="6350" cap="flat" cmpd="sng" algn="ctr">
-                      <a:solidFill>
-                        <a:srgbClr val="AEAAAA"/>
-                      </a:solidFill>
-                      <a:prstDash val="solid"/>
-                      <a:round/>
-                      <a:headEnd type="none" w="med" len="med"/>
-                      <a:tailEnd type="none" w="med" len="med"/>
-                    </a:lnB>
-                  </a:tcPr>
-                </a:tc>
-                <a:tc>
-                  <a:txBody>
-                    <a:bodyPr/>
-                    <a:lstStyle/>
-                    <a:p>
-                      <a:pPr algn="r" fontAlgn="b"/>
-                      <a:r>
-                        <a:rPr lang="en-JP" sz="900" b="0" i="0" u="none" strike="noStrike">
-                          <a:solidFill>
-                            <a:schemeClr val="tx1">
-                              <a:lumMod val="75000"/>
-                              <a:lumOff val="25000"/>
-                            </a:schemeClr>
-                          </a:solidFill>
-                          <a:effectLst/>
-                          <a:latin typeface="IBM Plex Sans" panose="020B0503050203000203" pitchFamily="34" charset="0"/>
-                        </a:rPr>
-                        <a:t> </a:t>
-                      </a:r>
-                    </a:p>
-                  </a:txBody>
-                  <a:tcPr marL="0" marR="0" marT="0" marB="0" anchor="b">
-                    <a:lnL w="6350" cap="flat" cmpd="sng" algn="ctr">
-                      <a:solidFill>
-                        <a:srgbClr val="AEAAAA"/>
-                      </a:solidFill>
-                      <a:prstDash val="solid"/>
-                      <a:round/>
-                      <a:headEnd type="none" w="med" len="med"/>
-                      <a:tailEnd type="none" w="med" len="med"/>
-                    </a:lnL>
-                    <a:lnR w="12700" cap="flat" cmpd="sng" algn="ctr">
-                      <a:solidFill>
-                        <a:srgbClr val="000000"/>
-                      </a:solidFill>
-                      <a:prstDash val="solid"/>
-                      <a:round/>
-                      <a:headEnd type="none" w="med" len="med"/>
-                      <a:tailEnd type="none" w="med" len="med"/>
-                    </a:lnR>
-                    <a:lnT w="6350" cap="flat" cmpd="sng" algn="ctr">
-                      <a:solidFill>
-                        <a:srgbClr val="AEAAAA"/>
-                      </a:solidFill>
-                      <a:prstDash val="solid"/>
-                      <a:round/>
-                      <a:headEnd type="none" w="med" len="med"/>
-                      <a:tailEnd type="none" w="med" len="med"/>
-                    </a:lnT>
-                    <a:lnB w="6350" cap="flat" cmpd="sng" algn="ctr">
-                      <a:solidFill>
-                        <a:srgbClr val="AEAAAA"/>
-                      </a:solidFill>
-                      <a:prstDash val="solid"/>
-                      <a:round/>
-                      <a:headEnd type="none" w="med" len="med"/>
-                      <a:tailEnd type="none" w="med" len="med"/>
-                    </a:lnB>
-                  </a:tcPr>
-                </a:tc>
-                <a:extLst>
-                  <a:ext uri="{0D108BD9-81ED-4DB2-BD59-A6C34878D82A}">
-                    <a16:rowId xmlns:a16="http://schemas.microsoft.com/office/drawing/2014/main" val="1675790054"/>
-                  </a:ext>
-                </a:extLst>
-              </a:tr>
-              <a:tr h="483482">
-                <a:tc>
-                  <a:txBody>
-                    <a:bodyPr/>
-                    <a:lstStyle/>
-                    <a:p>
-                      <a:pPr algn="ctr" fontAlgn="ctr"/>
-                      <a:r>
-                        <a:rPr lang="en-US" sz="2400" b="0" i="0" u="none" strike="noStrike">
-                          <a:solidFill>
-                            <a:schemeClr val="tx1">
-                              <a:lumMod val="75000"/>
-                              <a:lumOff val="25000"/>
-                            </a:schemeClr>
-                          </a:solidFill>
-                          <a:effectLst/>
-                          <a:latin typeface="IBM Plex Sans" panose="020B0503050203000203" pitchFamily="34" charset="0"/>
-                        </a:rPr>
-                        <a:t>Y</a:t>
-                      </a:r>
-                    </a:p>
-                  </a:txBody>
-                  <a:tcPr marL="0" marR="0" marT="0" marB="0" anchor="ctr">
-                    <a:lnL w="12700" cap="flat" cmpd="sng" algn="ctr">
-                      <a:solidFill>
-                        <a:srgbClr val="000000"/>
-                      </a:solidFill>
-                      <a:prstDash val="solid"/>
-                      <a:round/>
-                      <a:headEnd type="none" w="med" len="med"/>
-                      <a:tailEnd type="none" w="med" len="med"/>
-                    </a:lnL>
-                    <a:lnR w="6350" cap="flat" cmpd="sng" algn="ctr">
-                      <a:solidFill>
-                        <a:srgbClr val="AEAAAA"/>
-                      </a:solidFill>
-                      <a:prstDash val="solid"/>
-                      <a:round/>
-                      <a:headEnd type="none" w="med" len="med"/>
-                      <a:tailEnd type="none" w="med" len="med"/>
-                    </a:lnR>
-                    <a:lnT w="6350" cap="flat" cmpd="sng" algn="ctr">
-                      <a:solidFill>
-                        <a:srgbClr val="AEAAAA"/>
-                      </a:solidFill>
-                      <a:prstDash val="solid"/>
-                      <a:round/>
-                      <a:headEnd type="none" w="med" len="med"/>
-                      <a:tailEnd type="none" w="med" len="med"/>
-                    </a:lnT>
-                    <a:lnB w="12700" cap="flat" cmpd="sng" algn="ctr">
-                      <a:solidFill>
-                        <a:srgbClr val="000000"/>
-                      </a:solidFill>
-                      <a:prstDash val="solid"/>
-                      <a:round/>
-                      <a:headEnd type="none" w="med" len="med"/>
-                      <a:tailEnd type="none" w="med" len="med"/>
-                    </a:lnB>
-                  </a:tcPr>
-                </a:tc>
-                <a:tc>
-                  <a:txBody>
-                    <a:bodyPr/>
-                    <a:lstStyle/>
-                    <a:p>
-                      <a:pPr algn="ctr" fontAlgn="ctr"/>
-                      <a:r>
-                        <a:rPr lang="en-US" sz="2400" b="0" i="0" u="none" strike="noStrike">
-                          <a:solidFill>
-                            <a:schemeClr val="tx1">
-                              <a:lumMod val="75000"/>
-                              <a:lumOff val="25000"/>
-                            </a:schemeClr>
-                          </a:solidFill>
-                          <a:effectLst/>
-                          <a:latin typeface="IBM Plex Sans" panose="020B0503050203000203" pitchFamily="34" charset="0"/>
-                        </a:rPr>
-                        <a:t>Z</a:t>
-                      </a:r>
-                    </a:p>
-                  </a:txBody>
-                  <a:tcPr marL="0" marR="0" marT="0" marB="0" anchor="ctr">
-                    <a:lnL w="6350" cap="flat" cmpd="sng" algn="ctr">
-                      <a:solidFill>
-                        <a:srgbClr val="AEAAAA"/>
-                      </a:solidFill>
-                      <a:prstDash val="solid"/>
-                      <a:round/>
-                      <a:headEnd type="none" w="med" len="med"/>
-                      <a:tailEnd type="none" w="med" len="med"/>
-                    </a:lnL>
-                    <a:lnR w="6350" cap="flat" cmpd="sng" algn="ctr">
-                      <a:solidFill>
-                        <a:srgbClr val="AEAAAA"/>
-                      </a:solidFill>
-                      <a:prstDash val="solid"/>
-                      <a:round/>
-                      <a:headEnd type="none" w="med" len="med"/>
-                      <a:tailEnd type="none" w="med" len="med"/>
-                    </a:lnR>
-                    <a:lnT w="6350" cap="flat" cmpd="sng" algn="ctr">
-                      <a:solidFill>
-                        <a:srgbClr val="AEAAAA"/>
-                      </a:solidFill>
-                      <a:prstDash val="solid"/>
-                      <a:round/>
-                      <a:headEnd type="none" w="med" len="med"/>
-                      <a:tailEnd type="none" w="med" len="med"/>
-                    </a:lnT>
-                    <a:lnB w="12700" cap="flat" cmpd="sng" algn="ctr">
-                      <a:solidFill>
-                        <a:srgbClr val="000000"/>
-                      </a:solidFill>
-                      <a:prstDash val="solid"/>
-                      <a:round/>
-                      <a:headEnd type="none" w="med" len="med"/>
-                      <a:tailEnd type="none" w="med" len="med"/>
-                    </a:lnB>
-                  </a:tcPr>
-                </a:tc>
-                <a:tc>
-                  <a:txBody>
-                    <a:bodyPr/>
-                    <a:lstStyle/>
-                    <a:p>
-                      <a:pPr algn="ctr" fontAlgn="ctr"/>
-                      <a:r>
-                        <a:rPr lang="en-JP" sz="2400" b="0" i="0" u="none" strike="noStrike">
-                          <a:solidFill>
-                            <a:schemeClr val="tx1">
-                              <a:lumMod val="75000"/>
-                              <a:lumOff val="25000"/>
-                            </a:schemeClr>
-                          </a:solidFill>
-                          <a:effectLst/>
-                          <a:latin typeface="IBM Plex Sans" panose="020B0503050203000203" pitchFamily="34" charset="0"/>
-                        </a:rPr>
-                        <a:t> </a:t>
-                      </a:r>
-                    </a:p>
-                  </a:txBody>
-                  <a:tcPr marL="0" marR="0" marT="0" marB="0" anchor="ctr">
-                    <a:lnL w="6350" cap="flat" cmpd="sng" algn="ctr">
-                      <a:solidFill>
-                        <a:srgbClr val="AEAAAA"/>
-                      </a:solidFill>
-                      <a:prstDash val="solid"/>
-                      <a:round/>
-                      <a:headEnd type="none" w="med" len="med"/>
-                      <a:tailEnd type="none" w="med" len="med"/>
-                    </a:lnL>
-                    <a:lnR w="12700" cap="flat" cmpd="sng" algn="ctr">
-                      <a:solidFill>
-                        <a:srgbClr val="000000"/>
-                      </a:solidFill>
-                      <a:prstDash val="solid"/>
-                      <a:round/>
-                      <a:headEnd type="none" w="med" len="med"/>
-                      <a:tailEnd type="none" w="med" len="med"/>
-                    </a:lnR>
-                    <a:lnT w="6350" cap="flat" cmpd="sng" algn="ctr">
-                      <a:solidFill>
-                        <a:srgbClr val="AEAAAA"/>
-                      </a:solidFill>
-                      <a:prstDash val="solid"/>
-                      <a:round/>
-                      <a:headEnd type="none" w="med" len="med"/>
-                      <a:tailEnd type="none" w="med" len="med"/>
-                    </a:lnT>
-                    <a:lnB w="12700" cap="flat" cmpd="sng" algn="ctr">
-                      <a:solidFill>
-                        <a:srgbClr val="000000"/>
-                      </a:solidFill>
-                      <a:prstDash val="solid"/>
-                      <a:round/>
-                      <a:headEnd type="none" w="med" len="med"/>
-                      <a:tailEnd type="none" w="med" len="med"/>
-                    </a:lnB>
-                  </a:tcPr>
-                </a:tc>
-                <a:tc>
-                  <a:txBody>
-                    <a:bodyPr/>
-                    <a:lstStyle/>
-                    <a:p>
-                      <a:pPr algn="ctr" fontAlgn="ctr"/>
-                      <a:r>
-                        <a:rPr lang="en-JP" sz="2400" b="0" i="0" u="none" strike="noStrike">
-                          <a:solidFill>
-                            <a:schemeClr val="tx1">
-                              <a:lumMod val="75000"/>
-                              <a:lumOff val="25000"/>
-                            </a:schemeClr>
-                          </a:solidFill>
-                          <a:effectLst/>
-                          <a:latin typeface="IBM Plex Sans" panose="020B0503050203000203" pitchFamily="34" charset="0"/>
-                        </a:rPr>
-                        <a:t> </a:t>
-                      </a:r>
-                    </a:p>
-                  </a:txBody>
-                  <a:tcPr marL="0" marR="0" marT="0" marB="0" anchor="ctr">
-                    <a:lnL w="12700" cap="flat" cmpd="sng" algn="ctr">
-                      <a:solidFill>
-                        <a:srgbClr val="000000"/>
-                      </a:solidFill>
-                      <a:prstDash val="solid"/>
-                      <a:round/>
-                      <a:headEnd type="none" w="med" len="med"/>
-                      <a:tailEnd type="none" w="med" len="med"/>
-                    </a:lnL>
-                    <a:lnR w="6350" cap="flat" cmpd="sng" algn="ctr">
-                      <a:solidFill>
-                        <a:srgbClr val="AEAAAA"/>
-                      </a:solidFill>
-                      <a:prstDash val="solid"/>
-                      <a:round/>
-                      <a:headEnd type="none" w="med" len="med"/>
-                      <a:tailEnd type="none" w="med" len="med"/>
-                    </a:lnR>
-                    <a:lnT w="6350" cap="flat" cmpd="sng" algn="ctr">
-                      <a:solidFill>
-                        <a:srgbClr val="AEAAAA"/>
-                      </a:solidFill>
-                      <a:prstDash val="solid"/>
-                      <a:round/>
-                      <a:headEnd type="none" w="med" len="med"/>
-                      <a:tailEnd type="none" w="med" len="med"/>
-                    </a:lnT>
-                    <a:lnB w="12700" cap="flat" cmpd="sng" algn="ctr">
-                      <a:solidFill>
-                        <a:srgbClr val="000000"/>
-                      </a:solidFill>
-                      <a:prstDash val="solid"/>
-                      <a:round/>
-                      <a:headEnd type="none" w="med" len="med"/>
-                      <a:tailEnd type="none" w="med" len="med"/>
-                    </a:lnB>
-                  </a:tcPr>
-                </a:tc>
-                <a:tc>
-                  <a:txBody>
-                    <a:bodyPr/>
-                    <a:lstStyle/>
-                    <a:p>
-                      <a:pPr algn="ctr" fontAlgn="ctr"/>
-                      <a:r>
-                        <a:rPr lang="en-JP" sz="2400" b="0" i="0" u="none" strike="noStrike" dirty="0">
-                          <a:solidFill>
-                            <a:schemeClr val="tx1">
-                              <a:lumMod val="75000"/>
-                              <a:lumOff val="25000"/>
-                            </a:schemeClr>
-                          </a:solidFill>
-                          <a:effectLst/>
-                          <a:latin typeface="IBM Plex Sans" panose="020B0503050203000203" pitchFamily="34" charset="0"/>
-                        </a:rPr>
-                        <a:t> </a:t>
-                      </a:r>
-                    </a:p>
-                  </a:txBody>
-                  <a:tcPr marL="0" marR="0" marT="0" marB="0" anchor="ctr">
-                    <a:lnL w="6350" cap="flat" cmpd="sng" algn="ctr">
-                      <a:solidFill>
-                        <a:srgbClr val="AEAAAA"/>
-                      </a:solidFill>
-                      <a:prstDash val="solid"/>
-                      <a:round/>
-                      <a:headEnd type="none" w="med" len="med"/>
-                      <a:tailEnd type="none" w="med" len="med"/>
-                    </a:lnL>
-                    <a:lnR w="6350" cap="flat" cmpd="sng" algn="ctr">
-                      <a:solidFill>
-                        <a:srgbClr val="AEAAAA"/>
-                      </a:solidFill>
-                      <a:prstDash val="solid"/>
-                      <a:round/>
-                      <a:headEnd type="none" w="med" len="med"/>
-                      <a:tailEnd type="none" w="med" len="med"/>
-                    </a:lnR>
-                    <a:lnT w="6350" cap="flat" cmpd="sng" algn="ctr">
-                      <a:solidFill>
-                        <a:srgbClr val="AEAAAA"/>
-                      </a:solidFill>
-                      <a:prstDash val="solid"/>
-                      <a:round/>
-                      <a:headEnd type="none" w="med" len="med"/>
-                      <a:tailEnd type="none" w="med" len="med"/>
-                    </a:lnT>
-                    <a:lnB w="12700" cap="flat" cmpd="sng" algn="ctr">
-                      <a:solidFill>
-                        <a:srgbClr val="000000"/>
-                      </a:solidFill>
-                      <a:prstDash val="solid"/>
-                      <a:round/>
-                      <a:headEnd type="none" w="med" len="med"/>
-                      <a:tailEnd type="none" w="med" len="med"/>
-                    </a:lnB>
-                  </a:tcPr>
-                </a:tc>
-                <a:tc>
-                  <a:txBody>
-                    <a:bodyPr/>
-                    <a:lstStyle/>
-                    <a:p>
-                      <a:pPr algn="ctr" fontAlgn="ctr"/>
-                      <a:r>
-                        <a:rPr lang="en-JP" sz="2400" b="0" i="0" u="none" strike="noStrike" dirty="0">
-                          <a:solidFill>
-                            <a:schemeClr val="tx1">
-                              <a:lumMod val="75000"/>
-                              <a:lumOff val="25000"/>
-                            </a:schemeClr>
-                          </a:solidFill>
-                          <a:effectLst/>
-                          <a:latin typeface="IBM Plex Sans" panose="020B0503050203000203" pitchFamily="34" charset="0"/>
-                        </a:rPr>
-                        <a:t> </a:t>
-                      </a:r>
-                    </a:p>
-                  </a:txBody>
-                  <a:tcPr marL="0" marR="0" marT="0" marB="0" anchor="ctr">
-                    <a:lnL w="6350" cap="flat" cmpd="sng" algn="ctr">
-                      <a:solidFill>
-                        <a:srgbClr val="AEAAAA"/>
-                      </a:solidFill>
-                      <a:prstDash val="solid"/>
-                      <a:round/>
-                      <a:headEnd type="none" w="med" len="med"/>
-                      <a:tailEnd type="none" w="med" len="med"/>
-                    </a:lnL>
-                    <a:lnR w="12700" cap="flat" cmpd="sng" algn="ctr">
-                      <a:solidFill>
-                        <a:srgbClr val="000000"/>
-                      </a:solidFill>
-                      <a:prstDash val="solid"/>
-                      <a:round/>
-                      <a:headEnd type="none" w="med" len="med"/>
-                      <a:tailEnd type="none" w="med" len="med"/>
-                    </a:lnR>
-                    <a:lnT w="6350" cap="flat" cmpd="sng" algn="ctr">
-                      <a:solidFill>
-                        <a:srgbClr val="AEAAAA"/>
-                      </a:solidFill>
-                      <a:prstDash val="solid"/>
-                      <a:round/>
-                      <a:headEnd type="none" w="med" len="med"/>
-                      <a:tailEnd type="none" w="med" len="med"/>
-                    </a:lnT>
-                    <a:lnB w="12700" cap="flat" cmpd="sng" algn="ctr">
-                      <a:solidFill>
-                        <a:srgbClr val="000000"/>
-                      </a:solidFill>
-                      <a:prstDash val="solid"/>
-                      <a:round/>
-                      <a:headEnd type="none" w="med" len="med"/>
-                      <a:tailEnd type="none" w="med" len="med"/>
-                    </a:lnB>
-                  </a:tcPr>
-                </a:tc>
-                <a:tc>
-                  <a:txBody>
-                    <a:bodyPr/>
-                    <a:lstStyle/>
-                    <a:p>
-                      <a:pPr algn="ctr" fontAlgn="ctr"/>
-                      <a:r>
-                        <a:rPr lang="en-JP" sz="2400" b="0" i="0" u="none" strike="noStrike" dirty="0">
-                          <a:solidFill>
-                            <a:schemeClr val="tx1">
-                              <a:lumMod val="75000"/>
-                              <a:lumOff val="25000"/>
-                            </a:schemeClr>
-                          </a:solidFill>
-                          <a:effectLst/>
-                          <a:latin typeface="IBM Plex Sans" panose="020B0503050203000203" pitchFamily="34" charset="0"/>
-                        </a:rPr>
-                        <a:t> </a:t>
-                      </a:r>
-                    </a:p>
-                  </a:txBody>
-                  <a:tcPr marL="0" marR="0" marT="0" marB="0" anchor="ctr">
-                    <a:lnL w="12700" cap="flat" cmpd="sng" algn="ctr">
-                      <a:solidFill>
-                        <a:srgbClr val="000000"/>
-                      </a:solidFill>
-                      <a:prstDash val="solid"/>
-                      <a:round/>
-                      <a:headEnd type="none" w="med" len="med"/>
-                      <a:tailEnd type="none" w="med" len="med"/>
-                    </a:lnL>
-                    <a:lnR w="6350" cap="flat" cmpd="sng" algn="ctr">
-                      <a:solidFill>
-                        <a:srgbClr val="AEAAAA"/>
-                      </a:solidFill>
-                      <a:prstDash val="solid"/>
-                      <a:round/>
-                      <a:headEnd type="none" w="med" len="med"/>
-                      <a:tailEnd type="none" w="med" len="med"/>
-                    </a:lnR>
-                    <a:lnT w="6350" cap="flat" cmpd="sng" algn="ctr">
-                      <a:solidFill>
-                        <a:srgbClr val="AEAAAA"/>
-                      </a:solidFill>
-                      <a:prstDash val="solid"/>
-                      <a:round/>
-                      <a:headEnd type="none" w="med" len="med"/>
-                      <a:tailEnd type="none" w="med" len="med"/>
-                    </a:lnT>
-                    <a:lnB w="12700" cap="flat" cmpd="sng" algn="ctr">
-                      <a:solidFill>
-                        <a:srgbClr val="000000"/>
-                      </a:solidFill>
-                      <a:prstDash val="solid"/>
-                      <a:round/>
-                      <a:headEnd type="none" w="med" len="med"/>
-                      <a:tailEnd type="none" w="med" len="med"/>
-                    </a:lnB>
-                  </a:tcPr>
-                </a:tc>
-                <a:tc>
-                  <a:txBody>
-                    <a:bodyPr/>
-                    <a:lstStyle/>
-                    <a:p>
-                      <a:pPr algn="ctr" fontAlgn="ctr"/>
-                      <a:r>
-                        <a:rPr lang="en-JP" sz="2400" b="0" i="0" u="none" strike="noStrike">
-                          <a:solidFill>
-                            <a:schemeClr val="tx1">
-                              <a:lumMod val="75000"/>
-                              <a:lumOff val="25000"/>
-                            </a:schemeClr>
-                          </a:solidFill>
-                          <a:effectLst/>
-                          <a:latin typeface="IBM Plex Sans" panose="020B0503050203000203" pitchFamily="34" charset="0"/>
-                        </a:rPr>
-                        <a:t> </a:t>
-                      </a:r>
-                    </a:p>
-                  </a:txBody>
-                  <a:tcPr marL="0" marR="0" marT="0" marB="0" anchor="ctr">
-                    <a:lnL w="6350" cap="flat" cmpd="sng" algn="ctr">
-                      <a:solidFill>
-                        <a:srgbClr val="AEAAAA"/>
-                      </a:solidFill>
-                      <a:prstDash val="solid"/>
-                      <a:round/>
-                      <a:headEnd type="none" w="med" len="med"/>
-                      <a:tailEnd type="none" w="med" len="med"/>
-                    </a:lnL>
-                    <a:lnR w="6350" cap="flat" cmpd="sng" algn="ctr">
-                      <a:solidFill>
-                        <a:srgbClr val="AEAAAA"/>
-                      </a:solidFill>
-                      <a:prstDash val="solid"/>
-                      <a:round/>
-                      <a:headEnd type="none" w="med" len="med"/>
-                      <a:tailEnd type="none" w="med" len="med"/>
-                    </a:lnR>
-                    <a:lnT w="6350" cap="flat" cmpd="sng" algn="ctr">
-                      <a:solidFill>
-                        <a:srgbClr val="AEAAAA"/>
-                      </a:solidFill>
-                      <a:prstDash val="solid"/>
-                      <a:round/>
-                      <a:headEnd type="none" w="med" len="med"/>
-                      <a:tailEnd type="none" w="med" len="med"/>
-                    </a:lnT>
-                    <a:lnB w="12700" cap="flat" cmpd="sng" algn="ctr">
-                      <a:solidFill>
-                        <a:srgbClr val="000000"/>
-                      </a:solidFill>
-                      <a:prstDash val="solid"/>
-                      <a:round/>
-                      <a:headEnd type="none" w="med" len="med"/>
-                      <a:tailEnd type="none" w="med" len="med"/>
-                    </a:lnB>
-                  </a:tcPr>
-                </a:tc>
-                <a:tc>
-                  <a:txBody>
-                    <a:bodyPr/>
-                    <a:lstStyle/>
-                    <a:p>
-                      <a:pPr algn="ctr" fontAlgn="ctr"/>
-                      <a:endParaRPr lang="en-JP" sz="2400" b="0" i="0" u="none" strike="noStrike">
+                      <a:endParaRPr lang="en-JP" sz="2400" b="0" i="0" u="none" strike="noStrike" dirty="0">
                         <a:solidFill>
                           <a:schemeClr val="tx1">
                             <a:lumMod val="75000"/>
@@ -11682,9 +13445,9 @@
                       <a:headEnd type="none" w="med" len="med"/>
                       <a:tailEnd type="none" w="med" len="med"/>
                     </a:lnL>
-                    <a:lnR w="12700" cap="flat" cmpd="sng" algn="ctr">
-                      <a:solidFill>
-                        <a:srgbClr val="000000"/>
+                    <a:lnR w="6350" cap="flat" cmpd="sng" algn="ctr">
+                      <a:solidFill>
+                        <a:srgbClr val="AEAAAA"/>
                       </a:solidFill>
                       <a:prstDash val="solid"/>
                       <a:round/>
@@ -11703,73 +13466,6 @@
                     <a:lnB w="12700" cap="flat" cmpd="sng" algn="ctr">
                       <a:solidFill>
                         <a:srgbClr val="000000"/>
-                      </a:solidFill>
-                      <a:prstDash val="solid"/>
-                      <a:round/>
-                      <a:headEnd type="none" w="med" len="med"/>
-                      <a:tailEnd type="none" w="med" len="med"/>
-                    </a:lnB>
-                  </a:tcPr>
-                </a:tc>
-                <a:extLst>
-                  <a:ext uri="{0D108BD9-81ED-4DB2-BD59-A6C34878D82A}">
-                    <a16:rowId xmlns:a16="http://schemas.microsoft.com/office/drawing/2014/main" val="1724367388"/>
-                  </a:ext>
-                </a:extLst>
-              </a:tr>
-              <a:tr h="483482">
-                <a:tc>
-                  <a:txBody>
-                    <a:bodyPr/>
-                    <a:lstStyle/>
-                    <a:p>
-                      <a:pPr algn="ctr" fontAlgn="ctr"/>
-                      <a:r>
-                        <a:rPr lang="en-US" sz="2400" b="0" i="0" u="none" strike="noStrike">
-                          <a:solidFill>
-                            <a:schemeClr val="tx1">
-                              <a:lumMod val="75000"/>
-                              <a:lumOff val="25000"/>
-                            </a:schemeClr>
-                          </a:solidFill>
-                          <a:effectLst/>
-                          <a:latin typeface="IBM Plex Sans" panose="020B0503050203000203" pitchFamily="34" charset="0"/>
-                        </a:rPr>
-                        <a:t>H</a:t>
-                      </a:r>
-                    </a:p>
-                  </a:txBody>
-                  <a:tcPr marL="0" marR="0" marT="0" marB="0" anchor="ctr">
-                    <a:lnL w="12700" cap="flat" cmpd="sng" algn="ctr">
-                      <a:solidFill>
-                        <a:srgbClr val="000000"/>
-                      </a:solidFill>
-                      <a:prstDash val="solid"/>
-                      <a:round/>
-                      <a:headEnd type="none" w="med" len="med"/>
-                      <a:tailEnd type="none" w="med" len="med"/>
-                    </a:lnL>
-                    <a:lnR w="6350" cap="flat" cmpd="sng" algn="ctr">
-                      <a:solidFill>
-                        <a:srgbClr val="AEAAAA"/>
-                      </a:solidFill>
-                      <a:prstDash val="solid"/>
-                      <a:round/>
-                      <a:headEnd type="none" w="med" len="med"/>
-                      <a:tailEnd type="none" w="med" len="med"/>
-                    </a:lnR>
-                    <a:lnT w="12700" cap="flat" cmpd="sng" algn="ctr">
-                      <a:solidFill>
-                        <a:srgbClr val="000000"/>
-                      </a:solidFill>
-                      <a:prstDash val="solid"/>
-                      <a:round/>
-                      <a:headEnd type="none" w="med" len="med"/>
-                      <a:tailEnd type="none" w="med" len="med"/>
-                    </a:lnT>
-                    <a:lnB w="6350" cap="flat" cmpd="sng" algn="ctr">
-                      <a:solidFill>
-                        <a:srgbClr val="AEAAAA"/>
                       </a:solidFill>
                       <a:prstDash val="solid"/>
                       <a:round/>
@@ -11785,127 +13481,7 @@
                     <a:p>
                       <a:pPr algn="ctr" fontAlgn="ctr"/>
                       <a:r>
-                        <a:rPr lang="en-JP" sz="2400" b="0" i="0" u="none" strike="noStrike">
-                          <a:solidFill>
-                            <a:schemeClr val="tx1">
-                              <a:lumMod val="75000"/>
-                              <a:lumOff val="25000"/>
-                            </a:schemeClr>
-                          </a:solidFill>
-                          <a:effectLst/>
-                          <a:latin typeface="IBM Plex Sans" panose="020B0503050203000203" pitchFamily="34" charset="0"/>
-                        </a:rPr>
-                        <a:t> </a:t>
-                      </a:r>
-                    </a:p>
-                  </a:txBody>
-                  <a:tcPr marL="0" marR="0" marT="0" marB="0" anchor="ctr">
-                    <a:lnL w="6350" cap="flat" cmpd="sng" algn="ctr">
-                      <a:solidFill>
-                        <a:srgbClr val="AEAAAA"/>
-                      </a:solidFill>
-                      <a:prstDash val="solid"/>
-                      <a:round/>
-                      <a:headEnd type="none" w="med" len="med"/>
-                      <a:tailEnd type="none" w="med" len="med"/>
-                    </a:lnL>
-                    <a:lnR w="6350" cap="flat" cmpd="sng" algn="ctr">
-                      <a:solidFill>
-                        <a:srgbClr val="AEAAAA"/>
-                      </a:solidFill>
-                      <a:prstDash val="solid"/>
-                      <a:round/>
-                      <a:headEnd type="none" w="med" len="med"/>
-                      <a:tailEnd type="none" w="med" len="med"/>
-                    </a:lnR>
-                    <a:lnT w="12700" cap="flat" cmpd="sng" algn="ctr">
-                      <a:solidFill>
-                        <a:srgbClr val="000000"/>
-                      </a:solidFill>
-                      <a:prstDash val="solid"/>
-                      <a:round/>
-                      <a:headEnd type="none" w="med" len="med"/>
-                      <a:tailEnd type="none" w="med" len="med"/>
-                    </a:lnT>
-                    <a:lnB w="6350" cap="flat" cmpd="sng" algn="ctr">
-                      <a:solidFill>
-                        <a:srgbClr val="AEAAAA"/>
-                      </a:solidFill>
-                      <a:prstDash val="solid"/>
-                      <a:round/>
-                      <a:headEnd type="none" w="med" len="med"/>
-                      <a:tailEnd type="none" w="med" len="med"/>
-                    </a:lnB>
-                  </a:tcPr>
-                </a:tc>
-                <a:tc>
-                  <a:txBody>
-                    <a:bodyPr/>
-                    <a:lstStyle/>
-                    <a:p>
-                      <a:pPr algn="ctr" fontAlgn="ctr"/>
-                      <a:r>
-                        <a:rPr lang="en-JP" sz="2400" b="0" i="0" u="none" strike="noStrike">
-                          <a:solidFill>
-                            <a:schemeClr val="tx1">
-                              <a:lumMod val="75000"/>
-                              <a:lumOff val="25000"/>
-                            </a:schemeClr>
-                          </a:solidFill>
-                          <a:effectLst/>
-                          <a:latin typeface="IBM Plex Sans" panose="020B0503050203000203" pitchFamily="34" charset="0"/>
-                        </a:rPr>
-                        <a:t> </a:t>
-                      </a:r>
-                    </a:p>
-                  </a:txBody>
-                  <a:tcPr marL="0" marR="0" marT="0" marB="0" anchor="ctr">
-                    <a:lnL w="6350" cap="flat" cmpd="sng" algn="ctr">
-                      <a:solidFill>
-                        <a:srgbClr val="AEAAAA"/>
-                      </a:solidFill>
-                      <a:prstDash val="solid"/>
-                      <a:round/>
-                      <a:headEnd type="none" w="med" len="med"/>
-                      <a:tailEnd type="none" w="med" len="med"/>
-                    </a:lnL>
-                    <a:lnR w="12700" cap="flat" cmpd="sng" algn="ctr">
-                      <a:solidFill>
-                        <a:srgbClr val="000000"/>
-                      </a:solidFill>
-                      <a:prstDash val="solid"/>
-                      <a:round/>
-                      <a:headEnd type="none" w="med" len="med"/>
-                      <a:tailEnd type="none" w="med" len="med"/>
-                    </a:lnR>
-                    <a:lnT w="12700" cap="flat" cmpd="sng" algn="ctr">
-                      <a:solidFill>
-                        <a:srgbClr val="000000"/>
-                      </a:solidFill>
-                      <a:prstDash val="solid"/>
-                      <a:round/>
-                      <a:headEnd type="none" w="med" len="med"/>
-                      <a:tailEnd type="none" w="med" len="med"/>
-                    </a:lnT>
-                    <a:lnB w="6350" cap="flat" cmpd="sng" algn="ctr">
-                      <a:solidFill>
-                        <a:srgbClr val="AEAAAA"/>
-                      </a:solidFill>
-                      <a:prstDash val="solid"/>
-                      <a:round/>
-                      <a:headEnd type="none" w="med" len="med"/>
-                      <a:tailEnd type="none" w="med" len="med"/>
-                    </a:lnB>
-                  </a:tcPr>
-                </a:tc>
-                <a:tc>
-                  <a:txBody>
-                    <a:bodyPr/>
-                    <a:lstStyle/>
-                    <a:p>
-                      <a:pPr algn="ctr" fontAlgn="ctr"/>
-                      <a:r>
-                        <a:rPr lang="en-US" sz="2400" b="0" i="0" u="none" strike="noStrike">
+                        <a:rPr lang="en-GB" sz="2400" b="0" i="0" u="none" strike="noStrike" dirty="0">
                           <a:solidFill>
                             <a:schemeClr val="tx1">
                               <a:lumMod val="75000"/>
@@ -11917,614 +13493,7 @@
                         </a:rPr>
                         <a:t>Y</a:t>
                       </a:r>
-                    </a:p>
-                  </a:txBody>
-                  <a:tcPr marL="0" marR="0" marT="0" marB="0" anchor="ctr">
-                    <a:lnL w="12700" cap="flat" cmpd="sng" algn="ctr">
-                      <a:solidFill>
-                        <a:srgbClr val="000000"/>
-                      </a:solidFill>
-                      <a:prstDash val="solid"/>
-                      <a:round/>
-                      <a:headEnd type="none" w="med" len="med"/>
-                      <a:tailEnd type="none" w="med" len="med"/>
-                    </a:lnL>
-                    <a:lnR w="6350" cap="flat" cmpd="sng" algn="ctr">
-                      <a:solidFill>
-                        <a:srgbClr val="AEAAAA"/>
-                      </a:solidFill>
-                      <a:prstDash val="solid"/>
-                      <a:round/>
-                      <a:headEnd type="none" w="med" len="med"/>
-                      <a:tailEnd type="none" w="med" len="med"/>
-                    </a:lnR>
-                    <a:lnT w="12700" cap="flat" cmpd="sng" algn="ctr">
-                      <a:solidFill>
-                        <a:srgbClr val="000000"/>
-                      </a:solidFill>
-                      <a:prstDash val="solid"/>
-                      <a:round/>
-                      <a:headEnd type="none" w="med" len="med"/>
-                      <a:tailEnd type="none" w="med" len="med"/>
-                    </a:lnT>
-                    <a:lnB w="6350" cap="flat" cmpd="sng" algn="ctr">
-                      <a:solidFill>
-                        <a:srgbClr val="AEAAAA"/>
-                      </a:solidFill>
-                      <a:prstDash val="solid"/>
-                      <a:round/>
-                      <a:headEnd type="none" w="med" len="med"/>
-                      <a:tailEnd type="none" w="med" len="med"/>
-                    </a:lnB>
-                  </a:tcPr>
-                </a:tc>
-                <a:tc>
-                  <a:txBody>
-                    <a:bodyPr/>
-                    <a:lstStyle/>
-                    <a:p>
-                      <a:pPr algn="ctr" fontAlgn="ctr"/>
-                      <a:r>
-                        <a:rPr lang="en-JP" sz="2400" b="0" i="0" u="none" strike="noStrike">
-                          <a:solidFill>
-                            <a:schemeClr val="tx1">
-                              <a:lumMod val="75000"/>
-                              <a:lumOff val="25000"/>
-                            </a:schemeClr>
-                          </a:solidFill>
-                          <a:effectLst/>
-                          <a:latin typeface="IBM Plex Sans" panose="020B0503050203000203" pitchFamily="34" charset="0"/>
-                        </a:rPr>
-                        <a:t> </a:t>
-                      </a:r>
-                    </a:p>
-                  </a:txBody>
-                  <a:tcPr marL="0" marR="0" marT="0" marB="0" anchor="ctr">
-                    <a:lnL w="6350" cap="flat" cmpd="sng" algn="ctr">
-                      <a:solidFill>
-                        <a:srgbClr val="AEAAAA"/>
-                      </a:solidFill>
-                      <a:prstDash val="solid"/>
-                      <a:round/>
-                      <a:headEnd type="none" w="med" len="med"/>
-                      <a:tailEnd type="none" w="med" len="med"/>
-                    </a:lnL>
-                    <a:lnR w="6350" cap="flat" cmpd="sng" algn="ctr">
-                      <a:solidFill>
-                        <a:srgbClr val="AEAAAA"/>
-                      </a:solidFill>
-                      <a:prstDash val="solid"/>
-                      <a:round/>
-                      <a:headEnd type="none" w="med" len="med"/>
-                      <a:tailEnd type="none" w="med" len="med"/>
-                    </a:lnR>
-                    <a:lnT w="12700" cap="flat" cmpd="sng" algn="ctr">
-                      <a:solidFill>
-                        <a:srgbClr val="000000"/>
-                      </a:solidFill>
-                      <a:prstDash val="solid"/>
-                      <a:round/>
-                      <a:headEnd type="none" w="med" len="med"/>
-                      <a:tailEnd type="none" w="med" len="med"/>
-                    </a:lnT>
-                    <a:lnB w="6350" cap="flat" cmpd="sng" algn="ctr">
-                      <a:solidFill>
-                        <a:srgbClr val="AEAAAA"/>
-                      </a:solidFill>
-                      <a:prstDash val="solid"/>
-                      <a:round/>
-                      <a:headEnd type="none" w="med" len="med"/>
-                      <a:tailEnd type="none" w="med" len="med"/>
-                    </a:lnB>
-                  </a:tcPr>
-                </a:tc>
-                <a:tc>
-                  <a:txBody>
-                    <a:bodyPr/>
-                    <a:lstStyle/>
-                    <a:p>
-                      <a:pPr algn="ctr" fontAlgn="ctr"/>
-                      <a:r>
-                        <a:rPr lang="en-US" sz="2400" b="0" i="0" u="none" strike="noStrike" dirty="0">
-                          <a:solidFill>
-                            <a:schemeClr val="tx1">
-                              <a:lumMod val="75000"/>
-                              <a:lumOff val="25000"/>
-                            </a:schemeClr>
-                          </a:solidFill>
-                          <a:effectLst/>
-                          <a:latin typeface="IBM Plex Sans" panose="020B0503050203000203" pitchFamily="34" charset="0"/>
-                        </a:rPr>
-                        <a:t>Z</a:t>
-                      </a:r>
-                    </a:p>
-                  </a:txBody>
-                  <a:tcPr marL="0" marR="0" marT="0" marB="0" anchor="ctr">
-                    <a:lnL w="6350" cap="flat" cmpd="sng" algn="ctr">
-                      <a:solidFill>
-                        <a:srgbClr val="AEAAAA"/>
-                      </a:solidFill>
-                      <a:prstDash val="solid"/>
-                      <a:round/>
-                      <a:headEnd type="none" w="med" len="med"/>
-                      <a:tailEnd type="none" w="med" len="med"/>
-                    </a:lnL>
-                    <a:lnR w="12700" cap="flat" cmpd="sng" algn="ctr">
-                      <a:solidFill>
-                        <a:srgbClr val="000000"/>
-                      </a:solidFill>
-                      <a:prstDash val="solid"/>
-                      <a:round/>
-                      <a:headEnd type="none" w="med" len="med"/>
-                      <a:tailEnd type="none" w="med" len="med"/>
-                    </a:lnR>
-                    <a:lnT w="12700" cap="flat" cmpd="sng" algn="ctr">
-                      <a:solidFill>
-                        <a:srgbClr val="000000"/>
-                      </a:solidFill>
-                      <a:prstDash val="solid"/>
-                      <a:round/>
-                      <a:headEnd type="none" w="med" len="med"/>
-                      <a:tailEnd type="none" w="med" len="med"/>
-                    </a:lnT>
-                    <a:lnB w="6350" cap="flat" cmpd="sng" algn="ctr">
-                      <a:solidFill>
-                        <a:srgbClr val="AEAAAA"/>
-                      </a:solidFill>
-                      <a:prstDash val="solid"/>
-                      <a:round/>
-                      <a:headEnd type="none" w="med" len="med"/>
-                      <a:tailEnd type="none" w="med" len="med"/>
-                    </a:lnB>
-                  </a:tcPr>
-                </a:tc>
-                <a:tc>
-                  <a:txBody>
-                    <a:bodyPr/>
-                    <a:lstStyle/>
-                    <a:p>
-                      <a:pPr algn="ctr" fontAlgn="ctr"/>
-                      <a:r>
-                        <a:rPr lang="en-JP" sz="2400" b="0" i="0" u="none" strike="noStrike" dirty="0">
-                          <a:solidFill>
-                            <a:schemeClr val="tx1">
-                              <a:lumMod val="75000"/>
-                              <a:lumOff val="25000"/>
-                            </a:schemeClr>
-                          </a:solidFill>
-                          <a:effectLst/>
-                          <a:latin typeface="IBM Plex Sans" panose="020B0503050203000203" pitchFamily="34" charset="0"/>
-                        </a:rPr>
-                        <a:t> </a:t>
-                      </a:r>
-                    </a:p>
-                  </a:txBody>
-                  <a:tcPr marL="0" marR="0" marT="0" marB="0" anchor="ctr">
-                    <a:lnL w="12700" cap="flat" cmpd="sng" algn="ctr">
-                      <a:solidFill>
-                        <a:srgbClr val="000000"/>
-                      </a:solidFill>
-                      <a:prstDash val="solid"/>
-                      <a:round/>
-                      <a:headEnd type="none" w="med" len="med"/>
-                      <a:tailEnd type="none" w="med" len="med"/>
-                    </a:lnL>
-                    <a:lnR w="6350" cap="flat" cmpd="sng" algn="ctr">
-                      <a:solidFill>
-                        <a:srgbClr val="AEAAAA"/>
-                      </a:solidFill>
-                      <a:prstDash val="solid"/>
-                      <a:round/>
-                      <a:headEnd type="none" w="med" len="med"/>
-                      <a:tailEnd type="none" w="med" len="med"/>
-                    </a:lnR>
-                    <a:lnT w="12700" cap="flat" cmpd="sng" algn="ctr">
-                      <a:solidFill>
-                        <a:srgbClr val="000000"/>
-                      </a:solidFill>
-                      <a:prstDash val="solid"/>
-                      <a:round/>
-                      <a:headEnd type="none" w="med" len="med"/>
-                      <a:tailEnd type="none" w="med" len="med"/>
-                    </a:lnT>
-                    <a:lnB w="6350" cap="flat" cmpd="sng" algn="ctr">
-                      <a:solidFill>
-                        <a:srgbClr val="AEAAAA"/>
-                      </a:solidFill>
-                      <a:prstDash val="solid"/>
-                      <a:round/>
-                      <a:headEnd type="none" w="med" len="med"/>
-                      <a:tailEnd type="none" w="med" len="med"/>
-                    </a:lnB>
-                  </a:tcPr>
-                </a:tc>
-                <a:tc>
-                  <a:txBody>
-                    <a:bodyPr/>
-                    <a:lstStyle/>
-                    <a:p>
-                      <a:pPr algn="r" fontAlgn="b"/>
-                      <a:r>
-                        <a:rPr lang="en-JP" sz="900" b="0" i="0" u="none" strike="noStrike">
-                          <a:solidFill>
-                            <a:schemeClr val="tx1">
-                              <a:lumMod val="75000"/>
-                              <a:lumOff val="25000"/>
-                            </a:schemeClr>
-                          </a:solidFill>
-                          <a:effectLst/>
-                          <a:latin typeface="IBM Plex Sans" panose="020B0503050203000203" pitchFamily="34" charset="0"/>
-                        </a:rPr>
-                        <a:t> </a:t>
-                      </a:r>
-                    </a:p>
-                  </a:txBody>
-                  <a:tcPr marL="0" marR="0" marT="0" marB="0" anchor="b">
-                    <a:lnL w="6350" cap="flat" cmpd="sng" algn="ctr">
-                      <a:solidFill>
-                        <a:srgbClr val="AEAAAA"/>
-                      </a:solidFill>
-                      <a:prstDash val="solid"/>
-                      <a:round/>
-                      <a:headEnd type="none" w="med" len="med"/>
-                      <a:tailEnd type="none" w="med" len="med"/>
-                    </a:lnL>
-                    <a:lnR w="6350" cap="flat" cmpd="sng" algn="ctr">
-                      <a:solidFill>
-                        <a:srgbClr val="AEAAAA"/>
-                      </a:solidFill>
-                      <a:prstDash val="solid"/>
-                      <a:round/>
-                      <a:headEnd type="none" w="med" len="med"/>
-                      <a:tailEnd type="none" w="med" len="med"/>
-                    </a:lnR>
-                    <a:lnT w="12700" cap="flat" cmpd="sng" algn="ctr">
-                      <a:solidFill>
-                        <a:srgbClr val="000000"/>
-                      </a:solidFill>
-                      <a:prstDash val="solid"/>
-                      <a:round/>
-                      <a:headEnd type="none" w="med" len="med"/>
-                      <a:tailEnd type="none" w="med" len="med"/>
-                    </a:lnT>
-                    <a:lnB w="6350" cap="flat" cmpd="sng" algn="ctr">
-                      <a:solidFill>
-                        <a:srgbClr val="AEAAAA"/>
-                      </a:solidFill>
-                      <a:prstDash val="solid"/>
-                      <a:round/>
-                      <a:headEnd type="none" w="med" len="med"/>
-                      <a:tailEnd type="none" w="med" len="med"/>
-                    </a:lnB>
-                  </a:tcPr>
-                </a:tc>
-                <a:tc>
-                  <a:txBody>
-                    <a:bodyPr/>
-                    <a:lstStyle/>
-                    <a:p>
-                      <a:pPr algn="ctr" fontAlgn="ctr"/>
-                      <a:r>
-                        <a:rPr lang="en-JP" sz="2400" b="0" i="0" u="none" strike="noStrike">
-                          <a:solidFill>
-                            <a:schemeClr val="tx1">
-                              <a:lumMod val="75000"/>
-                              <a:lumOff val="25000"/>
-                            </a:schemeClr>
-                          </a:solidFill>
-                          <a:effectLst/>
-                          <a:latin typeface="IBM Plex Sans" panose="020B0503050203000203" pitchFamily="34" charset="0"/>
-                        </a:rPr>
-                        <a:t> </a:t>
-                      </a:r>
-                    </a:p>
-                  </a:txBody>
-                  <a:tcPr marL="0" marR="0" marT="0" marB="0" anchor="ctr">
-                    <a:lnL w="6350" cap="flat" cmpd="sng" algn="ctr">
-                      <a:solidFill>
-                        <a:srgbClr val="AEAAAA"/>
-                      </a:solidFill>
-                      <a:prstDash val="solid"/>
-                      <a:round/>
-                      <a:headEnd type="none" w="med" len="med"/>
-                      <a:tailEnd type="none" w="med" len="med"/>
-                    </a:lnL>
-                    <a:lnR w="12700" cap="flat" cmpd="sng" algn="ctr">
-                      <a:solidFill>
-                        <a:srgbClr val="000000"/>
-                      </a:solidFill>
-                      <a:prstDash val="solid"/>
-                      <a:round/>
-                      <a:headEnd type="none" w="med" len="med"/>
-                      <a:tailEnd type="none" w="med" len="med"/>
-                    </a:lnR>
-                    <a:lnT w="12700" cap="flat" cmpd="sng" algn="ctr">
-                      <a:solidFill>
-                        <a:srgbClr val="000000"/>
-                      </a:solidFill>
-                      <a:prstDash val="solid"/>
-                      <a:round/>
-                      <a:headEnd type="none" w="med" len="med"/>
-                      <a:tailEnd type="none" w="med" len="med"/>
-                    </a:lnT>
-                    <a:lnB w="6350" cap="flat" cmpd="sng" algn="ctr">
-                      <a:solidFill>
-                        <a:srgbClr val="AEAAAA"/>
-                      </a:solidFill>
-                      <a:prstDash val="solid"/>
-                      <a:round/>
-                      <a:headEnd type="none" w="med" len="med"/>
-                      <a:tailEnd type="none" w="med" len="med"/>
-                    </a:lnB>
-                  </a:tcPr>
-                </a:tc>
-                <a:extLst>
-                  <a:ext uri="{0D108BD9-81ED-4DB2-BD59-A6C34878D82A}">
-                    <a16:rowId xmlns:a16="http://schemas.microsoft.com/office/drawing/2014/main" val="3534017523"/>
-                  </a:ext>
-                </a:extLst>
-              </a:tr>
-              <a:tr h="483482">
-                <a:tc>
-                  <a:txBody>
-                    <a:bodyPr/>
-                    <a:lstStyle/>
-                    <a:p>
-                      <a:pPr algn="ctr" fontAlgn="ctr"/>
-                      <a:r>
-                        <a:rPr lang="en-JP" sz="2400" b="0" i="0" u="none" strike="noStrike">
-                          <a:solidFill>
-                            <a:schemeClr val="tx1">
-                              <a:lumMod val="75000"/>
-                              <a:lumOff val="25000"/>
-                            </a:schemeClr>
-                          </a:solidFill>
-                          <a:effectLst/>
-                          <a:latin typeface="IBM Plex Sans" panose="020B0503050203000203" pitchFamily="34" charset="0"/>
-                        </a:rPr>
-                        <a:t> </a:t>
-                      </a:r>
-                    </a:p>
-                  </a:txBody>
-                  <a:tcPr marL="0" marR="0" marT="0" marB="0" anchor="ctr">
-                    <a:lnL w="12700" cap="flat" cmpd="sng" algn="ctr">
-                      <a:solidFill>
-                        <a:srgbClr val="000000"/>
-                      </a:solidFill>
-                      <a:prstDash val="solid"/>
-                      <a:round/>
-                      <a:headEnd type="none" w="med" len="med"/>
-                      <a:tailEnd type="none" w="med" len="med"/>
-                    </a:lnL>
-                    <a:lnR w="6350" cap="flat" cmpd="sng" algn="ctr">
-                      <a:solidFill>
-                        <a:srgbClr val="AEAAAA"/>
-                      </a:solidFill>
-                      <a:prstDash val="solid"/>
-                      <a:round/>
-                      <a:headEnd type="none" w="med" len="med"/>
-                      <a:tailEnd type="none" w="med" len="med"/>
-                    </a:lnR>
-                    <a:lnT w="6350" cap="flat" cmpd="sng" algn="ctr">
-                      <a:solidFill>
-                        <a:srgbClr val="AEAAAA"/>
-                      </a:solidFill>
-                      <a:prstDash val="solid"/>
-                      <a:round/>
-                      <a:headEnd type="none" w="med" len="med"/>
-                      <a:tailEnd type="none" w="med" len="med"/>
-                    </a:lnT>
-                    <a:lnB w="6350" cap="flat" cmpd="sng" algn="ctr">
-                      <a:solidFill>
-                        <a:srgbClr val="AEAAAA"/>
-                      </a:solidFill>
-                      <a:prstDash val="solid"/>
-                      <a:round/>
-                      <a:headEnd type="none" w="med" len="med"/>
-                      <a:tailEnd type="none" w="med" len="med"/>
-                    </a:lnB>
-                  </a:tcPr>
-                </a:tc>
-                <a:tc>
-                  <a:txBody>
-                    <a:bodyPr/>
-                    <a:lstStyle/>
-                    <a:p>
-                      <a:pPr algn="ctr" fontAlgn="ctr"/>
-                      <a:r>
-                        <a:rPr lang="en-JP" sz="2400" b="0" i="0" u="none" strike="noStrike">
-                          <a:solidFill>
-                            <a:schemeClr val="tx1">
-                              <a:lumMod val="75000"/>
-                              <a:lumOff val="25000"/>
-                            </a:schemeClr>
-                          </a:solidFill>
-                          <a:effectLst/>
-                          <a:latin typeface="IBM Plex Sans" panose="020B0503050203000203" pitchFamily="34" charset="0"/>
-                        </a:rPr>
-                        <a:t> </a:t>
-                      </a:r>
-                    </a:p>
-                  </a:txBody>
-                  <a:tcPr marL="0" marR="0" marT="0" marB="0" anchor="ctr">
-                    <a:lnL w="6350" cap="flat" cmpd="sng" algn="ctr">
-                      <a:solidFill>
-                        <a:srgbClr val="AEAAAA"/>
-                      </a:solidFill>
-                      <a:prstDash val="solid"/>
-                      <a:round/>
-                      <a:headEnd type="none" w="med" len="med"/>
-                      <a:tailEnd type="none" w="med" len="med"/>
-                    </a:lnL>
-                    <a:lnR w="6350" cap="flat" cmpd="sng" algn="ctr">
-                      <a:solidFill>
-                        <a:srgbClr val="AEAAAA"/>
-                      </a:solidFill>
-                      <a:prstDash val="solid"/>
-                      <a:round/>
-                      <a:headEnd type="none" w="med" len="med"/>
-                      <a:tailEnd type="none" w="med" len="med"/>
-                    </a:lnR>
-                    <a:lnT w="6350" cap="flat" cmpd="sng" algn="ctr">
-                      <a:solidFill>
-                        <a:srgbClr val="AEAAAA"/>
-                      </a:solidFill>
-                      <a:prstDash val="solid"/>
-                      <a:round/>
-                      <a:headEnd type="none" w="med" len="med"/>
-                      <a:tailEnd type="none" w="med" len="med"/>
-                    </a:lnT>
-                    <a:lnB w="6350" cap="flat" cmpd="sng" algn="ctr">
-                      <a:solidFill>
-                        <a:srgbClr val="AEAAAA"/>
-                      </a:solidFill>
-                      <a:prstDash val="solid"/>
-                      <a:round/>
-                      <a:headEnd type="none" w="med" len="med"/>
-                      <a:tailEnd type="none" w="med" len="med"/>
-                    </a:lnB>
-                  </a:tcPr>
-                </a:tc>
-                <a:tc>
-                  <a:txBody>
-                    <a:bodyPr/>
-                    <a:lstStyle/>
-                    <a:p>
-                      <a:pPr algn="ctr" fontAlgn="ctr"/>
-                      <a:r>
-                        <a:rPr lang="en-US" sz="2400" b="0" i="0" u="none" strike="noStrike">
-                          <a:solidFill>
-                            <a:schemeClr val="tx1">
-                              <a:lumMod val="75000"/>
-                              <a:lumOff val="25000"/>
-                            </a:schemeClr>
-                          </a:solidFill>
-                          <a:effectLst/>
-                          <a:latin typeface="IBM Plex Sans" panose="020B0503050203000203" pitchFamily="34" charset="0"/>
-                        </a:rPr>
-                        <a:t>S</a:t>
-                      </a:r>
-                    </a:p>
-                  </a:txBody>
-                  <a:tcPr marL="0" marR="0" marT="0" marB="0" anchor="ctr">
-                    <a:lnL w="6350" cap="flat" cmpd="sng" algn="ctr">
-                      <a:solidFill>
-                        <a:srgbClr val="AEAAAA"/>
-                      </a:solidFill>
-                      <a:prstDash val="solid"/>
-                      <a:round/>
-                      <a:headEnd type="none" w="med" len="med"/>
-                      <a:tailEnd type="none" w="med" len="med"/>
-                    </a:lnL>
-                    <a:lnR w="12700" cap="flat" cmpd="sng" algn="ctr">
-                      <a:solidFill>
-                        <a:srgbClr val="000000"/>
-                      </a:solidFill>
-                      <a:prstDash val="solid"/>
-                      <a:round/>
-                      <a:headEnd type="none" w="med" len="med"/>
-                      <a:tailEnd type="none" w="med" len="med"/>
-                    </a:lnR>
-                    <a:lnT w="6350" cap="flat" cmpd="sng" algn="ctr">
-                      <a:solidFill>
-                        <a:srgbClr val="AEAAAA"/>
-                      </a:solidFill>
-                      <a:prstDash val="solid"/>
-                      <a:round/>
-                      <a:headEnd type="none" w="med" len="med"/>
-                      <a:tailEnd type="none" w="med" len="med"/>
-                    </a:lnT>
-                    <a:lnB w="6350" cap="flat" cmpd="sng" algn="ctr">
-                      <a:solidFill>
-                        <a:srgbClr val="AEAAAA"/>
-                      </a:solidFill>
-                      <a:prstDash val="solid"/>
-                      <a:round/>
-                      <a:headEnd type="none" w="med" len="med"/>
-                      <a:tailEnd type="none" w="med" len="med"/>
-                    </a:lnB>
-                  </a:tcPr>
-                </a:tc>
-                <a:tc>
-                  <a:txBody>
-                    <a:bodyPr/>
-                    <a:lstStyle/>
-                    <a:p>
-                      <a:pPr algn="ctr" fontAlgn="ctr"/>
-                      <a:r>
-                        <a:rPr lang="en-JP" sz="2400" b="0" i="0" u="none" strike="noStrike">
-                          <a:solidFill>
-                            <a:schemeClr val="tx1">
-                              <a:lumMod val="75000"/>
-                              <a:lumOff val="25000"/>
-                            </a:schemeClr>
-                          </a:solidFill>
-                          <a:effectLst/>
-                          <a:latin typeface="IBM Plex Sans" panose="020B0503050203000203" pitchFamily="34" charset="0"/>
-                        </a:rPr>
-                        <a:t> </a:t>
-                      </a:r>
-                    </a:p>
-                  </a:txBody>
-                  <a:tcPr marL="0" marR="0" marT="0" marB="0" anchor="ctr">
-                    <a:lnL w="12700" cap="flat" cmpd="sng" algn="ctr">
-                      <a:solidFill>
-                        <a:srgbClr val="000000"/>
-                      </a:solidFill>
-                      <a:prstDash val="solid"/>
-                      <a:round/>
-                      <a:headEnd type="none" w="med" len="med"/>
-                      <a:tailEnd type="none" w="med" len="med"/>
-                    </a:lnL>
-                    <a:lnR w="6350" cap="flat" cmpd="sng" algn="ctr">
-                      <a:solidFill>
-                        <a:srgbClr val="AEAAAA"/>
-                      </a:solidFill>
-                      <a:prstDash val="solid"/>
-                      <a:round/>
-                      <a:headEnd type="none" w="med" len="med"/>
-                      <a:tailEnd type="none" w="med" len="med"/>
-                    </a:lnR>
-                    <a:lnT w="6350" cap="flat" cmpd="sng" algn="ctr">
-                      <a:solidFill>
-                        <a:srgbClr val="AEAAAA"/>
-                      </a:solidFill>
-                      <a:prstDash val="solid"/>
-                      <a:round/>
-                      <a:headEnd type="none" w="med" len="med"/>
-                      <a:tailEnd type="none" w="med" len="med"/>
-                    </a:lnT>
-                    <a:lnB w="6350" cap="flat" cmpd="sng" algn="ctr">
-                      <a:solidFill>
-                        <a:srgbClr val="AEAAAA"/>
-                      </a:solidFill>
-                      <a:prstDash val="solid"/>
-                      <a:round/>
-                      <a:headEnd type="none" w="med" len="med"/>
-                      <a:tailEnd type="none" w="med" len="med"/>
-                    </a:lnB>
-                  </a:tcPr>
-                </a:tc>
-                <a:tc>
-                  <a:txBody>
-                    <a:bodyPr/>
-                    <a:lstStyle/>
-                    <a:p>
-                      <a:pPr algn="r" fontAlgn="b"/>
-                      <a:r>
-                        <a:rPr lang="en-US" sz="900" b="0" i="0" u="none" strike="noStrike" dirty="0">
-                          <a:solidFill>
-                            <a:schemeClr val="tx1">
-                              <a:lumMod val="75000"/>
-                              <a:lumOff val="25000"/>
-                            </a:schemeClr>
-                          </a:solidFill>
-                          <a:effectLst/>
-                          <a:latin typeface="IBM Plex Sans" panose="020B0503050203000203" pitchFamily="34" charset="0"/>
-                        </a:rPr>
-                        <a:t>3</a:t>
-                      </a:r>
-                      <a:endParaRPr lang="en-JP" sz="900" b="0" i="0" u="none" strike="noStrike">
+                      <a:endParaRPr lang="en-JP" sz="2400" b="0" i="0" u="none" strike="noStrike" dirty="0">
                         <a:solidFill>
                           <a:schemeClr val="tx1">
                             <a:lumMod val="75000"/>
@@ -12536,7 +13505,7 @@
                       </a:endParaRPr>
                     </a:p>
                   </a:txBody>
-                  <a:tcPr marL="0" marR="0" marT="0" marB="0" anchor="b">
+                  <a:tcPr marL="0" marR="0" marT="0" marB="0" anchor="ctr">
                     <a:lnL w="6350" cap="flat" cmpd="sng" algn="ctr">
                       <a:solidFill>
                         <a:srgbClr val="AEAAAA"/>
@@ -12546,9 +13515,9 @@
                       <a:headEnd type="none" w="med" len="med"/>
                       <a:tailEnd type="none" w="med" len="med"/>
                     </a:lnL>
-                    <a:lnR w="6350" cap="flat" cmpd="sng" algn="ctr">
-                      <a:solidFill>
-                        <a:srgbClr val="AEAAAA"/>
+                    <a:lnR w="12700" cap="flat" cmpd="sng" algn="ctr">
+                      <a:solidFill>
+                        <a:srgbClr val="000000"/>
                       </a:solidFill>
                       <a:prstDash val="solid"/>
                       <a:round/>
@@ -12564,9 +13533,9 @@
                       <a:headEnd type="none" w="med" len="med"/>
                       <a:tailEnd type="none" w="med" len="med"/>
                     </a:lnT>
-                    <a:lnB w="6350" cap="flat" cmpd="sng" algn="ctr">
-                      <a:solidFill>
-                        <a:srgbClr val="AEAAAA"/>
+                    <a:lnB w="12700" cap="flat" cmpd="sng" algn="ctr">
+                      <a:solidFill>
+                        <a:srgbClr val="000000"/>
                       </a:solidFill>
                       <a:prstDash val="solid"/>
                       <a:round/>
@@ -12581,444 +13550,7 @@
                     <a:lstStyle/>
                     <a:p>
                       <a:pPr algn="ctr" fontAlgn="ctr"/>
-                      <a:r>
-                        <a:rPr lang="en-JP" sz="2400" b="0" i="0" u="none" strike="noStrike" dirty="0">
-                          <a:solidFill>
-                            <a:schemeClr val="tx1">
-                              <a:lumMod val="75000"/>
-                              <a:lumOff val="25000"/>
-                            </a:schemeClr>
-                          </a:solidFill>
-                          <a:effectLst/>
-                          <a:latin typeface="IBM Plex Sans" panose="020B0503050203000203" pitchFamily="34" charset="0"/>
-                        </a:rPr>
-                        <a:t> </a:t>
-                      </a:r>
-                    </a:p>
-                  </a:txBody>
-                  <a:tcPr marL="0" marR="0" marT="0" marB="0" anchor="ctr">
-                    <a:lnL w="6350" cap="flat" cmpd="sng" algn="ctr">
-                      <a:solidFill>
-                        <a:srgbClr val="AEAAAA"/>
-                      </a:solidFill>
-                      <a:prstDash val="solid"/>
-                      <a:round/>
-                      <a:headEnd type="none" w="med" len="med"/>
-                      <a:tailEnd type="none" w="med" len="med"/>
-                    </a:lnL>
-                    <a:lnR w="12700" cap="flat" cmpd="sng" algn="ctr">
-                      <a:solidFill>
-                        <a:srgbClr val="000000"/>
-                      </a:solidFill>
-                      <a:prstDash val="solid"/>
-                      <a:round/>
-                      <a:headEnd type="none" w="med" len="med"/>
-                      <a:tailEnd type="none" w="med" len="med"/>
-                    </a:lnR>
-                    <a:lnT w="6350" cap="flat" cmpd="sng" algn="ctr">
-                      <a:solidFill>
-                        <a:srgbClr val="AEAAAA"/>
-                      </a:solidFill>
-                      <a:prstDash val="solid"/>
-                      <a:round/>
-                      <a:headEnd type="none" w="med" len="med"/>
-                      <a:tailEnd type="none" w="med" len="med"/>
-                    </a:lnT>
-                    <a:lnB w="6350" cap="flat" cmpd="sng" algn="ctr">
-                      <a:solidFill>
-                        <a:srgbClr val="AEAAAA"/>
-                      </a:solidFill>
-                      <a:prstDash val="solid"/>
-                      <a:round/>
-                      <a:headEnd type="none" w="med" len="med"/>
-                      <a:tailEnd type="none" w="med" len="med"/>
-                    </a:lnB>
-                  </a:tcPr>
-                </a:tc>
-                <a:tc>
-                  <a:txBody>
-                    <a:bodyPr/>
-                    <a:lstStyle/>
-                    <a:p>
-                      <a:pPr algn="ctr" fontAlgn="ctr"/>
-                      <a:r>
-                        <a:rPr lang="en-JP" sz="2400" b="0" i="0" u="none" strike="noStrike" dirty="0">
-                          <a:solidFill>
-                            <a:schemeClr val="tx1">
-                              <a:lumMod val="75000"/>
-                              <a:lumOff val="25000"/>
-                            </a:schemeClr>
-                          </a:solidFill>
-                          <a:effectLst/>
-                          <a:latin typeface="IBM Plex Sans" panose="020B0503050203000203" pitchFamily="34" charset="0"/>
-                        </a:rPr>
-                        <a:t> </a:t>
-                      </a:r>
-                    </a:p>
-                  </a:txBody>
-                  <a:tcPr marL="0" marR="0" marT="0" marB="0" anchor="ctr">
-                    <a:lnL w="12700" cap="flat" cmpd="sng" algn="ctr">
-                      <a:solidFill>
-                        <a:srgbClr val="000000"/>
-                      </a:solidFill>
-                      <a:prstDash val="solid"/>
-                      <a:round/>
-                      <a:headEnd type="none" w="med" len="med"/>
-                      <a:tailEnd type="none" w="med" len="med"/>
-                    </a:lnL>
-                    <a:lnR w="6350" cap="flat" cmpd="sng" algn="ctr">
-                      <a:solidFill>
-                        <a:srgbClr val="AEAAAA"/>
-                      </a:solidFill>
-                      <a:prstDash val="solid"/>
-                      <a:round/>
-                      <a:headEnd type="none" w="med" len="med"/>
-                      <a:tailEnd type="none" w="med" len="med"/>
-                    </a:lnR>
-                    <a:lnT w="6350" cap="flat" cmpd="sng" algn="ctr">
-                      <a:solidFill>
-                        <a:srgbClr val="AEAAAA"/>
-                      </a:solidFill>
-                      <a:prstDash val="solid"/>
-                      <a:round/>
-                      <a:headEnd type="none" w="med" len="med"/>
-                      <a:tailEnd type="none" w="med" len="med"/>
-                    </a:lnT>
-                    <a:lnB w="6350" cap="flat" cmpd="sng" algn="ctr">
-                      <a:solidFill>
-                        <a:srgbClr val="AEAAAA"/>
-                      </a:solidFill>
-                      <a:prstDash val="solid"/>
-                      <a:round/>
-                      <a:headEnd type="none" w="med" len="med"/>
-                      <a:tailEnd type="none" w="med" len="med"/>
-                    </a:lnB>
-                  </a:tcPr>
-                </a:tc>
-                <a:tc>
-                  <a:txBody>
-                    <a:bodyPr/>
-                    <a:lstStyle/>
-                    <a:p>
-                      <a:pPr algn="ctr" fontAlgn="ctr"/>
-                      <a:r>
-                        <a:rPr lang="en-US" sz="2400" b="0" i="0" u="none" strike="noStrike" dirty="0">
-                          <a:solidFill>
-                            <a:schemeClr val="tx1">
-                              <a:lumMod val="75000"/>
-                              <a:lumOff val="25000"/>
-                            </a:schemeClr>
-                          </a:solidFill>
-                          <a:effectLst/>
-                          <a:latin typeface="IBM Plex Sans" panose="020B0503050203000203" pitchFamily="34" charset="0"/>
-                        </a:rPr>
-                        <a:t>X</a:t>
-                      </a:r>
-                    </a:p>
-                  </a:txBody>
-                  <a:tcPr marL="0" marR="0" marT="0" marB="0" anchor="ctr">
-                    <a:lnL w="6350" cap="flat" cmpd="sng" algn="ctr">
-                      <a:solidFill>
-                        <a:srgbClr val="AEAAAA"/>
-                      </a:solidFill>
-                      <a:prstDash val="solid"/>
-                      <a:round/>
-                      <a:headEnd type="none" w="med" len="med"/>
-                      <a:tailEnd type="none" w="med" len="med"/>
-                    </a:lnL>
-                    <a:lnR w="6350" cap="flat" cmpd="sng" algn="ctr">
-                      <a:solidFill>
-                        <a:srgbClr val="AEAAAA"/>
-                      </a:solidFill>
-                      <a:prstDash val="solid"/>
-                      <a:round/>
-                      <a:headEnd type="none" w="med" len="med"/>
-                      <a:tailEnd type="none" w="med" len="med"/>
-                    </a:lnR>
-                    <a:lnT w="6350" cap="flat" cmpd="sng" algn="ctr">
-                      <a:solidFill>
-                        <a:srgbClr val="AEAAAA"/>
-                      </a:solidFill>
-                      <a:prstDash val="solid"/>
-                      <a:round/>
-                      <a:headEnd type="none" w="med" len="med"/>
-                      <a:tailEnd type="none" w="med" len="med"/>
-                    </a:lnT>
-                    <a:lnB w="6350" cap="flat" cmpd="sng" algn="ctr">
-                      <a:solidFill>
-                        <a:srgbClr val="AEAAAA"/>
-                      </a:solidFill>
-                      <a:prstDash val="solid"/>
-                      <a:round/>
-                      <a:headEnd type="none" w="med" len="med"/>
-                      <a:tailEnd type="none" w="med" len="med"/>
-                    </a:lnB>
-                  </a:tcPr>
-                </a:tc>
-                <a:tc>
-                  <a:txBody>
-                    <a:bodyPr/>
-                    <a:lstStyle/>
-                    <a:p>
-                      <a:pPr algn="r" fontAlgn="b"/>
-                      <a:r>
-                        <a:rPr lang="en-US" sz="900" b="0" i="0" u="none" strike="noStrike" dirty="0">
-                          <a:solidFill>
-                            <a:schemeClr val="tx1">
-                              <a:lumMod val="75000"/>
-                              <a:lumOff val="25000"/>
-                            </a:schemeClr>
-                          </a:solidFill>
-                          <a:effectLst/>
-                          <a:latin typeface="IBM Plex Sans" panose="020B0503050203000203" pitchFamily="34" charset="0"/>
-                        </a:rPr>
-                        <a:t>2</a:t>
-                      </a:r>
-                      <a:endParaRPr lang="en-JP" sz="900" b="0" i="0" u="none" strike="noStrike">
-                        <a:solidFill>
-                          <a:schemeClr val="tx1">
-                            <a:lumMod val="75000"/>
-                            <a:lumOff val="25000"/>
-                          </a:schemeClr>
-                        </a:solidFill>
-                        <a:effectLst/>
-                        <a:latin typeface="IBM Plex Sans" panose="020B0503050203000203" pitchFamily="34" charset="0"/>
-                      </a:endParaRPr>
-                    </a:p>
-                  </a:txBody>
-                  <a:tcPr marL="0" marR="0" marT="0" marB="0" anchor="b">
-                    <a:lnL w="6350" cap="flat" cmpd="sng" algn="ctr">
-                      <a:solidFill>
-                        <a:srgbClr val="AEAAAA"/>
-                      </a:solidFill>
-                      <a:prstDash val="solid"/>
-                      <a:round/>
-                      <a:headEnd type="none" w="med" len="med"/>
-                      <a:tailEnd type="none" w="med" len="med"/>
-                    </a:lnL>
-                    <a:lnR w="12700" cap="flat" cmpd="sng" algn="ctr">
-                      <a:solidFill>
-                        <a:srgbClr val="000000"/>
-                      </a:solidFill>
-                      <a:prstDash val="solid"/>
-                      <a:round/>
-                      <a:headEnd type="none" w="med" len="med"/>
-                      <a:tailEnd type="none" w="med" len="med"/>
-                    </a:lnR>
-                    <a:lnT w="6350" cap="flat" cmpd="sng" algn="ctr">
-                      <a:solidFill>
-                        <a:srgbClr val="AEAAAA"/>
-                      </a:solidFill>
-                      <a:prstDash val="solid"/>
-                      <a:round/>
-                      <a:headEnd type="none" w="med" len="med"/>
-                      <a:tailEnd type="none" w="med" len="med"/>
-                    </a:lnT>
-                    <a:lnB w="6350" cap="flat" cmpd="sng" algn="ctr">
-                      <a:solidFill>
-                        <a:srgbClr val="AEAAAA"/>
-                      </a:solidFill>
-                      <a:prstDash val="solid"/>
-                      <a:round/>
-                      <a:headEnd type="none" w="med" len="med"/>
-                      <a:tailEnd type="none" w="med" len="med"/>
-                    </a:lnB>
-                  </a:tcPr>
-                </a:tc>
-                <a:extLst>
-                  <a:ext uri="{0D108BD9-81ED-4DB2-BD59-A6C34878D82A}">
-                    <a16:rowId xmlns:a16="http://schemas.microsoft.com/office/drawing/2014/main" val="1609837328"/>
-                  </a:ext>
-                </a:extLst>
-              </a:tr>
-              <a:tr h="483482">
-                <a:tc>
-                  <a:txBody>
-                    <a:bodyPr/>
-                    <a:lstStyle/>
-                    <a:p>
-                      <a:pPr algn="ctr" fontAlgn="ctr"/>
-                      <a:r>
-                        <a:rPr lang="en-JP" sz="2400" b="0" i="0" u="none" strike="noStrike">
-                          <a:solidFill>
-                            <a:schemeClr val="tx1">
-                              <a:lumMod val="75000"/>
-                              <a:lumOff val="25000"/>
-                            </a:schemeClr>
-                          </a:solidFill>
-                          <a:effectLst/>
-                          <a:latin typeface="IBM Plex Sans" panose="020B0503050203000203" pitchFamily="34" charset="0"/>
-                        </a:rPr>
-                        <a:t> </a:t>
-                      </a:r>
-                    </a:p>
-                  </a:txBody>
-                  <a:tcPr marL="0" marR="0" marT="0" marB="0" anchor="ctr">
-                    <a:lnL w="12700" cap="flat" cmpd="sng" algn="ctr">
-                      <a:solidFill>
-                        <a:srgbClr val="000000"/>
-                      </a:solidFill>
-                      <a:prstDash val="solid"/>
-                      <a:round/>
-                      <a:headEnd type="none" w="med" len="med"/>
-                      <a:tailEnd type="none" w="med" len="med"/>
-                    </a:lnL>
-                    <a:lnR w="6350" cap="flat" cmpd="sng" algn="ctr">
-                      <a:solidFill>
-                        <a:srgbClr val="AEAAAA"/>
-                      </a:solidFill>
-                      <a:prstDash val="solid"/>
-                      <a:round/>
-                      <a:headEnd type="none" w="med" len="med"/>
-                      <a:tailEnd type="none" w="med" len="med"/>
-                    </a:lnR>
-                    <a:lnT w="6350" cap="flat" cmpd="sng" algn="ctr">
-                      <a:solidFill>
-                        <a:srgbClr val="AEAAAA"/>
-                      </a:solidFill>
-                      <a:prstDash val="solid"/>
-                      <a:round/>
-                      <a:headEnd type="none" w="med" len="med"/>
-                      <a:tailEnd type="none" w="med" len="med"/>
-                    </a:lnT>
-                    <a:lnB w="12700" cap="flat" cmpd="sng" algn="ctr">
-                      <a:solidFill>
-                        <a:srgbClr val="000000"/>
-                      </a:solidFill>
-                      <a:prstDash val="solid"/>
-                      <a:round/>
-                      <a:headEnd type="none" w="med" len="med"/>
-                      <a:tailEnd type="none" w="med" len="med"/>
-                    </a:lnB>
-                  </a:tcPr>
-                </a:tc>
-                <a:tc>
-                  <a:txBody>
-                    <a:bodyPr/>
-                    <a:lstStyle/>
-                    <a:p>
-                      <a:pPr algn="ctr" fontAlgn="ctr"/>
-                      <a:r>
-                        <a:rPr lang="en-JP" sz="2400" b="0" i="0" u="none" strike="noStrike">
-                          <a:solidFill>
-                            <a:schemeClr val="tx1">
-                              <a:lumMod val="75000"/>
-                              <a:lumOff val="25000"/>
-                            </a:schemeClr>
-                          </a:solidFill>
-                          <a:effectLst/>
-                          <a:latin typeface="IBM Plex Sans" panose="020B0503050203000203" pitchFamily="34" charset="0"/>
-                        </a:rPr>
-                        <a:t> </a:t>
-                      </a:r>
-                    </a:p>
-                  </a:txBody>
-                  <a:tcPr marL="0" marR="0" marT="0" marB="0" anchor="ctr">
-                    <a:lnL w="6350" cap="flat" cmpd="sng" algn="ctr">
-                      <a:solidFill>
-                        <a:srgbClr val="AEAAAA"/>
-                      </a:solidFill>
-                      <a:prstDash val="solid"/>
-                      <a:round/>
-                      <a:headEnd type="none" w="med" len="med"/>
-                      <a:tailEnd type="none" w="med" len="med"/>
-                    </a:lnL>
-                    <a:lnR w="6350" cap="flat" cmpd="sng" algn="ctr">
-                      <a:solidFill>
-                        <a:srgbClr val="AEAAAA"/>
-                      </a:solidFill>
-                      <a:prstDash val="solid"/>
-                      <a:round/>
-                      <a:headEnd type="none" w="med" len="med"/>
-                      <a:tailEnd type="none" w="med" len="med"/>
-                    </a:lnR>
-                    <a:lnT w="6350" cap="flat" cmpd="sng" algn="ctr">
-                      <a:solidFill>
-                        <a:srgbClr val="AEAAAA"/>
-                      </a:solidFill>
-                      <a:prstDash val="solid"/>
-                      <a:round/>
-                      <a:headEnd type="none" w="med" len="med"/>
-                      <a:tailEnd type="none" w="med" len="med"/>
-                    </a:lnT>
-                    <a:lnB w="12700" cap="flat" cmpd="sng" algn="ctr">
-                      <a:solidFill>
-                        <a:srgbClr val="000000"/>
-                      </a:solidFill>
-                      <a:prstDash val="solid"/>
-                      <a:round/>
-                      <a:headEnd type="none" w="med" len="med"/>
-                      <a:tailEnd type="none" w="med" len="med"/>
-                    </a:lnB>
-                  </a:tcPr>
-                </a:tc>
-                <a:tc>
-                  <a:txBody>
-                    <a:bodyPr/>
-                    <a:lstStyle/>
-                    <a:p>
-                      <a:pPr algn="ctr" fontAlgn="ctr"/>
-                      <a:r>
-                        <a:rPr lang="en-JP" sz="2400" b="0" i="0" u="none" strike="noStrike">
-                          <a:solidFill>
-                            <a:schemeClr val="tx1">
-                              <a:lumMod val="75000"/>
-                              <a:lumOff val="25000"/>
-                            </a:schemeClr>
-                          </a:solidFill>
-                          <a:effectLst/>
-                          <a:latin typeface="IBM Plex Sans" panose="020B0503050203000203" pitchFamily="34" charset="0"/>
-                        </a:rPr>
-                        <a:t> </a:t>
-                      </a:r>
-                    </a:p>
-                  </a:txBody>
-                  <a:tcPr marL="0" marR="0" marT="0" marB="0" anchor="ctr">
-                    <a:lnL w="6350" cap="flat" cmpd="sng" algn="ctr">
-                      <a:solidFill>
-                        <a:srgbClr val="AEAAAA"/>
-                      </a:solidFill>
-                      <a:prstDash val="solid"/>
-                      <a:round/>
-                      <a:headEnd type="none" w="med" len="med"/>
-                      <a:tailEnd type="none" w="med" len="med"/>
-                    </a:lnL>
-                    <a:lnR w="12700" cap="flat" cmpd="sng" algn="ctr">
-                      <a:solidFill>
-                        <a:srgbClr val="000000"/>
-                      </a:solidFill>
-                      <a:prstDash val="solid"/>
-                      <a:round/>
-                      <a:headEnd type="none" w="med" len="med"/>
-                      <a:tailEnd type="none" w="med" len="med"/>
-                    </a:lnR>
-                    <a:lnT w="6350" cap="flat" cmpd="sng" algn="ctr">
-                      <a:solidFill>
-                        <a:srgbClr val="AEAAAA"/>
-                      </a:solidFill>
-                      <a:prstDash val="solid"/>
-                      <a:round/>
-                      <a:headEnd type="none" w="med" len="med"/>
-                      <a:tailEnd type="none" w="med" len="med"/>
-                    </a:lnT>
-                    <a:lnB w="12700" cap="flat" cmpd="sng" algn="ctr">
-                      <a:solidFill>
-                        <a:srgbClr val="000000"/>
-                      </a:solidFill>
-                      <a:prstDash val="solid"/>
-                      <a:round/>
-                      <a:headEnd type="none" w="med" len="med"/>
-                      <a:tailEnd type="none" w="med" len="med"/>
-                    </a:lnB>
-                  </a:tcPr>
-                </a:tc>
-                <a:tc>
-                  <a:txBody>
-                    <a:bodyPr/>
-                    <a:lstStyle/>
-                    <a:p>
-                      <a:pPr algn="ctr" fontAlgn="ctr"/>
-                      <a:endParaRPr lang="en-JP" sz="2400" b="0" i="0" u="none" strike="noStrike">
+                      <a:endParaRPr lang="en-JP" sz="2400" b="0" i="0" u="none" strike="noStrike" dirty="0">
                         <a:solidFill>
                           <a:schemeClr val="tx1">
                             <a:lumMod val="75000"/>
@@ -13067,6 +13599,11 @@
                       <a:headEnd type="none" w="med" len="med"/>
                       <a:tailEnd type="none" w="med" len="med"/>
                     </a:lnB>
+                    <a:solidFill>
+                      <a:schemeClr val="bg1">
+                        <a:lumMod val="85000"/>
+                      </a:schemeClr>
+                    </a:solidFill>
                   </a:tcPr>
                 </a:tc>
                 <a:tc>
@@ -13076,7 +13613,7 @@
                     <a:p>
                       <a:pPr algn="ctr" fontAlgn="ctr"/>
                       <a:r>
-                        <a:rPr lang="en-JP" sz="2400" b="0" i="0" u="none" strike="noStrike">
+                        <a:rPr lang="en-GB" sz="2400" b="0" i="0" u="none" strike="noStrike" dirty="0">
                           <a:solidFill>
                             <a:schemeClr val="tx1">
                               <a:lumMod val="75000"/>
@@ -13086,8 +13623,18 @@
                           <a:effectLst/>
                           <a:latin typeface="IBM Plex Sans" panose="020B0503050203000203" pitchFamily="34" charset="0"/>
                         </a:rPr>
-                        <a:t> </a:t>
+                        <a:t>H</a:t>
                       </a:r>
+                      <a:endParaRPr lang="en-JP" sz="2400" b="0" i="0" u="none" strike="noStrike" dirty="0">
+                        <a:solidFill>
+                          <a:schemeClr val="tx1">
+                            <a:lumMod val="75000"/>
+                            <a:lumOff val="25000"/>
+                          </a:schemeClr>
+                        </a:solidFill>
+                        <a:effectLst/>
+                        <a:latin typeface="IBM Plex Sans" panose="020B0503050203000203" pitchFamily="34" charset="0"/>
+                      </a:endParaRPr>
                     </a:p>
                   </a:txBody>
                   <a:tcPr marL="0" marR="0" marT="0" marB="0" anchor="ctr">
@@ -13136,7 +13683,7 @@
                     <a:p>
                       <a:pPr algn="ctr" fontAlgn="ctr"/>
                       <a:r>
-                        <a:rPr lang="en-JP" sz="2400" b="0" i="0" u="none" strike="noStrike">
+                        <a:rPr lang="en-GB" sz="2400" b="0" i="0" u="none" strike="noStrike" dirty="0">
                           <a:solidFill>
                             <a:schemeClr val="tx1">
                               <a:lumMod val="75000"/>
@@ -13146,8 +13693,18 @@
                           <a:effectLst/>
                           <a:latin typeface="IBM Plex Sans" panose="020B0503050203000203" pitchFamily="34" charset="0"/>
                         </a:rPr>
-                        <a:t> </a:t>
+                        <a:t>X</a:t>
                       </a:r>
+                      <a:endParaRPr lang="en-JP" sz="2400" b="0" i="0" u="none" strike="noStrike" dirty="0">
+                        <a:solidFill>
+                          <a:schemeClr val="tx1">
+                            <a:lumMod val="75000"/>
+                            <a:lumOff val="25000"/>
+                          </a:schemeClr>
+                        </a:solidFill>
+                        <a:effectLst/>
+                        <a:latin typeface="IBM Plex Sans" panose="020B0503050203000203" pitchFamily="34" charset="0"/>
+                      </a:endParaRPr>
                     </a:p>
                   </a:txBody>
                   <a:tcPr marL="0" marR="0" marT="0" marB="0" anchor="ctr">
@@ -13196,7 +13753,7 @@
                     <a:p>
                       <a:pPr algn="ctr" fontAlgn="ctr"/>
                       <a:r>
-                        <a:rPr lang="en-JP" sz="2400" b="0" i="0" u="none" strike="noStrike" dirty="0">
+                        <a:rPr lang="en-GB" sz="2400" b="0" i="0" u="none" strike="noStrike" dirty="0">
                           <a:solidFill>
                             <a:schemeClr val="tx1">
                               <a:lumMod val="75000"/>
@@ -13206,8 +13763,18 @@
                           <a:effectLst/>
                           <a:latin typeface="IBM Plex Sans" panose="020B0503050203000203" pitchFamily="34" charset="0"/>
                         </a:rPr>
-                        <a:t> </a:t>
+                        <a:t>I</a:t>
                       </a:r>
+                      <a:endParaRPr lang="en-JP" sz="2400" b="0" i="0" u="none" strike="noStrike" dirty="0">
+                        <a:solidFill>
+                          <a:schemeClr val="tx1">
+                            <a:lumMod val="75000"/>
+                            <a:lumOff val="25000"/>
+                          </a:schemeClr>
+                        </a:solidFill>
+                        <a:effectLst/>
+                        <a:latin typeface="IBM Plex Sans" panose="020B0503050203000203" pitchFamily="34" charset="0"/>
+                      </a:endParaRPr>
                     </a:p>
                   </a:txBody>
                   <a:tcPr marL="0" marR="0" marT="0" marB="0" anchor="ctr">
@@ -13256,7 +13823,7 @@
                     <a:p>
                       <a:pPr algn="ctr" fontAlgn="ctr"/>
                       <a:r>
-                        <a:rPr lang="en-JP" sz="2400" b="0" i="0" u="none" strike="noStrike" dirty="0">
+                        <a:rPr lang="en-GB" sz="2400" b="0" i="0" u="none" strike="noStrike" dirty="0">
                           <a:solidFill>
                             <a:schemeClr val="tx1">
                               <a:lumMod val="75000"/>
@@ -13266,8 +13833,18 @@
                           <a:effectLst/>
                           <a:latin typeface="IBM Plex Sans" panose="020B0503050203000203" pitchFamily="34" charset="0"/>
                         </a:rPr>
-                        <a:t> </a:t>
+                        <a:t>Z</a:t>
                       </a:r>
+                      <a:endParaRPr lang="en-JP" sz="2400" b="0" i="0" u="none" strike="noStrike" dirty="0">
+                        <a:solidFill>
+                          <a:schemeClr val="tx1">
+                            <a:lumMod val="75000"/>
+                            <a:lumOff val="25000"/>
+                          </a:schemeClr>
+                        </a:solidFill>
+                        <a:effectLst/>
+                        <a:latin typeface="IBM Plex Sans" panose="020B0503050203000203" pitchFamily="34" charset="0"/>
+                      </a:endParaRPr>
                     </a:p>
                   </a:txBody>
                   <a:tcPr marL="0" marR="0" marT="0" marB="0" anchor="ctr">
@@ -13316,7 +13893,7 @@
                     <a:p>
                       <a:pPr algn="ctr" fontAlgn="ctr"/>
                       <a:r>
-                        <a:rPr lang="en-JP" sz="2400" b="0" i="0" u="none" strike="noStrike" dirty="0">
+                        <a:rPr lang="en-GB" sz="2400" b="0" i="0" u="none" strike="noStrike" dirty="0">
                           <a:solidFill>
                             <a:schemeClr val="tx1">
                               <a:lumMod val="75000"/>
@@ -13326,8 +13903,18 @@
                           <a:effectLst/>
                           <a:latin typeface="IBM Plex Sans" panose="020B0503050203000203" pitchFamily="34" charset="0"/>
                         </a:rPr>
-                        <a:t> </a:t>
+                        <a:t>S</a:t>
                       </a:r>
+                      <a:endParaRPr lang="en-JP" sz="2400" b="0" i="0" u="none" strike="noStrike" dirty="0">
+                        <a:solidFill>
+                          <a:schemeClr val="tx1">
+                            <a:lumMod val="75000"/>
+                            <a:lumOff val="25000"/>
+                          </a:schemeClr>
+                        </a:solidFill>
+                        <a:effectLst/>
+                        <a:latin typeface="IBM Plex Sans" panose="020B0503050203000203" pitchFamily="34" charset="0"/>
+                      </a:endParaRPr>
                     </a:p>
                   </a:txBody>
                   <a:tcPr marL="0" marR="0" marT="0" marB="0" anchor="ctr">
@@ -13510,7 +14097,7 @@
           <p:nvPr>
             <p:extLst>
               <p:ext uri="{D42A27DB-BD31-4B8C-83A1-F6EECF244321}">
-                <p14:modId xmlns:p14="http://schemas.microsoft.com/office/powerpoint/2010/main" val="2125382254"/>
+                <p14:modId xmlns:p14="http://schemas.microsoft.com/office/powerpoint/2010/main" val="593764403"/>
               </p:ext>
             </p:extLst>
           </p:nvPr>
@@ -13623,7 +14210,20 @@
                     <a:bodyPr/>
                     <a:lstStyle/>
                     <a:p>
-                      <a:pPr algn="r" fontAlgn="b"/>
+                      <a:pPr algn="ctr" fontAlgn="b"/>
+                      <a:r>
+                        <a:rPr lang="en-GB" sz="4400" b="0" i="0" u="none" strike="noStrike" dirty="0">
+                          <a:solidFill>
+                            <a:schemeClr val="tx1">
+                              <a:lumMod val="75000"/>
+                              <a:lumOff val="25000"/>
+                            </a:schemeClr>
+                          </a:solidFill>
+                          <a:effectLst/>
+                          <a:latin typeface="IBM Plex Sans" panose="020B0503050203000203" pitchFamily="34" charset="0"/>
+                        </a:rPr>
+                        <a:t>T</a:t>
+                      </a:r>
                       <a:r>
                         <a:rPr lang="en-JP" sz="1600" b="0" i="0" u="none" strike="noStrike" dirty="0">
                           <a:solidFill>
@@ -13639,7 +14239,7 @@
                       </a:r>
                     </a:p>
                   </a:txBody>
-                  <a:tcPr marL="8506" marR="8506" marT="8506" marB="0" anchor="b">
+                  <a:tcPr marL="8506" marR="8506" marT="8506" marB="0" anchor="ctr">
                     <a:lnL w="12700" cap="flat" cmpd="sng" algn="ctr">
                       <a:solidFill>
                         <a:schemeClr val="tx1">
@@ -13703,7 +14303,20 @@
                     <a:bodyPr/>
                     <a:lstStyle/>
                     <a:p>
-                      <a:pPr algn="r" fontAlgn="b"/>
+                      <a:pPr algn="ctr" fontAlgn="b"/>
+                      <a:r>
+                        <a:rPr lang="en-GB" sz="4400" b="0" i="0" u="none" strike="noStrike" dirty="0">
+                          <a:solidFill>
+                            <a:schemeClr val="tx1">
+                              <a:lumMod val="75000"/>
+                              <a:lumOff val="25000"/>
+                            </a:schemeClr>
+                          </a:solidFill>
+                          <a:effectLst/>
+                          <a:latin typeface="IBM Plex Sans" panose="020B0503050203000203" pitchFamily="34" charset="0"/>
+                        </a:rPr>
+                        <a:t>H</a:t>
+                      </a:r>
                       <a:r>
                         <a:rPr lang="en-JP" sz="1600" b="0" i="0" u="none" strike="noStrike" dirty="0">
                           <a:solidFill>
@@ -13719,7 +14332,7 @@
                       </a:r>
                     </a:p>
                   </a:txBody>
-                  <a:tcPr marL="8506" marR="8506" marT="8506" marB="0" anchor="b">
+                  <a:tcPr marL="8506" marR="8506" marT="8506" marB="0" anchor="ctr">
                     <a:lnL w="12700" cap="flat" cmpd="sng" algn="ctr">
                       <a:solidFill>
                         <a:schemeClr val="tx1">
@@ -13783,7 +14396,20 @@
                     <a:bodyPr/>
                     <a:lstStyle/>
                     <a:p>
-                      <a:pPr algn="r" fontAlgn="b"/>
+                      <a:pPr algn="ctr" fontAlgn="b"/>
+                      <a:r>
+                        <a:rPr lang="en-GB" sz="4400" b="0" i="0" u="none" strike="noStrike" dirty="0">
+                          <a:solidFill>
+                            <a:schemeClr val="tx1">
+                              <a:lumMod val="75000"/>
+                              <a:lumOff val="25000"/>
+                            </a:schemeClr>
+                          </a:solidFill>
+                          <a:effectLst/>
+                          <a:latin typeface="IBM Plex Sans" panose="020B0503050203000203" pitchFamily="34" charset="0"/>
+                        </a:rPr>
+                        <a:t>I</a:t>
+                      </a:r>
                       <a:r>
                         <a:rPr lang="en-JP" sz="1600" b="0" i="0" u="none" strike="noStrike" dirty="0">
                           <a:solidFill>
@@ -13799,7 +14425,7 @@
                       </a:r>
                     </a:p>
                   </a:txBody>
-                  <a:tcPr marL="8506" marR="8506" marT="8506" marB="0" anchor="b">
+                  <a:tcPr marL="8506" marR="8506" marT="8506" marB="0" anchor="ctr">
                     <a:lnL w="12700" cap="flat" cmpd="sng" algn="ctr">
                       <a:solidFill>
                         <a:schemeClr val="tx1">
@@ -13863,7 +14489,20 @@
                     <a:bodyPr/>
                     <a:lstStyle/>
                     <a:p>
-                      <a:pPr algn="r" fontAlgn="b"/>
+                      <a:pPr algn="ctr" fontAlgn="b"/>
+                      <a:r>
+                        <a:rPr lang="en-GB" sz="4400" b="0" i="0" u="none" strike="noStrike" dirty="0">
+                          <a:solidFill>
+                            <a:schemeClr val="tx1">
+                              <a:lumMod val="75000"/>
+                              <a:lumOff val="25000"/>
+                            </a:schemeClr>
+                          </a:solidFill>
+                          <a:effectLst/>
+                          <a:latin typeface="IBM Plex Sans" panose="020B0503050203000203" pitchFamily="34" charset="0"/>
+                        </a:rPr>
+                        <a:t>S</a:t>
+                      </a:r>
                       <a:r>
                         <a:rPr lang="en-JP" sz="1600" b="0" i="0" u="none" strike="noStrike" dirty="0">
                           <a:solidFill>
@@ -13879,7 +14518,7 @@
                       </a:r>
                     </a:p>
                   </a:txBody>
-                  <a:tcPr marL="8506" marR="8506" marT="8506" marB="0" anchor="b">
+                  <a:tcPr marL="8506" marR="8506" marT="8506" marB="0" anchor="ctr">
                     <a:lnL w="12700" cap="flat" cmpd="sng" algn="ctr">
                       <a:solidFill>
                         <a:schemeClr val="tx1">
@@ -14518,7 +15157,7 @@
               </a:rPr>
               <a:t>T</a:t>
             </a:r>
-            <a:endParaRPr kumimoji="1" lang="ja-JP" altLang="en-US" sz="4400">
+            <a:endParaRPr kumimoji="1" lang="ja-JP" altLang="en-US" sz="4400" dirty="0">
               <a:solidFill>
                 <a:schemeClr val="tx1">
                   <a:lumMod val="75000"/>
@@ -14718,10 +15357,474 @@
           </a:prstGeom>
         </p:spPr>
       </p:pic>
+      <p:pic>
+        <p:nvPicPr>
+          <p:cNvPr id="27" name="図 6">
+            <a:extLst>
+              <a:ext uri="{FF2B5EF4-FFF2-40B4-BE49-F238E27FC236}">
+                <a16:creationId xmlns:a16="http://schemas.microsoft.com/office/drawing/2014/main" id="{4F821F25-2ADB-4E0B-B20A-965A65031793}"/>
+              </a:ext>
+            </a:extLst>
+          </p:cNvPr>
+          <p:cNvPicPr>
+            <a:picLocks noChangeAspect="1"/>
+          </p:cNvPicPr>
+          <p:nvPr/>
+        </p:nvPicPr>
+        <p:blipFill rotWithShape="1">
+          <a:blip r:embed="rId3"/>
+          <a:srcRect l="11274" t="6170" r="5610" b="5370"/>
+          <a:stretch/>
+        </p:blipFill>
+        <p:spPr>
+          <a:xfrm>
+            <a:off x="4817471" y="2643744"/>
+            <a:ext cx="295275" cy="384175"/>
+          </a:xfrm>
+          <a:prstGeom prst="rect">
+            <a:avLst/>
+          </a:prstGeom>
+        </p:spPr>
+      </p:pic>
+      <p:pic>
+        <p:nvPicPr>
+          <p:cNvPr id="28" name="図 3">
+            <a:extLst>
+              <a:ext uri="{FF2B5EF4-FFF2-40B4-BE49-F238E27FC236}">
+                <a16:creationId xmlns:a16="http://schemas.microsoft.com/office/drawing/2014/main" id="{C68E3980-F25A-4C87-A075-1C0EBF221C8D}"/>
+              </a:ext>
+            </a:extLst>
+          </p:cNvPr>
+          <p:cNvPicPr>
+            <a:picLocks noChangeAspect="1"/>
+          </p:cNvPicPr>
+          <p:nvPr/>
+        </p:nvPicPr>
+        <p:blipFill rotWithShape="1">
+          <a:blip r:embed="rId2"/>
+          <a:srcRect l="16463" t="8943" r="21539" b="8252"/>
+          <a:stretch/>
+        </p:blipFill>
+        <p:spPr>
+          <a:xfrm>
+            <a:off x="4877357" y="3399476"/>
+            <a:ext cx="152400" cy="352425"/>
+          </a:xfrm>
+          <a:prstGeom prst="rect">
+            <a:avLst/>
+          </a:prstGeom>
+        </p:spPr>
+      </p:pic>
+      <p:pic>
+        <p:nvPicPr>
+          <p:cNvPr id="29" name="図 6">
+            <a:extLst>
+              <a:ext uri="{FF2B5EF4-FFF2-40B4-BE49-F238E27FC236}">
+                <a16:creationId xmlns:a16="http://schemas.microsoft.com/office/drawing/2014/main" id="{0876F34F-FF59-41BC-A044-FC61E9821DBD}"/>
+              </a:ext>
+            </a:extLst>
+          </p:cNvPr>
+          <p:cNvPicPr>
+            <a:picLocks noChangeAspect="1"/>
+          </p:cNvPicPr>
+          <p:nvPr/>
+        </p:nvPicPr>
+        <p:blipFill rotWithShape="1">
+          <a:blip r:embed="rId3"/>
+          <a:srcRect l="11274" t="6170" r="5610" b="5370"/>
+          <a:stretch/>
+        </p:blipFill>
+        <p:spPr>
+          <a:xfrm>
+            <a:off x="3360527" y="2233226"/>
+            <a:ext cx="295275" cy="384175"/>
+          </a:xfrm>
+          <a:prstGeom prst="rect">
+            <a:avLst/>
+          </a:prstGeom>
+        </p:spPr>
+      </p:pic>
+      <p:pic>
+        <p:nvPicPr>
+          <p:cNvPr id="30" name="図 3">
+            <a:extLst>
+              <a:ext uri="{FF2B5EF4-FFF2-40B4-BE49-F238E27FC236}">
+                <a16:creationId xmlns:a16="http://schemas.microsoft.com/office/drawing/2014/main" id="{73CAD7FA-111B-4465-A330-CC1E7F203DAF}"/>
+              </a:ext>
+            </a:extLst>
+          </p:cNvPr>
+          <p:cNvPicPr>
+            <a:picLocks noChangeAspect="1"/>
+          </p:cNvPicPr>
+          <p:nvPr/>
+        </p:nvPicPr>
+        <p:blipFill rotWithShape="1">
+          <a:blip r:embed="rId2"/>
+          <a:srcRect l="16463" t="8943" r="21539" b="8252"/>
+          <a:stretch/>
+        </p:blipFill>
+        <p:spPr>
+          <a:xfrm>
+            <a:off x="2946785" y="4186238"/>
+            <a:ext cx="152400" cy="352425"/>
+          </a:xfrm>
+          <a:prstGeom prst="rect">
+            <a:avLst/>
+          </a:prstGeom>
+        </p:spPr>
+      </p:pic>
+      <p:pic>
+        <p:nvPicPr>
+          <p:cNvPr id="31" name="図 3">
+            <a:extLst>
+              <a:ext uri="{FF2B5EF4-FFF2-40B4-BE49-F238E27FC236}">
+                <a16:creationId xmlns:a16="http://schemas.microsoft.com/office/drawing/2014/main" id="{2D0598A5-0D02-44CB-942B-D438F76FB164}"/>
+              </a:ext>
+            </a:extLst>
+          </p:cNvPr>
+          <p:cNvPicPr>
+            <a:picLocks noChangeAspect="1"/>
+          </p:cNvPicPr>
+          <p:nvPr/>
+        </p:nvPicPr>
+        <p:blipFill rotWithShape="1">
+          <a:blip r:embed="rId2"/>
+          <a:srcRect l="16463" t="8943" r="21539" b="8252"/>
+          <a:stretch/>
+        </p:blipFill>
+        <p:spPr>
+          <a:xfrm>
+            <a:off x="2465387" y="2249100"/>
+            <a:ext cx="152400" cy="352425"/>
+          </a:xfrm>
+          <a:prstGeom prst="rect">
+            <a:avLst/>
+          </a:prstGeom>
+        </p:spPr>
+      </p:pic>
+      <p:pic>
+        <p:nvPicPr>
+          <p:cNvPr id="32" name="図 6">
+            <a:extLst>
+              <a:ext uri="{FF2B5EF4-FFF2-40B4-BE49-F238E27FC236}">
+                <a16:creationId xmlns:a16="http://schemas.microsoft.com/office/drawing/2014/main" id="{F80435BC-E6BF-4F03-90DF-1F9C51074EB2}"/>
+              </a:ext>
+            </a:extLst>
+          </p:cNvPr>
+          <p:cNvPicPr>
+            <a:picLocks noChangeAspect="1"/>
+          </p:cNvPicPr>
+          <p:nvPr/>
+        </p:nvPicPr>
+        <p:blipFill rotWithShape="1">
+          <a:blip r:embed="rId3"/>
+          <a:srcRect l="11274" t="6170" r="5610" b="5370"/>
+          <a:stretch/>
+        </p:blipFill>
+        <p:spPr>
+          <a:xfrm>
+            <a:off x="2875347" y="5629461"/>
+            <a:ext cx="295275" cy="384175"/>
+          </a:xfrm>
+          <a:prstGeom prst="rect">
+            <a:avLst/>
+          </a:prstGeom>
+        </p:spPr>
+      </p:pic>
+      <p:pic>
+        <p:nvPicPr>
+          <p:cNvPr id="33" name="図 4">
+            <a:extLst>
+              <a:ext uri="{FF2B5EF4-FFF2-40B4-BE49-F238E27FC236}">
+                <a16:creationId xmlns:a16="http://schemas.microsoft.com/office/drawing/2014/main" id="{2BBD4C4A-CE4A-4159-9935-29A979D08016}"/>
+              </a:ext>
+            </a:extLst>
+          </p:cNvPr>
+          <p:cNvPicPr>
+            <a:picLocks noChangeAspect="1"/>
+          </p:cNvPicPr>
+          <p:nvPr/>
+        </p:nvPicPr>
+        <p:blipFill rotWithShape="1">
+          <a:blip r:embed="rId2"/>
+          <a:srcRect l="17320" t="9779" r="23266" b="6170"/>
+          <a:stretch/>
+        </p:blipFill>
+        <p:spPr>
+          <a:xfrm>
+            <a:off x="1005007" y="5642680"/>
+            <a:ext cx="146050" cy="357736"/>
+          </a:xfrm>
+          <a:prstGeom prst="rect">
+            <a:avLst/>
+          </a:prstGeom>
+        </p:spPr>
+      </p:pic>
+      <p:pic>
+        <p:nvPicPr>
+          <p:cNvPr id="34" name="図 3">
+            <a:extLst>
+              <a:ext uri="{FF2B5EF4-FFF2-40B4-BE49-F238E27FC236}">
+                <a16:creationId xmlns:a16="http://schemas.microsoft.com/office/drawing/2014/main" id="{5CF49E92-36F1-4B37-9C3F-6DDC522495EB}"/>
+              </a:ext>
+            </a:extLst>
+          </p:cNvPr>
+          <p:cNvPicPr>
+            <a:picLocks noChangeAspect="1"/>
+          </p:cNvPicPr>
+          <p:nvPr/>
+        </p:nvPicPr>
+        <p:blipFill rotWithShape="1">
+          <a:blip r:embed="rId2"/>
+          <a:srcRect l="16463" t="8943" r="21539" b="8252"/>
+          <a:stretch/>
+        </p:blipFill>
+        <p:spPr>
+          <a:xfrm>
+            <a:off x="497545" y="3207387"/>
+            <a:ext cx="152400" cy="352425"/>
+          </a:xfrm>
+          <a:prstGeom prst="rect">
+            <a:avLst/>
+          </a:prstGeom>
+        </p:spPr>
+      </p:pic>
+      <p:pic>
+        <p:nvPicPr>
+          <p:cNvPr id="35" name="図 6">
+            <a:extLst>
+              <a:ext uri="{FF2B5EF4-FFF2-40B4-BE49-F238E27FC236}">
+                <a16:creationId xmlns:a16="http://schemas.microsoft.com/office/drawing/2014/main" id="{013CF50D-9F25-4AF5-8944-D1ADBA1E1826}"/>
+              </a:ext>
+            </a:extLst>
+          </p:cNvPr>
+          <p:cNvPicPr>
+            <a:picLocks noChangeAspect="1"/>
+          </p:cNvPicPr>
+          <p:nvPr/>
+        </p:nvPicPr>
+        <p:blipFill rotWithShape="1">
+          <a:blip r:embed="rId3"/>
+          <a:srcRect l="11274" t="6170" r="5610" b="5370"/>
+          <a:stretch/>
+        </p:blipFill>
+        <p:spPr>
+          <a:xfrm>
+            <a:off x="930394" y="3184781"/>
+            <a:ext cx="295275" cy="384175"/>
+          </a:xfrm>
+          <a:prstGeom prst="rect">
+            <a:avLst/>
+          </a:prstGeom>
+        </p:spPr>
+      </p:pic>
+      <p:pic>
+        <p:nvPicPr>
+          <p:cNvPr id="36" name="図 6">
+            <a:extLst>
+              <a:ext uri="{FF2B5EF4-FFF2-40B4-BE49-F238E27FC236}">
+                <a16:creationId xmlns:a16="http://schemas.microsoft.com/office/drawing/2014/main" id="{9E3F28C1-9006-4536-B53A-90C04E004325}"/>
+              </a:ext>
+            </a:extLst>
+          </p:cNvPr>
+          <p:cNvPicPr>
+            <a:picLocks noChangeAspect="1"/>
+          </p:cNvPicPr>
+          <p:nvPr/>
+        </p:nvPicPr>
+        <p:blipFill rotWithShape="1">
+          <a:blip r:embed="rId3"/>
+          <a:srcRect l="11274" t="6170" r="5610" b="5370"/>
+          <a:stretch/>
+        </p:blipFill>
+        <p:spPr>
+          <a:xfrm>
+            <a:off x="426107" y="6104997"/>
+            <a:ext cx="295275" cy="384175"/>
+          </a:xfrm>
+          <a:prstGeom prst="rect">
+            <a:avLst/>
+          </a:prstGeom>
+        </p:spPr>
+      </p:pic>
+      <p:pic>
+        <p:nvPicPr>
+          <p:cNvPr id="37" name="図 5">
+            <a:extLst>
+              <a:ext uri="{FF2B5EF4-FFF2-40B4-BE49-F238E27FC236}">
+                <a16:creationId xmlns:a16="http://schemas.microsoft.com/office/drawing/2014/main" id="{4B0D6C40-7EFB-4F2E-9257-447D493C6802}"/>
+              </a:ext>
+            </a:extLst>
+          </p:cNvPr>
+          <p:cNvPicPr>
+            <a:picLocks noChangeAspect="1"/>
+          </p:cNvPicPr>
+          <p:nvPr/>
+        </p:nvPicPr>
+        <p:blipFill rotWithShape="1">
+          <a:blip r:embed="rId3"/>
+          <a:srcRect l="14888" t="4767" r="10365" b="3477"/>
+          <a:stretch/>
+        </p:blipFill>
+        <p:spPr>
+          <a:xfrm>
+            <a:off x="4368800" y="5109718"/>
+            <a:ext cx="260350" cy="390525"/>
+          </a:xfrm>
+          <a:prstGeom prst="rect">
+            <a:avLst/>
+          </a:prstGeom>
+        </p:spPr>
+      </p:pic>
+      <p:pic>
+        <p:nvPicPr>
+          <p:cNvPr id="38" name="図 3">
+            <a:extLst>
+              <a:ext uri="{FF2B5EF4-FFF2-40B4-BE49-F238E27FC236}">
+                <a16:creationId xmlns:a16="http://schemas.microsoft.com/office/drawing/2014/main" id="{B4F7F65B-B9E7-44E2-B600-CEBF11E56184}"/>
+              </a:ext>
+            </a:extLst>
+          </p:cNvPr>
+          <p:cNvPicPr>
+            <a:picLocks noChangeAspect="1"/>
+          </p:cNvPicPr>
+          <p:nvPr/>
+        </p:nvPicPr>
+        <p:blipFill rotWithShape="1">
+          <a:blip r:embed="rId2"/>
+          <a:srcRect l="16463" t="8943" r="21539" b="8252"/>
+          <a:stretch/>
+        </p:blipFill>
+        <p:spPr>
+          <a:xfrm>
+            <a:off x="3939357" y="5147818"/>
+            <a:ext cx="152400" cy="352425"/>
+          </a:xfrm>
+          <a:prstGeom prst="rect">
+            <a:avLst/>
+          </a:prstGeom>
+        </p:spPr>
+      </p:pic>
+      <p:pic>
+        <p:nvPicPr>
+          <p:cNvPr id="39" name="図 3">
+            <a:extLst>
+              <a:ext uri="{FF2B5EF4-FFF2-40B4-BE49-F238E27FC236}">
+                <a16:creationId xmlns:a16="http://schemas.microsoft.com/office/drawing/2014/main" id="{02B251C6-4427-4198-A8C8-C32A5435E766}"/>
+              </a:ext>
+            </a:extLst>
+          </p:cNvPr>
+          <p:cNvPicPr>
+            <a:picLocks noChangeAspect="1"/>
+          </p:cNvPicPr>
+          <p:nvPr/>
+        </p:nvPicPr>
+        <p:blipFill rotWithShape="1">
+          <a:blip r:embed="rId2"/>
+          <a:srcRect l="16463" t="8943" r="21539" b="8252"/>
+          <a:stretch/>
+        </p:blipFill>
+        <p:spPr>
+          <a:xfrm>
+            <a:off x="3431964" y="2736849"/>
+            <a:ext cx="152400" cy="352425"/>
+          </a:xfrm>
+          <a:prstGeom prst="rect">
+            <a:avLst/>
+          </a:prstGeom>
+        </p:spPr>
+      </p:pic>
+      <p:pic>
+        <p:nvPicPr>
+          <p:cNvPr id="40" name="図 3">
+            <a:extLst>
+              <a:ext uri="{FF2B5EF4-FFF2-40B4-BE49-F238E27FC236}">
+                <a16:creationId xmlns:a16="http://schemas.microsoft.com/office/drawing/2014/main" id="{952D38D8-5BD7-4294-ABAC-319249BE0A76}"/>
+              </a:ext>
+            </a:extLst>
+          </p:cNvPr>
+          <p:cNvPicPr>
+            <a:picLocks noChangeAspect="1"/>
+          </p:cNvPicPr>
+          <p:nvPr/>
+        </p:nvPicPr>
+        <p:blipFill rotWithShape="1">
+          <a:blip r:embed="rId2"/>
+          <a:srcRect l="16463" t="8943" r="21539" b="8252"/>
+          <a:stretch/>
+        </p:blipFill>
+        <p:spPr>
+          <a:xfrm>
+            <a:off x="1481564" y="3708399"/>
+            <a:ext cx="152400" cy="352425"/>
+          </a:xfrm>
+          <a:prstGeom prst="rect">
+            <a:avLst/>
+          </a:prstGeom>
+        </p:spPr>
+      </p:pic>
+      <p:pic>
+        <p:nvPicPr>
+          <p:cNvPr id="46" name="図 6">
+            <a:extLst>
+              <a:ext uri="{FF2B5EF4-FFF2-40B4-BE49-F238E27FC236}">
+                <a16:creationId xmlns:a16="http://schemas.microsoft.com/office/drawing/2014/main" id="{5E8B4204-5F92-44F0-8C59-8B3DB3D99BB8}"/>
+              </a:ext>
+            </a:extLst>
+          </p:cNvPr>
+          <p:cNvPicPr>
+            <a:picLocks noChangeAspect="1"/>
+          </p:cNvPicPr>
+          <p:nvPr/>
+        </p:nvPicPr>
+        <p:blipFill rotWithShape="1">
+          <a:blip r:embed="rId3"/>
+          <a:srcRect l="11274" t="6170" r="5610" b="5370"/>
+          <a:stretch/>
+        </p:blipFill>
+        <p:spPr>
+          <a:xfrm>
+            <a:off x="1410126" y="4641850"/>
+            <a:ext cx="295275" cy="384175"/>
+          </a:xfrm>
+          <a:prstGeom prst="rect">
+            <a:avLst/>
+          </a:prstGeom>
+        </p:spPr>
+      </p:pic>
+      <p:pic>
+        <p:nvPicPr>
+          <p:cNvPr id="57" name="図 6">
+            <a:extLst>
+              <a:ext uri="{FF2B5EF4-FFF2-40B4-BE49-F238E27FC236}">
+                <a16:creationId xmlns:a16="http://schemas.microsoft.com/office/drawing/2014/main" id="{AFA8DDCA-588B-4C1A-B116-DBF9D7A99788}"/>
+              </a:ext>
+            </a:extLst>
+          </p:cNvPr>
+          <p:cNvPicPr>
+            <a:picLocks noChangeAspect="1"/>
+          </p:cNvPicPr>
+          <p:nvPr/>
+        </p:nvPicPr>
+        <p:blipFill rotWithShape="1">
+          <a:blip r:embed="rId3"/>
+          <a:srcRect l="11274" t="6170" r="5610" b="5370"/>
+          <a:stretch/>
+        </p:blipFill>
+        <p:spPr>
+          <a:xfrm>
+            <a:off x="1906587" y="4170363"/>
+            <a:ext cx="295275" cy="384175"/>
+          </a:xfrm>
+          <a:prstGeom prst="rect">
+            <a:avLst/>
+          </a:prstGeom>
+        </p:spPr>
+      </p:pic>
     </p:spTree>
     <p:extLst>
       <p:ext uri="{BB962C8B-B14F-4D97-AF65-F5344CB8AC3E}">
-        <p14:creationId xmlns:p14="http://schemas.microsoft.com/office/powerpoint/2010/main" val="3348428964"/>
+        <p14:creationId xmlns:p14="http://schemas.microsoft.com/office/powerpoint/2010/main" val="3667062807"/>
       </p:ext>
     </p:extLst>
   </p:cSld>
